--- a/Lecture_05.pptx
+++ b/Lecture_05.pptx
@@ -106,6 +106,11 @@
       </a:defRPr>
     </a:lvl9pPr>
   </p:defaultTextStyle>
+  <p:extLst>
+    <p:ext uri="{EFAFB233-063F-42B5-8137-9DF3F51BA10A}">
+      <p15:sldGuideLst xmlns:p15="http://schemas.microsoft.com/office/powerpoint/2012/main"/>
+    </p:ext>
+  </p:extLst>
 </p:presentation>
 </file>
 
@@ -240,7 +245,7 @@
           <a:p>
             <a:fld id="{BD7A958E-9919-40C6-BE16-A207004C291E}" type="datetimeFigureOut">
               <a:rPr lang="en-CA" smtClean="0"/>
-              <a:t>2019-09-17</a:t>
+              <a:t>2019-09-18</a:t>
             </a:fld>
             <a:endParaRPr lang="en-CA"/>
           </a:p>
@@ -410,7 +415,7 @@
           <a:p>
             <a:fld id="{BD7A958E-9919-40C6-BE16-A207004C291E}" type="datetimeFigureOut">
               <a:rPr lang="en-CA" smtClean="0"/>
-              <a:t>2019-09-17</a:t>
+              <a:t>2019-09-18</a:t>
             </a:fld>
             <a:endParaRPr lang="en-CA"/>
           </a:p>
@@ -590,7 +595,7 @@
           <a:p>
             <a:fld id="{BD7A958E-9919-40C6-BE16-A207004C291E}" type="datetimeFigureOut">
               <a:rPr lang="en-CA" smtClean="0"/>
-              <a:t>2019-09-17</a:t>
+              <a:t>2019-09-18</a:t>
             </a:fld>
             <a:endParaRPr lang="en-CA"/>
           </a:p>
@@ -760,7 +765,7 @@
           <a:p>
             <a:fld id="{BD7A958E-9919-40C6-BE16-A207004C291E}" type="datetimeFigureOut">
               <a:rPr lang="en-CA" smtClean="0"/>
-              <a:t>2019-09-17</a:t>
+              <a:t>2019-09-18</a:t>
             </a:fld>
             <a:endParaRPr lang="en-CA"/>
           </a:p>
@@ -1006,7 +1011,7 @@
           <a:p>
             <a:fld id="{BD7A958E-9919-40C6-BE16-A207004C291E}" type="datetimeFigureOut">
               <a:rPr lang="en-CA" smtClean="0"/>
-              <a:t>2019-09-17</a:t>
+              <a:t>2019-09-18</a:t>
             </a:fld>
             <a:endParaRPr lang="en-CA"/>
           </a:p>
@@ -1238,7 +1243,7 @@
           <a:p>
             <a:fld id="{BD7A958E-9919-40C6-BE16-A207004C291E}" type="datetimeFigureOut">
               <a:rPr lang="en-CA" smtClean="0"/>
-              <a:t>2019-09-17</a:t>
+              <a:t>2019-09-18</a:t>
             </a:fld>
             <a:endParaRPr lang="en-CA"/>
           </a:p>
@@ -1605,7 +1610,7 @@
           <a:p>
             <a:fld id="{BD7A958E-9919-40C6-BE16-A207004C291E}" type="datetimeFigureOut">
               <a:rPr lang="en-CA" smtClean="0"/>
-              <a:t>2019-09-17</a:t>
+              <a:t>2019-09-18</a:t>
             </a:fld>
             <a:endParaRPr lang="en-CA"/>
           </a:p>
@@ -1723,7 +1728,7 @@
           <a:p>
             <a:fld id="{BD7A958E-9919-40C6-BE16-A207004C291E}" type="datetimeFigureOut">
               <a:rPr lang="en-CA" smtClean="0"/>
-              <a:t>2019-09-17</a:t>
+              <a:t>2019-09-18</a:t>
             </a:fld>
             <a:endParaRPr lang="en-CA"/>
           </a:p>
@@ -1818,7 +1823,7 @@
           <a:p>
             <a:fld id="{BD7A958E-9919-40C6-BE16-A207004C291E}" type="datetimeFigureOut">
               <a:rPr lang="en-CA" smtClean="0"/>
-              <a:t>2019-09-17</a:t>
+              <a:t>2019-09-18</a:t>
             </a:fld>
             <a:endParaRPr lang="en-CA"/>
           </a:p>
@@ -2095,7 +2100,7 @@
           <a:p>
             <a:fld id="{BD7A958E-9919-40C6-BE16-A207004C291E}" type="datetimeFigureOut">
               <a:rPr lang="en-CA" smtClean="0"/>
-              <a:t>2019-09-17</a:t>
+              <a:t>2019-09-18</a:t>
             </a:fld>
             <a:endParaRPr lang="en-CA"/>
           </a:p>
@@ -2348,7 +2353,7 @@
           <a:p>
             <a:fld id="{BD7A958E-9919-40C6-BE16-A207004C291E}" type="datetimeFigureOut">
               <a:rPr lang="en-CA" smtClean="0"/>
-              <a:t>2019-09-17</a:t>
+              <a:t>2019-09-18</a:t>
             </a:fld>
             <a:endParaRPr lang="en-CA"/>
           </a:p>
@@ -2561,7 +2566,7 @@
           <a:p>
             <a:fld id="{BD7A958E-9919-40C6-BE16-A207004C291E}" type="datetimeFigureOut">
               <a:rPr lang="en-CA" smtClean="0"/>
-              <a:t>2019-09-17</a:t>
+              <a:t>2019-09-18</a:t>
             </a:fld>
             <a:endParaRPr lang="en-CA"/>
           </a:p>
@@ -3548,6 +3553,10 @@
           <a:lstStyle/>
           <a:p>
             <a:r>
+              <a:rPr lang="en-CA" dirty="0" smtClean="0"/>
+              <a:t>Create a list with </a:t>
+            </a:r>
+            <a:r>
               <a:rPr lang="en-CA" dirty="0" err="1" smtClean="0"/>
               <a:t>RecyclerView</a:t>
             </a:r>
@@ -3570,7 +3579,120 @@
           <a:bodyPr/>
           <a:lstStyle/>
           <a:p>
-            <a:endParaRPr lang="en-CA"/>
+            <a:r>
+              <a:rPr lang="en-CA" dirty="0" err="1" smtClean="0"/>
+              <a:t>RecyclerView</a:t>
+            </a:r>
+            <a:r>
+              <a:rPr lang="en-CA" dirty="0" smtClean="0"/>
+              <a:t> is a more advanced and flexible version of </a:t>
+            </a:r>
+            <a:r>
+              <a:rPr lang="en-CA" dirty="0" err="1" smtClean="0"/>
+              <a:t>L</a:t>
+            </a:r>
+            <a:r>
+              <a:rPr lang="en-CA" dirty="0" err="1" smtClean="0"/>
+              <a:t>istView</a:t>
+            </a:r>
+            <a:endParaRPr lang="en-CA" dirty="0" smtClean="0"/>
+          </a:p>
+          <a:p>
+            <a:r>
+              <a:rPr lang="en-CA" dirty="0" err="1" smtClean="0"/>
+              <a:t>ListView</a:t>
+            </a:r>
+            <a:r>
+              <a:rPr lang="en-CA" dirty="0"/>
+              <a:t> </a:t>
+            </a:r>
+            <a:r>
+              <a:rPr lang="en-CA" dirty="0" smtClean="0"/>
+              <a:t>displays a vertically scrollable collection of views, where each view is positioned immediately below the previous view in the list</a:t>
+            </a:r>
+          </a:p>
+          <a:p>
+            <a:r>
+              <a:rPr lang="en-CA" dirty="0" err="1" smtClean="0"/>
+              <a:t>ListView</a:t>
+            </a:r>
+            <a:r>
+              <a:rPr lang="en-CA" dirty="0" smtClean="0"/>
+              <a:t> is an adapter view that doesn’t know the details of the items it displays, but instead requests views on demand from a </a:t>
+            </a:r>
+            <a:r>
+              <a:rPr lang="en-CA" dirty="0" err="1" smtClean="0"/>
+              <a:t>listAdapter</a:t>
+            </a:r>
+            <a:r>
+              <a:rPr lang="en-CA" dirty="0" smtClean="0"/>
+              <a:t> as needed</a:t>
+            </a:r>
+            <a:endParaRPr lang="en-CA" dirty="0"/>
+          </a:p>
+        </p:txBody>
+      </p:sp>
+      <p:sp>
+        <p:nvSpPr>
+          <p:cNvPr id="4" name="TextBox 3"/>
+          <p:cNvSpPr txBox="1"/>
+          <p:nvPr/>
+        </p:nvSpPr>
+        <p:spPr>
+          <a:xfrm>
+            <a:off x="0" y="6488668"/>
+            <a:ext cx="7564582" cy="369332"/>
+          </a:xfrm>
+          <a:prstGeom prst="rect">
+            <a:avLst/>
+          </a:prstGeom>
+          <a:noFill/>
+        </p:spPr>
+        <p:txBody>
+          <a:bodyPr wrap="square" rtlCol="0">
+            <a:spAutoFit/>
+          </a:bodyPr>
+          <a:lstStyle/>
+          <a:p>
+            <a:r>
+              <a:rPr lang="en-CA" dirty="0">
+                <a:hlinkClick r:id="rId2"/>
+              </a:rPr>
+              <a:t>https://developer.android.com/reference/android/widget/ListView.html</a:t>
+            </a:r>
+            <a:endParaRPr lang="en-CA" dirty="0"/>
+          </a:p>
+        </p:txBody>
+      </p:sp>
+      <p:sp>
+        <p:nvSpPr>
+          <p:cNvPr id="5" name="TextBox 4"/>
+          <p:cNvSpPr txBox="1"/>
+          <p:nvPr/>
+        </p:nvSpPr>
+        <p:spPr>
+          <a:xfrm>
+            <a:off x="0" y="6117172"/>
+            <a:ext cx="6788727" cy="369332"/>
+          </a:xfrm>
+          <a:prstGeom prst="rect">
+            <a:avLst/>
+          </a:prstGeom>
+          <a:noFill/>
+        </p:spPr>
+        <p:txBody>
+          <a:bodyPr wrap="square" rtlCol="0">
+            <a:spAutoFit/>
+          </a:bodyPr>
+          <a:lstStyle/>
+          <a:p>
+            <a:r>
+              <a:rPr lang="en-CA" dirty="0">
+                <a:hlinkClick r:id="rId3"/>
+              </a:rPr>
+              <a:t>https://developer.android.com/guide/topics/ui/layout/recyclerview</a:t>
+            </a:r>
+            <a:endParaRPr lang="en-CA" dirty="0"/>
           </a:p>
         </p:txBody>
       </p:sp>

--- a/Lecture_05.pptx
+++ b/Lecture_05.pptx
@@ -8,6 +8,10 @@
     <p:sldId id="256" r:id="rId2"/>
     <p:sldId id="257" r:id="rId3"/>
     <p:sldId id="258" r:id="rId4"/>
+    <p:sldId id="261" r:id="rId5"/>
+    <p:sldId id="259" r:id="rId6"/>
+    <p:sldId id="260" r:id="rId7"/>
+    <p:sldId id="262" r:id="rId8"/>
   </p:sldIdLst>
   <p:sldSz cx="12192000" cy="6858000"/>
   <p:notesSz cx="6858000" cy="9144000"/>
@@ -245,7 +249,7 @@
           <a:p>
             <a:fld id="{BD7A958E-9919-40C6-BE16-A207004C291E}" type="datetimeFigureOut">
               <a:rPr lang="en-CA" smtClean="0"/>
-              <a:t>2019-09-18</a:t>
+              <a:t>2019-09-21</a:t>
             </a:fld>
             <a:endParaRPr lang="en-CA"/>
           </a:p>
@@ -415,7 +419,7 @@
           <a:p>
             <a:fld id="{BD7A958E-9919-40C6-BE16-A207004C291E}" type="datetimeFigureOut">
               <a:rPr lang="en-CA" smtClean="0"/>
-              <a:t>2019-09-18</a:t>
+              <a:t>2019-09-21</a:t>
             </a:fld>
             <a:endParaRPr lang="en-CA"/>
           </a:p>
@@ -595,7 +599,7 @@
           <a:p>
             <a:fld id="{BD7A958E-9919-40C6-BE16-A207004C291E}" type="datetimeFigureOut">
               <a:rPr lang="en-CA" smtClean="0"/>
-              <a:t>2019-09-18</a:t>
+              <a:t>2019-09-21</a:t>
             </a:fld>
             <a:endParaRPr lang="en-CA"/>
           </a:p>
@@ -765,7 +769,7 @@
           <a:p>
             <a:fld id="{BD7A958E-9919-40C6-BE16-A207004C291E}" type="datetimeFigureOut">
               <a:rPr lang="en-CA" smtClean="0"/>
-              <a:t>2019-09-18</a:t>
+              <a:t>2019-09-21</a:t>
             </a:fld>
             <a:endParaRPr lang="en-CA"/>
           </a:p>
@@ -1011,7 +1015,7 @@
           <a:p>
             <a:fld id="{BD7A958E-9919-40C6-BE16-A207004C291E}" type="datetimeFigureOut">
               <a:rPr lang="en-CA" smtClean="0"/>
-              <a:t>2019-09-18</a:t>
+              <a:t>2019-09-21</a:t>
             </a:fld>
             <a:endParaRPr lang="en-CA"/>
           </a:p>
@@ -1243,7 +1247,7 @@
           <a:p>
             <a:fld id="{BD7A958E-9919-40C6-BE16-A207004C291E}" type="datetimeFigureOut">
               <a:rPr lang="en-CA" smtClean="0"/>
-              <a:t>2019-09-18</a:t>
+              <a:t>2019-09-21</a:t>
             </a:fld>
             <a:endParaRPr lang="en-CA"/>
           </a:p>
@@ -1610,7 +1614,7 @@
           <a:p>
             <a:fld id="{BD7A958E-9919-40C6-BE16-A207004C291E}" type="datetimeFigureOut">
               <a:rPr lang="en-CA" smtClean="0"/>
-              <a:t>2019-09-18</a:t>
+              <a:t>2019-09-21</a:t>
             </a:fld>
             <a:endParaRPr lang="en-CA"/>
           </a:p>
@@ -1728,7 +1732,7 @@
           <a:p>
             <a:fld id="{BD7A958E-9919-40C6-BE16-A207004C291E}" type="datetimeFigureOut">
               <a:rPr lang="en-CA" smtClean="0"/>
-              <a:t>2019-09-18</a:t>
+              <a:t>2019-09-21</a:t>
             </a:fld>
             <a:endParaRPr lang="en-CA"/>
           </a:p>
@@ -1823,7 +1827,7 @@
           <a:p>
             <a:fld id="{BD7A958E-9919-40C6-BE16-A207004C291E}" type="datetimeFigureOut">
               <a:rPr lang="en-CA" smtClean="0"/>
-              <a:t>2019-09-18</a:t>
+              <a:t>2019-09-21</a:t>
             </a:fld>
             <a:endParaRPr lang="en-CA"/>
           </a:p>
@@ -2100,7 +2104,7 @@
           <a:p>
             <a:fld id="{BD7A958E-9919-40C6-BE16-A207004C291E}" type="datetimeFigureOut">
               <a:rPr lang="en-CA" smtClean="0"/>
-              <a:t>2019-09-18</a:t>
+              <a:t>2019-09-21</a:t>
             </a:fld>
             <a:endParaRPr lang="en-CA"/>
           </a:p>
@@ -2353,7 +2357,7 @@
           <a:p>
             <a:fld id="{BD7A958E-9919-40C6-BE16-A207004C291E}" type="datetimeFigureOut">
               <a:rPr lang="en-CA" smtClean="0"/>
-              <a:t>2019-09-18</a:t>
+              <a:t>2019-09-21</a:t>
             </a:fld>
             <a:endParaRPr lang="en-CA"/>
           </a:p>
@@ -2566,7 +2570,7 @@
           <a:p>
             <a:fld id="{BD7A958E-9919-40C6-BE16-A207004C291E}" type="datetimeFigureOut">
               <a:rPr lang="en-CA" smtClean="0"/>
-              <a:t>2019-09-18</a:t>
+              <a:t>2019-09-21</a:t>
             </a:fld>
             <a:endParaRPr lang="en-CA"/>
           </a:p>
@@ -3513,9 +3517,518 @@
   <p:timing>
     <p:tnLst>
       <p:par>
-        <p:cTn id="1" dur="indefinite" restart="never" nodeType="tmRoot"/>
+        <p:cTn id="1" dur="indefinite" restart="never" nodeType="tmRoot">
+          <p:childTnLst>
+            <p:seq concurrent="1" nextAc="seek">
+              <p:cTn id="2" dur="indefinite" nodeType="mainSeq">
+                <p:childTnLst>
+                  <p:par>
+                    <p:cTn id="3" fill="hold">
+                      <p:stCondLst>
+                        <p:cond delay="indefinite"/>
+                      </p:stCondLst>
+                      <p:childTnLst>
+                        <p:par>
+                          <p:cTn id="4" fill="hold">
+                            <p:stCondLst>
+                              <p:cond delay="0"/>
+                            </p:stCondLst>
+                            <p:childTnLst>
+                              <p:par>
+                                <p:cTn id="5" presetID="1" presetClass="entr" presetSubtype="0" fill="hold" grpId="0" nodeType="clickEffect">
+                                  <p:stCondLst>
+                                    <p:cond delay="0"/>
+                                  </p:stCondLst>
+                                  <p:childTnLst>
+                                    <p:set>
+                                      <p:cBhvr>
+                                        <p:cTn id="6" dur="1" fill="hold">
+                                          <p:stCondLst>
+                                            <p:cond delay="0"/>
+                                          </p:stCondLst>
+                                        </p:cTn>
+                                        <p:tgtEl>
+                                          <p:spTgt spid="8"/>
+                                        </p:tgtEl>
+                                        <p:attrNameLst>
+                                          <p:attrName>style.visibility</p:attrName>
+                                        </p:attrNameLst>
+                                      </p:cBhvr>
+                                      <p:to>
+                                        <p:strVal val="visible"/>
+                                      </p:to>
+                                    </p:set>
+                                  </p:childTnLst>
+                                </p:cTn>
+                              </p:par>
+                              <p:par>
+                                <p:cTn id="7" presetID="1" presetClass="entr" presetSubtype="0" fill="hold" nodeType="withEffect">
+                                  <p:stCondLst>
+                                    <p:cond delay="0"/>
+                                  </p:stCondLst>
+                                  <p:childTnLst>
+                                    <p:set>
+                                      <p:cBhvr>
+                                        <p:cTn id="8" dur="1" fill="hold">
+                                          <p:stCondLst>
+                                            <p:cond delay="0"/>
+                                          </p:stCondLst>
+                                        </p:cTn>
+                                        <p:tgtEl>
+                                          <p:spTgt spid="5"/>
+                                        </p:tgtEl>
+                                        <p:attrNameLst>
+                                          <p:attrName>style.visibility</p:attrName>
+                                        </p:attrNameLst>
+                                      </p:cBhvr>
+                                      <p:to>
+                                        <p:strVal val="visible"/>
+                                      </p:to>
+                                    </p:set>
+                                  </p:childTnLst>
+                                </p:cTn>
+                              </p:par>
+                            </p:childTnLst>
+                          </p:cTn>
+                        </p:par>
+                      </p:childTnLst>
+                    </p:cTn>
+                  </p:par>
+                  <p:par>
+                    <p:cTn id="9" fill="hold">
+                      <p:stCondLst>
+                        <p:cond delay="indefinite"/>
+                      </p:stCondLst>
+                      <p:childTnLst>
+                        <p:par>
+                          <p:cTn id="10" fill="hold">
+                            <p:stCondLst>
+                              <p:cond delay="0"/>
+                            </p:stCondLst>
+                            <p:childTnLst>
+                              <p:par>
+                                <p:cTn id="11" presetID="1" presetClass="entr" presetSubtype="0" fill="hold" nodeType="clickEffect">
+                                  <p:stCondLst>
+                                    <p:cond delay="0"/>
+                                  </p:stCondLst>
+                                  <p:childTnLst>
+                                    <p:set>
+                                      <p:cBhvr>
+                                        <p:cTn id="12" dur="1" fill="hold">
+                                          <p:stCondLst>
+                                            <p:cond delay="0"/>
+                                          </p:stCondLst>
+                                        </p:cTn>
+                                        <p:tgtEl>
+                                          <p:spTgt spid="4"/>
+                                        </p:tgtEl>
+                                        <p:attrNameLst>
+                                          <p:attrName>style.visibility</p:attrName>
+                                        </p:attrNameLst>
+                                      </p:cBhvr>
+                                      <p:to>
+                                        <p:strVal val="visible"/>
+                                      </p:to>
+                                    </p:set>
+                                  </p:childTnLst>
+                                </p:cTn>
+                              </p:par>
+                              <p:par>
+                                <p:cTn id="13" presetID="1" presetClass="entr" presetSubtype="0" fill="hold" grpId="0" nodeType="withEffect">
+                                  <p:stCondLst>
+                                    <p:cond delay="0"/>
+                                  </p:stCondLst>
+                                  <p:childTnLst>
+                                    <p:set>
+                                      <p:cBhvr>
+                                        <p:cTn id="14" dur="1" fill="hold">
+                                          <p:stCondLst>
+                                            <p:cond delay="0"/>
+                                          </p:stCondLst>
+                                        </p:cTn>
+                                        <p:tgtEl>
+                                          <p:spTgt spid="12"/>
+                                        </p:tgtEl>
+                                        <p:attrNameLst>
+                                          <p:attrName>style.visibility</p:attrName>
+                                        </p:attrNameLst>
+                                      </p:cBhvr>
+                                      <p:to>
+                                        <p:strVal val="visible"/>
+                                      </p:to>
+                                    </p:set>
+                                  </p:childTnLst>
+                                </p:cTn>
+                              </p:par>
+                            </p:childTnLst>
+                          </p:cTn>
+                        </p:par>
+                      </p:childTnLst>
+                    </p:cTn>
+                  </p:par>
+                  <p:par>
+                    <p:cTn id="15" fill="hold">
+                      <p:stCondLst>
+                        <p:cond delay="indefinite"/>
+                      </p:stCondLst>
+                      <p:childTnLst>
+                        <p:par>
+                          <p:cTn id="16" fill="hold">
+                            <p:stCondLst>
+                              <p:cond delay="0"/>
+                            </p:stCondLst>
+                            <p:childTnLst>
+                              <p:par>
+                                <p:cTn id="17" presetID="1" presetClass="entr" presetSubtype="0" fill="hold" nodeType="clickEffect">
+                                  <p:stCondLst>
+                                    <p:cond delay="0"/>
+                                  </p:stCondLst>
+                                  <p:childTnLst>
+                                    <p:set>
+                                      <p:cBhvr>
+                                        <p:cTn id="18" dur="1" fill="hold">
+                                          <p:stCondLst>
+                                            <p:cond delay="0"/>
+                                          </p:stCondLst>
+                                        </p:cTn>
+                                        <p:tgtEl>
+                                          <p:spTgt spid="1028"/>
+                                        </p:tgtEl>
+                                        <p:attrNameLst>
+                                          <p:attrName>style.visibility</p:attrName>
+                                        </p:attrNameLst>
+                                      </p:cBhvr>
+                                      <p:to>
+                                        <p:strVal val="visible"/>
+                                      </p:to>
+                                    </p:set>
+                                  </p:childTnLst>
+                                </p:cTn>
+                              </p:par>
+                              <p:par>
+                                <p:cTn id="19" presetID="1" presetClass="entr" presetSubtype="0" fill="hold" grpId="0" nodeType="withEffect">
+                                  <p:stCondLst>
+                                    <p:cond delay="0"/>
+                                  </p:stCondLst>
+                                  <p:childTnLst>
+                                    <p:set>
+                                      <p:cBhvr>
+                                        <p:cTn id="20" dur="1" fill="hold">
+                                          <p:stCondLst>
+                                            <p:cond delay="0"/>
+                                          </p:stCondLst>
+                                        </p:cTn>
+                                        <p:tgtEl>
+                                          <p:spTgt spid="13"/>
+                                        </p:tgtEl>
+                                        <p:attrNameLst>
+                                          <p:attrName>style.visibility</p:attrName>
+                                        </p:attrNameLst>
+                                      </p:cBhvr>
+                                      <p:to>
+                                        <p:strVal val="visible"/>
+                                      </p:to>
+                                    </p:set>
+                                  </p:childTnLst>
+                                </p:cTn>
+                              </p:par>
+                            </p:childTnLst>
+                          </p:cTn>
+                        </p:par>
+                      </p:childTnLst>
+                    </p:cTn>
+                  </p:par>
+                  <p:par>
+                    <p:cTn id="21" fill="hold">
+                      <p:stCondLst>
+                        <p:cond delay="indefinite"/>
+                      </p:stCondLst>
+                      <p:childTnLst>
+                        <p:par>
+                          <p:cTn id="22" fill="hold">
+                            <p:stCondLst>
+                              <p:cond delay="0"/>
+                            </p:stCondLst>
+                            <p:childTnLst>
+                              <p:par>
+                                <p:cTn id="23" presetID="1" presetClass="entr" presetSubtype="0" fill="hold" nodeType="clickEffect">
+                                  <p:stCondLst>
+                                    <p:cond delay="0"/>
+                                  </p:stCondLst>
+                                  <p:childTnLst>
+                                    <p:set>
+                                      <p:cBhvr>
+                                        <p:cTn id="24" dur="1" fill="hold">
+                                          <p:stCondLst>
+                                            <p:cond delay="0"/>
+                                          </p:stCondLst>
+                                        </p:cTn>
+                                        <p:tgtEl>
+                                          <p:spTgt spid="1030"/>
+                                        </p:tgtEl>
+                                        <p:attrNameLst>
+                                          <p:attrName>style.visibility</p:attrName>
+                                        </p:attrNameLst>
+                                      </p:cBhvr>
+                                      <p:to>
+                                        <p:strVal val="visible"/>
+                                      </p:to>
+                                    </p:set>
+                                  </p:childTnLst>
+                                </p:cTn>
+                              </p:par>
+                              <p:par>
+                                <p:cTn id="25" presetID="1" presetClass="entr" presetSubtype="0" fill="hold" grpId="0" nodeType="withEffect">
+                                  <p:stCondLst>
+                                    <p:cond delay="0"/>
+                                  </p:stCondLst>
+                                  <p:childTnLst>
+                                    <p:set>
+                                      <p:cBhvr>
+                                        <p:cTn id="26" dur="1" fill="hold">
+                                          <p:stCondLst>
+                                            <p:cond delay="0"/>
+                                          </p:stCondLst>
+                                        </p:cTn>
+                                        <p:tgtEl>
+                                          <p:spTgt spid="14"/>
+                                        </p:tgtEl>
+                                        <p:attrNameLst>
+                                          <p:attrName>style.visibility</p:attrName>
+                                        </p:attrNameLst>
+                                      </p:cBhvr>
+                                      <p:to>
+                                        <p:strVal val="visible"/>
+                                      </p:to>
+                                    </p:set>
+                                  </p:childTnLst>
+                                </p:cTn>
+                              </p:par>
+                            </p:childTnLst>
+                          </p:cTn>
+                        </p:par>
+                      </p:childTnLst>
+                    </p:cTn>
+                  </p:par>
+                  <p:par>
+                    <p:cTn id="27" fill="hold">
+                      <p:stCondLst>
+                        <p:cond delay="indefinite"/>
+                      </p:stCondLst>
+                      <p:childTnLst>
+                        <p:par>
+                          <p:cTn id="28" fill="hold">
+                            <p:stCondLst>
+                              <p:cond delay="0"/>
+                            </p:stCondLst>
+                            <p:childTnLst>
+                              <p:par>
+                                <p:cTn id="29" presetID="1" presetClass="entr" presetSubtype="0" fill="hold" nodeType="clickEffect">
+                                  <p:stCondLst>
+                                    <p:cond delay="0"/>
+                                  </p:stCondLst>
+                                  <p:childTnLst>
+                                    <p:set>
+                                      <p:cBhvr>
+                                        <p:cTn id="30" dur="1" fill="hold">
+                                          <p:stCondLst>
+                                            <p:cond delay="0"/>
+                                          </p:stCondLst>
+                                        </p:cTn>
+                                        <p:tgtEl>
+                                          <p:spTgt spid="6"/>
+                                        </p:tgtEl>
+                                        <p:attrNameLst>
+                                          <p:attrName>style.visibility</p:attrName>
+                                        </p:attrNameLst>
+                                      </p:cBhvr>
+                                      <p:to>
+                                        <p:strVal val="visible"/>
+                                      </p:to>
+                                    </p:set>
+                                  </p:childTnLst>
+                                </p:cTn>
+                              </p:par>
+                              <p:par>
+                                <p:cTn id="31" presetID="1" presetClass="entr" presetSubtype="0" fill="hold" grpId="0" nodeType="withEffect">
+                                  <p:stCondLst>
+                                    <p:cond delay="0"/>
+                                  </p:stCondLst>
+                                  <p:childTnLst>
+                                    <p:set>
+                                      <p:cBhvr>
+                                        <p:cTn id="32" dur="1" fill="hold">
+                                          <p:stCondLst>
+                                            <p:cond delay="0"/>
+                                          </p:stCondLst>
+                                        </p:cTn>
+                                        <p:tgtEl>
+                                          <p:spTgt spid="15"/>
+                                        </p:tgtEl>
+                                        <p:attrNameLst>
+                                          <p:attrName>style.visibility</p:attrName>
+                                        </p:attrNameLst>
+                                      </p:cBhvr>
+                                      <p:to>
+                                        <p:strVal val="visible"/>
+                                      </p:to>
+                                    </p:set>
+                                  </p:childTnLst>
+                                </p:cTn>
+                              </p:par>
+                            </p:childTnLst>
+                          </p:cTn>
+                        </p:par>
+                      </p:childTnLst>
+                    </p:cTn>
+                  </p:par>
+                  <p:par>
+                    <p:cTn id="33" fill="hold">
+                      <p:stCondLst>
+                        <p:cond delay="indefinite"/>
+                      </p:stCondLst>
+                      <p:childTnLst>
+                        <p:par>
+                          <p:cTn id="34" fill="hold">
+                            <p:stCondLst>
+                              <p:cond delay="0"/>
+                            </p:stCondLst>
+                            <p:childTnLst>
+                              <p:par>
+                                <p:cTn id="35" presetID="1" presetClass="entr" presetSubtype="0" fill="hold" nodeType="clickEffect">
+                                  <p:stCondLst>
+                                    <p:cond delay="0"/>
+                                  </p:stCondLst>
+                                  <p:childTnLst>
+                                    <p:set>
+                                      <p:cBhvr>
+                                        <p:cTn id="36" dur="1" fill="hold">
+                                          <p:stCondLst>
+                                            <p:cond delay="0"/>
+                                          </p:stCondLst>
+                                        </p:cTn>
+                                        <p:tgtEl>
+                                          <p:spTgt spid="7"/>
+                                        </p:tgtEl>
+                                        <p:attrNameLst>
+                                          <p:attrName>style.visibility</p:attrName>
+                                        </p:attrNameLst>
+                                      </p:cBhvr>
+                                      <p:to>
+                                        <p:strVal val="visible"/>
+                                      </p:to>
+                                    </p:set>
+                                  </p:childTnLst>
+                                </p:cTn>
+                              </p:par>
+                              <p:par>
+                                <p:cTn id="37" presetID="1" presetClass="entr" presetSubtype="0" fill="hold" grpId="0" nodeType="withEffect">
+                                  <p:stCondLst>
+                                    <p:cond delay="0"/>
+                                  </p:stCondLst>
+                                  <p:childTnLst>
+                                    <p:set>
+                                      <p:cBhvr>
+                                        <p:cTn id="38" dur="1" fill="hold">
+                                          <p:stCondLst>
+                                            <p:cond delay="0"/>
+                                          </p:stCondLst>
+                                        </p:cTn>
+                                        <p:tgtEl>
+                                          <p:spTgt spid="16"/>
+                                        </p:tgtEl>
+                                        <p:attrNameLst>
+                                          <p:attrName>style.visibility</p:attrName>
+                                        </p:attrNameLst>
+                                      </p:cBhvr>
+                                      <p:to>
+                                        <p:strVal val="visible"/>
+                                      </p:to>
+                                    </p:set>
+                                  </p:childTnLst>
+                                </p:cTn>
+                              </p:par>
+                            </p:childTnLst>
+                          </p:cTn>
+                        </p:par>
+                      </p:childTnLst>
+                    </p:cTn>
+                  </p:par>
+                  <p:par>
+                    <p:cTn id="39" fill="hold">
+                      <p:stCondLst>
+                        <p:cond delay="indefinite"/>
+                      </p:stCondLst>
+                      <p:childTnLst>
+                        <p:par>
+                          <p:cTn id="40" fill="hold">
+                            <p:stCondLst>
+                              <p:cond delay="0"/>
+                            </p:stCondLst>
+                            <p:childTnLst>
+                              <p:par>
+                                <p:cTn id="41" presetID="1" presetClass="entr" presetSubtype="0" fill="hold" grpId="0" nodeType="clickEffect">
+                                  <p:stCondLst>
+                                    <p:cond delay="0"/>
+                                  </p:stCondLst>
+                                  <p:childTnLst>
+                                    <p:set>
+                                      <p:cBhvr>
+                                        <p:cTn id="42" dur="1" fill="hold">
+                                          <p:stCondLst>
+                                            <p:cond delay="0"/>
+                                          </p:stCondLst>
+                                        </p:cTn>
+                                        <p:tgtEl>
+                                          <p:spTgt spid="9"/>
+                                        </p:tgtEl>
+                                        <p:attrNameLst>
+                                          <p:attrName>style.visibility</p:attrName>
+                                        </p:attrNameLst>
+                                      </p:cBhvr>
+                                      <p:to>
+                                        <p:strVal val="visible"/>
+                                      </p:to>
+                                    </p:set>
+                                  </p:childTnLst>
+                                </p:cTn>
+                              </p:par>
+                            </p:childTnLst>
+                          </p:cTn>
+                        </p:par>
+                      </p:childTnLst>
+                    </p:cTn>
+                  </p:par>
+                </p:childTnLst>
+              </p:cTn>
+              <p:prevCondLst>
+                <p:cond evt="onPrev" delay="0">
+                  <p:tgtEl>
+                    <p:sldTgt/>
+                  </p:tgtEl>
+                </p:cond>
+              </p:prevCondLst>
+              <p:nextCondLst>
+                <p:cond evt="onNext" delay="0">
+                  <p:tgtEl>
+                    <p:sldTgt/>
+                  </p:tgtEl>
+                </p:cond>
+              </p:nextCondLst>
+            </p:seq>
+          </p:childTnLst>
+        </p:cTn>
       </p:par>
     </p:tnLst>
+    <p:bldLst>
+      <p:bldP spid="8" grpId="0"/>
+      <p:bldP spid="12" grpId="0"/>
+      <p:bldP spid="13" grpId="0"/>
+      <p:bldP spid="14" grpId="0"/>
+      <p:bldP spid="15" grpId="0"/>
+      <p:bldP spid="16" grpId="0"/>
+      <p:bldP spid="9" grpId="0"/>
+    </p:bldLst>
   </p:timing>
 </p:sld>
 </file>
@@ -3574,7 +4087,12 @@
             <p:ph idx="1"/>
           </p:nvPr>
         </p:nvSpPr>
-        <p:spPr/>
+        <p:spPr>
+          <a:xfrm>
+            <a:off x="0" y="1825625"/>
+            <a:ext cx="12192000" cy="4351338"/>
+          </a:xfrm>
+        </p:spPr>
         <p:txBody>
           <a:bodyPr/>
           <a:lstStyle/>
@@ -3589,11 +4107,7 @@
             </a:r>
             <a:r>
               <a:rPr lang="en-CA" dirty="0" err="1" smtClean="0"/>
-              <a:t>L</a:t>
-            </a:r>
-            <a:r>
-              <a:rPr lang="en-CA" dirty="0" err="1" smtClean="0"/>
-              <a:t>istView</a:t>
+              <a:t>ListView</a:t>
             </a:r>
             <a:endParaRPr lang="en-CA" dirty="0" smtClean="0"/>
           </a:p>
@@ -3603,12 +4117,8 @@
               <a:t>ListView</a:t>
             </a:r>
             <a:r>
-              <a:rPr lang="en-CA" dirty="0"/>
-              <a:t> </a:t>
-            </a:r>
-            <a:r>
               <a:rPr lang="en-CA" dirty="0" smtClean="0"/>
-              <a:t>displays a vertically scrollable collection of views, where each view is positioned immediately below the previous view in the list</a:t>
+              <a:t> displays a vertically scrollable collection of views, where each view is positioned immediately below the previous view in the list</a:t>
             </a:r>
           </a:p>
           <a:p>
@@ -3627,6 +4137,61 @@
             <a:r>
               <a:rPr lang="en-CA" dirty="0" smtClean="0"/>
               <a:t> as needed</a:t>
+            </a:r>
+          </a:p>
+          <a:p>
+            <a:r>
+              <a:rPr lang="en-CA" dirty="0" err="1" smtClean="0"/>
+              <a:t>RecyclerView</a:t>
+            </a:r>
+            <a:r>
+              <a:rPr lang="en-CA" dirty="0" smtClean="0"/>
+              <a:t> requires you to define a </a:t>
+            </a:r>
+            <a:r>
+              <a:rPr lang="en-CA" dirty="0" err="1" smtClean="0"/>
+              <a:t>ViewHolder</a:t>
+            </a:r>
+            <a:r>
+              <a:rPr lang="en-CA" dirty="0" smtClean="0"/>
+              <a:t> (static) class</a:t>
+            </a:r>
+          </a:p>
+          <a:p>
+            <a:r>
+              <a:rPr lang="en-CA" dirty="0" err="1" smtClean="0"/>
+              <a:t>RecyclerView</a:t>
+            </a:r>
+            <a:r>
+              <a:rPr lang="en-CA" dirty="0" smtClean="0"/>
+              <a:t> supports 3 types of predefined layout managers: </a:t>
+            </a:r>
+            <a:r>
+              <a:rPr lang="en-CA" dirty="0" err="1" smtClean="0"/>
+              <a:t>LinearLayoutManager</a:t>
+            </a:r>
+            <a:r>
+              <a:rPr lang="en-CA" dirty="0" smtClean="0"/>
+              <a:t>, </a:t>
+            </a:r>
+            <a:r>
+              <a:rPr lang="en-CA" dirty="0" err="1" smtClean="0"/>
+              <a:t>StaggeredGridLayoutManager</a:t>
+            </a:r>
+            <a:r>
+              <a:rPr lang="en-CA" dirty="0" smtClean="0"/>
+              <a:t>, </a:t>
+            </a:r>
+            <a:r>
+              <a:rPr lang="en-CA" dirty="0" err="1" smtClean="0"/>
+              <a:t>GridLayoutManager</a:t>
+            </a:r>
+            <a:endParaRPr lang="en-CA" dirty="0" smtClean="0"/>
+          </a:p>
+          <a:p>
+            <a:r>
+              <a:rPr lang="en-CA" dirty="0" smtClean="0"/>
+              <a:t>Handles item animations (item addition, deletion, etc.)</a:t>
             </a:r>
             <a:endParaRPr lang="en-CA" dirty="0"/>
           </a:p>
@@ -3700,6 +4265,5431 @@
     <p:extLst>
       <p:ext uri="{BB962C8B-B14F-4D97-AF65-F5344CB8AC3E}">
         <p14:creationId xmlns:p14="http://schemas.microsoft.com/office/powerpoint/2010/main" val="3280814454"/>
+      </p:ext>
+    </p:extLst>
+  </p:cSld>
+  <p:clrMapOvr>
+    <a:masterClrMapping/>
+  </p:clrMapOvr>
+  <p:timing>
+    <p:tnLst>
+      <p:par>
+        <p:cTn id="1" dur="indefinite" restart="never" nodeType="tmRoot"/>
+      </p:par>
+    </p:tnLst>
+  </p:timing>
+</p:sld>
+</file>
+
+<file path=ppt/slides/slide4.xml><?xml version="1.0" encoding="utf-8"?>
+<p:sld xmlns:a="http://schemas.openxmlformats.org/drawingml/2006/main" xmlns:r="http://schemas.openxmlformats.org/officeDocument/2006/relationships" xmlns:p="http://schemas.openxmlformats.org/presentationml/2006/main">
+  <p:cSld>
+    <p:spTree>
+      <p:nvGrpSpPr>
+        <p:cNvPr id="1" name=""/>
+        <p:cNvGrpSpPr/>
+        <p:nvPr/>
+      </p:nvGrpSpPr>
+      <p:grpSpPr>
+        <a:xfrm>
+          <a:off x="0" y="0"/>
+          <a:ext cx="0" cy="0"/>
+          <a:chOff x="0" y="0"/>
+          <a:chExt cx="0" cy="0"/>
+        </a:xfrm>
+      </p:grpSpPr>
+      <p:sp>
+        <p:nvSpPr>
+          <p:cNvPr id="2" name="Title 1"/>
+          <p:cNvSpPr>
+            <a:spLocks noGrp="1"/>
+          </p:cNvSpPr>
+          <p:nvPr>
+            <p:ph type="title"/>
+          </p:nvPr>
+        </p:nvSpPr>
+        <p:spPr/>
+        <p:txBody>
+          <a:bodyPr/>
+          <a:lstStyle/>
+          <a:p>
+            <a:endParaRPr lang="en-CA"/>
+          </a:p>
+        </p:txBody>
+      </p:sp>
+      <p:sp>
+        <p:nvSpPr>
+          <p:cNvPr id="3" name="Content Placeholder 2"/>
+          <p:cNvSpPr>
+            <a:spLocks noGrp="1"/>
+          </p:cNvSpPr>
+          <p:nvPr>
+            <p:ph idx="1"/>
+          </p:nvPr>
+        </p:nvSpPr>
+        <p:spPr/>
+        <p:txBody>
+          <a:bodyPr/>
+          <a:lstStyle/>
+          <a:p>
+            <a:endParaRPr lang="en-CA"/>
+          </a:p>
+        </p:txBody>
+      </p:sp>
+    </p:spTree>
+    <p:extLst>
+      <p:ext uri="{BB962C8B-B14F-4D97-AF65-F5344CB8AC3E}">
+        <p14:creationId xmlns:p14="http://schemas.microsoft.com/office/powerpoint/2010/main" val="1685182206"/>
+      </p:ext>
+    </p:extLst>
+  </p:cSld>
+  <p:clrMapOvr>
+    <a:masterClrMapping/>
+  </p:clrMapOvr>
+  <p:timing>
+    <p:tnLst>
+      <p:par>
+        <p:cTn id="1" dur="indefinite" restart="never" nodeType="tmRoot"/>
+      </p:par>
+    </p:tnLst>
+  </p:timing>
+</p:sld>
+</file>
+
+<file path=ppt/slides/slide5.xml><?xml version="1.0" encoding="utf-8"?>
+<p:sld xmlns:a="http://schemas.openxmlformats.org/drawingml/2006/main" xmlns:r="http://schemas.openxmlformats.org/officeDocument/2006/relationships" xmlns:p="http://schemas.openxmlformats.org/presentationml/2006/main">
+  <p:cSld>
+    <p:spTree>
+      <p:nvGrpSpPr>
+        <p:cNvPr id="1" name=""/>
+        <p:cNvGrpSpPr/>
+        <p:nvPr/>
+      </p:nvGrpSpPr>
+      <p:grpSpPr>
+        <a:xfrm>
+          <a:off x="0" y="0"/>
+          <a:ext cx="0" cy="0"/>
+          <a:chOff x="0" y="0"/>
+          <a:chExt cx="0" cy="0"/>
+        </a:xfrm>
+      </p:grpSpPr>
+      <p:sp>
+        <p:nvSpPr>
+          <p:cNvPr id="2" name="Title 1"/>
+          <p:cNvSpPr>
+            <a:spLocks noGrp="1"/>
+          </p:cNvSpPr>
+          <p:nvPr>
+            <p:ph type="title"/>
+          </p:nvPr>
+        </p:nvSpPr>
+        <p:spPr>
+          <a:xfrm>
+            <a:off x="0" y="0"/>
+            <a:ext cx="10515600" cy="1325563"/>
+          </a:xfrm>
+        </p:spPr>
+        <p:txBody>
+          <a:bodyPr/>
+          <a:lstStyle/>
+          <a:p>
+            <a:r>
+              <a:rPr lang="en-CA" dirty="0" smtClean="0"/>
+              <a:t>Setting up </a:t>
+            </a:r>
+            <a:r>
+              <a:rPr lang="en-CA" dirty="0" err="1" smtClean="0"/>
+              <a:t>RecyclerView</a:t>
+            </a:r>
+            <a:r>
+              <a:rPr lang="en-CA" dirty="0" smtClean="0"/>
+              <a:t> (in </a:t>
+            </a:r>
+            <a:r>
+              <a:rPr lang="en-CA" dirty="0" err="1" smtClean="0"/>
+              <a:t>MainActivity</a:t>
+            </a:r>
+            <a:r>
+              <a:rPr lang="en-CA" dirty="0" smtClean="0"/>
+              <a:t>)</a:t>
+            </a:r>
+            <a:endParaRPr lang="en-CA" dirty="0"/>
+          </a:p>
+        </p:txBody>
+      </p:sp>
+      <p:sp>
+        <p:nvSpPr>
+          <p:cNvPr id="3" name="Content Placeholder 2"/>
+          <p:cNvSpPr>
+            <a:spLocks noGrp="1"/>
+          </p:cNvSpPr>
+          <p:nvPr>
+            <p:ph idx="1"/>
+          </p:nvPr>
+        </p:nvSpPr>
+        <p:spPr>
+          <a:xfrm>
+            <a:off x="360217" y="1087188"/>
+            <a:ext cx="4583257" cy="5542211"/>
+          </a:xfrm>
+        </p:spPr>
+        <p:txBody>
+          <a:bodyPr/>
+          <a:lstStyle/>
+          <a:p>
+            <a:endParaRPr lang="en-CA" dirty="0"/>
+          </a:p>
+        </p:txBody>
+      </p:sp>
+      <p:sp>
+        <p:nvSpPr>
+          <p:cNvPr id="5" name="Rectangle 2"/>
+          <p:cNvSpPr>
+            <a:spLocks noChangeArrowheads="1"/>
+          </p:cNvSpPr>
+          <p:nvPr/>
+        </p:nvSpPr>
+        <p:spPr bwMode="auto">
+          <a:xfrm>
+            <a:off x="5400674" y="1087189"/>
+            <a:ext cx="6791325" cy="5770811"/>
+          </a:xfrm>
+          <a:prstGeom prst="rect">
+            <a:avLst/>
+          </a:prstGeom>
+          <a:solidFill>
+            <a:srgbClr val="F1F3F4"/>
+          </a:solidFill>
+          <a:ln>
+            <a:noFill/>
+          </a:ln>
+          <a:effectLst/>
+          <a:extLst>
+            <a:ext uri="{91240B29-F687-4F45-9708-019B960494DF}">
+              <a14:hiddenLine xmlns:a14="http://schemas.microsoft.com/office/drawing/2010/main" w="9525">
+                <a:solidFill>
+                  <a:schemeClr val="tx1"/>
+                </a:solidFill>
+                <a:miter lim="800000"/>
+                <a:headEnd/>
+                <a:tailEnd/>
+              </a14:hiddenLine>
+            </a:ext>
+            <a:ext uri="{AF507438-7753-43E0-B8FC-AC1667EBCBE1}">
+              <a14:hiddenEffects xmlns:a14="http://schemas.microsoft.com/office/drawing/2010/main">
+                <a:effectLst>
+                  <a:outerShdw dist="35921" dir="2700000" algn="ctr" rotWithShape="0">
+                    <a:schemeClr val="bg2"/>
+                  </a:outerShdw>
+                </a:effectLst>
+              </a14:hiddenEffects>
+            </a:ext>
+          </a:extLst>
+        </p:spPr>
+        <p:txBody>
+          <a:bodyPr vert="horz" wrap="square" lIns="0" tIns="0" rIns="0" bIns="0" numCol="1" anchor="ctr" anchorCtr="0" compatLnSpc="1">
+            <a:prstTxWarp prst="textNoShape">
+              <a:avLst/>
+            </a:prstTxWarp>
+            <a:spAutoFit/>
+          </a:bodyPr>
+          <a:lstStyle/>
+          <a:p>
+            <a:pPr marL="0" marR="0" lvl="0" indent="0" algn="l" defTabSz="914400" rtl="0" eaLnBrk="0" fontAlgn="base" latinLnBrk="0" hangingPunct="0">
+              <a:lnSpc>
+                <a:spcPct val="100000"/>
+              </a:lnSpc>
+              <a:spcBef>
+                <a:spcPct val="0"/>
+              </a:spcBef>
+              <a:spcAft>
+                <a:spcPct val="0"/>
+              </a:spcAft>
+              <a:buClrTx/>
+              <a:buSzTx/>
+              <a:buFontTx/>
+              <a:buNone/>
+              <a:tabLst/>
+            </a:pPr>
+            <a:r>
+              <a:rPr kumimoji="0" lang="en-US" altLang="en-US" sz="1500" b="0" i="0" u="none" strike="noStrike" cap="none" normalizeH="0" baseline="0" dirty="0" smtClean="0">
+                <a:ln>
+                  <a:noFill/>
+                </a:ln>
+                <a:solidFill>
+                  <a:srgbClr val="3B78E7"/>
+                </a:solidFill>
+                <a:effectLst/>
+                <a:latin typeface="Roboto Mono"/>
+              </a:rPr>
+              <a:t>public</a:t>
+            </a:r>
+            <a:r>
+              <a:rPr kumimoji="0" lang="en-US" altLang="en-US" sz="1500" b="0" i="0" u="none" strike="noStrike" cap="none" normalizeH="0" baseline="0" dirty="0" smtClean="0">
+                <a:ln>
+                  <a:noFill/>
+                </a:ln>
+                <a:solidFill>
+                  <a:srgbClr val="37474F"/>
+                </a:solidFill>
+                <a:effectLst/>
+                <a:latin typeface="Roboto Mono"/>
+              </a:rPr>
+              <a:t> </a:t>
+            </a:r>
+            <a:r>
+              <a:rPr kumimoji="0" lang="en-US" altLang="en-US" sz="1500" b="0" i="0" u="none" strike="noStrike" cap="none" normalizeH="0" baseline="0" dirty="0" smtClean="0">
+                <a:ln>
+                  <a:noFill/>
+                </a:ln>
+                <a:solidFill>
+                  <a:srgbClr val="3B78E7"/>
+                </a:solidFill>
+                <a:effectLst/>
+                <a:latin typeface="Roboto Mono"/>
+              </a:rPr>
+              <a:t>class</a:t>
+            </a:r>
+            <a:r>
+              <a:rPr kumimoji="0" lang="en-US" altLang="en-US" sz="1500" b="0" i="0" u="none" strike="noStrike" cap="none" normalizeH="0" baseline="0" dirty="0" smtClean="0">
+                <a:ln>
+                  <a:noFill/>
+                </a:ln>
+                <a:solidFill>
+                  <a:srgbClr val="37474F"/>
+                </a:solidFill>
+                <a:effectLst/>
+                <a:latin typeface="Roboto Mono"/>
+              </a:rPr>
+              <a:t> </a:t>
+            </a:r>
+            <a:r>
+              <a:rPr kumimoji="0" lang="en-US" altLang="en-US" sz="1500" b="0" i="0" u="none" strike="noStrike" cap="none" normalizeH="0" baseline="0" dirty="0" err="1" smtClean="0">
+                <a:ln>
+                  <a:noFill/>
+                </a:ln>
+                <a:solidFill>
+                  <a:srgbClr val="9C27B0"/>
+                </a:solidFill>
+                <a:effectLst/>
+                <a:latin typeface="Roboto Mono"/>
+              </a:rPr>
+              <a:t>MyActivity</a:t>
+            </a:r>
+            <a:r>
+              <a:rPr kumimoji="0" lang="en-US" altLang="en-US" sz="1500" b="0" i="0" u="none" strike="noStrike" cap="none" normalizeH="0" baseline="0" dirty="0" smtClean="0">
+                <a:ln>
+                  <a:noFill/>
+                </a:ln>
+                <a:solidFill>
+                  <a:srgbClr val="37474F"/>
+                </a:solidFill>
+                <a:effectLst/>
+                <a:latin typeface="Roboto Mono"/>
+              </a:rPr>
+              <a:t> </a:t>
+            </a:r>
+            <a:r>
+              <a:rPr kumimoji="0" lang="en-US" altLang="en-US" sz="1500" b="0" i="0" u="none" strike="noStrike" cap="none" normalizeH="0" baseline="0" dirty="0" smtClean="0">
+                <a:ln>
+                  <a:noFill/>
+                </a:ln>
+                <a:solidFill>
+                  <a:srgbClr val="3B78E7"/>
+                </a:solidFill>
+                <a:effectLst/>
+                <a:latin typeface="Roboto Mono"/>
+              </a:rPr>
+              <a:t>extends</a:t>
+            </a:r>
+            <a:r>
+              <a:rPr kumimoji="0" lang="en-US" altLang="en-US" sz="1500" b="0" i="0" u="none" strike="noStrike" cap="none" normalizeH="0" baseline="0" dirty="0" smtClean="0">
+                <a:ln>
+                  <a:noFill/>
+                </a:ln>
+                <a:solidFill>
+                  <a:srgbClr val="37474F"/>
+                </a:solidFill>
+                <a:effectLst/>
+                <a:latin typeface="Roboto Mono"/>
+              </a:rPr>
+              <a:t> </a:t>
+            </a:r>
+            <a:r>
+              <a:rPr kumimoji="0" lang="en-US" altLang="en-US" sz="1500" b="0" i="0" u="none" strike="noStrike" cap="none" normalizeH="0" baseline="0" dirty="0" smtClean="0">
+                <a:ln>
+                  <a:noFill/>
+                </a:ln>
+                <a:solidFill>
+                  <a:srgbClr val="9C27B0"/>
+                </a:solidFill>
+                <a:effectLst/>
+                <a:latin typeface="Roboto Mono"/>
+              </a:rPr>
+              <a:t>Activity</a:t>
+            </a:r>
+            <a:r>
+              <a:rPr kumimoji="0" lang="en-US" altLang="en-US" sz="1500" b="0" i="0" u="none" strike="noStrike" cap="none" normalizeH="0" baseline="0" dirty="0" smtClean="0">
+                <a:ln>
+                  <a:noFill/>
+                </a:ln>
+                <a:solidFill>
+                  <a:srgbClr val="37474F"/>
+                </a:solidFill>
+                <a:effectLst/>
+                <a:latin typeface="Roboto Mono"/>
+              </a:rPr>
+              <a:t> {</a:t>
+            </a:r>
+            <a:br>
+              <a:rPr kumimoji="0" lang="en-US" altLang="en-US" sz="1500" b="0" i="0" u="none" strike="noStrike" cap="none" normalizeH="0" baseline="0" dirty="0" smtClean="0">
+                <a:ln>
+                  <a:noFill/>
+                </a:ln>
+                <a:solidFill>
+                  <a:srgbClr val="37474F"/>
+                </a:solidFill>
+                <a:effectLst/>
+                <a:latin typeface="Roboto Mono"/>
+              </a:rPr>
+            </a:br>
+            <a:r>
+              <a:rPr kumimoji="0" lang="en-US" altLang="en-US" sz="1500" b="0" i="0" u="none" strike="noStrike" cap="none" normalizeH="0" baseline="0" dirty="0" smtClean="0">
+                <a:ln>
+                  <a:noFill/>
+                </a:ln>
+                <a:solidFill>
+                  <a:srgbClr val="37474F"/>
+                </a:solidFill>
+                <a:effectLst/>
+                <a:latin typeface="Roboto Mono"/>
+              </a:rPr>
+              <a:t>    </a:t>
+            </a:r>
+            <a:r>
+              <a:rPr kumimoji="0" lang="en-US" altLang="en-US" sz="1500" b="0" i="0" u="none" strike="noStrike" cap="none" normalizeH="0" baseline="0" dirty="0" smtClean="0">
+                <a:ln>
+                  <a:noFill/>
+                </a:ln>
+                <a:solidFill>
+                  <a:srgbClr val="3B78E7"/>
+                </a:solidFill>
+                <a:effectLst/>
+                <a:latin typeface="Roboto Mono"/>
+              </a:rPr>
+              <a:t>private</a:t>
+            </a:r>
+            <a:r>
+              <a:rPr kumimoji="0" lang="en-US" altLang="en-US" sz="1500" b="0" i="0" u="none" strike="noStrike" cap="none" normalizeH="0" baseline="0" dirty="0" smtClean="0">
+                <a:ln>
+                  <a:noFill/>
+                </a:ln>
+                <a:solidFill>
+                  <a:srgbClr val="37474F"/>
+                </a:solidFill>
+                <a:effectLst/>
+                <a:latin typeface="Roboto Mono"/>
+              </a:rPr>
+              <a:t> </a:t>
+            </a:r>
+            <a:r>
+              <a:rPr kumimoji="0" lang="en-US" altLang="en-US" sz="1500" b="0" i="0" u="none" strike="noStrike" cap="none" normalizeH="0" baseline="0" dirty="0" err="1" smtClean="0">
+                <a:ln>
+                  <a:noFill/>
+                </a:ln>
+                <a:solidFill>
+                  <a:srgbClr val="9C27B0"/>
+                </a:solidFill>
+                <a:effectLst/>
+                <a:latin typeface="Roboto Mono"/>
+              </a:rPr>
+              <a:t>RecyclerView</a:t>
+            </a:r>
+            <a:r>
+              <a:rPr kumimoji="0" lang="en-US" altLang="en-US" sz="1500" b="0" i="0" u="none" strike="noStrike" cap="none" normalizeH="0" baseline="0" dirty="0" smtClean="0">
+                <a:ln>
+                  <a:noFill/>
+                </a:ln>
+                <a:solidFill>
+                  <a:srgbClr val="37474F"/>
+                </a:solidFill>
+                <a:effectLst/>
+                <a:latin typeface="Roboto Mono"/>
+              </a:rPr>
+              <a:t> </a:t>
+            </a:r>
+            <a:r>
+              <a:rPr kumimoji="0" lang="en-US" altLang="en-US" sz="1500" b="0" i="0" u="none" strike="noStrike" cap="none" normalizeH="0" baseline="0" dirty="0" err="1" smtClean="0">
+                <a:ln>
+                  <a:noFill/>
+                </a:ln>
+                <a:solidFill>
+                  <a:srgbClr val="37474F"/>
+                </a:solidFill>
+                <a:effectLst/>
+                <a:latin typeface="Roboto Mono"/>
+              </a:rPr>
+              <a:t>recyclerView</a:t>
+            </a:r>
+            <a:r>
+              <a:rPr kumimoji="0" lang="en-US" altLang="en-US" sz="1500" b="0" i="0" u="none" strike="noStrike" cap="none" normalizeH="0" baseline="0" dirty="0" smtClean="0">
+                <a:ln>
+                  <a:noFill/>
+                </a:ln>
+                <a:solidFill>
+                  <a:srgbClr val="37474F"/>
+                </a:solidFill>
+                <a:effectLst/>
+                <a:latin typeface="Roboto Mono"/>
+              </a:rPr>
+              <a:t>;</a:t>
+            </a:r>
+            <a:br>
+              <a:rPr kumimoji="0" lang="en-US" altLang="en-US" sz="1500" b="0" i="0" u="none" strike="noStrike" cap="none" normalizeH="0" baseline="0" dirty="0" smtClean="0">
+                <a:ln>
+                  <a:noFill/>
+                </a:ln>
+                <a:solidFill>
+                  <a:srgbClr val="37474F"/>
+                </a:solidFill>
+                <a:effectLst/>
+                <a:latin typeface="Roboto Mono"/>
+              </a:rPr>
+            </a:br>
+            <a:r>
+              <a:rPr kumimoji="0" lang="en-US" altLang="en-US" sz="1500" b="0" i="0" u="none" strike="noStrike" cap="none" normalizeH="0" baseline="0" dirty="0" smtClean="0">
+                <a:ln>
+                  <a:noFill/>
+                </a:ln>
+                <a:solidFill>
+                  <a:srgbClr val="37474F"/>
+                </a:solidFill>
+                <a:effectLst/>
+                <a:latin typeface="Roboto Mono"/>
+              </a:rPr>
+              <a:t>    </a:t>
+            </a:r>
+            <a:r>
+              <a:rPr kumimoji="0" lang="en-US" altLang="en-US" sz="1500" b="0" i="0" u="none" strike="noStrike" cap="none" normalizeH="0" baseline="0" dirty="0" smtClean="0">
+                <a:ln>
+                  <a:noFill/>
+                </a:ln>
+                <a:solidFill>
+                  <a:srgbClr val="3B78E7"/>
+                </a:solidFill>
+                <a:effectLst/>
+                <a:latin typeface="Roboto Mono"/>
+              </a:rPr>
+              <a:t>private</a:t>
+            </a:r>
+            <a:r>
+              <a:rPr kumimoji="0" lang="en-US" altLang="en-US" sz="1500" b="0" i="0" u="none" strike="noStrike" cap="none" normalizeH="0" baseline="0" dirty="0" smtClean="0">
+                <a:ln>
+                  <a:noFill/>
+                </a:ln>
+                <a:solidFill>
+                  <a:srgbClr val="37474F"/>
+                </a:solidFill>
+                <a:effectLst/>
+                <a:latin typeface="Roboto Mono"/>
+              </a:rPr>
+              <a:t> </a:t>
+            </a:r>
+            <a:r>
+              <a:rPr kumimoji="0" lang="en-US" altLang="en-US" sz="1500" b="0" i="0" u="none" strike="noStrike" cap="none" normalizeH="0" baseline="0" dirty="0" err="1" smtClean="0">
+                <a:ln>
+                  <a:noFill/>
+                </a:ln>
+                <a:solidFill>
+                  <a:srgbClr val="9C27B0"/>
+                </a:solidFill>
+                <a:effectLst/>
+                <a:latin typeface="Roboto Mono"/>
+              </a:rPr>
+              <a:t>RecyclerView</a:t>
+            </a:r>
+            <a:r>
+              <a:rPr kumimoji="0" lang="en-US" altLang="en-US" sz="1500" b="0" i="0" u="none" strike="noStrike" cap="none" normalizeH="0" baseline="0" dirty="0" err="1" smtClean="0">
+                <a:ln>
+                  <a:noFill/>
+                </a:ln>
+                <a:solidFill>
+                  <a:srgbClr val="37474F"/>
+                </a:solidFill>
+                <a:effectLst/>
+                <a:latin typeface="Roboto Mono"/>
+              </a:rPr>
+              <a:t>.</a:t>
+            </a:r>
+            <a:r>
+              <a:rPr kumimoji="0" lang="en-US" altLang="en-US" sz="1500" b="0" i="0" u="none" strike="noStrike" cap="none" normalizeH="0" baseline="0" dirty="0" err="1" smtClean="0">
+                <a:ln>
+                  <a:noFill/>
+                </a:ln>
+                <a:solidFill>
+                  <a:srgbClr val="9C27B0"/>
+                </a:solidFill>
+                <a:effectLst/>
+                <a:latin typeface="Roboto Mono"/>
+              </a:rPr>
+              <a:t>Adapter</a:t>
+            </a:r>
+            <a:r>
+              <a:rPr kumimoji="0" lang="en-US" altLang="en-US" sz="1500" b="0" i="0" u="none" strike="noStrike" cap="none" normalizeH="0" baseline="0" dirty="0" smtClean="0">
+                <a:ln>
+                  <a:noFill/>
+                </a:ln>
+                <a:solidFill>
+                  <a:srgbClr val="37474F"/>
+                </a:solidFill>
+                <a:effectLst/>
+                <a:latin typeface="Roboto Mono"/>
+              </a:rPr>
+              <a:t> </a:t>
+            </a:r>
+            <a:r>
+              <a:rPr kumimoji="0" lang="en-US" altLang="en-US" sz="1500" b="0" i="0" u="none" strike="noStrike" cap="none" normalizeH="0" baseline="0" dirty="0" err="1" smtClean="0">
+                <a:ln>
+                  <a:noFill/>
+                </a:ln>
+                <a:solidFill>
+                  <a:srgbClr val="37474F"/>
+                </a:solidFill>
+                <a:effectLst/>
+                <a:latin typeface="Roboto Mono"/>
+              </a:rPr>
+              <a:t>mAdapter</a:t>
+            </a:r>
+            <a:r>
+              <a:rPr kumimoji="0" lang="en-US" altLang="en-US" sz="1500" b="0" i="0" u="none" strike="noStrike" cap="none" normalizeH="0" baseline="0" dirty="0" smtClean="0">
+                <a:ln>
+                  <a:noFill/>
+                </a:ln>
+                <a:solidFill>
+                  <a:srgbClr val="37474F"/>
+                </a:solidFill>
+                <a:effectLst/>
+                <a:latin typeface="Roboto Mono"/>
+              </a:rPr>
+              <a:t>;</a:t>
+            </a:r>
+            <a:br>
+              <a:rPr kumimoji="0" lang="en-US" altLang="en-US" sz="1500" b="0" i="0" u="none" strike="noStrike" cap="none" normalizeH="0" baseline="0" dirty="0" smtClean="0">
+                <a:ln>
+                  <a:noFill/>
+                </a:ln>
+                <a:solidFill>
+                  <a:srgbClr val="37474F"/>
+                </a:solidFill>
+                <a:effectLst/>
+                <a:latin typeface="Roboto Mono"/>
+              </a:rPr>
+            </a:br>
+            <a:r>
+              <a:rPr kumimoji="0" lang="en-US" altLang="en-US" sz="1500" b="0" i="0" u="none" strike="noStrike" cap="none" normalizeH="0" baseline="0" dirty="0" smtClean="0">
+                <a:ln>
+                  <a:noFill/>
+                </a:ln>
+                <a:solidFill>
+                  <a:srgbClr val="37474F"/>
+                </a:solidFill>
+                <a:effectLst/>
+                <a:latin typeface="Roboto Mono"/>
+              </a:rPr>
+              <a:t>    </a:t>
+            </a:r>
+            <a:r>
+              <a:rPr kumimoji="0" lang="en-US" altLang="en-US" sz="1500" b="0" i="0" u="none" strike="noStrike" cap="none" normalizeH="0" baseline="0" dirty="0" smtClean="0">
+                <a:ln>
+                  <a:noFill/>
+                </a:ln>
+                <a:solidFill>
+                  <a:srgbClr val="3B78E7"/>
+                </a:solidFill>
+                <a:effectLst/>
+                <a:latin typeface="Roboto Mono"/>
+              </a:rPr>
+              <a:t>private</a:t>
+            </a:r>
+            <a:r>
+              <a:rPr kumimoji="0" lang="en-US" altLang="en-US" sz="1500" b="0" i="0" u="none" strike="noStrike" cap="none" normalizeH="0" baseline="0" dirty="0" smtClean="0">
+                <a:ln>
+                  <a:noFill/>
+                </a:ln>
+                <a:solidFill>
+                  <a:srgbClr val="37474F"/>
+                </a:solidFill>
+                <a:effectLst/>
+                <a:latin typeface="Roboto Mono"/>
+              </a:rPr>
+              <a:t> </a:t>
+            </a:r>
+            <a:r>
+              <a:rPr kumimoji="0" lang="en-US" altLang="en-US" sz="1500" b="0" i="0" u="none" strike="noStrike" cap="none" normalizeH="0" baseline="0" dirty="0" err="1" smtClean="0">
+                <a:ln>
+                  <a:noFill/>
+                </a:ln>
+                <a:solidFill>
+                  <a:srgbClr val="9C27B0"/>
+                </a:solidFill>
+                <a:effectLst/>
+                <a:latin typeface="Roboto Mono"/>
+              </a:rPr>
+              <a:t>RecyclerView</a:t>
+            </a:r>
+            <a:r>
+              <a:rPr kumimoji="0" lang="en-US" altLang="en-US" sz="1500" b="0" i="0" u="none" strike="noStrike" cap="none" normalizeH="0" baseline="0" dirty="0" err="1" smtClean="0">
+                <a:ln>
+                  <a:noFill/>
+                </a:ln>
+                <a:solidFill>
+                  <a:srgbClr val="37474F"/>
+                </a:solidFill>
+                <a:effectLst/>
+                <a:latin typeface="Roboto Mono"/>
+              </a:rPr>
+              <a:t>.</a:t>
+            </a:r>
+            <a:r>
+              <a:rPr kumimoji="0" lang="en-US" altLang="en-US" sz="1500" b="0" i="0" u="none" strike="noStrike" cap="none" normalizeH="0" baseline="0" dirty="0" err="1" smtClean="0">
+                <a:ln>
+                  <a:noFill/>
+                </a:ln>
+                <a:solidFill>
+                  <a:srgbClr val="9C27B0"/>
+                </a:solidFill>
+                <a:effectLst/>
+                <a:latin typeface="Roboto Mono"/>
+              </a:rPr>
+              <a:t>LayoutManager</a:t>
+            </a:r>
+            <a:r>
+              <a:rPr kumimoji="0" lang="en-US" altLang="en-US" sz="1500" b="0" i="0" u="none" strike="noStrike" cap="none" normalizeH="0" baseline="0" dirty="0" smtClean="0">
+                <a:ln>
+                  <a:noFill/>
+                </a:ln>
+                <a:solidFill>
+                  <a:srgbClr val="37474F"/>
+                </a:solidFill>
+                <a:effectLst/>
+                <a:latin typeface="Roboto Mono"/>
+              </a:rPr>
+              <a:t> </a:t>
+            </a:r>
+            <a:r>
+              <a:rPr kumimoji="0" lang="en-US" altLang="en-US" sz="1500" b="0" i="0" u="none" strike="noStrike" cap="none" normalizeH="0" baseline="0" dirty="0" err="1" smtClean="0">
+                <a:ln>
+                  <a:noFill/>
+                </a:ln>
+                <a:solidFill>
+                  <a:srgbClr val="37474F"/>
+                </a:solidFill>
+                <a:effectLst/>
+                <a:latin typeface="Roboto Mono"/>
+              </a:rPr>
+              <a:t>layoutManager</a:t>
+            </a:r>
+            <a:r>
+              <a:rPr kumimoji="0" lang="en-US" altLang="en-US" sz="1500" b="0" i="0" u="none" strike="noStrike" cap="none" normalizeH="0" baseline="0" dirty="0" smtClean="0">
+                <a:ln>
+                  <a:noFill/>
+                </a:ln>
+                <a:solidFill>
+                  <a:srgbClr val="37474F"/>
+                </a:solidFill>
+                <a:effectLst/>
+                <a:latin typeface="Roboto Mono"/>
+              </a:rPr>
+              <a:t>;</a:t>
+            </a:r>
+            <a:br>
+              <a:rPr kumimoji="0" lang="en-US" altLang="en-US" sz="1500" b="0" i="0" u="none" strike="noStrike" cap="none" normalizeH="0" baseline="0" dirty="0" smtClean="0">
+                <a:ln>
+                  <a:noFill/>
+                </a:ln>
+                <a:solidFill>
+                  <a:srgbClr val="37474F"/>
+                </a:solidFill>
+                <a:effectLst/>
+                <a:latin typeface="Roboto Mono"/>
+              </a:rPr>
+            </a:br>
+            <a:r>
+              <a:rPr kumimoji="0" lang="en-US" altLang="en-US" sz="1500" b="0" i="0" u="none" strike="noStrike" cap="none" normalizeH="0" baseline="0" dirty="0" smtClean="0">
+                <a:ln>
+                  <a:noFill/>
+                </a:ln>
+                <a:solidFill>
+                  <a:srgbClr val="37474F"/>
+                </a:solidFill>
+                <a:effectLst/>
+                <a:latin typeface="Roboto Mono"/>
+              </a:rPr>
+              <a:t/>
+            </a:r>
+            <a:br>
+              <a:rPr kumimoji="0" lang="en-US" altLang="en-US" sz="1500" b="0" i="0" u="none" strike="noStrike" cap="none" normalizeH="0" baseline="0" dirty="0" smtClean="0">
+                <a:ln>
+                  <a:noFill/>
+                </a:ln>
+                <a:solidFill>
+                  <a:srgbClr val="37474F"/>
+                </a:solidFill>
+                <a:effectLst/>
+                <a:latin typeface="Roboto Mono"/>
+              </a:rPr>
+            </a:br>
+            <a:r>
+              <a:rPr kumimoji="0" lang="en-US" altLang="en-US" sz="1500" b="0" i="0" u="none" strike="noStrike" cap="none" normalizeH="0" baseline="0" dirty="0" smtClean="0">
+                <a:ln>
+                  <a:noFill/>
+                </a:ln>
+                <a:solidFill>
+                  <a:srgbClr val="37474F"/>
+                </a:solidFill>
+                <a:effectLst/>
+                <a:latin typeface="Roboto Mono"/>
+              </a:rPr>
+              <a:t>    </a:t>
+            </a:r>
+            <a:r>
+              <a:rPr kumimoji="0" lang="en-US" altLang="en-US" sz="1500" b="0" i="0" u="none" strike="noStrike" cap="none" normalizeH="0" baseline="0" dirty="0" smtClean="0">
+                <a:ln>
+                  <a:noFill/>
+                </a:ln>
+                <a:solidFill>
+                  <a:srgbClr val="C53929"/>
+                </a:solidFill>
+                <a:effectLst/>
+                <a:latin typeface="Roboto Mono"/>
+              </a:rPr>
+              <a:t>@Override</a:t>
+            </a:r>
+            <a:r>
+              <a:rPr kumimoji="0" lang="en-US" altLang="en-US" sz="1500" b="0" i="0" u="none" strike="noStrike" cap="none" normalizeH="0" baseline="0" dirty="0" smtClean="0">
+                <a:ln>
+                  <a:noFill/>
+                </a:ln>
+                <a:solidFill>
+                  <a:srgbClr val="37474F"/>
+                </a:solidFill>
+                <a:effectLst/>
+                <a:latin typeface="Roboto Mono"/>
+              </a:rPr>
+              <a:t/>
+            </a:r>
+            <a:br>
+              <a:rPr kumimoji="0" lang="en-US" altLang="en-US" sz="1500" b="0" i="0" u="none" strike="noStrike" cap="none" normalizeH="0" baseline="0" dirty="0" smtClean="0">
+                <a:ln>
+                  <a:noFill/>
+                </a:ln>
+                <a:solidFill>
+                  <a:srgbClr val="37474F"/>
+                </a:solidFill>
+                <a:effectLst/>
+                <a:latin typeface="Roboto Mono"/>
+              </a:rPr>
+            </a:br>
+            <a:r>
+              <a:rPr kumimoji="0" lang="en-US" altLang="en-US" sz="1500" b="0" i="0" u="none" strike="noStrike" cap="none" normalizeH="0" baseline="0" dirty="0" smtClean="0">
+                <a:ln>
+                  <a:noFill/>
+                </a:ln>
+                <a:solidFill>
+                  <a:srgbClr val="37474F"/>
+                </a:solidFill>
+                <a:effectLst/>
+                <a:latin typeface="Roboto Mono"/>
+              </a:rPr>
+              <a:t>    </a:t>
+            </a:r>
+            <a:r>
+              <a:rPr kumimoji="0" lang="en-US" altLang="en-US" sz="1500" b="0" i="0" u="none" strike="noStrike" cap="none" normalizeH="0" baseline="0" dirty="0" smtClean="0">
+                <a:ln>
+                  <a:noFill/>
+                </a:ln>
+                <a:solidFill>
+                  <a:srgbClr val="3B78E7"/>
+                </a:solidFill>
+                <a:effectLst/>
+                <a:latin typeface="Roboto Mono"/>
+              </a:rPr>
+              <a:t>protected</a:t>
+            </a:r>
+            <a:r>
+              <a:rPr kumimoji="0" lang="en-US" altLang="en-US" sz="1500" b="0" i="0" u="none" strike="noStrike" cap="none" normalizeH="0" baseline="0" dirty="0" smtClean="0">
+                <a:ln>
+                  <a:noFill/>
+                </a:ln>
+                <a:solidFill>
+                  <a:srgbClr val="37474F"/>
+                </a:solidFill>
+                <a:effectLst/>
+                <a:latin typeface="Roboto Mono"/>
+              </a:rPr>
+              <a:t> </a:t>
+            </a:r>
+            <a:r>
+              <a:rPr kumimoji="0" lang="en-US" altLang="en-US" sz="1500" b="0" i="0" u="none" strike="noStrike" cap="none" normalizeH="0" baseline="0" dirty="0" smtClean="0">
+                <a:ln>
+                  <a:noFill/>
+                </a:ln>
+                <a:solidFill>
+                  <a:srgbClr val="3B78E7"/>
+                </a:solidFill>
+                <a:effectLst/>
+                <a:latin typeface="Roboto Mono"/>
+              </a:rPr>
+              <a:t>void</a:t>
+            </a:r>
+            <a:r>
+              <a:rPr kumimoji="0" lang="en-US" altLang="en-US" sz="1500" b="0" i="0" u="none" strike="noStrike" cap="none" normalizeH="0" baseline="0" dirty="0" smtClean="0">
+                <a:ln>
+                  <a:noFill/>
+                </a:ln>
+                <a:solidFill>
+                  <a:srgbClr val="37474F"/>
+                </a:solidFill>
+                <a:effectLst/>
+                <a:latin typeface="Roboto Mono"/>
+              </a:rPr>
+              <a:t> </a:t>
+            </a:r>
+            <a:r>
+              <a:rPr kumimoji="0" lang="en-US" altLang="en-US" sz="1500" b="0" i="0" u="none" strike="noStrike" cap="none" normalizeH="0" baseline="0" dirty="0" err="1" smtClean="0">
+                <a:ln>
+                  <a:noFill/>
+                </a:ln>
+                <a:solidFill>
+                  <a:srgbClr val="37474F"/>
+                </a:solidFill>
+                <a:effectLst/>
+                <a:latin typeface="Roboto Mono"/>
+              </a:rPr>
+              <a:t>onCreate</a:t>
+            </a:r>
+            <a:r>
+              <a:rPr kumimoji="0" lang="en-US" altLang="en-US" sz="1500" b="0" i="0" u="none" strike="noStrike" cap="none" normalizeH="0" baseline="0" dirty="0" smtClean="0">
+                <a:ln>
+                  <a:noFill/>
+                </a:ln>
+                <a:solidFill>
+                  <a:srgbClr val="37474F"/>
+                </a:solidFill>
+                <a:effectLst/>
+                <a:latin typeface="Roboto Mono"/>
+              </a:rPr>
+              <a:t>(</a:t>
+            </a:r>
+            <a:r>
+              <a:rPr kumimoji="0" lang="en-US" altLang="en-US" sz="1500" b="0" i="0" u="none" strike="noStrike" cap="none" normalizeH="0" baseline="0" dirty="0" smtClean="0">
+                <a:ln>
+                  <a:noFill/>
+                </a:ln>
+                <a:solidFill>
+                  <a:srgbClr val="9C27B0"/>
+                </a:solidFill>
+                <a:effectLst/>
+                <a:latin typeface="Roboto Mono"/>
+              </a:rPr>
+              <a:t>Bundle</a:t>
+            </a:r>
+            <a:r>
+              <a:rPr kumimoji="0" lang="en-US" altLang="en-US" sz="1500" b="0" i="0" u="none" strike="noStrike" cap="none" normalizeH="0" baseline="0" dirty="0" smtClean="0">
+                <a:ln>
+                  <a:noFill/>
+                </a:ln>
+                <a:solidFill>
+                  <a:srgbClr val="37474F"/>
+                </a:solidFill>
+                <a:effectLst/>
+                <a:latin typeface="Roboto Mono"/>
+              </a:rPr>
+              <a:t> </a:t>
+            </a:r>
+            <a:r>
+              <a:rPr kumimoji="0" lang="en-US" altLang="en-US" sz="1500" b="0" i="0" u="none" strike="noStrike" cap="none" normalizeH="0" baseline="0" dirty="0" err="1" smtClean="0">
+                <a:ln>
+                  <a:noFill/>
+                </a:ln>
+                <a:solidFill>
+                  <a:srgbClr val="37474F"/>
+                </a:solidFill>
+                <a:effectLst/>
+                <a:latin typeface="Roboto Mono"/>
+              </a:rPr>
+              <a:t>savedInstanceState</a:t>
+            </a:r>
+            <a:r>
+              <a:rPr kumimoji="0" lang="en-US" altLang="en-US" sz="1500" b="0" i="0" u="none" strike="noStrike" cap="none" normalizeH="0" baseline="0" dirty="0" smtClean="0">
+                <a:ln>
+                  <a:noFill/>
+                </a:ln>
+                <a:solidFill>
+                  <a:srgbClr val="37474F"/>
+                </a:solidFill>
+                <a:effectLst/>
+                <a:latin typeface="Roboto Mono"/>
+              </a:rPr>
+              <a:t>) {</a:t>
+            </a:r>
+            <a:br>
+              <a:rPr kumimoji="0" lang="en-US" altLang="en-US" sz="1500" b="0" i="0" u="none" strike="noStrike" cap="none" normalizeH="0" baseline="0" dirty="0" smtClean="0">
+                <a:ln>
+                  <a:noFill/>
+                </a:ln>
+                <a:solidFill>
+                  <a:srgbClr val="37474F"/>
+                </a:solidFill>
+                <a:effectLst/>
+                <a:latin typeface="Roboto Mono"/>
+              </a:rPr>
+            </a:br>
+            <a:r>
+              <a:rPr kumimoji="0" lang="en-US" altLang="en-US" sz="1500" b="0" i="0" u="none" strike="noStrike" cap="none" normalizeH="0" baseline="0" dirty="0" smtClean="0">
+                <a:ln>
+                  <a:noFill/>
+                </a:ln>
+                <a:solidFill>
+                  <a:srgbClr val="37474F"/>
+                </a:solidFill>
+                <a:effectLst/>
+                <a:latin typeface="Roboto Mono"/>
+              </a:rPr>
+              <a:t>        </a:t>
+            </a:r>
+            <a:r>
+              <a:rPr kumimoji="0" lang="en-US" altLang="en-US" sz="1500" b="0" i="0" u="none" strike="noStrike" cap="none" normalizeH="0" baseline="0" dirty="0" err="1" smtClean="0">
+                <a:ln>
+                  <a:noFill/>
+                </a:ln>
+                <a:solidFill>
+                  <a:srgbClr val="3B78E7"/>
+                </a:solidFill>
+                <a:effectLst/>
+                <a:latin typeface="Roboto Mono"/>
+              </a:rPr>
+              <a:t>super</a:t>
+            </a:r>
+            <a:r>
+              <a:rPr kumimoji="0" lang="en-US" altLang="en-US" sz="1500" b="0" i="0" u="none" strike="noStrike" cap="none" normalizeH="0" baseline="0" dirty="0" err="1" smtClean="0">
+                <a:ln>
+                  <a:noFill/>
+                </a:ln>
+                <a:solidFill>
+                  <a:srgbClr val="37474F"/>
+                </a:solidFill>
+                <a:effectLst/>
+                <a:latin typeface="Roboto Mono"/>
+              </a:rPr>
+              <a:t>.onCreate</a:t>
+            </a:r>
+            <a:r>
+              <a:rPr kumimoji="0" lang="en-US" altLang="en-US" sz="1500" b="0" i="0" u="none" strike="noStrike" cap="none" normalizeH="0" baseline="0" dirty="0" smtClean="0">
+                <a:ln>
+                  <a:noFill/>
+                </a:ln>
+                <a:solidFill>
+                  <a:srgbClr val="37474F"/>
+                </a:solidFill>
+                <a:effectLst/>
+                <a:latin typeface="Roboto Mono"/>
+              </a:rPr>
+              <a:t>(</a:t>
+            </a:r>
+            <a:r>
+              <a:rPr kumimoji="0" lang="en-US" altLang="en-US" sz="1500" b="0" i="0" u="none" strike="noStrike" cap="none" normalizeH="0" baseline="0" dirty="0" err="1" smtClean="0">
+                <a:ln>
+                  <a:noFill/>
+                </a:ln>
+                <a:solidFill>
+                  <a:srgbClr val="37474F"/>
+                </a:solidFill>
+                <a:effectLst/>
+                <a:latin typeface="Roboto Mono"/>
+              </a:rPr>
+              <a:t>savedInstanceState</a:t>
+            </a:r>
+            <a:r>
+              <a:rPr kumimoji="0" lang="en-US" altLang="en-US" sz="1500" b="0" i="0" u="none" strike="noStrike" cap="none" normalizeH="0" baseline="0" dirty="0" smtClean="0">
+                <a:ln>
+                  <a:noFill/>
+                </a:ln>
+                <a:solidFill>
+                  <a:srgbClr val="37474F"/>
+                </a:solidFill>
+                <a:effectLst/>
+                <a:latin typeface="Roboto Mono"/>
+              </a:rPr>
+              <a:t>);</a:t>
+            </a:r>
+            <a:br>
+              <a:rPr kumimoji="0" lang="en-US" altLang="en-US" sz="1500" b="0" i="0" u="none" strike="noStrike" cap="none" normalizeH="0" baseline="0" dirty="0" smtClean="0">
+                <a:ln>
+                  <a:noFill/>
+                </a:ln>
+                <a:solidFill>
+                  <a:srgbClr val="37474F"/>
+                </a:solidFill>
+                <a:effectLst/>
+                <a:latin typeface="Roboto Mono"/>
+              </a:rPr>
+            </a:br>
+            <a:r>
+              <a:rPr kumimoji="0" lang="en-US" altLang="en-US" sz="1500" b="0" i="0" u="none" strike="noStrike" cap="none" normalizeH="0" baseline="0" dirty="0" smtClean="0">
+                <a:ln>
+                  <a:noFill/>
+                </a:ln>
+                <a:solidFill>
+                  <a:srgbClr val="37474F"/>
+                </a:solidFill>
+                <a:effectLst/>
+                <a:latin typeface="Roboto Mono"/>
+              </a:rPr>
+              <a:t>        </a:t>
+            </a:r>
+            <a:r>
+              <a:rPr kumimoji="0" lang="en-US" altLang="en-US" sz="1500" b="0" i="0" u="none" strike="noStrike" cap="none" normalizeH="0" baseline="0" dirty="0" err="1" smtClean="0">
+                <a:ln>
+                  <a:noFill/>
+                </a:ln>
+                <a:solidFill>
+                  <a:srgbClr val="37474F"/>
+                </a:solidFill>
+                <a:effectLst/>
+                <a:latin typeface="Roboto Mono"/>
+              </a:rPr>
+              <a:t>setContentView</a:t>
+            </a:r>
+            <a:r>
+              <a:rPr kumimoji="0" lang="en-US" altLang="en-US" sz="1500" b="0" i="0" u="none" strike="noStrike" cap="none" normalizeH="0" baseline="0" dirty="0" smtClean="0">
+                <a:ln>
+                  <a:noFill/>
+                </a:ln>
+                <a:solidFill>
+                  <a:srgbClr val="37474F"/>
+                </a:solidFill>
+                <a:effectLst/>
+                <a:latin typeface="Roboto Mono"/>
+              </a:rPr>
+              <a:t>(</a:t>
+            </a:r>
+            <a:r>
+              <a:rPr kumimoji="0" lang="en-US" altLang="en-US" sz="1500" b="0" i="0" u="none" strike="noStrike" cap="none" normalizeH="0" baseline="0" dirty="0" err="1" smtClean="0">
+                <a:ln>
+                  <a:noFill/>
+                </a:ln>
+                <a:solidFill>
+                  <a:srgbClr val="37474F"/>
+                </a:solidFill>
+                <a:effectLst/>
+                <a:latin typeface="Roboto Mono"/>
+              </a:rPr>
+              <a:t>R.layout.my_activity</a:t>
+            </a:r>
+            <a:r>
+              <a:rPr kumimoji="0" lang="en-US" altLang="en-US" sz="1500" b="0" i="0" u="none" strike="noStrike" cap="none" normalizeH="0" baseline="0" dirty="0" smtClean="0">
+                <a:ln>
+                  <a:noFill/>
+                </a:ln>
+                <a:solidFill>
+                  <a:srgbClr val="37474F"/>
+                </a:solidFill>
+                <a:effectLst/>
+                <a:latin typeface="Roboto Mono"/>
+              </a:rPr>
+              <a:t>);</a:t>
+            </a:r>
+            <a:br>
+              <a:rPr kumimoji="0" lang="en-US" altLang="en-US" sz="1500" b="0" i="0" u="none" strike="noStrike" cap="none" normalizeH="0" baseline="0" dirty="0" smtClean="0">
+                <a:ln>
+                  <a:noFill/>
+                </a:ln>
+                <a:solidFill>
+                  <a:srgbClr val="37474F"/>
+                </a:solidFill>
+                <a:effectLst/>
+                <a:latin typeface="Roboto Mono"/>
+              </a:rPr>
+            </a:br>
+            <a:r>
+              <a:rPr kumimoji="0" lang="en-US" altLang="en-US" sz="1500" b="0" i="0" u="none" strike="noStrike" cap="none" normalizeH="0" baseline="0" dirty="0" smtClean="0">
+                <a:ln>
+                  <a:noFill/>
+                </a:ln>
+                <a:solidFill>
+                  <a:srgbClr val="37474F"/>
+                </a:solidFill>
+                <a:effectLst/>
+                <a:latin typeface="Roboto Mono"/>
+              </a:rPr>
+              <a:t>        </a:t>
+            </a:r>
+            <a:r>
+              <a:rPr kumimoji="0" lang="en-US" altLang="en-US" sz="1500" b="0" i="0" u="none" strike="noStrike" cap="none" normalizeH="0" baseline="0" dirty="0" err="1" smtClean="0">
+                <a:ln>
+                  <a:noFill/>
+                </a:ln>
+                <a:solidFill>
+                  <a:srgbClr val="37474F"/>
+                </a:solidFill>
+                <a:effectLst/>
+                <a:latin typeface="Roboto Mono"/>
+              </a:rPr>
+              <a:t>recyclerView</a:t>
+            </a:r>
+            <a:r>
+              <a:rPr kumimoji="0" lang="en-US" altLang="en-US" sz="1500" b="0" i="0" u="none" strike="noStrike" cap="none" normalizeH="0" baseline="0" dirty="0" smtClean="0">
+                <a:ln>
+                  <a:noFill/>
+                </a:ln>
+                <a:solidFill>
+                  <a:srgbClr val="37474F"/>
+                </a:solidFill>
+                <a:effectLst/>
+                <a:latin typeface="Roboto Mono"/>
+              </a:rPr>
+              <a:t> = (</a:t>
+            </a:r>
+            <a:r>
+              <a:rPr kumimoji="0" lang="en-US" altLang="en-US" sz="1500" b="0" i="0" u="none" strike="noStrike" cap="none" normalizeH="0" baseline="0" dirty="0" err="1" smtClean="0">
+                <a:ln>
+                  <a:noFill/>
+                </a:ln>
+                <a:solidFill>
+                  <a:srgbClr val="9C27B0"/>
+                </a:solidFill>
+                <a:effectLst/>
+                <a:latin typeface="Roboto Mono"/>
+              </a:rPr>
+              <a:t>RecyclerView</a:t>
+            </a:r>
+            <a:r>
+              <a:rPr kumimoji="0" lang="en-US" altLang="en-US" sz="1500" b="0" i="0" u="none" strike="noStrike" cap="none" normalizeH="0" baseline="0" dirty="0" smtClean="0">
+                <a:ln>
+                  <a:noFill/>
+                </a:ln>
+                <a:solidFill>
+                  <a:srgbClr val="37474F"/>
+                </a:solidFill>
+                <a:effectLst/>
+                <a:latin typeface="Roboto Mono"/>
+              </a:rPr>
+              <a:t>) </a:t>
+            </a:r>
+            <a:r>
+              <a:rPr kumimoji="0" lang="en-US" altLang="en-US" sz="1500" b="0" i="0" u="none" strike="noStrike" cap="none" normalizeH="0" baseline="0" dirty="0" err="1" smtClean="0">
+                <a:ln>
+                  <a:noFill/>
+                </a:ln>
+                <a:solidFill>
+                  <a:srgbClr val="37474F"/>
+                </a:solidFill>
+                <a:effectLst/>
+                <a:latin typeface="Roboto Mono"/>
+              </a:rPr>
+              <a:t>findViewById</a:t>
+            </a:r>
+            <a:r>
+              <a:rPr kumimoji="0" lang="en-US" altLang="en-US" sz="1500" b="0" i="0" u="none" strike="noStrike" cap="none" normalizeH="0" baseline="0" dirty="0" smtClean="0">
+                <a:ln>
+                  <a:noFill/>
+                </a:ln>
+                <a:solidFill>
+                  <a:srgbClr val="37474F"/>
+                </a:solidFill>
+                <a:effectLst/>
+                <a:latin typeface="Roboto Mono"/>
+              </a:rPr>
+              <a:t>(</a:t>
+            </a:r>
+            <a:r>
+              <a:rPr kumimoji="0" lang="en-US" altLang="en-US" sz="1500" b="0" i="0" u="none" strike="noStrike" cap="none" normalizeH="0" baseline="0" dirty="0" err="1" smtClean="0">
+                <a:ln>
+                  <a:noFill/>
+                </a:ln>
+                <a:solidFill>
+                  <a:srgbClr val="37474F"/>
+                </a:solidFill>
+                <a:effectLst/>
+                <a:latin typeface="Roboto Mono"/>
+              </a:rPr>
+              <a:t>R.id.my_recycler_view</a:t>
+            </a:r>
+            <a:r>
+              <a:rPr kumimoji="0" lang="en-US" altLang="en-US" sz="1500" b="0" i="0" u="none" strike="noStrike" cap="none" normalizeH="0" baseline="0" dirty="0" smtClean="0">
+                <a:ln>
+                  <a:noFill/>
+                </a:ln>
+                <a:solidFill>
+                  <a:srgbClr val="37474F"/>
+                </a:solidFill>
+                <a:effectLst/>
+                <a:latin typeface="Roboto Mono"/>
+              </a:rPr>
+              <a:t>);</a:t>
+            </a:r>
+            <a:br>
+              <a:rPr kumimoji="0" lang="en-US" altLang="en-US" sz="1500" b="0" i="0" u="none" strike="noStrike" cap="none" normalizeH="0" baseline="0" dirty="0" smtClean="0">
+                <a:ln>
+                  <a:noFill/>
+                </a:ln>
+                <a:solidFill>
+                  <a:srgbClr val="37474F"/>
+                </a:solidFill>
+                <a:effectLst/>
+                <a:latin typeface="Roboto Mono"/>
+              </a:rPr>
+            </a:br>
+            <a:r>
+              <a:rPr kumimoji="0" lang="en-US" altLang="en-US" sz="1500" b="0" i="0" u="none" strike="noStrike" cap="none" normalizeH="0" baseline="0" dirty="0" smtClean="0">
+                <a:ln>
+                  <a:noFill/>
+                </a:ln>
+                <a:solidFill>
+                  <a:srgbClr val="37474F"/>
+                </a:solidFill>
+                <a:effectLst/>
+                <a:latin typeface="Roboto Mono"/>
+              </a:rPr>
+              <a:t/>
+            </a:r>
+            <a:br>
+              <a:rPr kumimoji="0" lang="en-US" altLang="en-US" sz="1500" b="0" i="0" u="none" strike="noStrike" cap="none" normalizeH="0" baseline="0" dirty="0" smtClean="0">
+                <a:ln>
+                  <a:noFill/>
+                </a:ln>
+                <a:solidFill>
+                  <a:srgbClr val="37474F"/>
+                </a:solidFill>
+                <a:effectLst/>
+                <a:latin typeface="Roboto Mono"/>
+              </a:rPr>
+            </a:br>
+            <a:r>
+              <a:rPr kumimoji="0" lang="en-US" altLang="en-US" sz="1500" b="0" i="0" u="none" strike="noStrike" cap="none" normalizeH="0" baseline="0" dirty="0" smtClean="0">
+                <a:ln>
+                  <a:noFill/>
+                </a:ln>
+                <a:solidFill>
+                  <a:srgbClr val="37474F"/>
+                </a:solidFill>
+                <a:effectLst/>
+                <a:latin typeface="Roboto Mono"/>
+              </a:rPr>
+              <a:t>        </a:t>
+            </a:r>
+            <a:r>
+              <a:rPr kumimoji="0" lang="en-US" altLang="en-US" sz="1500" b="0" i="0" u="none" strike="noStrike" cap="none" normalizeH="0" baseline="0" dirty="0" smtClean="0">
+                <a:ln>
+                  <a:noFill/>
+                </a:ln>
+                <a:solidFill>
+                  <a:srgbClr val="D81B60"/>
+                </a:solidFill>
+                <a:effectLst/>
+                <a:latin typeface="Roboto Mono"/>
+              </a:rPr>
+              <a:t>// use this setting to improve performance if you know that changes</a:t>
+            </a:r>
+            <a:r>
+              <a:rPr kumimoji="0" lang="en-US" altLang="en-US" sz="1500" b="0" i="0" u="none" strike="noStrike" cap="none" normalizeH="0" baseline="0" dirty="0" smtClean="0">
+                <a:ln>
+                  <a:noFill/>
+                </a:ln>
+                <a:solidFill>
+                  <a:srgbClr val="37474F"/>
+                </a:solidFill>
+                <a:effectLst/>
+                <a:latin typeface="Roboto Mono"/>
+              </a:rPr>
+              <a:t/>
+            </a:r>
+            <a:br>
+              <a:rPr kumimoji="0" lang="en-US" altLang="en-US" sz="1500" b="0" i="0" u="none" strike="noStrike" cap="none" normalizeH="0" baseline="0" dirty="0" smtClean="0">
+                <a:ln>
+                  <a:noFill/>
+                </a:ln>
+                <a:solidFill>
+                  <a:srgbClr val="37474F"/>
+                </a:solidFill>
+                <a:effectLst/>
+                <a:latin typeface="Roboto Mono"/>
+              </a:rPr>
+            </a:br>
+            <a:r>
+              <a:rPr kumimoji="0" lang="en-US" altLang="en-US" sz="1500" b="0" i="0" u="none" strike="noStrike" cap="none" normalizeH="0" baseline="0" dirty="0" smtClean="0">
+                <a:ln>
+                  <a:noFill/>
+                </a:ln>
+                <a:solidFill>
+                  <a:srgbClr val="37474F"/>
+                </a:solidFill>
+                <a:effectLst/>
+                <a:latin typeface="Roboto Mono"/>
+              </a:rPr>
+              <a:t>        </a:t>
+            </a:r>
+            <a:r>
+              <a:rPr kumimoji="0" lang="en-US" altLang="en-US" sz="1500" b="0" i="0" u="none" strike="noStrike" cap="none" normalizeH="0" baseline="0" dirty="0" smtClean="0">
+                <a:ln>
+                  <a:noFill/>
+                </a:ln>
+                <a:solidFill>
+                  <a:srgbClr val="D81B60"/>
+                </a:solidFill>
+                <a:effectLst/>
+                <a:latin typeface="Roboto Mono"/>
+              </a:rPr>
+              <a:t>// in content do not change the layout size of the </a:t>
+            </a:r>
+            <a:r>
+              <a:rPr kumimoji="0" lang="en-US" altLang="en-US" sz="1500" b="0" i="0" u="none" strike="noStrike" cap="none" normalizeH="0" baseline="0" dirty="0" err="1" smtClean="0">
+                <a:ln>
+                  <a:noFill/>
+                </a:ln>
+                <a:solidFill>
+                  <a:srgbClr val="D81B60"/>
+                </a:solidFill>
+                <a:effectLst/>
+                <a:latin typeface="Roboto Mono"/>
+              </a:rPr>
+              <a:t>RecyclerView</a:t>
+            </a:r>
+            <a:r>
+              <a:rPr kumimoji="0" lang="en-US" altLang="en-US" sz="1500" b="0" i="0" u="none" strike="noStrike" cap="none" normalizeH="0" baseline="0" dirty="0" smtClean="0">
+                <a:ln>
+                  <a:noFill/>
+                </a:ln>
+                <a:solidFill>
+                  <a:srgbClr val="37474F"/>
+                </a:solidFill>
+                <a:effectLst/>
+                <a:latin typeface="Roboto Mono"/>
+              </a:rPr>
+              <a:t/>
+            </a:r>
+            <a:br>
+              <a:rPr kumimoji="0" lang="en-US" altLang="en-US" sz="1500" b="0" i="0" u="none" strike="noStrike" cap="none" normalizeH="0" baseline="0" dirty="0" smtClean="0">
+                <a:ln>
+                  <a:noFill/>
+                </a:ln>
+                <a:solidFill>
+                  <a:srgbClr val="37474F"/>
+                </a:solidFill>
+                <a:effectLst/>
+                <a:latin typeface="Roboto Mono"/>
+              </a:rPr>
+            </a:br>
+            <a:r>
+              <a:rPr kumimoji="0" lang="en-US" altLang="en-US" sz="1500" b="0" i="0" u="none" strike="noStrike" cap="none" normalizeH="0" baseline="0" dirty="0" smtClean="0">
+                <a:ln>
+                  <a:noFill/>
+                </a:ln>
+                <a:solidFill>
+                  <a:srgbClr val="37474F"/>
+                </a:solidFill>
+                <a:effectLst/>
+                <a:latin typeface="Roboto Mono"/>
+              </a:rPr>
+              <a:t>        </a:t>
+            </a:r>
+            <a:r>
+              <a:rPr kumimoji="0" lang="en-US" altLang="en-US" sz="1500" b="0" i="0" u="none" strike="noStrike" cap="none" normalizeH="0" baseline="0" dirty="0" err="1" smtClean="0">
+                <a:ln>
+                  <a:noFill/>
+                </a:ln>
+                <a:solidFill>
+                  <a:srgbClr val="37474F"/>
+                </a:solidFill>
+                <a:effectLst/>
+                <a:latin typeface="Roboto Mono"/>
+              </a:rPr>
+              <a:t>recyclerView.setHasFixedSize</a:t>
+            </a:r>
+            <a:r>
+              <a:rPr kumimoji="0" lang="en-US" altLang="en-US" sz="1500" b="0" i="0" u="none" strike="noStrike" cap="none" normalizeH="0" baseline="0" dirty="0" smtClean="0">
+                <a:ln>
+                  <a:noFill/>
+                </a:ln>
+                <a:solidFill>
+                  <a:srgbClr val="37474F"/>
+                </a:solidFill>
+                <a:effectLst/>
+                <a:latin typeface="Roboto Mono"/>
+              </a:rPr>
+              <a:t>(</a:t>
+            </a:r>
+            <a:r>
+              <a:rPr kumimoji="0" lang="en-US" altLang="en-US" sz="1500" b="0" i="0" u="none" strike="noStrike" cap="none" normalizeH="0" baseline="0" dirty="0" smtClean="0">
+                <a:ln>
+                  <a:noFill/>
+                </a:ln>
+                <a:solidFill>
+                  <a:srgbClr val="3B78E7"/>
+                </a:solidFill>
+                <a:effectLst/>
+                <a:latin typeface="Roboto Mono"/>
+              </a:rPr>
+              <a:t>true</a:t>
+            </a:r>
+            <a:r>
+              <a:rPr kumimoji="0" lang="en-US" altLang="en-US" sz="1500" b="0" i="0" u="none" strike="noStrike" cap="none" normalizeH="0" baseline="0" dirty="0" smtClean="0">
+                <a:ln>
+                  <a:noFill/>
+                </a:ln>
+                <a:solidFill>
+                  <a:srgbClr val="37474F"/>
+                </a:solidFill>
+                <a:effectLst/>
+                <a:latin typeface="Roboto Mono"/>
+              </a:rPr>
+              <a:t>);</a:t>
+            </a:r>
+            <a:br>
+              <a:rPr kumimoji="0" lang="en-US" altLang="en-US" sz="1500" b="0" i="0" u="none" strike="noStrike" cap="none" normalizeH="0" baseline="0" dirty="0" smtClean="0">
+                <a:ln>
+                  <a:noFill/>
+                </a:ln>
+                <a:solidFill>
+                  <a:srgbClr val="37474F"/>
+                </a:solidFill>
+                <a:effectLst/>
+                <a:latin typeface="Roboto Mono"/>
+              </a:rPr>
+            </a:br>
+            <a:r>
+              <a:rPr kumimoji="0" lang="en-US" altLang="en-US" sz="1500" b="0" i="0" u="none" strike="noStrike" cap="none" normalizeH="0" baseline="0" dirty="0" smtClean="0">
+                <a:ln>
+                  <a:noFill/>
+                </a:ln>
+                <a:solidFill>
+                  <a:srgbClr val="37474F"/>
+                </a:solidFill>
+                <a:effectLst/>
+                <a:latin typeface="Roboto Mono"/>
+              </a:rPr>
+              <a:t/>
+            </a:r>
+            <a:br>
+              <a:rPr kumimoji="0" lang="en-US" altLang="en-US" sz="1500" b="0" i="0" u="none" strike="noStrike" cap="none" normalizeH="0" baseline="0" dirty="0" smtClean="0">
+                <a:ln>
+                  <a:noFill/>
+                </a:ln>
+                <a:solidFill>
+                  <a:srgbClr val="37474F"/>
+                </a:solidFill>
+                <a:effectLst/>
+                <a:latin typeface="Roboto Mono"/>
+              </a:rPr>
+            </a:br>
+            <a:r>
+              <a:rPr kumimoji="0" lang="en-US" altLang="en-US" sz="1500" b="0" i="0" u="none" strike="noStrike" cap="none" normalizeH="0" baseline="0" dirty="0" smtClean="0">
+                <a:ln>
+                  <a:noFill/>
+                </a:ln>
+                <a:solidFill>
+                  <a:srgbClr val="37474F"/>
+                </a:solidFill>
+                <a:effectLst/>
+                <a:latin typeface="Roboto Mono"/>
+              </a:rPr>
+              <a:t>        </a:t>
+            </a:r>
+            <a:r>
+              <a:rPr kumimoji="0" lang="en-US" altLang="en-US" sz="1500" b="0" i="0" u="none" strike="noStrike" cap="none" normalizeH="0" baseline="0" dirty="0" smtClean="0">
+                <a:ln>
+                  <a:noFill/>
+                </a:ln>
+                <a:solidFill>
+                  <a:srgbClr val="D81B60"/>
+                </a:solidFill>
+                <a:effectLst/>
+                <a:latin typeface="Roboto Mono"/>
+              </a:rPr>
+              <a:t>// use a linear layout manager</a:t>
+            </a:r>
+            <a:r>
+              <a:rPr kumimoji="0" lang="en-US" altLang="en-US" sz="1500" b="0" i="0" u="none" strike="noStrike" cap="none" normalizeH="0" baseline="0" dirty="0" smtClean="0">
+                <a:ln>
+                  <a:noFill/>
+                </a:ln>
+                <a:solidFill>
+                  <a:srgbClr val="37474F"/>
+                </a:solidFill>
+                <a:effectLst/>
+                <a:latin typeface="Roboto Mono"/>
+              </a:rPr>
+              <a:t/>
+            </a:r>
+            <a:br>
+              <a:rPr kumimoji="0" lang="en-US" altLang="en-US" sz="1500" b="0" i="0" u="none" strike="noStrike" cap="none" normalizeH="0" baseline="0" dirty="0" smtClean="0">
+                <a:ln>
+                  <a:noFill/>
+                </a:ln>
+                <a:solidFill>
+                  <a:srgbClr val="37474F"/>
+                </a:solidFill>
+                <a:effectLst/>
+                <a:latin typeface="Roboto Mono"/>
+              </a:rPr>
+            </a:br>
+            <a:r>
+              <a:rPr kumimoji="0" lang="en-US" altLang="en-US" sz="1500" b="0" i="0" u="none" strike="noStrike" cap="none" normalizeH="0" baseline="0" dirty="0" smtClean="0">
+                <a:ln>
+                  <a:noFill/>
+                </a:ln>
+                <a:solidFill>
+                  <a:srgbClr val="37474F"/>
+                </a:solidFill>
+                <a:effectLst/>
+                <a:latin typeface="Roboto Mono"/>
+              </a:rPr>
+              <a:t>        </a:t>
+            </a:r>
+            <a:r>
+              <a:rPr kumimoji="0" lang="en-US" altLang="en-US" sz="1500" b="0" i="0" u="none" strike="noStrike" cap="none" normalizeH="0" baseline="0" dirty="0" err="1" smtClean="0">
+                <a:ln>
+                  <a:noFill/>
+                </a:ln>
+                <a:solidFill>
+                  <a:srgbClr val="37474F"/>
+                </a:solidFill>
+                <a:effectLst/>
+                <a:latin typeface="Roboto Mono"/>
+              </a:rPr>
+              <a:t>layoutManager</a:t>
+            </a:r>
+            <a:r>
+              <a:rPr kumimoji="0" lang="en-US" altLang="en-US" sz="1500" b="0" i="0" u="none" strike="noStrike" cap="none" normalizeH="0" baseline="0" dirty="0" smtClean="0">
+                <a:ln>
+                  <a:noFill/>
+                </a:ln>
+                <a:solidFill>
+                  <a:srgbClr val="37474F"/>
+                </a:solidFill>
+                <a:effectLst/>
+                <a:latin typeface="Roboto Mono"/>
+              </a:rPr>
+              <a:t> = </a:t>
+            </a:r>
+            <a:r>
+              <a:rPr kumimoji="0" lang="en-US" altLang="en-US" sz="1500" b="0" i="0" u="none" strike="noStrike" cap="none" normalizeH="0" baseline="0" dirty="0" smtClean="0">
+                <a:ln>
+                  <a:noFill/>
+                </a:ln>
+                <a:solidFill>
+                  <a:srgbClr val="3B78E7"/>
+                </a:solidFill>
+                <a:effectLst/>
+                <a:latin typeface="Roboto Mono"/>
+              </a:rPr>
+              <a:t>new</a:t>
+            </a:r>
+            <a:r>
+              <a:rPr kumimoji="0" lang="en-US" altLang="en-US" sz="1500" b="0" i="0" u="none" strike="noStrike" cap="none" normalizeH="0" baseline="0" dirty="0" smtClean="0">
+                <a:ln>
+                  <a:noFill/>
+                </a:ln>
+                <a:solidFill>
+                  <a:srgbClr val="37474F"/>
+                </a:solidFill>
+                <a:effectLst/>
+                <a:latin typeface="Roboto Mono"/>
+              </a:rPr>
+              <a:t> </a:t>
+            </a:r>
+            <a:r>
+              <a:rPr kumimoji="0" lang="en-US" altLang="en-US" sz="1500" b="0" i="0" u="none" strike="noStrike" cap="none" normalizeH="0" baseline="0" dirty="0" err="1" smtClean="0">
+                <a:ln>
+                  <a:noFill/>
+                </a:ln>
+                <a:solidFill>
+                  <a:srgbClr val="9C27B0"/>
+                </a:solidFill>
+                <a:effectLst/>
+                <a:latin typeface="Roboto Mono"/>
+              </a:rPr>
+              <a:t>LinearLayoutManager</a:t>
+            </a:r>
+            <a:r>
+              <a:rPr kumimoji="0" lang="en-US" altLang="en-US" sz="1500" b="0" i="0" u="none" strike="noStrike" cap="none" normalizeH="0" baseline="0" dirty="0" smtClean="0">
+                <a:ln>
+                  <a:noFill/>
+                </a:ln>
+                <a:solidFill>
+                  <a:srgbClr val="37474F"/>
+                </a:solidFill>
+                <a:effectLst/>
+                <a:latin typeface="Roboto Mono"/>
+              </a:rPr>
+              <a:t>(</a:t>
+            </a:r>
+            <a:r>
+              <a:rPr kumimoji="0" lang="en-US" altLang="en-US" sz="1500" b="0" i="0" u="none" strike="noStrike" cap="none" normalizeH="0" baseline="0" dirty="0" smtClean="0">
+                <a:ln>
+                  <a:noFill/>
+                </a:ln>
+                <a:solidFill>
+                  <a:srgbClr val="3B78E7"/>
+                </a:solidFill>
+                <a:effectLst/>
+                <a:latin typeface="Roboto Mono"/>
+              </a:rPr>
+              <a:t>this</a:t>
+            </a:r>
+            <a:r>
+              <a:rPr kumimoji="0" lang="en-US" altLang="en-US" sz="1500" b="0" i="0" u="none" strike="noStrike" cap="none" normalizeH="0" baseline="0" dirty="0" smtClean="0">
+                <a:ln>
+                  <a:noFill/>
+                </a:ln>
+                <a:solidFill>
+                  <a:srgbClr val="37474F"/>
+                </a:solidFill>
+                <a:effectLst/>
+                <a:latin typeface="Roboto Mono"/>
+              </a:rPr>
+              <a:t>);</a:t>
+            </a:r>
+            <a:br>
+              <a:rPr kumimoji="0" lang="en-US" altLang="en-US" sz="1500" b="0" i="0" u="none" strike="noStrike" cap="none" normalizeH="0" baseline="0" dirty="0" smtClean="0">
+                <a:ln>
+                  <a:noFill/>
+                </a:ln>
+                <a:solidFill>
+                  <a:srgbClr val="37474F"/>
+                </a:solidFill>
+                <a:effectLst/>
+                <a:latin typeface="Roboto Mono"/>
+              </a:rPr>
+            </a:br>
+            <a:r>
+              <a:rPr kumimoji="0" lang="en-US" altLang="en-US" sz="1500" b="0" i="0" u="none" strike="noStrike" cap="none" normalizeH="0" baseline="0" dirty="0" smtClean="0">
+                <a:ln>
+                  <a:noFill/>
+                </a:ln>
+                <a:solidFill>
+                  <a:srgbClr val="37474F"/>
+                </a:solidFill>
+                <a:effectLst/>
+                <a:latin typeface="Roboto Mono"/>
+              </a:rPr>
+              <a:t>        </a:t>
+            </a:r>
+            <a:r>
+              <a:rPr kumimoji="0" lang="en-US" altLang="en-US" sz="1500" b="0" i="0" u="none" strike="noStrike" cap="none" normalizeH="0" baseline="0" dirty="0" err="1" smtClean="0">
+                <a:ln>
+                  <a:noFill/>
+                </a:ln>
+                <a:solidFill>
+                  <a:srgbClr val="37474F"/>
+                </a:solidFill>
+                <a:effectLst/>
+                <a:latin typeface="Roboto Mono"/>
+              </a:rPr>
+              <a:t>recyclerView.setLayoutManager</a:t>
+            </a:r>
+            <a:r>
+              <a:rPr kumimoji="0" lang="en-US" altLang="en-US" sz="1500" b="0" i="0" u="none" strike="noStrike" cap="none" normalizeH="0" baseline="0" dirty="0" smtClean="0">
+                <a:ln>
+                  <a:noFill/>
+                </a:ln>
+                <a:solidFill>
+                  <a:srgbClr val="37474F"/>
+                </a:solidFill>
+                <a:effectLst/>
+                <a:latin typeface="Roboto Mono"/>
+              </a:rPr>
+              <a:t>(</a:t>
+            </a:r>
+            <a:r>
+              <a:rPr kumimoji="0" lang="en-US" altLang="en-US" sz="1500" b="0" i="0" u="none" strike="noStrike" cap="none" normalizeH="0" baseline="0" dirty="0" err="1" smtClean="0">
+                <a:ln>
+                  <a:noFill/>
+                </a:ln>
+                <a:solidFill>
+                  <a:srgbClr val="37474F"/>
+                </a:solidFill>
+                <a:effectLst/>
+                <a:latin typeface="Roboto Mono"/>
+              </a:rPr>
+              <a:t>layoutManager</a:t>
+            </a:r>
+            <a:r>
+              <a:rPr kumimoji="0" lang="en-US" altLang="en-US" sz="1500" b="0" i="0" u="none" strike="noStrike" cap="none" normalizeH="0" baseline="0" dirty="0" smtClean="0">
+                <a:ln>
+                  <a:noFill/>
+                </a:ln>
+                <a:solidFill>
+                  <a:srgbClr val="37474F"/>
+                </a:solidFill>
+                <a:effectLst/>
+                <a:latin typeface="Roboto Mono"/>
+              </a:rPr>
+              <a:t>);</a:t>
+            </a:r>
+            <a:br>
+              <a:rPr kumimoji="0" lang="en-US" altLang="en-US" sz="1500" b="0" i="0" u="none" strike="noStrike" cap="none" normalizeH="0" baseline="0" dirty="0" smtClean="0">
+                <a:ln>
+                  <a:noFill/>
+                </a:ln>
+                <a:solidFill>
+                  <a:srgbClr val="37474F"/>
+                </a:solidFill>
+                <a:effectLst/>
+                <a:latin typeface="Roboto Mono"/>
+              </a:rPr>
+            </a:br>
+            <a:r>
+              <a:rPr kumimoji="0" lang="en-US" altLang="en-US" sz="1500" b="0" i="0" u="none" strike="noStrike" cap="none" normalizeH="0" baseline="0" dirty="0" smtClean="0">
+                <a:ln>
+                  <a:noFill/>
+                </a:ln>
+                <a:solidFill>
+                  <a:srgbClr val="37474F"/>
+                </a:solidFill>
+                <a:effectLst/>
+                <a:latin typeface="Roboto Mono"/>
+              </a:rPr>
+              <a:t/>
+            </a:r>
+            <a:br>
+              <a:rPr kumimoji="0" lang="en-US" altLang="en-US" sz="1500" b="0" i="0" u="none" strike="noStrike" cap="none" normalizeH="0" baseline="0" dirty="0" smtClean="0">
+                <a:ln>
+                  <a:noFill/>
+                </a:ln>
+                <a:solidFill>
+                  <a:srgbClr val="37474F"/>
+                </a:solidFill>
+                <a:effectLst/>
+                <a:latin typeface="Roboto Mono"/>
+              </a:rPr>
+            </a:br>
+            <a:r>
+              <a:rPr kumimoji="0" lang="en-US" altLang="en-US" sz="1500" b="0" i="0" u="none" strike="noStrike" cap="none" normalizeH="0" baseline="0" dirty="0" smtClean="0">
+                <a:ln>
+                  <a:noFill/>
+                </a:ln>
+                <a:solidFill>
+                  <a:srgbClr val="37474F"/>
+                </a:solidFill>
+                <a:effectLst/>
+                <a:latin typeface="Roboto Mono"/>
+              </a:rPr>
+              <a:t>        </a:t>
+            </a:r>
+            <a:r>
+              <a:rPr kumimoji="0" lang="en-US" altLang="en-US" sz="1500" b="0" i="0" u="none" strike="noStrike" cap="none" normalizeH="0" baseline="0" dirty="0" smtClean="0">
+                <a:ln>
+                  <a:noFill/>
+                </a:ln>
+                <a:solidFill>
+                  <a:srgbClr val="D81B60"/>
+                </a:solidFill>
+                <a:effectLst/>
+                <a:latin typeface="Roboto Mono"/>
+              </a:rPr>
+              <a:t>// specify an adapter (see also next example)</a:t>
+            </a:r>
+            <a:r>
+              <a:rPr kumimoji="0" lang="en-US" altLang="en-US" sz="1500" b="0" i="0" u="none" strike="noStrike" cap="none" normalizeH="0" baseline="0" dirty="0" smtClean="0">
+                <a:ln>
+                  <a:noFill/>
+                </a:ln>
+                <a:solidFill>
+                  <a:srgbClr val="37474F"/>
+                </a:solidFill>
+                <a:effectLst/>
+                <a:latin typeface="Roboto Mono"/>
+              </a:rPr>
+              <a:t/>
+            </a:r>
+            <a:br>
+              <a:rPr kumimoji="0" lang="en-US" altLang="en-US" sz="1500" b="0" i="0" u="none" strike="noStrike" cap="none" normalizeH="0" baseline="0" dirty="0" smtClean="0">
+                <a:ln>
+                  <a:noFill/>
+                </a:ln>
+                <a:solidFill>
+                  <a:srgbClr val="37474F"/>
+                </a:solidFill>
+                <a:effectLst/>
+                <a:latin typeface="Roboto Mono"/>
+              </a:rPr>
+            </a:br>
+            <a:r>
+              <a:rPr kumimoji="0" lang="en-US" altLang="en-US" sz="1500" b="0" i="0" u="none" strike="noStrike" cap="none" normalizeH="0" baseline="0" dirty="0" smtClean="0">
+                <a:ln>
+                  <a:noFill/>
+                </a:ln>
+                <a:solidFill>
+                  <a:srgbClr val="37474F"/>
+                </a:solidFill>
+                <a:effectLst/>
+                <a:latin typeface="Roboto Mono"/>
+              </a:rPr>
+              <a:t>        </a:t>
+            </a:r>
+            <a:r>
+              <a:rPr kumimoji="0" lang="en-US" altLang="en-US" sz="1500" b="0" i="0" u="none" strike="noStrike" cap="none" normalizeH="0" baseline="0" dirty="0" err="1" smtClean="0">
+                <a:ln>
+                  <a:noFill/>
+                </a:ln>
+                <a:solidFill>
+                  <a:srgbClr val="37474F"/>
+                </a:solidFill>
+                <a:effectLst/>
+                <a:latin typeface="Roboto Mono"/>
+              </a:rPr>
+              <a:t>mAdapter</a:t>
+            </a:r>
+            <a:r>
+              <a:rPr kumimoji="0" lang="en-US" altLang="en-US" sz="1500" b="0" i="0" u="none" strike="noStrike" cap="none" normalizeH="0" baseline="0" dirty="0" smtClean="0">
+                <a:ln>
+                  <a:noFill/>
+                </a:ln>
+                <a:solidFill>
+                  <a:srgbClr val="37474F"/>
+                </a:solidFill>
+                <a:effectLst/>
+                <a:latin typeface="Roboto Mono"/>
+              </a:rPr>
+              <a:t> = </a:t>
+            </a:r>
+            <a:r>
+              <a:rPr kumimoji="0" lang="en-US" altLang="en-US" sz="1500" b="0" i="0" u="none" strike="noStrike" cap="none" normalizeH="0" baseline="0" dirty="0" smtClean="0">
+                <a:ln>
+                  <a:noFill/>
+                </a:ln>
+                <a:solidFill>
+                  <a:srgbClr val="3B78E7"/>
+                </a:solidFill>
+                <a:effectLst/>
+                <a:latin typeface="Roboto Mono"/>
+              </a:rPr>
+              <a:t>new</a:t>
+            </a:r>
+            <a:r>
+              <a:rPr kumimoji="0" lang="en-US" altLang="en-US" sz="1500" b="0" i="0" u="none" strike="noStrike" cap="none" normalizeH="0" baseline="0" dirty="0" smtClean="0">
+                <a:ln>
+                  <a:noFill/>
+                </a:ln>
+                <a:solidFill>
+                  <a:srgbClr val="37474F"/>
+                </a:solidFill>
+                <a:effectLst/>
+                <a:latin typeface="Roboto Mono"/>
+              </a:rPr>
+              <a:t> </a:t>
+            </a:r>
+            <a:r>
+              <a:rPr kumimoji="0" lang="en-US" altLang="en-US" sz="1500" b="0" i="0" u="none" strike="noStrike" cap="none" normalizeH="0" baseline="0" dirty="0" err="1" smtClean="0">
+                <a:ln>
+                  <a:noFill/>
+                </a:ln>
+                <a:solidFill>
+                  <a:srgbClr val="9C27B0"/>
+                </a:solidFill>
+                <a:effectLst/>
+                <a:latin typeface="Roboto Mono"/>
+              </a:rPr>
+              <a:t>MyAdapter</a:t>
+            </a:r>
+            <a:r>
+              <a:rPr kumimoji="0" lang="en-US" altLang="en-US" sz="1500" b="0" i="0" u="none" strike="noStrike" cap="none" normalizeH="0" baseline="0" dirty="0" smtClean="0">
+                <a:ln>
+                  <a:noFill/>
+                </a:ln>
+                <a:solidFill>
+                  <a:srgbClr val="37474F"/>
+                </a:solidFill>
+                <a:effectLst/>
+                <a:latin typeface="Roboto Mono"/>
+              </a:rPr>
+              <a:t>(</a:t>
+            </a:r>
+            <a:r>
+              <a:rPr kumimoji="0" lang="en-US" altLang="en-US" sz="1500" b="0" i="0" u="none" strike="noStrike" cap="none" normalizeH="0" baseline="0" dirty="0" err="1" smtClean="0">
+                <a:ln>
+                  <a:noFill/>
+                </a:ln>
+                <a:solidFill>
+                  <a:srgbClr val="37474F"/>
+                </a:solidFill>
+                <a:effectLst/>
+                <a:latin typeface="Roboto Mono"/>
+              </a:rPr>
+              <a:t>myDataset</a:t>
+            </a:r>
+            <a:r>
+              <a:rPr kumimoji="0" lang="en-US" altLang="en-US" sz="1500" b="0" i="0" u="none" strike="noStrike" cap="none" normalizeH="0" baseline="0" dirty="0" smtClean="0">
+                <a:ln>
+                  <a:noFill/>
+                </a:ln>
+                <a:solidFill>
+                  <a:srgbClr val="37474F"/>
+                </a:solidFill>
+                <a:effectLst/>
+                <a:latin typeface="Roboto Mono"/>
+              </a:rPr>
+              <a:t>);</a:t>
+            </a:r>
+            <a:br>
+              <a:rPr kumimoji="0" lang="en-US" altLang="en-US" sz="1500" b="0" i="0" u="none" strike="noStrike" cap="none" normalizeH="0" baseline="0" dirty="0" smtClean="0">
+                <a:ln>
+                  <a:noFill/>
+                </a:ln>
+                <a:solidFill>
+                  <a:srgbClr val="37474F"/>
+                </a:solidFill>
+                <a:effectLst/>
+                <a:latin typeface="Roboto Mono"/>
+              </a:rPr>
+            </a:br>
+            <a:r>
+              <a:rPr kumimoji="0" lang="en-US" altLang="en-US" sz="1500" b="0" i="0" u="none" strike="noStrike" cap="none" normalizeH="0" baseline="0" dirty="0" smtClean="0">
+                <a:ln>
+                  <a:noFill/>
+                </a:ln>
+                <a:solidFill>
+                  <a:srgbClr val="37474F"/>
+                </a:solidFill>
+                <a:effectLst/>
+                <a:latin typeface="Roboto Mono"/>
+              </a:rPr>
+              <a:t>        </a:t>
+            </a:r>
+            <a:r>
+              <a:rPr kumimoji="0" lang="en-US" altLang="en-US" sz="1500" b="0" i="0" u="none" strike="noStrike" cap="none" normalizeH="0" baseline="0" dirty="0" err="1" smtClean="0">
+                <a:ln>
+                  <a:noFill/>
+                </a:ln>
+                <a:solidFill>
+                  <a:srgbClr val="37474F"/>
+                </a:solidFill>
+                <a:effectLst/>
+                <a:latin typeface="Roboto Mono"/>
+              </a:rPr>
+              <a:t>recyclerView.setAdapter</a:t>
+            </a:r>
+            <a:r>
+              <a:rPr kumimoji="0" lang="en-US" altLang="en-US" sz="1500" b="0" i="0" u="none" strike="noStrike" cap="none" normalizeH="0" baseline="0" dirty="0" smtClean="0">
+                <a:ln>
+                  <a:noFill/>
+                </a:ln>
+                <a:solidFill>
+                  <a:srgbClr val="37474F"/>
+                </a:solidFill>
+                <a:effectLst/>
+                <a:latin typeface="Roboto Mono"/>
+              </a:rPr>
+              <a:t>(</a:t>
+            </a:r>
+            <a:r>
+              <a:rPr kumimoji="0" lang="en-US" altLang="en-US" sz="1500" b="0" i="0" u="none" strike="noStrike" cap="none" normalizeH="0" baseline="0" dirty="0" err="1" smtClean="0">
+                <a:ln>
+                  <a:noFill/>
+                </a:ln>
+                <a:solidFill>
+                  <a:srgbClr val="37474F"/>
+                </a:solidFill>
+                <a:effectLst/>
+                <a:latin typeface="Roboto Mono"/>
+              </a:rPr>
+              <a:t>mAdapter</a:t>
+            </a:r>
+            <a:r>
+              <a:rPr kumimoji="0" lang="en-US" altLang="en-US" sz="1500" b="0" i="0" u="none" strike="noStrike" cap="none" normalizeH="0" baseline="0" dirty="0" smtClean="0">
+                <a:ln>
+                  <a:noFill/>
+                </a:ln>
+                <a:solidFill>
+                  <a:srgbClr val="37474F"/>
+                </a:solidFill>
+                <a:effectLst/>
+                <a:latin typeface="Roboto Mono"/>
+              </a:rPr>
+              <a:t>);</a:t>
+            </a:r>
+            <a:br>
+              <a:rPr kumimoji="0" lang="en-US" altLang="en-US" sz="1500" b="0" i="0" u="none" strike="noStrike" cap="none" normalizeH="0" baseline="0" dirty="0" smtClean="0">
+                <a:ln>
+                  <a:noFill/>
+                </a:ln>
+                <a:solidFill>
+                  <a:srgbClr val="37474F"/>
+                </a:solidFill>
+                <a:effectLst/>
+                <a:latin typeface="Roboto Mono"/>
+              </a:rPr>
+            </a:br>
+            <a:r>
+              <a:rPr kumimoji="0" lang="en-US" altLang="en-US" sz="1500" b="0" i="0" u="none" strike="noStrike" cap="none" normalizeH="0" baseline="0" dirty="0" smtClean="0">
+                <a:ln>
+                  <a:noFill/>
+                </a:ln>
+                <a:solidFill>
+                  <a:srgbClr val="37474F"/>
+                </a:solidFill>
+                <a:effectLst/>
+                <a:latin typeface="Roboto Mono"/>
+              </a:rPr>
+              <a:t>    }</a:t>
+            </a:r>
+            <a:br>
+              <a:rPr kumimoji="0" lang="en-US" altLang="en-US" sz="1500" b="0" i="0" u="none" strike="noStrike" cap="none" normalizeH="0" baseline="0" dirty="0" smtClean="0">
+                <a:ln>
+                  <a:noFill/>
+                </a:ln>
+                <a:solidFill>
+                  <a:srgbClr val="37474F"/>
+                </a:solidFill>
+                <a:effectLst/>
+                <a:latin typeface="Roboto Mono"/>
+              </a:rPr>
+            </a:br>
+            <a:r>
+              <a:rPr kumimoji="0" lang="en-US" altLang="en-US" sz="1500" b="0" i="0" u="none" strike="noStrike" cap="none" normalizeH="0" baseline="0" dirty="0" smtClean="0">
+                <a:ln>
+                  <a:noFill/>
+                </a:ln>
+                <a:solidFill>
+                  <a:srgbClr val="37474F"/>
+                </a:solidFill>
+                <a:effectLst/>
+                <a:latin typeface="Roboto Mono"/>
+              </a:rPr>
+              <a:t>    </a:t>
+            </a:r>
+            <a:r>
+              <a:rPr kumimoji="0" lang="en-US" altLang="en-US" sz="1500" b="0" i="0" u="none" strike="noStrike" cap="none" normalizeH="0" baseline="0" dirty="0" smtClean="0">
+                <a:ln>
+                  <a:noFill/>
+                </a:ln>
+                <a:solidFill>
+                  <a:srgbClr val="D81B60"/>
+                </a:solidFill>
+                <a:effectLst/>
+                <a:latin typeface="Roboto Mono"/>
+              </a:rPr>
+              <a:t>// ...</a:t>
+            </a:r>
+            <a:r>
+              <a:rPr kumimoji="0" lang="en-US" altLang="en-US" sz="1500" b="0" i="0" u="none" strike="noStrike" cap="none" normalizeH="0" baseline="0" dirty="0" smtClean="0">
+                <a:ln>
+                  <a:noFill/>
+                </a:ln>
+                <a:solidFill>
+                  <a:srgbClr val="37474F"/>
+                </a:solidFill>
+                <a:effectLst/>
+                <a:latin typeface="Roboto Mono"/>
+              </a:rPr>
+              <a:t/>
+            </a:r>
+            <a:br>
+              <a:rPr kumimoji="0" lang="en-US" altLang="en-US" sz="1500" b="0" i="0" u="none" strike="noStrike" cap="none" normalizeH="0" baseline="0" dirty="0" smtClean="0">
+                <a:ln>
+                  <a:noFill/>
+                </a:ln>
+                <a:solidFill>
+                  <a:srgbClr val="37474F"/>
+                </a:solidFill>
+                <a:effectLst/>
+                <a:latin typeface="Roboto Mono"/>
+              </a:rPr>
+            </a:br>
+            <a:r>
+              <a:rPr kumimoji="0" lang="en-US" altLang="en-US" sz="1500" b="0" i="0" u="none" strike="noStrike" cap="none" normalizeH="0" baseline="0" dirty="0" smtClean="0">
+                <a:ln>
+                  <a:noFill/>
+                </a:ln>
+                <a:solidFill>
+                  <a:srgbClr val="37474F"/>
+                </a:solidFill>
+                <a:effectLst/>
+                <a:latin typeface="Roboto Mono"/>
+              </a:rPr>
+              <a:t>}</a:t>
+            </a:r>
+            <a:r>
+              <a:rPr kumimoji="0" lang="en-US" altLang="en-US" sz="1500" b="0" i="0" u="none" strike="noStrike" cap="none" normalizeH="0" baseline="0" dirty="0" smtClean="0">
+                <a:ln>
+                  <a:noFill/>
+                </a:ln>
+                <a:solidFill>
+                  <a:schemeClr val="tx1"/>
+                </a:solidFill>
+                <a:effectLst/>
+              </a:rPr>
+              <a:t> </a:t>
+            </a:r>
+            <a:endParaRPr kumimoji="0" lang="en-US" altLang="en-US" sz="1500" b="0" i="0" u="none" strike="noStrike" cap="none" normalizeH="0" baseline="0" dirty="0" smtClean="0">
+              <a:ln>
+                <a:noFill/>
+              </a:ln>
+              <a:solidFill>
+                <a:schemeClr val="tx1"/>
+              </a:solidFill>
+              <a:effectLst/>
+              <a:latin typeface="Arial" panose="020B0604020202020204" pitchFamily="34" charset="0"/>
+            </a:endParaRPr>
+          </a:p>
+        </p:txBody>
+      </p:sp>
+    </p:spTree>
+    <p:extLst>
+      <p:ext uri="{BB962C8B-B14F-4D97-AF65-F5344CB8AC3E}">
+        <p14:creationId xmlns:p14="http://schemas.microsoft.com/office/powerpoint/2010/main" val="3425358874"/>
+      </p:ext>
+    </p:extLst>
+  </p:cSld>
+  <p:clrMapOvr>
+    <a:masterClrMapping/>
+  </p:clrMapOvr>
+  <p:timing>
+    <p:tnLst>
+      <p:par>
+        <p:cTn id="1" dur="indefinite" restart="never" nodeType="tmRoot"/>
+      </p:par>
+    </p:tnLst>
+  </p:timing>
+</p:sld>
+</file>
+
+<file path=ppt/slides/slide6.xml><?xml version="1.0" encoding="utf-8"?>
+<p:sld xmlns:a="http://schemas.openxmlformats.org/drawingml/2006/main" xmlns:r="http://schemas.openxmlformats.org/officeDocument/2006/relationships" xmlns:p="http://schemas.openxmlformats.org/presentationml/2006/main">
+  <p:cSld>
+    <p:spTree>
+      <p:nvGrpSpPr>
+        <p:cNvPr id="1" name=""/>
+        <p:cNvGrpSpPr/>
+        <p:nvPr/>
+      </p:nvGrpSpPr>
+      <p:grpSpPr>
+        <a:xfrm>
+          <a:off x="0" y="0"/>
+          <a:ext cx="0" cy="0"/>
+          <a:chOff x="0" y="0"/>
+          <a:chExt cx="0" cy="0"/>
+        </a:xfrm>
+      </p:grpSpPr>
+      <p:sp>
+        <p:nvSpPr>
+          <p:cNvPr id="2" name="Title 1"/>
+          <p:cNvSpPr>
+            <a:spLocks noGrp="1"/>
+          </p:cNvSpPr>
+          <p:nvPr>
+            <p:ph type="title"/>
+          </p:nvPr>
+        </p:nvSpPr>
+        <p:spPr>
+          <a:xfrm>
+            <a:off x="142875" y="128588"/>
+            <a:ext cx="11353800" cy="835025"/>
+          </a:xfrm>
+        </p:spPr>
+        <p:txBody>
+          <a:bodyPr/>
+          <a:lstStyle/>
+          <a:p>
+            <a:r>
+              <a:rPr lang="en-CA" dirty="0" err="1" smtClean="0"/>
+              <a:t>RecyclerView</a:t>
+            </a:r>
+            <a:r>
+              <a:rPr lang="en-CA" dirty="0" smtClean="0"/>
+              <a:t> Adapter</a:t>
+            </a:r>
+            <a:endParaRPr lang="en-CA" dirty="0"/>
+          </a:p>
+        </p:txBody>
+      </p:sp>
+      <p:sp>
+        <p:nvSpPr>
+          <p:cNvPr id="3" name="Content Placeholder 2"/>
+          <p:cNvSpPr>
+            <a:spLocks noGrp="1"/>
+          </p:cNvSpPr>
+          <p:nvPr>
+            <p:ph idx="1"/>
+          </p:nvPr>
+        </p:nvSpPr>
+        <p:spPr>
+          <a:xfrm>
+            <a:off x="408709" y="1314450"/>
+            <a:ext cx="4551218" cy="4728009"/>
+          </a:xfrm>
+        </p:spPr>
+        <p:txBody>
+          <a:bodyPr/>
+          <a:lstStyle/>
+          <a:p>
+            <a:endParaRPr lang="en-CA" dirty="0"/>
+          </a:p>
+        </p:txBody>
+      </p:sp>
+      <p:sp>
+        <p:nvSpPr>
+          <p:cNvPr id="4" name="Rectangle 1"/>
+          <p:cNvSpPr>
+            <a:spLocks noChangeArrowheads="1"/>
+          </p:cNvSpPr>
+          <p:nvPr/>
+        </p:nvSpPr>
+        <p:spPr bwMode="auto">
+          <a:xfrm>
+            <a:off x="5687290" y="128588"/>
+            <a:ext cx="6096001" cy="6601807"/>
+          </a:xfrm>
+          <a:prstGeom prst="rect">
+            <a:avLst/>
+          </a:prstGeom>
+          <a:solidFill>
+            <a:srgbClr val="F1F3F4"/>
+          </a:solidFill>
+          <a:ln>
+            <a:noFill/>
+          </a:ln>
+          <a:effectLst/>
+          <a:extLst>
+            <a:ext uri="{91240B29-F687-4F45-9708-019B960494DF}">
+              <a14:hiddenLine xmlns:a14="http://schemas.microsoft.com/office/drawing/2010/main" w="9525">
+                <a:solidFill>
+                  <a:schemeClr val="tx1"/>
+                </a:solidFill>
+                <a:miter lim="800000"/>
+                <a:headEnd/>
+                <a:tailEnd/>
+              </a14:hiddenLine>
+            </a:ext>
+            <a:ext uri="{AF507438-7753-43E0-B8FC-AC1667EBCBE1}">
+              <a14:hiddenEffects xmlns:a14="http://schemas.microsoft.com/office/drawing/2010/main">
+                <a:effectLst>
+                  <a:outerShdw dist="35921" dir="2700000" algn="ctr" rotWithShape="0">
+                    <a:schemeClr val="bg2"/>
+                  </a:outerShdw>
+                </a:effectLst>
+              </a14:hiddenEffects>
+            </a:ext>
+          </a:extLst>
+        </p:spPr>
+        <p:txBody>
+          <a:bodyPr vert="horz" wrap="square" lIns="0" tIns="0" rIns="0" bIns="0" numCol="1" anchor="ctr" anchorCtr="0" compatLnSpc="1">
+            <a:prstTxWarp prst="textNoShape">
+              <a:avLst/>
+            </a:prstTxWarp>
+            <a:spAutoFit/>
+          </a:bodyPr>
+          <a:lstStyle/>
+          <a:p>
+            <a:pPr marL="0" marR="0" lvl="0" indent="0" algn="l" defTabSz="914400" rtl="0" eaLnBrk="0" fontAlgn="base" latinLnBrk="0" hangingPunct="0">
+              <a:lnSpc>
+                <a:spcPct val="100000"/>
+              </a:lnSpc>
+              <a:spcBef>
+                <a:spcPct val="0"/>
+              </a:spcBef>
+              <a:spcAft>
+                <a:spcPct val="0"/>
+              </a:spcAft>
+              <a:buClrTx/>
+              <a:buSzTx/>
+              <a:buFontTx/>
+              <a:buNone/>
+              <a:tabLst/>
+            </a:pPr>
+            <a:r>
+              <a:rPr kumimoji="0" lang="en-US" altLang="en-US" sz="1100" b="0" i="0" u="none" strike="noStrike" cap="none" normalizeH="0" baseline="0" dirty="0" smtClean="0">
+                <a:ln>
+                  <a:noFill/>
+                </a:ln>
+                <a:solidFill>
+                  <a:srgbClr val="3B78E7"/>
+                </a:solidFill>
+                <a:effectLst/>
+                <a:latin typeface="Roboto Mono"/>
+              </a:rPr>
+              <a:t>public</a:t>
+            </a:r>
+            <a:r>
+              <a:rPr kumimoji="0" lang="en-US" altLang="en-US" sz="1100" b="0" i="0" u="none" strike="noStrike" cap="none" normalizeH="0" baseline="0" dirty="0" smtClean="0">
+                <a:ln>
+                  <a:noFill/>
+                </a:ln>
+                <a:solidFill>
+                  <a:srgbClr val="37474F"/>
+                </a:solidFill>
+                <a:effectLst/>
+                <a:latin typeface="Roboto Mono"/>
+              </a:rPr>
+              <a:t> </a:t>
+            </a:r>
+            <a:r>
+              <a:rPr kumimoji="0" lang="en-US" altLang="en-US" sz="1100" b="0" i="0" u="none" strike="noStrike" cap="none" normalizeH="0" baseline="0" dirty="0" smtClean="0">
+                <a:ln>
+                  <a:noFill/>
+                </a:ln>
+                <a:solidFill>
+                  <a:srgbClr val="3B78E7"/>
+                </a:solidFill>
+                <a:effectLst/>
+                <a:latin typeface="Roboto Mono"/>
+              </a:rPr>
+              <a:t>class</a:t>
+            </a:r>
+            <a:r>
+              <a:rPr kumimoji="0" lang="en-US" altLang="en-US" sz="1100" b="0" i="0" u="none" strike="noStrike" cap="none" normalizeH="0" baseline="0" dirty="0" smtClean="0">
+                <a:ln>
+                  <a:noFill/>
+                </a:ln>
+                <a:solidFill>
+                  <a:srgbClr val="37474F"/>
+                </a:solidFill>
+                <a:effectLst/>
+                <a:latin typeface="Roboto Mono"/>
+              </a:rPr>
+              <a:t> </a:t>
+            </a:r>
+            <a:r>
+              <a:rPr kumimoji="0" lang="en-US" altLang="en-US" sz="1100" b="0" i="0" u="none" strike="noStrike" cap="none" normalizeH="0" baseline="0" dirty="0" err="1" smtClean="0">
+                <a:ln>
+                  <a:noFill/>
+                </a:ln>
+                <a:solidFill>
+                  <a:srgbClr val="9C27B0"/>
+                </a:solidFill>
+                <a:effectLst/>
+                <a:latin typeface="Roboto Mono"/>
+              </a:rPr>
+              <a:t>MyAdapter</a:t>
+            </a:r>
+            <a:r>
+              <a:rPr kumimoji="0" lang="en-US" altLang="en-US" sz="1100" b="0" i="0" u="none" strike="noStrike" cap="none" normalizeH="0" baseline="0" dirty="0" smtClean="0">
+                <a:ln>
+                  <a:noFill/>
+                </a:ln>
+                <a:solidFill>
+                  <a:srgbClr val="37474F"/>
+                </a:solidFill>
+                <a:effectLst/>
+                <a:latin typeface="Roboto Mono"/>
+              </a:rPr>
+              <a:t> </a:t>
+            </a:r>
+            <a:r>
+              <a:rPr kumimoji="0" lang="en-US" altLang="en-US" sz="1100" b="0" i="0" u="none" strike="noStrike" cap="none" normalizeH="0" baseline="0" dirty="0" smtClean="0">
+                <a:ln>
+                  <a:noFill/>
+                </a:ln>
+                <a:solidFill>
+                  <a:srgbClr val="3B78E7"/>
+                </a:solidFill>
+                <a:effectLst/>
+                <a:latin typeface="Roboto Mono"/>
+              </a:rPr>
+              <a:t>extends</a:t>
+            </a:r>
+            <a:r>
+              <a:rPr kumimoji="0" lang="en-US" altLang="en-US" sz="1100" b="0" i="0" u="none" strike="noStrike" cap="none" normalizeH="0" baseline="0" dirty="0" smtClean="0">
+                <a:ln>
+                  <a:noFill/>
+                </a:ln>
+                <a:solidFill>
+                  <a:srgbClr val="37474F"/>
+                </a:solidFill>
+                <a:effectLst/>
+                <a:latin typeface="Roboto Mono"/>
+              </a:rPr>
+              <a:t> </a:t>
+            </a:r>
+            <a:r>
+              <a:rPr kumimoji="0" lang="en-US" altLang="en-US" sz="1100" b="0" i="0" u="none" strike="noStrike" cap="none" normalizeH="0" baseline="0" dirty="0" err="1" smtClean="0">
+                <a:ln>
+                  <a:noFill/>
+                </a:ln>
+                <a:solidFill>
+                  <a:srgbClr val="9C27B0"/>
+                </a:solidFill>
+                <a:effectLst/>
+                <a:latin typeface="Roboto Mono"/>
+              </a:rPr>
+              <a:t>RecyclerView</a:t>
+            </a:r>
+            <a:r>
+              <a:rPr kumimoji="0" lang="en-US" altLang="en-US" sz="1100" b="0" i="0" u="none" strike="noStrike" cap="none" normalizeH="0" baseline="0" dirty="0" err="1" smtClean="0">
+                <a:ln>
+                  <a:noFill/>
+                </a:ln>
+                <a:solidFill>
+                  <a:srgbClr val="37474F"/>
+                </a:solidFill>
+                <a:effectLst/>
+                <a:latin typeface="Roboto Mono"/>
+              </a:rPr>
+              <a:t>.</a:t>
+            </a:r>
+            <a:r>
+              <a:rPr kumimoji="0" lang="en-US" altLang="en-US" sz="1100" b="0" i="0" u="none" strike="noStrike" cap="none" normalizeH="0" baseline="0" dirty="0" err="1" smtClean="0">
+                <a:ln>
+                  <a:noFill/>
+                </a:ln>
+                <a:solidFill>
+                  <a:srgbClr val="9C27B0"/>
+                </a:solidFill>
+                <a:effectLst/>
+                <a:latin typeface="Roboto Mono"/>
+              </a:rPr>
+              <a:t>Adapter</a:t>
+            </a:r>
+            <a:r>
+              <a:rPr kumimoji="0" lang="en-US" altLang="en-US" sz="1100" b="0" i="0" u="none" strike="noStrike" cap="none" normalizeH="0" baseline="0" dirty="0" smtClean="0">
+                <a:ln>
+                  <a:noFill/>
+                </a:ln>
+                <a:solidFill>
+                  <a:srgbClr val="37474F"/>
+                </a:solidFill>
+                <a:effectLst/>
+                <a:latin typeface="Roboto Mono"/>
+              </a:rPr>
+              <a:t>&lt;</a:t>
+            </a:r>
+            <a:r>
+              <a:rPr kumimoji="0" lang="en-US" altLang="en-US" sz="1100" b="0" i="0" u="none" strike="noStrike" cap="none" normalizeH="0" baseline="0" dirty="0" err="1" smtClean="0">
+                <a:ln>
+                  <a:noFill/>
+                </a:ln>
+                <a:solidFill>
+                  <a:srgbClr val="9C27B0"/>
+                </a:solidFill>
+                <a:effectLst/>
+                <a:latin typeface="Roboto Mono"/>
+              </a:rPr>
+              <a:t>MyAdapter</a:t>
+            </a:r>
+            <a:r>
+              <a:rPr kumimoji="0" lang="en-US" altLang="en-US" sz="1100" b="0" i="0" u="none" strike="noStrike" cap="none" normalizeH="0" baseline="0" dirty="0" err="1" smtClean="0">
+                <a:ln>
+                  <a:noFill/>
+                </a:ln>
+                <a:solidFill>
+                  <a:srgbClr val="37474F"/>
+                </a:solidFill>
+                <a:effectLst/>
+                <a:latin typeface="Roboto Mono"/>
+              </a:rPr>
+              <a:t>.</a:t>
+            </a:r>
+            <a:r>
+              <a:rPr kumimoji="0" lang="en-US" altLang="en-US" sz="1100" b="0" i="0" u="none" strike="noStrike" cap="none" normalizeH="0" baseline="0" dirty="0" err="1" smtClean="0">
+                <a:ln>
+                  <a:noFill/>
+                </a:ln>
+                <a:solidFill>
+                  <a:srgbClr val="9C27B0"/>
+                </a:solidFill>
+                <a:effectLst/>
+                <a:latin typeface="Roboto Mono"/>
+              </a:rPr>
+              <a:t>MyViewHolder</a:t>
+            </a:r>
+            <a:r>
+              <a:rPr kumimoji="0" lang="en-US" altLang="en-US" sz="1100" b="0" i="0" u="none" strike="noStrike" cap="none" normalizeH="0" baseline="0" dirty="0" smtClean="0">
+                <a:ln>
+                  <a:noFill/>
+                </a:ln>
+                <a:solidFill>
+                  <a:srgbClr val="37474F"/>
+                </a:solidFill>
+                <a:effectLst/>
+                <a:latin typeface="Roboto Mono"/>
+              </a:rPr>
+              <a:t>&gt; {</a:t>
+            </a:r>
+            <a:br>
+              <a:rPr kumimoji="0" lang="en-US" altLang="en-US" sz="1100" b="0" i="0" u="none" strike="noStrike" cap="none" normalizeH="0" baseline="0" dirty="0" smtClean="0">
+                <a:ln>
+                  <a:noFill/>
+                </a:ln>
+                <a:solidFill>
+                  <a:srgbClr val="37474F"/>
+                </a:solidFill>
+                <a:effectLst/>
+                <a:latin typeface="Roboto Mono"/>
+              </a:rPr>
+            </a:br>
+            <a:r>
+              <a:rPr kumimoji="0" lang="en-US" altLang="en-US" sz="1100" b="0" i="0" u="none" strike="noStrike" cap="none" normalizeH="0" baseline="0" dirty="0" smtClean="0">
+                <a:ln>
+                  <a:noFill/>
+                </a:ln>
+                <a:solidFill>
+                  <a:srgbClr val="37474F"/>
+                </a:solidFill>
+                <a:effectLst/>
+                <a:latin typeface="Roboto Mono"/>
+              </a:rPr>
+              <a:t>    </a:t>
+            </a:r>
+            <a:r>
+              <a:rPr kumimoji="0" lang="en-US" altLang="en-US" sz="1100" b="0" i="0" u="none" strike="noStrike" cap="none" normalizeH="0" baseline="0" dirty="0" smtClean="0">
+                <a:ln>
+                  <a:noFill/>
+                </a:ln>
+                <a:solidFill>
+                  <a:srgbClr val="3B78E7"/>
+                </a:solidFill>
+                <a:effectLst/>
+                <a:latin typeface="Roboto Mono"/>
+              </a:rPr>
+              <a:t>private</a:t>
+            </a:r>
+            <a:r>
+              <a:rPr kumimoji="0" lang="en-US" altLang="en-US" sz="1100" b="0" i="0" u="none" strike="noStrike" cap="none" normalizeH="0" baseline="0" dirty="0" smtClean="0">
+                <a:ln>
+                  <a:noFill/>
+                </a:ln>
+                <a:solidFill>
+                  <a:srgbClr val="37474F"/>
+                </a:solidFill>
+                <a:effectLst/>
+                <a:latin typeface="Roboto Mono"/>
+              </a:rPr>
+              <a:t> </a:t>
+            </a:r>
+            <a:r>
+              <a:rPr kumimoji="0" lang="en-US" altLang="en-US" sz="1100" b="0" i="0" u="none" strike="noStrike" cap="none" normalizeH="0" baseline="0" dirty="0" smtClean="0">
+                <a:ln>
+                  <a:noFill/>
+                </a:ln>
+                <a:solidFill>
+                  <a:srgbClr val="9C27B0"/>
+                </a:solidFill>
+                <a:effectLst/>
+                <a:latin typeface="Roboto Mono"/>
+              </a:rPr>
+              <a:t>String</a:t>
+            </a:r>
+            <a:r>
+              <a:rPr kumimoji="0" lang="en-US" altLang="en-US" sz="1100" b="0" i="0" u="none" strike="noStrike" cap="none" normalizeH="0" baseline="0" dirty="0" smtClean="0">
+                <a:ln>
+                  <a:noFill/>
+                </a:ln>
+                <a:solidFill>
+                  <a:srgbClr val="37474F"/>
+                </a:solidFill>
+                <a:effectLst/>
+                <a:latin typeface="Roboto Mono"/>
+              </a:rPr>
+              <a:t>[] </a:t>
+            </a:r>
+            <a:r>
+              <a:rPr kumimoji="0" lang="en-US" altLang="en-US" sz="1100" b="0" i="0" u="none" strike="noStrike" cap="none" normalizeH="0" baseline="0" dirty="0" err="1" smtClean="0">
+                <a:ln>
+                  <a:noFill/>
+                </a:ln>
+                <a:solidFill>
+                  <a:srgbClr val="37474F"/>
+                </a:solidFill>
+                <a:effectLst/>
+                <a:latin typeface="Roboto Mono"/>
+              </a:rPr>
+              <a:t>mDataset</a:t>
+            </a:r>
+            <a:r>
+              <a:rPr kumimoji="0" lang="en-US" altLang="en-US" sz="1100" b="0" i="0" u="none" strike="noStrike" cap="none" normalizeH="0" baseline="0" dirty="0" smtClean="0">
+                <a:ln>
+                  <a:noFill/>
+                </a:ln>
+                <a:solidFill>
+                  <a:srgbClr val="37474F"/>
+                </a:solidFill>
+                <a:effectLst/>
+                <a:latin typeface="Roboto Mono"/>
+              </a:rPr>
+              <a:t>;</a:t>
+            </a:r>
+            <a:br>
+              <a:rPr kumimoji="0" lang="en-US" altLang="en-US" sz="1100" b="0" i="0" u="none" strike="noStrike" cap="none" normalizeH="0" baseline="0" dirty="0" smtClean="0">
+                <a:ln>
+                  <a:noFill/>
+                </a:ln>
+                <a:solidFill>
+                  <a:srgbClr val="37474F"/>
+                </a:solidFill>
+                <a:effectLst/>
+                <a:latin typeface="Roboto Mono"/>
+              </a:rPr>
+            </a:br>
+            <a:r>
+              <a:rPr kumimoji="0" lang="en-US" altLang="en-US" sz="1100" b="0" i="0" u="none" strike="noStrike" cap="none" normalizeH="0" baseline="0" dirty="0" smtClean="0">
+                <a:ln>
+                  <a:noFill/>
+                </a:ln>
+                <a:solidFill>
+                  <a:srgbClr val="37474F"/>
+                </a:solidFill>
+                <a:effectLst/>
+                <a:latin typeface="Roboto Mono"/>
+              </a:rPr>
+              <a:t>    </a:t>
+            </a:r>
+            <a:r>
+              <a:rPr kumimoji="0" lang="en-US" altLang="en-US" sz="1100" b="0" i="0" u="none" strike="noStrike" cap="none" normalizeH="0" baseline="0" dirty="0" smtClean="0">
+                <a:ln>
+                  <a:noFill/>
+                </a:ln>
+                <a:solidFill>
+                  <a:srgbClr val="D81B60"/>
+                </a:solidFill>
+                <a:effectLst/>
+                <a:latin typeface="Roboto Mono"/>
+              </a:rPr>
+              <a:t>// Provide a reference to the views for each data item</a:t>
+            </a:r>
+            <a:r>
+              <a:rPr kumimoji="0" lang="en-US" altLang="en-US" sz="1100" b="0" i="0" u="none" strike="noStrike" cap="none" normalizeH="0" baseline="0" dirty="0" smtClean="0">
+                <a:ln>
+                  <a:noFill/>
+                </a:ln>
+                <a:solidFill>
+                  <a:srgbClr val="37474F"/>
+                </a:solidFill>
+                <a:effectLst/>
+                <a:latin typeface="Roboto Mono"/>
+              </a:rPr>
+              <a:t/>
+            </a:r>
+            <a:br>
+              <a:rPr kumimoji="0" lang="en-US" altLang="en-US" sz="1100" b="0" i="0" u="none" strike="noStrike" cap="none" normalizeH="0" baseline="0" dirty="0" smtClean="0">
+                <a:ln>
+                  <a:noFill/>
+                </a:ln>
+                <a:solidFill>
+                  <a:srgbClr val="37474F"/>
+                </a:solidFill>
+                <a:effectLst/>
+                <a:latin typeface="Roboto Mono"/>
+              </a:rPr>
+            </a:br>
+            <a:r>
+              <a:rPr kumimoji="0" lang="en-US" altLang="en-US" sz="1100" b="0" i="0" u="none" strike="noStrike" cap="none" normalizeH="0" baseline="0" dirty="0" smtClean="0">
+                <a:ln>
+                  <a:noFill/>
+                </a:ln>
+                <a:solidFill>
+                  <a:srgbClr val="37474F"/>
+                </a:solidFill>
+                <a:effectLst/>
+                <a:latin typeface="Roboto Mono"/>
+              </a:rPr>
+              <a:t>    </a:t>
+            </a:r>
+            <a:r>
+              <a:rPr kumimoji="0" lang="en-US" altLang="en-US" sz="1100" b="0" i="0" u="none" strike="noStrike" cap="none" normalizeH="0" baseline="0" dirty="0" smtClean="0">
+                <a:ln>
+                  <a:noFill/>
+                </a:ln>
+                <a:solidFill>
+                  <a:srgbClr val="D81B60"/>
+                </a:solidFill>
+                <a:effectLst/>
+                <a:latin typeface="Roboto Mono"/>
+              </a:rPr>
+              <a:t>// Complex data items may need more than one view per item, and</a:t>
+            </a:r>
+            <a:r>
+              <a:rPr kumimoji="0" lang="en-US" altLang="en-US" sz="1100" b="0" i="0" u="none" strike="noStrike" cap="none" normalizeH="0" baseline="0" dirty="0" smtClean="0">
+                <a:ln>
+                  <a:noFill/>
+                </a:ln>
+                <a:solidFill>
+                  <a:srgbClr val="37474F"/>
+                </a:solidFill>
+                <a:effectLst/>
+                <a:latin typeface="Roboto Mono"/>
+              </a:rPr>
+              <a:t/>
+            </a:r>
+            <a:br>
+              <a:rPr kumimoji="0" lang="en-US" altLang="en-US" sz="1100" b="0" i="0" u="none" strike="noStrike" cap="none" normalizeH="0" baseline="0" dirty="0" smtClean="0">
+                <a:ln>
+                  <a:noFill/>
+                </a:ln>
+                <a:solidFill>
+                  <a:srgbClr val="37474F"/>
+                </a:solidFill>
+                <a:effectLst/>
+                <a:latin typeface="Roboto Mono"/>
+              </a:rPr>
+            </a:br>
+            <a:r>
+              <a:rPr kumimoji="0" lang="en-US" altLang="en-US" sz="1100" b="0" i="0" u="none" strike="noStrike" cap="none" normalizeH="0" baseline="0" dirty="0" smtClean="0">
+                <a:ln>
+                  <a:noFill/>
+                </a:ln>
+                <a:solidFill>
+                  <a:srgbClr val="37474F"/>
+                </a:solidFill>
+                <a:effectLst/>
+                <a:latin typeface="Roboto Mono"/>
+              </a:rPr>
+              <a:t>    </a:t>
+            </a:r>
+            <a:r>
+              <a:rPr kumimoji="0" lang="en-US" altLang="en-US" sz="1100" b="0" i="0" u="none" strike="noStrike" cap="none" normalizeH="0" baseline="0" dirty="0" smtClean="0">
+                <a:ln>
+                  <a:noFill/>
+                </a:ln>
+                <a:solidFill>
+                  <a:srgbClr val="D81B60"/>
+                </a:solidFill>
+                <a:effectLst/>
+                <a:latin typeface="Roboto Mono"/>
+              </a:rPr>
+              <a:t>// you provide access to all the views for a data item in a view holder</a:t>
+            </a:r>
+            <a:r>
+              <a:rPr kumimoji="0" lang="en-US" altLang="en-US" sz="1100" b="0" i="0" u="none" strike="noStrike" cap="none" normalizeH="0" baseline="0" dirty="0" smtClean="0">
+                <a:ln>
+                  <a:noFill/>
+                </a:ln>
+                <a:solidFill>
+                  <a:srgbClr val="37474F"/>
+                </a:solidFill>
+                <a:effectLst/>
+                <a:latin typeface="Roboto Mono"/>
+              </a:rPr>
+              <a:t/>
+            </a:r>
+            <a:br>
+              <a:rPr kumimoji="0" lang="en-US" altLang="en-US" sz="1100" b="0" i="0" u="none" strike="noStrike" cap="none" normalizeH="0" baseline="0" dirty="0" smtClean="0">
+                <a:ln>
+                  <a:noFill/>
+                </a:ln>
+                <a:solidFill>
+                  <a:srgbClr val="37474F"/>
+                </a:solidFill>
+                <a:effectLst/>
+                <a:latin typeface="Roboto Mono"/>
+              </a:rPr>
+            </a:br>
+            <a:r>
+              <a:rPr kumimoji="0" lang="en-US" altLang="en-US" sz="1100" b="0" i="0" u="none" strike="noStrike" cap="none" normalizeH="0" baseline="0" dirty="0" smtClean="0">
+                <a:ln>
+                  <a:noFill/>
+                </a:ln>
+                <a:solidFill>
+                  <a:srgbClr val="37474F"/>
+                </a:solidFill>
+                <a:effectLst/>
+                <a:latin typeface="Roboto Mono"/>
+              </a:rPr>
+              <a:t>    </a:t>
+            </a:r>
+            <a:r>
+              <a:rPr kumimoji="0" lang="en-US" altLang="en-US" sz="1100" b="0" i="0" u="none" strike="noStrike" cap="none" normalizeH="0" baseline="0" dirty="0" smtClean="0">
+                <a:ln>
+                  <a:noFill/>
+                </a:ln>
+                <a:solidFill>
+                  <a:srgbClr val="3B78E7"/>
+                </a:solidFill>
+                <a:effectLst/>
+                <a:latin typeface="Roboto Mono"/>
+              </a:rPr>
+              <a:t>public</a:t>
+            </a:r>
+            <a:r>
+              <a:rPr kumimoji="0" lang="en-US" altLang="en-US" sz="1100" b="0" i="0" u="none" strike="noStrike" cap="none" normalizeH="0" baseline="0" dirty="0" smtClean="0">
+                <a:ln>
+                  <a:noFill/>
+                </a:ln>
+                <a:solidFill>
+                  <a:srgbClr val="37474F"/>
+                </a:solidFill>
+                <a:effectLst/>
+                <a:latin typeface="Roboto Mono"/>
+              </a:rPr>
+              <a:t> </a:t>
+            </a:r>
+            <a:r>
+              <a:rPr kumimoji="0" lang="en-US" altLang="en-US" sz="1100" b="0" i="0" u="none" strike="noStrike" cap="none" normalizeH="0" baseline="0" dirty="0" smtClean="0">
+                <a:ln>
+                  <a:noFill/>
+                </a:ln>
+                <a:solidFill>
+                  <a:srgbClr val="3B78E7"/>
+                </a:solidFill>
+                <a:effectLst/>
+                <a:latin typeface="Roboto Mono"/>
+              </a:rPr>
+              <a:t>static</a:t>
+            </a:r>
+            <a:r>
+              <a:rPr kumimoji="0" lang="en-US" altLang="en-US" sz="1100" b="0" i="0" u="none" strike="noStrike" cap="none" normalizeH="0" baseline="0" dirty="0" smtClean="0">
+                <a:ln>
+                  <a:noFill/>
+                </a:ln>
+                <a:solidFill>
+                  <a:srgbClr val="37474F"/>
+                </a:solidFill>
+                <a:effectLst/>
+                <a:latin typeface="Roboto Mono"/>
+              </a:rPr>
+              <a:t> </a:t>
+            </a:r>
+            <a:r>
+              <a:rPr kumimoji="0" lang="en-US" altLang="en-US" sz="1100" b="0" i="0" u="none" strike="noStrike" cap="none" normalizeH="0" baseline="0" dirty="0" smtClean="0">
+                <a:ln>
+                  <a:noFill/>
+                </a:ln>
+                <a:solidFill>
+                  <a:srgbClr val="3B78E7"/>
+                </a:solidFill>
+                <a:effectLst/>
+                <a:latin typeface="Roboto Mono"/>
+              </a:rPr>
+              <a:t>class</a:t>
+            </a:r>
+            <a:r>
+              <a:rPr kumimoji="0" lang="en-US" altLang="en-US" sz="1100" b="0" i="0" u="none" strike="noStrike" cap="none" normalizeH="0" baseline="0" dirty="0" smtClean="0">
+                <a:ln>
+                  <a:noFill/>
+                </a:ln>
+                <a:solidFill>
+                  <a:srgbClr val="37474F"/>
+                </a:solidFill>
+                <a:effectLst/>
+                <a:latin typeface="Roboto Mono"/>
+              </a:rPr>
+              <a:t> </a:t>
+            </a:r>
+            <a:r>
+              <a:rPr kumimoji="0" lang="en-US" altLang="en-US" sz="1100" b="0" i="0" u="none" strike="noStrike" cap="none" normalizeH="0" baseline="0" dirty="0" err="1" smtClean="0">
+                <a:ln>
+                  <a:noFill/>
+                </a:ln>
+                <a:solidFill>
+                  <a:srgbClr val="9C27B0"/>
+                </a:solidFill>
+                <a:effectLst/>
+                <a:latin typeface="Roboto Mono"/>
+              </a:rPr>
+              <a:t>MyViewHolder</a:t>
+            </a:r>
+            <a:r>
+              <a:rPr kumimoji="0" lang="en-US" altLang="en-US" sz="1100" b="0" i="0" u="none" strike="noStrike" cap="none" normalizeH="0" baseline="0" dirty="0" smtClean="0">
+                <a:ln>
+                  <a:noFill/>
+                </a:ln>
+                <a:solidFill>
+                  <a:srgbClr val="37474F"/>
+                </a:solidFill>
+                <a:effectLst/>
+                <a:latin typeface="Roboto Mono"/>
+              </a:rPr>
+              <a:t> </a:t>
+            </a:r>
+            <a:r>
+              <a:rPr kumimoji="0" lang="en-US" altLang="en-US" sz="1100" b="0" i="0" u="none" strike="noStrike" cap="none" normalizeH="0" baseline="0" dirty="0" smtClean="0">
+                <a:ln>
+                  <a:noFill/>
+                </a:ln>
+                <a:solidFill>
+                  <a:srgbClr val="3B78E7"/>
+                </a:solidFill>
+                <a:effectLst/>
+                <a:latin typeface="Roboto Mono"/>
+              </a:rPr>
+              <a:t>extends</a:t>
+            </a:r>
+            <a:r>
+              <a:rPr kumimoji="0" lang="en-US" altLang="en-US" sz="1100" b="0" i="0" u="none" strike="noStrike" cap="none" normalizeH="0" baseline="0" dirty="0" smtClean="0">
+                <a:ln>
+                  <a:noFill/>
+                </a:ln>
+                <a:solidFill>
+                  <a:srgbClr val="37474F"/>
+                </a:solidFill>
+                <a:effectLst/>
+                <a:latin typeface="Roboto Mono"/>
+              </a:rPr>
+              <a:t> </a:t>
+            </a:r>
+            <a:r>
+              <a:rPr kumimoji="0" lang="en-US" altLang="en-US" sz="1100" b="0" i="0" u="none" strike="noStrike" cap="none" normalizeH="0" baseline="0" dirty="0" err="1" smtClean="0">
+                <a:ln>
+                  <a:noFill/>
+                </a:ln>
+                <a:solidFill>
+                  <a:srgbClr val="9C27B0"/>
+                </a:solidFill>
+                <a:effectLst/>
+                <a:latin typeface="Roboto Mono"/>
+              </a:rPr>
+              <a:t>RecyclerView</a:t>
+            </a:r>
+            <a:r>
+              <a:rPr kumimoji="0" lang="en-US" altLang="en-US" sz="1100" b="0" i="0" u="none" strike="noStrike" cap="none" normalizeH="0" baseline="0" dirty="0" err="1" smtClean="0">
+                <a:ln>
+                  <a:noFill/>
+                </a:ln>
+                <a:solidFill>
+                  <a:srgbClr val="37474F"/>
+                </a:solidFill>
+                <a:effectLst/>
+                <a:latin typeface="Roboto Mono"/>
+              </a:rPr>
+              <a:t>.</a:t>
+            </a:r>
+            <a:r>
+              <a:rPr kumimoji="0" lang="en-US" altLang="en-US" sz="1100" b="0" i="0" u="none" strike="noStrike" cap="none" normalizeH="0" baseline="0" dirty="0" err="1" smtClean="0">
+                <a:ln>
+                  <a:noFill/>
+                </a:ln>
+                <a:solidFill>
+                  <a:srgbClr val="9C27B0"/>
+                </a:solidFill>
+                <a:effectLst/>
+                <a:latin typeface="Roboto Mono"/>
+              </a:rPr>
+              <a:t>ViewHolder</a:t>
+            </a:r>
+            <a:r>
+              <a:rPr kumimoji="0" lang="en-US" altLang="en-US" sz="1100" b="0" i="0" u="none" strike="noStrike" cap="none" normalizeH="0" baseline="0" dirty="0" smtClean="0">
+                <a:ln>
+                  <a:noFill/>
+                </a:ln>
+                <a:solidFill>
+                  <a:srgbClr val="37474F"/>
+                </a:solidFill>
+                <a:effectLst/>
+                <a:latin typeface="Roboto Mono"/>
+              </a:rPr>
+              <a:t> {</a:t>
+            </a:r>
+            <a:br>
+              <a:rPr kumimoji="0" lang="en-US" altLang="en-US" sz="1100" b="0" i="0" u="none" strike="noStrike" cap="none" normalizeH="0" baseline="0" dirty="0" smtClean="0">
+                <a:ln>
+                  <a:noFill/>
+                </a:ln>
+                <a:solidFill>
+                  <a:srgbClr val="37474F"/>
+                </a:solidFill>
+                <a:effectLst/>
+                <a:latin typeface="Roboto Mono"/>
+              </a:rPr>
+            </a:br>
+            <a:r>
+              <a:rPr kumimoji="0" lang="en-US" altLang="en-US" sz="1100" b="0" i="0" u="none" strike="noStrike" cap="none" normalizeH="0" baseline="0" dirty="0" smtClean="0">
+                <a:ln>
+                  <a:noFill/>
+                </a:ln>
+                <a:solidFill>
+                  <a:srgbClr val="37474F"/>
+                </a:solidFill>
+                <a:effectLst/>
+                <a:latin typeface="Roboto Mono"/>
+              </a:rPr>
+              <a:t>        </a:t>
+            </a:r>
+            <a:r>
+              <a:rPr kumimoji="0" lang="en-US" altLang="en-US" sz="1100" b="0" i="0" u="none" strike="noStrike" cap="none" normalizeH="0" baseline="0" dirty="0" smtClean="0">
+                <a:ln>
+                  <a:noFill/>
+                </a:ln>
+                <a:solidFill>
+                  <a:srgbClr val="D81B60"/>
+                </a:solidFill>
+                <a:effectLst/>
+                <a:latin typeface="Roboto Mono"/>
+              </a:rPr>
+              <a:t>// each data item is just a string in this case</a:t>
+            </a:r>
+            <a:r>
+              <a:rPr kumimoji="0" lang="en-US" altLang="en-US" sz="1100" b="0" i="0" u="none" strike="noStrike" cap="none" normalizeH="0" baseline="0" dirty="0" smtClean="0">
+                <a:ln>
+                  <a:noFill/>
+                </a:ln>
+                <a:solidFill>
+                  <a:srgbClr val="37474F"/>
+                </a:solidFill>
+                <a:effectLst/>
+                <a:latin typeface="Roboto Mono"/>
+              </a:rPr>
+              <a:t/>
+            </a:r>
+            <a:br>
+              <a:rPr kumimoji="0" lang="en-US" altLang="en-US" sz="1100" b="0" i="0" u="none" strike="noStrike" cap="none" normalizeH="0" baseline="0" dirty="0" smtClean="0">
+                <a:ln>
+                  <a:noFill/>
+                </a:ln>
+                <a:solidFill>
+                  <a:srgbClr val="37474F"/>
+                </a:solidFill>
+                <a:effectLst/>
+                <a:latin typeface="Roboto Mono"/>
+              </a:rPr>
+            </a:br>
+            <a:r>
+              <a:rPr kumimoji="0" lang="en-US" altLang="en-US" sz="1100" b="0" i="0" u="none" strike="noStrike" cap="none" normalizeH="0" baseline="0" dirty="0" smtClean="0">
+                <a:ln>
+                  <a:noFill/>
+                </a:ln>
+                <a:solidFill>
+                  <a:srgbClr val="37474F"/>
+                </a:solidFill>
+                <a:effectLst/>
+                <a:latin typeface="Roboto Mono"/>
+              </a:rPr>
+              <a:t>        </a:t>
+            </a:r>
+            <a:r>
+              <a:rPr kumimoji="0" lang="en-US" altLang="en-US" sz="1100" b="0" i="0" u="none" strike="noStrike" cap="none" normalizeH="0" baseline="0" dirty="0" smtClean="0">
+                <a:ln>
+                  <a:noFill/>
+                </a:ln>
+                <a:solidFill>
+                  <a:srgbClr val="3B78E7"/>
+                </a:solidFill>
+                <a:effectLst/>
+                <a:latin typeface="Roboto Mono"/>
+              </a:rPr>
+              <a:t>public</a:t>
+            </a:r>
+            <a:r>
+              <a:rPr kumimoji="0" lang="en-US" altLang="en-US" sz="1100" b="0" i="0" u="none" strike="noStrike" cap="none" normalizeH="0" baseline="0" dirty="0" smtClean="0">
+                <a:ln>
+                  <a:noFill/>
+                </a:ln>
+                <a:solidFill>
+                  <a:srgbClr val="37474F"/>
+                </a:solidFill>
+                <a:effectLst/>
+                <a:latin typeface="Roboto Mono"/>
+              </a:rPr>
+              <a:t> </a:t>
+            </a:r>
+            <a:r>
+              <a:rPr kumimoji="0" lang="en-US" altLang="en-US" sz="1100" b="0" i="0" u="none" strike="noStrike" cap="none" normalizeH="0" baseline="0" dirty="0" err="1" smtClean="0">
+                <a:ln>
+                  <a:noFill/>
+                </a:ln>
+                <a:solidFill>
+                  <a:srgbClr val="9C27B0"/>
+                </a:solidFill>
+                <a:effectLst/>
+                <a:latin typeface="Roboto Mono"/>
+              </a:rPr>
+              <a:t>TextView</a:t>
+            </a:r>
+            <a:r>
+              <a:rPr kumimoji="0" lang="en-US" altLang="en-US" sz="1100" b="0" i="0" u="none" strike="noStrike" cap="none" normalizeH="0" baseline="0" dirty="0" smtClean="0">
+                <a:ln>
+                  <a:noFill/>
+                </a:ln>
+                <a:solidFill>
+                  <a:srgbClr val="37474F"/>
+                </a:solidFill>
+                <a:effectLst/>
+                <a:latin typeface="Roboto Mono"/>
+              </a:rPr>
+              <a:t> </a:t>
+            </a:r>
+            <a:r>
+              <a:rPr kumimoji="0" lang="en-US" altLang="en-US" sz="1100" b="0" i="0" u="none" strike="noStrike" cap="none" normalizeH="0" baseline="0" dirty="0" err="1" smtClean="0">
+                <a:ln>
+                  <a:noFill/>
+                </a:ln>
+                <a:solidFill>
+                  <a:srgbClr val="37474F"/>
+                </a:solidFill>
+                <a:effectLst/>
+                <a:latin typeface="Roboto Mono"/>
+              </a:rPr>
+              <a:t>textView</a:t>
+            </a:r>
+            <a:r>
+              <a:rPr kumimoji="0" lang="en-US" altLang="en-US" sz="1100" b="0" i="0" u="none" strike="noStrike" cap="none" normalizeH="0" baseline="0" dirty="0" smtClean="0">
+                <a:ln>
+                  <a:noFill/>
+                </a:ln>
+                <a:solidFill>
+                  <a:srgbClr val="37474F"/>
+                </a:solidFill>
+                <a:effectLst/>
+                <a:latin typeface="Roboto Mono"/>
+              </a:rPr>
+              <a:t>;</a:t>
+            </a:r>
+            <a:br>
+              <a:rPr kumimoji="0" lang="en-US" altLang="en-US" sz="1100" b="0" i="0" u="none" strike="noStrike" cap="none" normalizeH="0" baseline="0" dirty="0" smtClean="0">
+                <a:ln>
+                  <a:noFill/>
+                </a:ln>
+                <a:solidFill>
+                  <a:srgbClr val="37474F"/>
+                </a:solidFill>
+                <a:effectLst/>
+                <a:latin typeface="Roboto Mono"/>
+              </a:rPr>
+            </a:br>
+            <a:r>
+              <a:rPr kumimoji="0" lang="en-US" altLang="en-US" sz="1100" b="0" i="0" u="none" strike="noStrike" cap="none" normalizeH="0" baseline="0" dirty="0" smtClean="0">
+                <a:ln>
+                  <a:noFill/>
+                </a:ln>
+                <a:solidFill>
+                  <a:srgbClr val="37474F"/>
+                </a:solidFill>
+                <a:effectLst/>
+                <a:latin typeface="Roboto Mono"/>
+              </a:rPr>
+              <a:t>        </a:t>
+            </a:r>
+            <a:r>
+              <a:rPr kumimoji="0" lang="en-US" altLang="en-US" sz="1100" b="0" i="0" u="none" strike="noStrike" cap="none" normalizeH="0" baseline="0" dirty="0" smtClean="0">
+                <a:ln>
+                  <a:noFill/>
+                </a:ln>
+                <a:solidFill>
+                  <a:srgbClr val="3B78E7"/>
+                </a:solidFill>
+                <a:effectLst/>
+                <a:latin typeface="Roboto Mono"/>
+              </a:rPr>
+              <a:t>public</a:t>
+            </a:r>
+            <a:r>
+              <a:rPr kumimoji="0" lang="en-US" altLang="en-US" sz="1100" b="0" i="0" u="none" strike="noStrike" cap="none" normalizeH="0" baseline="0" dirty="0" smtClean="0">
+                <a:ln>
+                  <a:noFill/>
+                </a:ln>
+                <a:solidFill>
+                  <a:srgbClr val="37474F"/>
+                </a:solidFill>
+                <a:effectLst/>
+                <a:latin typeface="Roboto Mono"/>
+              </a:rPr>
+              <a:t> </a:t>
+            </a:r>
+            <a:r>
+              <a:rPr kumimoji="0" lang="en-US" altLang="en-US" sz="1100" b="0" i="0" u="none" strike="noStrike" cap="none" normalizeH="0" baseline="0" dirty="0" err="1" smtClean="0">
+                <a:ln>
+                  <a:noFill/>
+                </a:ln>
+                <a:solidFill>
+                  <a:srgbClr val="9C27B0"/>
+                </a:solidFill>
+                <a:effectLst/>
+                <a:latin typeface="Roboto Mono"/>
+              </a:rPr>
+              <a:t>MyViewHolder</a:t>
+            </a:r>
+            <a:r>
+              <a:rPr kumimoji="0" lang="en-US" altLang="en-US" sz="1100" b="0" i="0" u="none" strike="noStrike" cap="none" normalizeH="0" baseline="0" dirty="0" smtClean="0">
+                <a:ln>
+                  <a:noFill/>
+                </a:ln>
+                <a:solidFill>
+                  <a:srgbClr val="37474F"/>
+                </a:solidFill>
+                <a:effectLst/>
+                <a:latin typeface="Roboto Mono"/>
+              </a:rPr>
+              <a:t>(</a:t>
+            </a:r>
+            <a:r>
+              <a:rPr kumimoji="0" lang="en-US" altLang="en-US" sz="1100" b="0" i="0" u="none" strike="noStrike" cap="none" normalizeH="0" baseline="0" dirty="0" err="1" smtClean="0">
+                <a:ln>
+                  <a:noFill/>
+                </a:ln>
+                <a:solidFill>
+                  <a:srgbClr val="9C27B0"/>
+                </a:solidFill>
+                <a:effectLst/>
+                <a:latin typeface="Roboto Mono"/>
+              </a:rPr>
+              <a:t>TextView</a:t>
+            </a:r>
+            <a:r>
+              <a:rPr kumimoji="0" lang="en-US" altLang="en-US" sz="1100" b="0" i="0" u="none" strike="noStrike" cap="none" normalizeH="0" baseline="0" dirty="0" smtClean="0">
+                <a:ln>
+                  <a:noFill/>
+                </a:ln>
+                <a:solidFill>
+                  <a:srgbClr val="37474F"/>
+                </a:solidFill>
+                <a:effectLst/>
+                <a:latin typeface="Roboto Mono"/>
+              </a:rPr>
+              <a:t> v) {</a:t>
+            </a:r>
+            <a:br>
+              <a:rPr kumimoji="0" lang="en-US" altLang="en-US" sz="1100" b="0" i="0" u="none" strike="noStrike" cap="none" normalizeH="0" baseline="0" dirty="0" smtClean="0">
+                <a:ln>
+                  <a:noFill/>
+                </a:ln>
+                <a:solidFill>
+                  <a:srgbClr val="37474F"/>
+                </a:solidFill>
+                <a:effectLst/>
+                <a:latin typeface="Roboto Mono"/>
+              </a:rPr>
+            </a:br>
+            <a:r>
+              <a:rPr kumimoji="0" lang="en-US" altLang="en-US" sz="1100" b="0" i="0" u="none" strike="noStrike" cap="none" normalizeH="0" baseline="0" dirty="0" smtClean="0">
+                <a:ln>
+                  <a:noFill/>
+                </a:ln>
+                <a:solidFill>
+                  <a:srgbClr val="37474F"/>
+                </a:solidFill>
+                <a:effectLst/>
+                <a:latin typeface="Roboto Mono"/>
+              </a:rPr>
+              <a:t>            </a:t>
+            </a:r>
+            <a:r>
+              <a:rPr kumimoji="0" lang="en-US" altLang="en-US" sz="1100" b="0" i="0" u="none" strike="noStrike" cap="none" normalizeH="0" baseline="0" dirty="0" smtClean="0">
+                <a:ln>
+                  <a:noFill/>
+                </a:ln>
+                <a:solidFill>
+                  <a:srgbClr val="3B78E7"/>
+                </a:solidFill>
+                <a:effectLst/>
+                <a:latin typeface="Roboto Mono"/>
+              </a:rPr>
+              <a:t>super</a:t>
+            </a:r>
+            <a:r>
+              <a:rPr kumimoji="0" lang="en-US" altLang="en-US" sz="1100" b="0" i="0" u="none" strike="noStrike" cap="none" normalizeH="0" baseline="0" dirty="0" smtClean="0">
+                <a:ln>
+                  <a:noFill/>
+                </a:ln>
+                <a:solidFill>
+                  <a:srgbClr val="37474F"/>
+                </a:solidFill>
+                <a:effectLst/>
+                <a:latin typeface="Roboto Mono"/>
+              </a:rPr>
+              <a:t>(v);</a:t>
+            </a:r>
+            <a:br>
+              <a:rPr kumimoji="0" lang="en-US" altLang="en-US" sz="1100" b="0" i="0" u="none" strike="noStrike" cap="none" normalizeH="0" baseline="0" dirty="0" smtClean="0">
+                <a:ln>
+                  <a:noFill/>
+                </a:ln>
+                <a:solidFill>
+                  <a:srgbClr val="37474F"/>
+                </a:solidFill>
+                <a:effectLst/>
+                <a:latin typeface="Roboto Mono"/>
+              </a:rPr>
+            </a:br>
+            <a:r>
+              <a:rPr kumimoji="0" lang="en-US" altLang="en-US" sz="1100" b="0" i="0" u="none" strike="noStrike" cap="none" normalizeH="0" baseline="0" dirty="0" smtClean="0">
+                <a:ln>
+                  <a:noFill/>
+                </a:ln>
+                <a:solidFill>
+                  <a:srgbClr val="37474F"/>
+                </a:solidFill>
+                <a:effectLst/>
+                <a:latin typeface="Roboto Mono"/>
+              </a:rPr>
+              <a:t>            </a:t>
+            </a:r>
+            <a:r>
+              <a:rPr kumimoji="0" lang="en-US" altLang="en-US" sz="1100" b="0" i="0" u="none" strike="noStrike" cap="none" normalizeH="0" baseline="0" dirty="0" err="1" smtClean="0">
+                <a:ln>
+                  <a:noFill/>
+                </a:ln>
+                <a:solidFill>
+                  <a:srgbClr val="37474F"/>
+                </a:solidFill>
+                <a:effectLst/>
+                <a:latin typeface="Roboto Mono"/>
+              </a:rPr>
+              <a:t>textView</a:t>
+            </a:r>
+            <a:r>
+              <a:rPr kumimoji="0" lang="en-US" altLang="en-US" sz="1100" b="0" i="0" u="none" strike="noStrike" cap="none" normalizeH="0" baseline="0" dirty="0" smtClean="0">
+                <a:ln>
+                  <a:noFill/>
+                </a:ln>
+                <a:solidFill>
+                  <a:srgbClr val="37474F"/>
+                </a:solidFill>
+                <a:effectLst/>
+                <a:latin typeface="Roboto Mono"/>
+              </a:rPr>
+              <a:t> = v;</a:t>
+            </a:r>
+            <a:br>
+              <a:rPr kumimoji="0" lang="en-US" altLang="en-US" sz="1100" b="0" i="0" u="none" strike="noStrike" cap="none" normalizeH="0" baseline="0" dirty="0" smtClean="0">
+                <a:ln>
+                  <a:noFill/>
+                </a:ln>
+                <a:solidFill>
+                  <a:srgbClr val="37474F"/>
+                </a:solidFill>
+                <a:effectLst/>
+                <a:latin typeface="Roboto Mono"/>
+              </a:rPr>
+            </a:br>
+            <a:r>
+              <a:rPr kumimoji="0" lang="en-US" altLang="en-US" sz="1100" b="0" i="0" u="none" strike="noStrike" cap="none" normalizeH="0" baseline="0" dirty="0" smtClean="0">
+                <a:ln>
+                  <a:noFill/>
+                </a:ln>
+                <a:solidFill>
+                  <a:srgbClr val="37474F"/>
+                </a:solidFill>
+                <a:effectLst/>
+                <a:latin typeface="Roboto Mono"/>
+              </a:rPr>
+              <a:t>        }</a:t>
+            </a:r>
+            <a:br>
+              <a:rPr kumimoji="0" lang="en-US" altLang="en-US" sz="1100" b="0" i="0" u="none" strike="noStrike" cap="none" normalizeH="0" baseline="0" dirty="0" smtClean="0">
+                <a:ln>
+                  <a:noFill/>
+                </a:ln>
+                <a:solidFill>
+                  <a:srgbClr val="37474F"/>
+                </a:solidFill>
+                <a:effectLst/>
+                <a:latin typeface="Roboto Mono"/>
+              </a:rPr>
+            </a:br>
+            <a:r>
+              <a:rPr kumimoji="0" lang="en-US" altLang="en-US" sz="1100" b="0" i="0" u="none" strike="noStrike" cap="none" normalizeH="0" baseline="0" dirty="0" smtClean="0">
+                <a:ln>
+                  <a:noFill/>
+                </a:ln>
+                <a:solidFill>
+                  <a:srgbClr val="37474F"/>
+                </a:solidFill>
+                <a:effectLst/>
+                <a:latin typeface="Roboto Mono"/>
+              </a:rPr>
+              <a:t>    }</a:t>
+            </a:r>
+            <a:br>
+              <a:rPr kumimoji="0" lang="en-US" altLang="en-US" sz="1100" b="0" i="0" u="none" strike="noStrike" cap="none" normalizeH="0" baseline="0" dirty="0" smtClean="0">
+                <a:ln>
+                  <a:noFill/>
+                </a:ln>
+                <a:solidFill>
+                  <a:srgbClr val="37474F"/>
+                </a:solidFill>
+                <a:effectLst/>
+                <a:latin typeface="Roboto Mono"/>
+              </a:rPr>
+            </a:br>
+            <a:r>
+              <a:rPr kumimoji="0" lang="en-US" altLang="en-US" sz="1100" b="0" i="0" u="none" strike="noStrike" cap="none" normalizeH="0" baseline="0" dirty="0" smtClean="0">
+                <a:ln>
+                  <a:noFill/>
+                </a:ln>
+                <a:solidFill>
+                  <a:srgbClr val="37474F"/>
+                </a:solidFill>
+                <a:effectLst/>
+                <a:latin typeface="Roboto Mono"/>
+              </a:rPr>
+              <a:t>    </a:t>
+            </a:r>
+            <a:r>
+              <a:rPr kumimoji="0" lang="en-US" altLang="en-US" sz="1100" b="0" i="0" u="none" strike="noStrike" cap="none" normalizeH="0" baseline="0" dirty="0" smtClean="0">
+                <a:ln>
+                  <a:noFill/>
+                </a:ln>
+                <a:solidFill>
+                  <a:srgbClr val="D81B60"/>
+                </a:solidFill>
+                <a:effectLst/>
+                <a:latin typeface="Roboto Mono"/>
+              </a:rPr>
+              <a:t>// Provide a suitable constructor (depends on the kind of dataset)</a:t>
+            </a:r>
+            <a:r>
+              <a:rPr kumimoji="0" lang="en-US" altLang="en-US" sz="1100" b="0" i="0" u="none" strike="noStrike" cap="none" normalizeH="0" baseline="0" dirty="0" smtClean="0">
+                <a:ln>
+                  <a:noFill/>
+                </a:ln>
+                <a:solidFill>
+                  <a:srgbClr val="37474F"/>
+                </a:solidFill>
+                <a:effectLst/>
+                <a:latin typeface="Roboto Mono"/>
+              </a:rPr>
+              <a:t/>
+            </a:r>
+            <a:br>
+              <a:rPr kumimoji="0" lang="en-US" altLang="en-US" sz="1100" b="0" i="0" u="none" strike="noStrike" cap="none" normalizeH="0" baseline="0" dirty="0" smtClean="0">
+                <a:ln>
+                  <a:noFill/>
+                </a:ln>
+                <a:solidFill>
+                  <a:srgbClr val="37474F"/>
+                </a:solidFill>
+                <a:effectLst/>
+                <a:latin typeface="Roboto Mono"/>
+              </a:rPr>
+            </a:br>
+            <a:r>
+              <a:rPr kumimoji="0" lang="en-US" altLang="en-US" sz="1100" b="0" i="0" u="none" strike="noStrike" cap="none" normalizeH="0" baseline="0" dirty="0" smtClean="0">
+                <a:ln>
+                  <a:noFill/>
+                </a:ln>
+                <a:solidFill>
+                  <a:srgbClr val="37474F"/>
+                </a:solidFill>
+                <a:effectLst/>
+                <a:latin typeface="Roboto Mono"/>
+              </a:rPr>
+              <a:t>    </a:t>
+            </a:r>
+            <a:r>
+              <a:rPr kumimoji="0" lang="en-US" altLang="en-US" sz="1100" b="0" i="0" u="none" strike="noStrike" cap="none" normalizeH="0" baseline="0" dirty="0" smtClean="0">
+                <a:ln>
+                  <a:noFill/>
+                </a:ln>
+                <a:solidFill>
+                  <a:srgbClr val="3B78E7"/>
+                </a:solidFill>
+                <a:effectLst/>
+                <a:latin typeface="Roboto Mono"/>
+              </a:rPr>
+              <a:t>public</a:t>
+            </a:r>
+            <a:r>
+              <a:rPr kumimoji="0" lang="en-US" altLang="en-US" sz="1100" b="0" i="0" u="none" strike="noStrike" cap="none" normalizeH="0" baseline="0" dirty="0" smtClean="0">
+                <a:ln>
+                  <a:noFill/>
+                </a:ln>
+                <a:solidFill>
+                  <a:srgbClr val="37474F"/>
+                </a:solidFill>
+                <a:effectLst/>
+                <a:latin typeface="Roboto Mono"/>
+              </a:rPr>
+              <a:t> </a:t>
+            </a:r>
+            <a:r>
+              <a:rPr kumimoji="0" lang="en-US" altLang="en-US" sz="1100" b="0" i="0" u="none" strike="noStrike" cap="none" normalizeH="0" baseline="0" dirty="0" err="1" smtClean="0">
+                <a:ln>
+                  <a:noFill/>
+                </a:ln>
+                <a:solidFill>
+                  <a:srgbClr val="9C27B0"/>
+                </a:solidFill>
+                <a:effectLst/>
+                <a:latin typeface="Roboto Mono"/>
+              </a:rPr>
+              <a:t>MyAdapter</a:t>
+            </a:r>
+            <a:r>
+              <a:rPr kumimoji="0" lang="en-US" altLang="en-US" sz="1100" b="0" i="0" u="none" strike="noStrike" cap="none" normalizeH="0" baseline="0" dirty="0" smtClean="0">
+                <a:ln>
+                  <a:noFill/>
+                </a:ln>
+                <a:solidFill>
+                  <a:srgbClr val="37474F"/>
+                </a:solidFill>
+                <a:effectLst/>
+                <a:latin typeface="Roboto Mono"/>
+              </a:rPr>
+              <a:t>(</a:t>
+            </a:r>
+            <a:r>
+              <a:rPr kumimoji="0" lang="en-US" altLang="en-US" sz="1100" b="0" i="0" u="none" strike="noStrike" cap="none" normalizeH="0" baseline="0" dirty="0" smtClean="0">
+                <a:ln>
+                  <a:noFill/>
+                </a:ln>
+                <a:solidFill>
+                  <a:srgbClr val="9C27B0"/>
+                </a:solidFill>
+                <a:effectLst/>
+                <a:latin typeface="Roboto Mono"/>
+              </a:rPr>
+              <a:t>String</a:t>
+            </a:r>
+            <a:r>
+              <a:rPr kumimoji="0" lang="en-US" altLang="en-US" sz="1100" b="0" i="0" u="none" strike="noStrike" cap="none" normalizeH="0" baseline="0" dirty="0" smtClean="0">
+                <a:ln>
+                  <a:noFill/>
+                </a:ln>
+                <a:solidFill>
+                  <a:srgbClr val="37474F"/>
+                </a:solidFill>
+                <a:effectLst/>
+                <a:latin typeface="Roboto Mono"/>
+              </a:rPr>
+              <a:t>[] </a:t>
+            </a:r>
+            <a:r>
+              <a:rPr kumimoji="0" lang="en-US" altLang="en-US" sz="1100" b="0" i="0" u="none" strike="noStrike" cap="none" normalizeH="0" baseline="0" dirty="0" err="1" smtClean="0">
+                <a:ln>
+                  <a:noFill/>
+                </a:ln>
+                <a:solidFill>
+                  <a:srgbClr val="37474F"/>
+                </a:solidFill>
+                <a:effectLst/>
+                <a:latin typeface="Roboto Mono"/>
+              </a:rPr>
+              <a:t>myDataset</a:t>
+            </a:r>
+            <a:r>
+              <a:rPr kumimoji="0" lang="en-US" altLang="en-US" sz="1100" b="0" i="0" u="none" strike="noStrike" cap="none" normalizeH="0" baseline="0" dirty="0" smtClean="0">
+                <a:ln>
+                  <a:noFill/>
+                </a:ln>
+                <a:solidFill>
+                  <a:srgbClr val="37474F"/>
+                </a:solidFill>
+                <a:effectLst/>
+                <a:latin typeface="Roboto Mono"/>
+              </a:rPr>
+              <a:t>) {</a:t>
+            </a:r>
+            <a:br>
+              <a:rPr kumimoji="0" lang="en-US" altLang="en-US" sz="1100" b="0" i="0" u="none" strike="noStrike" cap="none" normalizeH="0" baseline="0" dirty="0" smtClean="0">
+                <a:ln>
+                  <a:noFill/>
+                </a:ln>
+                <a:solidFill>
+                  <a:srgbClr val="37474F"/>
+                </a:solidFill>
+                <a:effectLst/>
+                <a:latin typeface="Roboto Mono"/>
+              </a:rPr>
+            </a:br>
+            <a:r>
+              <a:rPr kumimoji="0" lang="en-US" altLang="en-US" sz="1100" b="0" i="0" u="none" strike="noStrike" cap="none" normalizeH="0" baseline="0" dirty="0" smtClean="0">
+                <a:ln>
+                  <a:noFill/>
+                </a:ln>
+                <a:solidFill>
+                  <a:srgbClr val="37474F"/>
+                </a:solidFill>
+                <a:effectLst/>
+                <a:latin typeface="Roboto Mono"/>
+              </a:rPr>
+              <a:t>        </a:t>
+            </a:r>
+            <a:r>
+              <a:rPr kumimoji="0" lang="en-US" altLang="en-US" sz="1100" b="0" i="0" u="none" strike="noStrike" cap="none" normalizeH="0" baseline="0" dirty="0" err="1" smtClean="0">
+                <a:ln>
+                  <a:noFill/>
+                </a:ln>
+                <a:solidFill>
+                  <a:srgbClr val="37474F"/>
+                </a:solidFill>
+                <a:effectLst/>
+                <a:latin typeface="Roboto Mono"/>
+              </a:rPr>
+              <a:t>mDataset</a:t>
+            </a:r>
+            <a:r>
+              <a:rPr kumimoji="0" lang="en-US" altLang="en-US" sz="1100" b="0" i="0" u="none" strike="noStrike" cap="none" normalizeH="0" baseline="0" dirty="0" smtClean="0">
+                <a:ln>
+                  <a:noFill/>
+                </a:ln>
+                <a:solidFill>
+                  <a:srgbClr val="37474F"/>
+                </a:solidFill>
+                <a:effectLst/>
+                <a:latin typeface="Roboto Mono"/>
+              </a:rPr>
+              <a:t> = </a:t>
+            </a:r>
+            <a:r>
+              <a:rPr kumimoji="0" lang="en-US" altLang="en-US" sz="1100" b="0" i="0" u="none" strike="noStrike" cap="none" normalizeH="0" baseline="0" dirty="0" err="1" smtClean="0">
+                <a:ln>
+                  <a:noFill/>
+                </a:ln>
+                <a:solidFill>
+                  <a:srgbClr val="37474F"/>
+                </a:solidFill>
+                <a:effectLst/>
+                <a:latin typeface="Roboto Mono"/>
+              </a:rPr>
+              <a:t>myDataset</a:t>
+            </a:r>
+            <a:r>
+              <a:rPr kumimoji="0" lang="en-US" altLang="en-US" sz="1100" b="0" i="0" u="none" strike="noStrike" cap="none" normalizeH="0" baseline="0" dirty="0" smtClean="0">
+                <a:ln>
+                  <a:noFill/>
+                </a:ln>
+                <a:solidFill>
+                  <a:srgbClr val="37474F"/>
+                </a:solidFill>
+                <a:effectLst/>
+                <a:latin typeface="Roboto Mono"/>
+              </a:rPr>
+              <a:t>;</a:t>
+            </a:r>
+            <a:br>
+              <a:rPr kumimoji="0" lang="en-US" altLang="en-US" sz="1100" b="0" i="0" u="none" strike="noStrike" cap="none" normalizeH="0" baseline="0" dirty="0" smtClean="0">
+                <a:ln>
+                  <a:noFill/>
+                </a:ln>
+                <a:solidFill>
+                  <a:srgbClr val="37474F"/>
+                </a:solidFill>
+                <a:effectLst/>
+                <a:latin typeface="Roboto Mono"/>
+              </a:rPr>
+            </a:br>
+            <a:r>
+              <a:rPr kumimoji="0" lang="en-US" altLang="en-US" sz="1100" b="0" i="0" u="none" strike="noStrike" cap="none" normalizeH="0" baseline="0" dirty="0" smtClean="0">
+                <a:ln>
+                  <a:noFill/>
+                </a:ln>
+                <a:solidFill>
+                  <a:srgbClr val="37474F"/>
+                </a:solidFill>
+                <a:effectLst/>
+                <a:latin typeface="Roboto Mono"/>
+              </a:rPr>
+              <a:t>    }</a:t>
+            </a:r>
+            <a:br>
+              <a:rPr kumimoji="0" lang="en-US" altLang="en-US" sz="1100" b="0" i="0" u="none" strike="noStrike" cap="none" normalizeH="0" baseline="0" dirty="0" smtClean="0">
+                <a:ln>
+                  <a:noFill/>
+                </a:ln>
+                <a:solidFill>
+                  <a:srgbClr val="37474F"/>
+                </a:solidFill>
+                <a:effectLst/>
+                <a:latin typeface="Roboto Mono"/>
+              </a:rPr>
+            </a:br>
+            <a:r>
+              <a:rPr kumimoji="0" lang="en-US" altLang="en-US" sz="1100" b="0" i="0" u="none" strike="noStrike" cap="none" normalizeH="0" baseline="0" dirty="0" smtClean="0">
+                <a:ln>
+                  <a:noFill/>
+                </a:ln>
+                <a:solidFill>
+                  <a:srgbClr val="37474F"/>
+                </a:solidFill>
+                <a:effectLst/>
+                <a:latin typeface="Roboto Mono"/>
+              </a:rPr>
+              <a:t>    </a:t>
+            </a:r>
+            <a:r>
+              <a:rPr kumimoji="0" lang="en-US" altLang="en-US" sz="1100" b="0" i="0" u="none" strike="noStrike" cap="none" normalizeH="0" baseline="0" dirty="0" smtClean="0">
+                <a:ln>
+                  <a:noFill/>
+                </a:ln>
+                <a:solidFill>
+                  <a:srgbClr val="D81B60"/>
+                </a:solidFill>
+                <a:effectLst/>
+                <a:latin typeface="Roboto Mono"/>
+              </a:rPr>
+              <a:t>// Create new views (invoked by the layout manager)</a:t>
+            </a:r>
+            <a:r>
+              <a:rPr kumimoji="0" lang="en-US" altLang="en-US" sz="1100" b="0" i="0" u="none" strike="noStrike" cap="none" normalizeH="0" baseline="0" dirty="0" smtClean="0">
+                <a:ln>
+                  <a:noFill/>
+                </a:ln>
+                <a:solidFill>
+                  <a:srgbClr val="37474F"/>
+                </a:solidFill>
+                <a:effectLst/>
+                <a:latin typeface="Roboto Mono"/>
+              </a:rPr>
+              <a:t/>
+            </a:r>
+            <a:br>
+              <a:rPr kumimoji="0" lang="en-US" altLang="en-US" sz="1100" b="0" i="0" u="none" strike="noStrike" cap="none" normalizeH="0" baseline="0" dirty="0" smtClean="0">
+                <a:ln>
+                  <a:noFill/>
+                </a:ln>
+                <a:solidFill>
+                  <a:srgbClr val="37474F"/>
+                </a:solidFill>
+                <a:effectLst/>
+                <a:latin typeface="Roboto Mono"/>
+              </a:rPr>
+            </a:br>
+            <a:r>
+              <a:rPr kumimoji="0" lang="en-US" altLang="en-US" sz="1100" b="0" i="0" u="none" strike="noStrike" cap="none" normalizeH="0" baseline="0" dirty="0" smtClean="0">
+                <a:ln>
+                  <a:noFill/>
+                </a:ln>
+                <a:solidFill>
+                  <a:srgbClr val="37474F"/>
+                </a:solidFill>
+                <a:effectLst/>
+                <a:latin typeface="Roboto Mono"/>
+              </a:rPr>
+              <a:t>    </a:t>
+            </a:r>
+            <a:r>
+              <a:rPr kumimoji="0" lang="en-US" altLang="en-US" sz="1100" b="0" i="0" u="none" strike="noStrike" cap="none" normalizeH="0" baseline="0" dirty="0" smtClean="0">
+                <a:ln>
+                  <a:noFill/>
+                </a:ln>
+                <a:solidFill>
+                  <a:srgbClr val="C53929"/>
+                </a:solidFill>
+                <a:effectLst/>
+                <a:latin typeface="Roboto Mono"/>
+              </a:rPr>
+              <a:t>@Override</a:t>
+            </a:r>
+            <a:r>
+              <a:rPr kumimoji="0" lang="en-US" altLang="en-US" sz="1100" b="0" i="0" u="none" strike="noStrike" cap="none" normalizeH="0" baseline="0" dirty="0" smtClean="0">
+                <a:ln>
+                  <a:noFill/>
+                </a:ln>
+                <a:solidFill>
+                  <a:srgbClr val="37474F"/>
+                </a:solidFill>
+                <a:effectLst/>
+                <a:latin typeface="Roboto Mono"/>
+              </a:rPr>
+              <a:t/>
+            </a:r>
+            <a:br>
+              <a:rPr kumimoji="0" lang="en-US" altLang="en-US" sz="1100" b="0" i="0" u="none" strike="noStrike" cap="none" normalizeH="0" baseline="0" dirty="0" smtClean="0">
+                <a:ln>
+                  <a:noFill/>
+                </a:ln>
+                <a:solidFill>
+                  <a:srgbClr val="37474F"/>
+                </a:solidFill>
+                <a:effectLst/>
+                <a:latin typeface="Roboto Mono"/>
+              </a:rPr>
+            </a:br>
+            <a:r>
+              <a:rPr kumimoji="0" lang="en-US" altLang="en-US" sz="1100" b="0" i="0" u="none" strike="noStrike" cap="none" normalizeH="0" baseline="0" dirty="0" smtClean="0">
+                <a:ln>
+                  <a:noFill/>
+                </a:ln>
+                <a:solidFill>
+                  <a:srgbClr val="37474F"/>
+                </a:solidFill>
+                <a:effectLst/>
+                <a:latin typeface="Roboto Mono"/>
+              </a:rPr>
+              <a:t>    </a:t>
+            </a:r>
+            <a:r>
+              <a:rPr kumimoji="0" lang="en-US" altLang="en-US" sz="1100" b="0" i="0" u="none" strike="noStrike" cap="none" normalizeH="0" baseline="0" dirty="0" smtClean="0">
+                <a:ln>
+                  <a:noFill/>
+                </a:ln>
+                <a:solidFill>
+                  <a:srgbClr val="3B78E7"/>
+                </a:solidFill>
+                <a:effectLst/>
+                <a:latin typeface="Roboto Mono"/>
+              </a:rPr>
+              <a:t>public</a:t>
+            </a:r>
+            <a:r>
+              <a:rPr kumimoji="0" lang="en-US" altLang="en-US" sz="1100" b="0" i="0" u="none" strike="noStrike" cap="none" normalizeH="0" baseline="0" dirty="0" smtClean="0">
+                <a:ln>
+                  <a:noFill/>
+                </a:ln>
+                <a:solidFill>
+                  <a:srgbClr val="37474F"/>
+                </a:solidFill>
+                <a:effectLst/>
+                <a:latin typeface="Roboto Mono"/>
+              </a:rPr>
+              <a:t> </a:t>
+            </a:r>
+            <a:r>
+              <a:rPr kumimoji="0" lang="en-US" altLang="en-US" sz="1100" b="0" i="0" u="none" strike="noStrike" cap="none" normalizeH="0" baseline="0" dirty="0" err="1" smtClean="0">
+                <a:ln>
+                  <a:noFill/>
+                </a:ln>
+                <a:solidFill>
+                  <a:srgbClr val="9C27B0"/>
+                </a:solidFill>
+                <a:effectLst/>
+                <a:latin typeface="Roboto Mono"/>
+              </a:rPr>
+              <a:t>MyAdapter</a:t>
+            </a:r>
+            <a:r>
+              <a:rPr kumimoji="0" lang="en-US" altLang="en-US" sz="1100" b="0" i="0" u="none" strike="noStrike" cap="none" normalizeH="0" baseline="0" dirty="0" err="1" smtClean="0">
+                <a:ln>
+                  <a:noFill/>
+                </a:ln>
+                <a:solidFill>
+                  <a:srgbClr val="37474F"/>
+                </a:solidFill>
+                <a:effectLst/>
+                <a:latin typeface="Roboto Mono"/>
+              </a:rPr>
+              <a:t>.</a:t>
+            </a:r>
+            <a:r>
+              <a:rPr kumimoji="0" lang="en-US" altLang="en-US" sz="1100" b="0" i="0" u="none" strike="noStrike" cap="none" normalizeH="0" baseline="0" dirty="0" err="1" smtClean="0">
+                <a:ln>
+                  <a:noFill/>
+                </a:ln>
+                <a:solidFill>
+                  <a:srgbClr val="9C27B0"/>
+                </a:solidFill>
+                <a:effectLst/>
+                <a:latin typeface="Roboto Mono"/>
+              </a:rPr>
+              <a:t>MyViewHolder</a:t>
+            </a:r>
+            <a:r>
+              <a:rPr kumimoji="0" lang="en-US" altLang="en-US" sz="1100" b="0" i="0" u="none" strike="noStrike" cap="none" normalizeH="0" baseline="0" dirty="0" smtClean="0">
+                <a:ln>
+                  <a:noFill/>
+                </a:ln>
+                <a:solidFill>
+                  <a:srgbClr val="37474F"/>
+                </a:solidFill>
+                <a:effectLst/>
+                <a:latin typeface="Roboto Mono"/>
+              </a:rPr>
+              <a:t> </a:t>
+            </a:r>
+            <a:r>
+              <a:rPr kumimoji="0" lang="en-US" altLang="en-US" sz="1100" b="0" i="0" u="none" strike="noStrike" cap="none" normalizeH="0" baseline="0" dirty="0" err="1" smtClean="0">
+                <a:ln>
+                  <a:noFill/>
+                </a:ln>
+                <a:solidFill>
+                  <a:srgbClr val="37474F"/>
+                </a:solidFill>
+                <a:effectLst/>
+                <a:latin typeface="Roboto Mono"/>
+              </a:rPr>
+              <a:t>onCreateViewHolder</a:t>
+            </a:r>
+            <a:r>
+              <a:rPr kumimoji="0" lang="en-US" altLang="en-US" sz="1100" b="0" i="0" u="none" strike="noStrike" cap="none" normalizeH="0" baseline="0" dirty="0" smtClean="0">
+                <a:ln>
+                  <a:noFill/>
+                </a:ln>
+                <a:solidFill>
+                  <a:srgbClr val="37474F"/>
+                </a:solidFill>
+                <a:effectLst/>
+                <a:latin typeface="Roboto Mono"/>
+              </a:rPr>
+              <a:t>(</a:t>
+            </a:r>
+            <a:r>
+              <a:rPr kumimoji="0" lang="en-US" altLang="en-US" sz="1100" b="0" i="0" u="none" strike="noStrike" cap="none" normalizeH="0" baseline="0" dirty="0" err="1" smtClean="0">
+                <a:ln>
+                  <a:noFill/>
+                </a:ln>
+                <a:solidFill>
+                  <a:srgbClr val="9C27B0"/>
+                </a:solidFill>
+                <a:effectLst/>
+                <a:latin typeface="Roboto Mono"/>
+              </a:rPr>
+              <a:t>ViewGroup</a:t>
+            </a:r>
+            <a:r>
+              <a:rPr kumimoji="0" lang="en-US" altLang="en-US" sz="1100" b="0" i="0" u="none" strike="noStrike" cap="none" normalizeH="0" baseline="0" dirty="0" smtClean="0">
+                <a:ln>
+                  <a:noFill/>
+                </a:ln>
+                <a:solidFill>
+                  <a:srgbClr val="37474F"/>
+                </a:solidFill>
+                <a:effectLst/>
+                <a:latin typeface="Roboto Mono"/>
+              </a:rPr>
+              <a:t> </a:t>
+            </a:r>
+            <a:r>
+              <a:rPr kumimoji="0" lang="en-US" altLang="en-US" sz="1100" b="0" i="0" u="none" strike="noStrike" cap="none" normalizeH="0" baseline="0" dirty="0" err="1" smtClean="0">
+                <a:ln>
+                  <a:noFill/>
+                </a:ln>
+                <a:solidFill>
+                  <a:srgbClr val="37474F"/>
+                </a:solidFill>
+                <a:effectLst/>
+                <a:latin typeface="Roboto Mono"/>
+              </a:rPr>
+              <a:t>parent,</a:t>
+            </a:r>
+            <a:r>
+              <a:rPr kumimoji="0" lang="en-US" altLang="en-US" sz="1100" b="0" i="0" u="none" strike="noStrike" cap="none" normalizeH="0" baseline="0" dirty="0" err="1" smtClean="0">
+                <a:ln>
+                  <a:noFill/>
+                </a:ln>
+                <a:solidFill>
+                  <a:srgbClr val="3B78E7"/>
+                </a:solidFill>
+                <a:effectLst/>
+                <a:latin typeface="Roboto Mono"/>
+              </a:rPr>
+              <a:t>int</a:t>
+            </a:r>
+            <a:r>
+              <a:rPr kumimoji="0" lang="en-US" altLang="en-US" sz="1100" b="0" i="0" u="none" strike="noStrike" cap="none" normalizeH="0" baseline="0" dirty="0" smtClean="0">
+                <a:ln>
+                  <a:noFill/>
+                </a:ln>
+                <a:solidFill>
+                  <a:srgbClr val="37474F"/>
+                </a:solidFill>
+                <a:effectLst/>
+                <a:latin typeface="Roboto Mono"/>
+              </a:rPr>
+              <a:t> </a:t>
+            </a:r>
+            <a:r>
+              <a:rPr kumimoji="0" lang="en-US" altLang="en-US" sz="1100" b="0" i="0" u="none" strike="noStrike" cap="none" normalizeH="0" baseline="0" dirty="0" err="1" smtClean="0">
+                <a:ln>
+                  <a:noFill/>
+                </a:ln>
+                <a:solidFill>
+                  <a:srgbClr val="37474F"/>
+                </a:solidFill>
+                <a:effectLst/>
+                <a:latin typeface="Roboto Mono"/>
+              </a:rPr>
+              <a:t>viewType</a:t>
+            </a:r>
+            <a:r>
+              <a:rPr kumimoji="0" lang="en-US" altLang="en-US" sz="1100" b="0" i="0" u="none" strike="noStrike" cap="none" normalizeH="0" baseline="0" dirty="0" smtClean="0">
+                <a:ln>
+                  <a:noFill/>
+                </a:ln>
+                <a:solidFill>
+                  <a:srgbClr val="37474F"/>
+                </a:solidFill>
+                <a:effectLst/>
+                <a:latin typeface="Roboto Mono"/>
+              </a:rPr>
+              <a:t>) {</a:t>
+            </a:r>
+            <a:br>
+              <a:rPr kumimoji="0" lang="en-US" altLang="en-US" sz="1100" b="0" i="0" u="none" strike="noStrike" cap="none" normalizeH="0" baseline="0" dirty="0" smtClean="0">
+                <a:ln>
+                  <a:noFill/>
+                </a:ln>
+                <a:solidFill>
+                  <a:srgbClr val="37474F"/>
+                </a:solidFill>
+                <a:effectLst/>
+                <a:latin typeface="Roboto Mono"/>
+              </a:rPr>
+            </a:br>
+            <a:r>
+              <a:rPr kumimoji="0" lang="en-US" altLang="en-US" sz="1100" b="0" i="0" u="none" strike="noStrike" cap="none" normalizeH="0" baseline="0" dirty="0" smtClean="0">
+                <a:ln>
+                  <a:noFill/>
+                </a:ln>
+                <a:solidFill>
+                  <a:srgbClr val="37474F"/>
+                </a:solidFill>
+                <a:effectLst/>
+                <a:latin typeface="Roboto Mono"/>
+              </a:rPr>
+              <a:t>        </a:t>
+            </a:r>
+            <a:r>
+              <a:rPr kumimoji="0" lang="en-US" altLang="en-US" sz="1100" b="0" i="0" u="none" strike="noStrike" cap="none" normalizeH="0" baseline="0" dirty="0" smtClean="0">
+                <a:ln>
+                  <a:noFill/>
+                </a:ln>
+                <a:solidFill>
+                  <a:srgbClr val="D81B60"/>
+                </a:solidFill>
+                <a:effectLst/>
+                <a:latin typeface="Roboto Mono"/>
+              </a:rPr>
+              <a:t>// create a new view</a:t>
+            </a:r>
+            <a:r>
+              <a:rPr kumimoji="0" lang="en-US" altLang="en-US" sz="1100" b="0" i="0" u="none" strike="noStrike" cap="none" normalizeH="0" baseline="0" dirty="0" smtClean="0">
+                <a:ln>
+                  <a:noFill/>
+                </a:ln>
+                <a:solidFill>
+                  <a:srgbClr val="37474F"/>
+                </a:solidFill>
+                <a:effectLst/>
+                <a:latin typeface="Roboto Mono"/>
+              </a:rPr>
+              <a:t/>
+            </a:r>
+            <a:br>
+              <a:rPr kumimoji="0" lang="en-US" altLang="en-US" sz="1100" b="0" i="0" u="none" strike="noStrike" cap="none" normalizeH="0" baseline="0" dirty="0" smtClean="0">
+                <a:ln>
+                  <a:noFill/>
+                </a:ln>
+                <a:solidFill>
+                  <a:srgbClr val="37474F"/>
+                </a:solidFill>
+                <a:effectLst/>
+                <a:latin typeface="Roboto Mono"/>
+              </a:rPr>
+            </a:br>
+            <a:r>
+              <a:rPr kumimoji="0" lang="en-US" altLang="en-US" sz="1100" b="0" i="0" u="none" strike="noStrike" cap="none" normalizeH="0" baseline="0" dirty="0" smtClean="0">
+                <a:ln>
+                  <a:noFill/>
+                </a:ln>
+                <a:solidFill>
+                  <a:srgbClr val="37474F"/>
+                </a:solidFill>
+                <a:effectLst/>
+                <a:latin typeface="Roboto Mono"/>
+              </a:rPr>
+              <a:t>        </a:t>
+            </a:r>
+            <a:r>
+              <a:rPr kumimoji="0" lang="en-US" altLang="en-US" sz="1100" b="0" i="0" u="none" strike="noStrike" cap="none" normalizeH="0" baseline="0" dirty="0" err="1" smtClean="0">
+                <a:ln>
+                  <a:noFill/>
+                </a:ln>
+                <a:solidFill>
+                  <a:srgbClr val="9C27B0"/>
+                </a:solidFill>
+                <a:effectLst/>
+                <a:latin typeface="Roboto Mono"/>
+              </a:rPr>
+              <a:t>TextView</a:t>
+            </a:r>
+            <a:r>
+              <a:rPr kumimoji="0" lang="en-US" altLang="en-US" sz="1100" b="0" i="0" u="none" strike="noStrike" cap="none" normalizeH="0" baseline="0" dirty="0" smtClean="0">
+                <a:ln>
+                  <a:noFill/>
+                </a:ln>
+                <a:solidFill>
+                  <a:srgbClr val="37474F"/>
+                </a:solidFill>
+                <a:effectLst/>
+                <a:latin typeface="Roboto Mono"/>
+              </a:rPr>
+              <a:t> v = (</a:t>
+            </a:r>
+            <a:r>
+              <a:rPr kumimoji="0" lang="en-US" altLang="en-US" sz="1100" b="0" i="0" u="none" strike="noStrike" cap="none" normalizeH="0" baseline="0" dirty="0" err="1" smtClean="0">
+                <a:ln>
+                  <a:noFill/>
+                </a:ln>
+                <a:solidFill>
+                  <a:srgbClr val="9C27B0"/>
+                </a:solidFill>
+                <a:effectLst/>
+                <a:latin typeface="Roboto Mono"/>
+              </a:rPr>
+              <a:t>TextView</a:t>
+            </a:r>
+            <a:r>
+              <a:rPr kumimoji="0" lang="en-US" altLang="en-US" sz="1100" b="0" i="0" u="none" strike="noStrike" cap="none" normalizeH="0" baseline="0" dirty="0" smtClean="0">
+                <a:ln>
+                  <a:noFill/>
+                </a:ln>
+                <a:solidFill>
+                  <a:srgbClr val="37474F"/>
+                </a:solidFill>
+                <a:effectLst/>
+                <a:latin typeface="Roboto Mono"/>
+              </a:rPr>
+              <a:t>) </a:t>
+            </a:r>
+            <a:r>
+              <a:rPr kumimoji="0" lang="en-US" altLang="en-US" sz="1100" b="0" i="0" u="none" strike="noStrike" cap="none" normalizeH="0" baseline="0" dirty="0" err="1" smtClean="0">
+                <a:ln>
+                  <a:noFill/>
+                </a:ln>
+                <a:solidFill>
+                  <a:srgbClr val="9C27B0"/>
+                </a:solidFill>
+                <a:effectLst/>
+                <a:latin typeface="Roboto Mono"/>
+              </a:rPr>
+              <a:t>LayoutInflater</a:t>
+            </a:r>
+            <a:r>
+              <a:rPr kumimoji="0" lang="en-US" altLang="en-US" sz="1100" b="0" i="0" u="none" strike="noStrike" cap="none" normalizeH="0" baseline="0" dirty="0" err="1" smtClean="0">
+                <a:ln>
+                  <a:noFill/>
+                </a:ln>
+                <a:solidFill>
+                  <a:srgbClr val="37474F"/>
+                </a:solidFill>
+                <a:effectLst/>
+                <a:latin typeface="Roboto Mono"/>
+              </a:rPr>
+              <a:t>.from</a:t>
+            </a:r>
+            <a:r>
+              <a:rPr kumimoji="0" lang="en-US" altLang="en-US" sz="1100" b="0" i="0" u="none" strike="noStrike" cap="none" normalizeH="0" baseline="0" dirty="0" smtClean="0">
+                <a:ln>
+                  <a:noFill/>
+                </a:ln>
+                <a:solidFill>
+                  <a:srgbClr val="37474F"/>
+                </a:solidFill>
+                <a:effectLst/>
+                <a:latin typeface="Roboto Mono"/>
+              </a:rPr>
+              <a:t>(</a:t>
+            </a:r>
+            <a:r>
+              <a:rPr kumimoji="0" lang="en-US" altLang="en-US" sz="1100" b="0" i="0" u="none" strike="noStrike" cap="none" normalizeH="0" baseline="0" dirty="0" err="1" smtClean="0">
+                <a:ln>
+                  <a:noFill/>
+                </a:ln>
+                <a:solidFill>
+                  <a:srgbClr val="37474F"/>
+                </a:solidFill>
+                <a:effectLst/>
+                <a:latin typeface="Roboto Mono"/>
+              </a:rPr>
+              <a:t>parent.getContext</a:t>
+            </a:r>
+            <a:r>
+              <a:rPr kumimoji="0" lang="en-US" altLang="en-US" sz="1100" b="0" i="0" u="none" strike="noStrike" cap="none" normalizeH="0" baseline="0" dirty="0" smtClean="0">
+                <a:ln>
+                  <a:noFill/>
+                </a:ln>
+                <a:solidFill>
+                  <a:srgbClr val="37474F"/>
+                </a:solidFill>
+                <a:effectLst/>
+                <a:latin typeface="Roboto Mono"/>
+              </a:rPr>
+              <a:t>())</a:t>
+            </a:r>
+            <a:br>
+              <a:rPr kumimoji="0" lang="en-US" altLang="en-US" sz="1100" b="0" i="0" u="none" strike="noStrike" cap="none" normalizeH="0" baseline="0" dirty="0" smtClean="0">
+                <a:ln>
+                  <a:noFill/>
+                </a:ln>
+                <a:solidFill>
+                  <a:srgbClr val="37474F"/>
+                </a:solidFill>
+                <a:effectLst/>
+                <a:latin typeface="Roboto Mono"/>
+              </a:rPr>
+            </a:br>
+            <a:r>
+              <a:rPr kumimoji="0" lang="en-US" altLang="en-US" sz="1100" b="0" i="0" u="none" strike="noStrike" cap="none" normalizeH="0" baseline="0" dirty="0" smtClean="0">
+                <a:ln>
+                  <a:noFill/>
+                </a:ln>
+                <a:solidFill>
+                  <a:srgbClr val="37474F"/>
+                </a:solidFill>
+                <a:effectLst/>
+                <a:latin typeface="Roboto Mono"/>
+              </a:rPr>
+              <a:t>                .inflate(</a:t>
+            </a:r>
+            <a:r>
+              <a:rPr kumimoji="0" lang="en-US" altLang="en-US" sz="1100" b="0" i="0" u="none" strike="noStrike" cap="none" normalizeH="0" baseline="0" dirty="0" err="1" smtClean="0">
+                <a:ln>
+                  <a:noFill/>
+                </a:ln>
+                <a:solidFill>
+                  <a:srgbClr val="37474F"/>
+                </a:solidFill>
+                <a:effectLst/>
+                <a:latin typeface="Roboto Mono"/>
+              </a:rPr>
+              <a:t>R.layout.my_text_view</a:t>
+            </a:r>
+            <a:r>
+              <a:rPr kumimoji="0" lang="en-US" altLang="en-US" sz="1100" b="0" i="0" u="none" strike="noStrike" cap="none" normalizeH="0" baseline="0" dirty="0" smtClean="0">
+                <a:ln>
+                  <a:noFill/>
+                </a:ln>
+                <a:solidFill>
+                  <a:srgbClr val="37474F"/>
+                </a:solidFill>
+                <a:effectLst/>
+                <a:latin typeface="Roboto Mono"/>
+              </a:rPr>
+              <a:t>, parent, </a:t>
+            </a:r>
+            <a:r>
+              <a:rPr kumimoji="0" lang="en-US" altLang="en-US" sz="1100" b="0" i="0" u="none" strike="noStrike" cap="none" normalizeH="0" baseline="0" dirty="0" smtClean="0">
+                <a:ln>
+                  <a:noFill/>
+                </a:ln>
+                <a:solidFill>
+                  <a:srgbClr val="3B78E7"/>
+                </a:solidFill>
+                <a:effectLst/>
+                <a:latin typeface="Roboto Mono"/>
+              </a:rPr>
+              <a:t>false</a:t>
+            </a:r>
+            <a:r>
+              <a:rPr kumimoji="0" lang="en-US" altLang="en-US" sz="1100" b="0" i="0" u="none" strike="noStrike" cap="none" normalizeH="0" baseline="0" dirty="0" smtClean="0">
+                <a:ln>
+                  <a:noFill/>
+                </a:ln>
+                <a:solidFill>
+                  <a:srgbClr val="37474F"/>
+                </a:solidFill>
+                <a:effectLst/>
+                <a:latin typeface="Roboto Mono"/>
+              </a:rPr>
+              <a:t>);</a:t>
+            </a:r>
+            <a:br>
+              <a:rPr kumimoji="0" lang="en-US" altLang="en-US" sz="1100" b="0" i="0" u="none" strike="noStrike" cap="none" normalizeH="0" baseline="0" dirty="0" smtClean="0">
+                <a:ln>
+                  <a:noFill/>
+                </a:ln>
+                <a:solidFill>
+                  <a:srgbClr val="37474F"/>
+                </a:solidFill>
+                <a:effectLst/>
+                <a:latin typeface="Roboto Mono"/>
+              </a:rPr>
+            </a:br>
+            <a:r>
+              <a:rPr kumimoji="0" lang="en-US" altLang="en-US" sz="1100" b="0" i="0" u="none" strike="noStrike" cap="none" normalizeH="0" baseline="0" dirty="0" smtClean="0">
+                <a:ln>
+                  <a:noFill/>
+                </a:ln>
+                <a:solidFill>
+                  <a:srgbClr val="37474F"/>
+                </a:solidFill>
+                <a:effectLst/>
+                <a:latin typeface="Roboto Mono"/>
+              </a:rPr>
+              <a:t>        ...</a:t>
+            </a:r>
+            <a:br>
+              <a:rPr kumimoji="0" lang="en-US" altLang="en-US" sz="1100" b="0" i="0" u="none" strike="noStrike" cap="none" normalizeH="0" baseline="0" dirty="0" smtClean="0">
+                <a:ln>
+                  <a:noFill/>
+                </a:ln>
+                <a:solidFill>
+                  <a:srgbClr val="37474F"/>
+                </a:solidFill>
+                <a:effectLst/>
+                <a:latin typeface="Roboto Mono"/>
+              </a:rPr>
+            </a:br>
+            <a:r>
+              <a:rPr kumimoji="0" lang="en-US" altLang="en-US" sz="1100" b="0" i="0" u="none" strike="noStrike" cap="none" normalizeH="0" baseline="0" dirty="0" smtClean="0">
+                <a:ln>
+                  <a:noFill/>
+                </a:ln>
+                <a:solidFill>
+                  <a:srgbClr val="37474F"/>
+                </a:solidFill>
+                <a:effectLst/>
+                <a:latin typeface="Roboto Mono"/>
+              </a:rPr>
+              <a:t>        </a:t>
+            </a:r>
+            <a:r>
+              <a:rPr kumimoji="0" lang="en-US" altLang="en-US" sz="1100" b="0" i="0" u="none" strike="noStrike" cap="none" normalizeH="0" baseline="0" dirty="0" err="1" smtClean="0">
+                <a:ln>
+                  <a:noFill/>
+                </a:ln>
+                <a:solidFill>
+                  <a:srgbClr val="9C27B0"/>
+                </a:solidFill>
+                <a:effectLst/>
+                <a:latin typeface="Roboto Mono"/>
+              </a:rPr>
+              <a:t>MyViewHolder</a:t>
+            </a:r>
+            <a:r>
+              <a:rPr kumimoji="0" lang="en-US" altLang="en-US" sz="1100" b="0" i="0" u="none" strike="noStrike" cap="none" normalizeH="0" baseline="0" dirty="0" smtClean="0">
+                <a:ln>
+                  <a:noFill/>
+                </a:ln>
+                <a:solidFill>
+                  <a:srgbClr val="37474F"/>
+                </a:solidFill>
+                <a:effectLst/>
+                <a:latin typeface="Roboto Mono"/>
+              </a:rPr>
+              <a:t> </a:t>
+            </a:r>
+            <a:r>
+              <a:rPr kumimoji="0" lang="en-US" altLang="en-US" sz="1100" b="0" i="0" u="none" strike="noStrike" cap="none" normalizeH="0" baseline="0" dirty="0" err="1" smtClean="0">
+                <a:ln>
+                  <a:noFill/>
+                </a:ln>
+                <a:solidFill>
+                  <a:srgbClr val="37474F"/>
+                </a:solidFill>
+                <a:effectLst/>
+                <a:latin typeface="Roboto Mono"/>
+              </a:rPr>
+              <a:t>vh</a:t>
+            </a:r>
+            <a:r>
+              <a:rPr kumimoji="0" lang="en-US" altLang="en-US" sz="1100" b="0" i="0" u="none" strike="noStrike" cap="none" normalizeH="0" baseline="0" dirty="0" smtClean="0">
+                <a:ln>
+                  <a:noFill/>
+                </a:ln>
+                <a:solidFill>
+                  <a:srgbClr val="37474F"/>
+                </a:solidFill>
+                <a:effectLst/>
+                <a:latin typeface="Roboto Mono"/>
+              </a:rPr>
+              <a:t> = </a:t>
+            </a:r>
+            <a:r>
+              <a:rPr kumimoji="0" lang="en-US" altLang="en-US" sz="1100" b="0" i="0" u="none" strike="noStrike" cap="none" normalizeH="0" baseline="0" dirty="0" smtClean="0">
+                <a:ln>
+                  <a:noFill/>
+                </a:ln>
+                <a:solidFill>
+                  <a:srgbClr val="3B78E7"/>
+                </a:solidFill>
+                <a:effectLst/>
+                <a:latin typeface="Roboto Mono"/>
+              </a:rPr>
+              <a:t>new</a:t>
+            </a:r>
+            <a:r>
+              <a:rPr kumimoji="0" lang="en-US" altLang="en-US" sz="1100" b="0" i="0" u="none" strike="noStrike" cap="none" normalizeH="0" baseline="0" dirty="0" smtClean="0">
+                <a:ln>
+                  <a:noFill/>
+                </a:ln>
+                <a:solidFill>
+                  <a:srgbClr val="37474F"/>
+                </a:solidFill>
+                <a:effectLst/>
+                <a:latin typeface="Roboto Mono"/>
+              </a:rPr>
+              <a:t> </a:t>
+            </a:r>
+            <a:r>
+              <a:rPr kumimoji="0" lang="en-US" altLang="en-US" sz="1100" b="0" i="0" u="none" strike="noStrike" cap="none" normalizeH="0" baseline="0" dirty="0" err="1" smtClean="0">
+                <a:ln>
+                  <a:noFill/>
+                </a:ln>
+                <a:solidFill>
+                  <a:srgbClr val="9C27B0"/>
+                </a:solidFill>
+                <a:effectLst/>
+                <a:latin typeface="Roboto Mono"/>
+              </a:rPr>
+              <a:t>MyViewHolder</a:t>
+            </a:r>
+            <a:r>
+              <a:rPr kumimoji="0" lang="en-US" altLang="en-US" sz="1100" b="0" i="0" u="none" strike="noStrike" cap="none" normalizeH="0" baseline="0" dirty="0" smtClean="0">
+                <a:ln>
+                  <a:noFill/>
+                </a:ln>
+                <a:solidFill>
+                  <a:srgbClr val="37474F"/>
+                </a:solidFill>
+                <a:effectLst/>
+                <a:latin typeface="Roboto Mono"/>
+              </a:rPr>
+              <a:t>(v);</a:t>
+            </a:r>
+            <a:br>
+              <a:rPr kumimoji="0" lang="en-US" altLang="en-US" sz="1100" b="0" i="0" u="none" strike="noStrike" cap="none" normalizeH="0" baseline="0" dirty="0" smtClean="0">
+                <a:ln>
+                  <a:noFill/>
+                </a:ln>
+                <a:solidFill>
+                  <a:srgbClr val="37474F"/>
+                </a:solidFill>
+                <a:effectLst/>
+                <a:latin typeface="Roboto Mono"/>
+              </a:rPr>
+            </a:br>
+            <a:r>
+              <a:rPr kumimoji="0" lang="en-US" altLang="en-US" sz="1100" b="0" i="0" u="none" strike="noStrike" cap="none" normalizeH="0" baseline="0" dirty="0" smtClean="0">
+                <a:ln>
+                  <a:noFill/>
+                </a:ln>
+                <a:solidFill>
+                  <a:srgbClr val="37474F"/>
+                </a:solidFill>
+                <a:effectLst/>
+                <a:latin typeface="Roboto Mono"/>
+              </a:rPr>
+              <a:t>        </a:t>
+            </a:r>
+            <a:r>
+              <a:rPr kumimoji="0" lang="en-US" altLang="en-US" sz="1100" b="0" i="0" u="none" strike="noStrike" cap="none" normalizeH="0" baseline="0" dirty="0" smtClean="0">
+                <a:ln>
+                  <a:noFill/>
+                </a:ln>
+                <a:solidFill>
+                  <a:srgbClr val="3B78E7"/>
+                </a:solidFill>
+                <a:effectLst/>
+                <a:latin typeface="Roboto Mono"/>
+              </a:rPr>
+              <a:t>return</a:t>
+            </a:r>
+            <a:r>
+              <a:rPr kumimoji="0" lang="en-US" altLang="en-US" sz="1100" b="0" i="0" u="none" strike="noStrike" cap="none" normalizeH="0" baseline="0" dirty="0" smtClean="0">
+                <a:ln>
+                  <a:noFill/>
+                </a:ln>
+                <a:solidFill>
+                  <a:srgbClr val="37474F"/>
+                </a:solidFill>
+                <a:effectLst/>
+                <a:latin typeface="Roboto Mono"/>
+              </a:rPr>
+              <a:t> </a:t>
+            </a:r>
+            <a:r>
+              <a:rPr kumimoji="0" lang="en-US" altLang="en-US" sz="1100" b="0" i="0" u="none" strike="noStrike" cap="none" normalizeH="0" baseline="0" dirty="0" err="1" smtClean="0">
+                <a:ln>
+                  <a:noFill/>
+                </a:ln>
+                <a:solidFill>
+                  <a:srgbClr val="37474F"/>
+                </a:solidFill>
+                <a:effectLst/>
+                <a:latin typeface="Roboto Mono"/>
+              </a:rPr>
+              <a:t>vh</a:t>
+            </a:r>
+            <a:r>
+              <a:rPr kumimoji="0" lang="en-US" altLang="en-US" sz="1100" b="0" i="0" u="none" strike="noStrike" cap="none" normalizeH="0" baseline="0" dirty="0" smtClean="0">
+                <a:ln>
+                  <a:noFill/>
+                </a:ln>
+                <a:solidFill>
+                  <a:srgbClr val="37474F"/>
+                </a:solidFill>
+                <a:effectLst/>
+                <a:latin typeface="Roboto Mono"/>
+              </a:rPr>
+              <a:t>;</a:t>
+            </a:r>
+            <a:br>
+              <a:rPr kumimoji="0" lang="en-US" altLang="en-US" sz="1100" b="0" i="0" u="none" strike="noStrike" cap="none" normalizeH="0" baseline="0" dirty="0" smtClean="0">
+                <a:ln>
+                  <a:noFill/>
+                </a:ln>
+                <a:solidFill>
+                  <a:srgbClr val="37474F"/>
+                </a:solidFill>
+                <a:effectLst/>
+                <a:latin typeface="Roboto Mono"/>
+              </a:rPr>
+            </a:br>
+            <a:r>
+              <a:rPr kumimoji="0" lang="en-US" altLang="en-US" sz="1100" b="0" i="0" u="none" strike="noStrike" cap="none" normalizeH="0" baseline="0" dirty="0" smtClean="0">
+                <a:ln>
+                  <a:noFill/>
+                </a:ln>
+                <a:solidFill>
+                  <a:srgbClr val="37474F"/>
+                </a:solidFill>
+                <a:effectLst/>
+                <a:latin typeface="Roboto Mono"/>
+              </a:rPr>
+              <a:t>    }</a:t>
+            </a:r>
+            <a:br>
+              <a:rPr kumimoji="0" lang="en-US" altLang="en-US" sz="1100" b="0" i="0" u="none" strike="noStrike" cap="none" normalizeH="0" baseline="0" dirty="0" smtClean="0">
+                <a:ln>
+                  <a:noFill/>
+                </a:ln>
+                <a:solidFill>
+                  <a:srgbClr val="37474F"/>
+                </a:solidFill>
+                <a:effectLst/>
+                <a:latin typeface="Roboto Mono"/>
+              </a:rPr>
+            </a:br>
+            <a:r>
+              <a:rPr kumimoji="0" lang="en-US" altLang="en-US" sz="1100" b="0" i="0" u="none" strike="noStrike" cap="none" normalizeH="0" baseline="0" dirty="0" smtClean="0">
+                <a:ln>
+                  <a:noFill/>
+                </a:ln>
+                <a:solidFill>
+                  <a:srgbClr val="37474F"/>
+                </a:solidFill>
+                <a:effectLst/>
+                <a:latin typeface="Roboto Mono"/>
+              </a:rPr>
+              <a:t>    </a:t>
+            </a:r>
+            <a:r>
+              <a:rPr kumimoji="0" lang="en-US" altLang="en-US" sz="1100" b="0" i="0" u="none" strike="noStrike" cap="none" normalizeH="0" baseline="0" dirty="0" smtClean="0">
+                <a:ln>
+                  <a:noFill/>
+                </a:ln>
+                <a:solidFill>
+                  <a:srgbClr val="D81B60"/>
+                </a:solidFill>
+                <a:effectLst/>
+                <a:latin typeface="Roboto Mono"/>
+              </a:rPr>
+              <a:t>// Replace the contents of a view (invoked by the layout manager)</a:t>
+            </a:r>
+            <a:r>
+              <a:rPr kumimoji="0" lang="en-US" altLang="en-US" sz="1100" b="0" i="0" u="none" strike="noStrike" cap="none" normalizeH="0" baseline="0" dirty="0" smtClean="0">
+                <a:ln>
+                  <a:noFill/>
+                </a:ln>
+                <a:solidFill>
+                  <a:srgbClr val="37474F"/>
+                </a:solidFill>
+                <a:effectLst/>
+                <a:latin typeface="Roboto Mono"/>
+              </a:rPr>
+              <a:t/>
+            </a:r>
+            <a:br>
+              <a:rPr kumimoji="0" lang="en-US" altLang="en-US" sz="1100" b="0" i="0" u="none" strike="noStrike" cap="none" normalizeH="0" baseline="0" dirty="0" smtClean="0">
+                <a:ln>
+                  <a:noFill/>
+                </a:ln>
+                <a:solidFill>
+                  <a:srgbClr val="37474F"/>
+                </a:solidFill>
+                <a:effectLst/>
+                <a:latin typeface="Roboto Mono"/>
+              </a:rPr>
+            </a:br>
+            <a:r>
+              <a:rPr kumimoji="0" lang="en-US" altLang="en-US" sz="1100" b="0" i="0" u="none" strike="noStrike" cap="none" normalizeH="0" baseline="0" dirty="0" smtClean="0">
+                <a:ln>
+                  <a:noFill/>
+                </a:ln>
+                <a:solidFill>
+                  <a:srgbClr val="37474F"/>
+                </a:solidFill>
+                <a:effectLst/>
+                <a:latin typeface="Roboto Mono"/>
+              </a:rPr>
+              <a:t>    </a:t>
+            </a:r>
+            <a:r>
+              <a:rPr kumimoji="0" lang="en-US" altLang="en-US" sz="1100" b="0" i="0" u="none" strike="noStrike" cap="none" normalizeH="0" baseline="0" dirty="0" smtClean="0">
+                <a:ln>
+                  <a:noFill/>
+                </a:ln>
+                <a:solidFill>
+                  <a:srgbClr val="C53929"/>
+                </a:solidFill>
+                <a:effectLst/>
+                <a:latin typeface="Roboto Mono"/>
+              </a:rPr>
+              <a:t>@Override</a:t>
+            </a:r>
+            <a:r>
+              <a:rPr kumimoji="0" lang="en-US" altLang="en-US" sz="1100" b="0" i="0" u="none" strike="noStrike" cap="none" normalizeH="0" baseline="0" dirty="0" smtClean="0">
+                <a:ln>
+                  <a:noFill/>
+                </a:ln>
+                <a:solidFill>
+                  <a:srgbClr val="37474F"/>
+                </a:solidFill>
+                <a:effectLst/>
+                <a:latin typeface="Roboto Mono"/>
+              </a:rPr>
+              <a:t/>
+            </a:r>
+            <a:br>
+              <a:rPr kumimoji="0" lang="en-US" altLang="en-US" sz="1100" b="0" i="0" u="none" strike="noStrike" cap="none" normalizeH="0" baseline="0" dirty="0" smtClean="0">
+                <a:ln>
+                  <a:noFill/>
+                </a:ln>
+                <a:solidFill>
+                  <a:srgbClr val="37474F"/>
+                </a:solidFill>
+                <a:effectLst/>
+                <a:latin typeface="Roboto Mono"/>
+              </a:rPr>
+            </a:br>
+            <a:r>
+              <a:rPr kumimoji="0" lang="en-US" altLang="en-US" sz="1100" b="0" i="0" u="none" strike="noStrike" cap="none" normalizeH="0" baseline="0" dirty="0" smtClean="0">
+                <a:ln>
+                  <a:noFill/>
+                </a:ln>
+                <a:solidFill>
+                  <a:srgbClr val="37474F"/>
+                </a:solidFill>
+                <a:effectLst/>
+                <a:latin typeface="Roboto Mono"/>
+              </a:rPr>
+              <a:t>    </a:t>
+            </a:r>
+            <a:r>
+              <a:rPr kumimoji="0" lang="en-US" altLang="en-US" sz="1100" b="0" i="0" u="none" strike="noStrike" cap="none" normalizeH="0" baseline="0" dirty="0" smtClean="0">
+                <a:ln>
+                  <a:noFill/>
+                </a:ln>
+                <a:solidFill>
+                  <a:srgbClr val="3B78E7"/>
+                </a:solidFill>
+                <a:effectLst/>
+                <a:latin typeface="Roboto Mono"/>
+              </a:rPr>
+              <a:t>public</a:t>
+            </a:r>
+            <a:r>
+              <a:rPr kumimoji="0" lang="en-US" altLang="en-US" sz="1100" b="0" i="0" u="none" strike="noStrike" cap="none" normalizeH="0" baseline="0" dirty="0" smtClean="0">
+                <a:ln>
+                  <a:noFill/>
+                </a:ln>
+                <a:solidFill>
+                  <a:srgbClr val="37474F"/>
+                </a:solidFill>
+                <a:effectLst/>
+                <a:latin typeface="Roboto Mono"/>
+              </a:rPr>
+              <a:t> </a:t>
+            </a:r>
+            <a:r>
+              <a:rPr kumimoji="0" lang="en-US" altLang="en-US" sz="1100" b="0" i="0" u="none" strike="noStrike" cap="none" normalizeH="0" baseline="0" dirty="0" smtClean="0">
+                <a:ln>
+                  <a:noFill/>
+                </a:ln>
+                <a:solidFill>
+                  <a:srgbClr val="3B78E7"/>
+                </a:solidFill>
+                <a:effectLst/>
+                <a:latin typeface="Roboto Mono"/>
+              </a:rPr>
+              <a:t>void</a:t>
+            </a:r>
+            <a:r>
+              <a:rPr kumimoji="0" lang="en-US" altLang="en-US" sz="1100" b="0" i="0" u="none" strike="noStrike" cap="none" normalizeH="0" baseline="0" dirty="0" smtClean="0">
+                <a:ln>
+                  <a:noFill/>
+                </a:ln>
+                <a:solidFill>
+                  <a:srgbClr val="37474F"/>
+                </a:solidFill>
+                <a:effectLst/>
+                <a:latin typeface="Roboto Mono"/>
+              </a:rPr>
+              <a:t> </a:t>
+            </a:r>
+            <a:r>
+              <a:rPr kumimoji="0" lang="en-US" altLang="en-US" sz="1100" b="0" i="0" u="none" strike="noStrike" cap="none" normalizeH="0" baseline="0" dirty="0" err="1" smtClean="0">
+                <a:ln>
+                  <a:noFill/>
+                </a:ln>
+                <a:solidFill>
+                  <a:srgbClr val="37474F"/>
+                </a:solidFill>
+                <a:effectLst/>
+                <a:latin typeface="Roboto Mono"/>
+              </a:rPr>
+              <a:t>onBindViewHolder</a:t>
+            </a:r>
+            <a:r>
+              <a:rPr kumimoji="0" lang="en-US" altLang="en-US" sz="1100" b="0" i="0" u="none" strike="noStrike" cap="none" normalizeH="0" baseline="0" dirty="0" smtClean="0">
+                <a:ln>
+                  <a:noFill/>
+                </a:ln>
+                <a:solidFill>
+                  <a:srgbClr val="37474F"/>
+                </a:solidFill>
+                <a:effectLst/>
+                <a:latin typeface="Roboto Mono"/>
+              </a:rPr>
+              <a:t>(</a:t>
+            </a:r>
+            <a:r>
+              <a:rPr kumimoji="0" lang="en-US" altLang="en-US" sz="1100" b="0" i="0" u="none" strike="noStrike" cap="none" normalizeH="0" baseline="0" dirty="0" err="1" smtClean="0">
+                <a:ln>
+                  <a:noFill/>
+                </a:ln>
+                <a:solidFill>
+                  <a:srgbClr val="9C27B0"/>
+                </a:solidFill>
+                <a:effectLst/>
+                <a:latin typeface="Roboto Mono"/>
+              </a:rPr>
+              <a:t>MyViewHolder</a:t>
+            </a:r>
+            <a:r>
+              <a:rPr kumimoji="0" lang="en-US" altLang="en-US" sz="1100" b="0" i="0" u="none" strike="noStrike" cap="none" normalizeH="0" baseline="0" dirty="0" smtClean="0">
+                <a:ln>
+                  <a:noFill/>
+                </a:ln>
+                <a:solidFill>
+                  <a:srgbClr val="37474F"/>
+                </a:solidFill>
+                <a:effectLst/>
+                <a:latin typeface="Roboto Mono"/>
+              </a:rPr>
+              <a:t> holder, </a:t>
+            </a:r>
+            <a:r>
+              <a:rPr kumimoji="0" lang="en-US" altLang="en-US" sz="1100" b="0" i="0" u="none" strike="noStrike" cap="none" normalizeH="0" baseline="0" dirty="0" err="1" smtClean="0">
+                <a:ln>
+                  <a:noFill/>
+                </a:ln>
+                <a:solidFill>
+                  <a:srgbClr val="3B78E7"/>
+                </a:solidFill>
+                <a:effectLst/>
+                <a:latin typeface="Roboto Mono"/>
+              </a:rPr>
+              <a:t>int</a:t>
+            </a:r>
+            <a:r>
+              <a:rPr kumimoji="0" lang="en-US" altLang="en-US" sz="1100" b="0" i="0" u="none" strike="noStrike" cap="none" normalizeH="0" baseline="0" dirty="0" smtClean="0">
+                <a:ln>
+                  <a:noFill/>
+                </a:ln>
+                <a:solidFill>
+                  <a:srgbClr val="37474F"/>
+                </a:solidFill>
+                <a:effectLst/>
+                <a:latin typeface="Roboto Mono"/>
+              </a:rPr>
+              <a:t> position) {</a:t>
+            </a:r>
+            <a:br>
+              <a:rPr kumimoji="0" lang="en-US" altLang="en-US" sz="1100" b="0" i="0" u="none" strike="noStrike" cap="none" normalizeH="0" baseline="0" dirty="0" smtClean="0">
+                <a:ln>
+                  <a:noFill/>
+                </a:ln>
+                <a:solidFill>
+                  <a:srgbClr val="37474F"/>
+                </a:solidFill>
+                <a:effectLst/>
+                <a:latin typeface="Roboto Mono"/>
+              </a:rPr>
+            </a:br>
+            <a:r>
+              <a:rPr kumimoji="0" lang="en-US" altLang="en-US" sz="1100" b="0" i="0" u="none" strike="noStrike" cap="none" normalizeH="0" baseline="0" dirty="0" smtClean="0">
+                <a:ln>
+                  <a:noFill/>
+                </a:ln>
+                <a:solidFill>
+                  <a:srgbClr val="37474F"/>
+                </a:solidFill>
+                <a:effectLst/>
+                <a:latin typeface="Roboto Mono"/>
+              </a:rPr>
+              <a:t>        </a:t>
+            </a:r>
+            <a:r>
+              <a:rPr kumimoji="0" lang="en-US" altLang="en-US" sz="1100" b="0" i="0" u="none" strike="noStrike" cap="none" normalizeH="0" baseline="0" dirty="0" smtClean="0">
+                <a:ln>
+                  <a:noFill/>
+                </a:ln>
+                <a:solidFill>
+                  <a:srgbClr val="D81B60"/>
+                </a:solidFill>
+                <a:effectLst/>
+                <a:latin typeface="Roboto Mono"/>
+              </a:rPr>
+              <a:t>// - get element from your dataset at this position</a:t>
+            </a:r>
+            <a:r>
+              <a:rPr kumimoji="0" lang="en-US" altLang="en-US" sz="1100" b="0" i="0" u="none" strike="noStrike" cap="none" normalizeH="0" baseline="0" dirty="0" smtClean="0">
+                <a:ln>
+                  <a:noFill/>
+                </a:ln>
+                <a:solidFill>
+                  <a:srgbClr val="37474F"/>
+                </a:solidFill>
+                <a:effectLst/>
+                <a:latin typeface="Roboto Mono"/>
+              </a:rPr>
+              <a:t/>
+            </a:r>
+            <a:br>
+              <a:rPr kumimoji="0" lang="en-US" altLang="en-US" sz="1100" b="0" i="0" u="none" strike="noStrike" cap="none" normalizeH="0" baseline="0" dirty="0" smtClean="0">
+                <a:ln>
+                  <a:noFill/>
+                </a:ln>
+                <a:solidFill>
+                  <a:srgbClr val="37474F"/>
+                </a:solidFill>
+                <a:effectLst/>
+                <a:latin typeface="Roboto Mono"/>
+              </a:rPr>
+            </a:br>
+            <a:r>
+              <a:rPr kumimoji="0" lang="en-US" altLang="en-US" sz="1100" b="0" i="0" u="none" strike="noStrike" cap="none" normalizeH="0" baseline="0" dirty="0" smtClean="0">
+                <a:ln>
+                  <a:noFill/>
+                </a:ln>
+                <a:solidFill>
+                  <a:srgbClr val="37474F"/>
+                </a:solidFill>
+                <a:effectLst/>
+                <a:latin typeface="Roboto Mono"/>
+              </a:rPr>
+              <a:t>        </a:t>
+            </a:r>
+            <a:r>
+              <a:rPr kumimoji="0" lang="en-US" altLang="en-US" sz="1100" b="0" i="0" u="none" strike="noStrike" cap="none" normalizeH="0" baseline="0" dirty="0" smtClean="0">
+                <a:ln>
+                  <a:noFill/>
+                </a:ln>
+                <a:solidFill>
+                  <a:srgbClr val="D81B60"/>
+                </a:solidFill>
+                <a:effectLst/>
+                <a:latin typeface="Roboto Mono"/>
+              </a:rPr>
+              <a:t>// - replace the contents of the view with that element</a:t>
+            </a:r>
+            <a:r>
+              <a:rPr kumimoji="0" lang="en-US" altLang="en-US" sz="1100" b="0" i="0" u="none" strike="noStrike" cap="none" normalizeH="0" baseline="0" dirty="0" smtClean="0">
+                <a:ln>
+                  <a:noFill/>
+                </a:ln>
+                <a:solidFill>
+                  <a:srgbClr val="37474F"/>
+                </a:solidFill>
+                <a:effectLst/>
+                <a:latin typeface="Roboto Mono"/>
+              </a:rPr>
+              <a:t/>
+            </a:r>
+            <a:br>
+              <a:rPr kumimoji="0" lang="en-US" altLang="en-US" sz="1100" b="0" i="0" u="none" strike="noStrike" cap="none" normalizeH="0" baseline="0" dirty="0" smtClean="0">
+                <a:ln>
+                  <a:noFill/>
+                </a:ln>
+                <a:solidFill>
+                  <a:srgbClr val="37474F"/>
+                </a:solidFill>
+                <a:effectLst/>
+                <a:latin typeface="Roboto Mono"/>
+              </a:rPr>
+            </a:br>
+            <a:r>
+              <a:rPr kumimoji="0" lang="en-US" altLang="en-US" sz="1100" b="0" i="0" u="none" strike="noStrike" cap="none" normalizeH="0" baseline="0" dirty="0" smtClean="0">
+                <a:ln>
+                  <a:noFill/>
+                </a:ln>
+                <a:solidFill>
+                  <a:srgbClr val="37474F"/>
+                </a:solidFill>
+                <a:effectLst/>
+                <a:latin typeface="Roboto Mono"/>
+              </a:rPr>
+              <a:t>        </a:t>
+            </a:r>
+            <a:r>
+              <a:rPr kumimoji="0" lang="en-US" altLang="en-US" sz="1100" b="0" i="0" u="none" strike="noStrike" cap="none" normalizeH="0" baseline="0" dirty="0" err="1" smtClean="0">
+                <a:ln>
+                  <a:noFill/>
+                </a:ln>
+                <a:solidFill>
+                  <a:srgbClr val="37474F"/>
+                </a:solidFill>
+                <a:effectLst/>
+                <a:latin typeface="Roboto Mono"/>
+              </a:rPr>
+              <a:t>holder.textView.setText</a:t>
+            </a:r>
+            <a:r>
+              <a:rPr kumimoji="0" lang="en-US" altLang="en-US" sz="1100" b="0" i="0" u="none" strike="noStrike" cap="none" normalizeH="0" baseline="0" dirty="0" smtClean="0">
+                <a:ln>
+                  <a:noFill/>
+                </a:ln>
+                <a:solidFill>
+                  <a:srgbClr val="37474F"/>
+                </a:solidFill>
+                <a:effectLst/>
+                <a:latin typeface="Roboto Mono"/>
+              </a:rPr>
+              <a:t>(</a:t>
+            </a:r>
+            <a:r>
+              <a:rPr kumimoji="0" lang="en-US" altLang="en-US" sz="1100" b="0" i="0" u="none" strike="noStrike" cap="none" normalizeH="0" baseline="0" dirty="0" err="1" smtClean="0">
+                <a:ln>
+                  <a:noFill/>
+                </a:ln>
+                <a:solidFill>
+                  <a:srgbClr val="37474F"/>
+                </a:solidFill>
+                <a:effectLst/>
+                <a:latin typeface="Roboto Mono"/>
+              </a:rPr>
+              <a:t>mDataset</a:t>
+            </a:r>
+            <a:r>
+              <a:rPr kumimoji="0" lang="en-US" altLang="en-US" sz="1100" b="0" i="0" u="none" strike="noStrike" cap="none" normalizeH="0" baseline="0" dirty="0" smtClean="0">
+                <a:ln>
+                  <a:noFill/>
+                </a:ln>
+                <a:solidFill>
+                  <a:srgbClr val="37474F"/>
+                </a:solidFill>
+                <a:effectLst/>
+                <a:latin typeface="Roboto Mono"/>
+              </a:rPr>
+              <a:t>[position]);</a:t>
+            </a:r>
+            <a:br>
+              <a:rPr kumimoji="0" lang="en-US" altLang="en-US" sz="1100" b="0" i="0" u="none" strike="noStrike" cap="none" normalizeH="0" baseline="0" dirty="0" smtClean="0">
+                <a:ln>
+                  <a:noFill/>
+                </a:ln>
+                <a:solidFill>
+                  <a:srgbClr val="37474F"/>
+                </a:solidFill>
+                <a:effectLst/>
+                <a:latin typeface="Roboto Mono"/>
+              </a:rPr>
+            </a:br>
+            <a:r>
+              <a:rPr kumimoji="0" lang="en-US" altLang="en-US" sz="1100" b="0" i="0" u="none" strike="noStrike" cap="none" normalizeH="0" baseline="0" dirty="0" smtClean="0">
+                <a:ln>
+                  <a:noFill/>
+                </a:ln>
+                <a:solidFill>
+                  <a:srgbClr val="37474F"/>
+                </a:solidFill>
+                <a:effectLst/>
+                <a:latin typeface="Roboto Mono"/>
+              </a:rPr>
+              <a:t/>
+            </a:r>
+            <a:br>
+              <a:rPr kumimoji="0" lang="en-US" altLang="en-US" sz="1100" b="0" i="0" u="none" strike="noStrike" cap="none" normalizeH="0" baseline="0" dirty="0" smtClean="0">
+                <a:ln>
+                  <a:noFill/>
+                </a:ln>
+                <a:solidFill>
+                  <a:srgbClr val="37474F"/>
+                </a:solidFill>
+                <a:effectLst/>
+                <a:latin typeface="Roboto Mono"/>
+              </a:rPr>
+            </a:br>
+            <a:r>
+              <a:rPr kumimoji="0" lang="en-US" altLang="en-US" sz="1100" b="0" i="0" u="none" strike="noStrike" cap="none" normalizeH="0" baseline="0" dirty="0" smtClean="0">
+                <a:ln>
+                  <a:noFill/>
+                </a:ln>
+                <a:solidFill>
+                  <a:srgbClr val="37474F"/>
+                </a:solidFill>
+                <a:effectLst/>
+                <a:latin typeface="Roboto Mono"/>
+              </a:rPr>
+              <a:t>    }</a:t>
+            </a:r>
+            <a:br>
+              <a:rPr kumimoji="0" lang="en-US" altLang="en-US" sz="1100" b="0" i="0" u="none" strike="noStrike" cap="none" normalizeH="0" baseline="0" dirty="0" smtClean="0">
+                <a:ln>
+                  <a:noFill/>
+                </a:ln>
+                <a:solidFill>
+                  <a:srgbClr val="37474F"/>
+                </a:solidFill>
+                <a:effectLst/>
+                <a:latin typeface="Roboto Mono"/>
+              </a:rPr>
+            </a:br>
+            <a:r>
+              <a:rPr kumimoji="0" lang="en-US" altLang="en-US" sz="1100" b="0" i="0" u="none" strike="noStrike" cap="none" normalizeH="0" baseline="0" dirty="0" smtClean="0">
+                <a:ln>
+                  <a:noFill/>
+                </a:ln>
+                <a:solidFill>
+                  <a:srgbClr val="37474F"/>
+                </a:solidFill>
+                <a:effectLst/>
+                <a:latin typeface="Roboto Mono"/>
+              </a:rPr>
+              <a:t>    </a:t>
+            </a:r>
+            <a:r>
+              <a:rPr kumimoji="0" lang="en-US" altLang="en-US" sz="1100" b="0" i="0" u="none" strike="noStrike" cap="none" normalizeH="0" baseline="0" dirty="0" smtClean="0">
+                <a:ln>
+                  <a:noFill/>
+                </a:ln>
+                <a:solidFill>
+                  <a:srgbClr val="D81B60"/>
+                </a:solidFill>
+                <a:effectLst/>
+                <a:latin typeface="Roboto Mono"/>
+              </a:rPr>
+              <a:t>// Return the size of your dataset (invoked by the layout manager)</a:t>
+            </a:r>
+            <a:r>
+              <a:rPr kumimoji="0" lang="en-US" altLang="en-US" sz="1100" b="0" i="0" u="none" strike="noStrike" cap="none" normalizeH="0" baseline="0" dirty="0" smtClean="0">
+                <a:ln>
+                  <a:noFill/>
+                </a:ln>
+                <a:solidFill>
+                  <a:srgbClr val="37474F"/>
+                </a:solidFill>
+                <a:effectLst/>
+                <a:latin typeface="Roboto Mono"/>
+              </a:rPr>
+              <a:t/>
+            </a:r>
+            <a:br>
+              <a:rPr kumimoji="0" lang="en-US" altLang="en-US" sz="1100" b="0" i="0" u="none" strike="noStrike" cap="none" normalizeH="0" baseline="0" dirty="0" smtClean="0">
+                <a:ln>
+                  <a:noFill/>
+                </a:ln>
+                <a:solidFill>
+                  <a:srgbClr val="37474F"/>
+                </a:solidFill>
+                <a:effectLst/>
+                <a:latin typeface="Roboto Mono"/>
+              </a:rPr>
+            </a:br>
+            <a:r>
+              <a:rPr kumimoji="0" lang="en-US" altLang="en-US" sz="1100" b="0" i="0" u="none" strike="noStrike" cap="none" normalizeH="0" baseline="0" dirty="0" smtClean="0">
+                <a:ln>
+                  <a:noFill/>
+                </a:ln>
+                <a:solidFill>
+                  <a:srgbClr val="37474F"/>
+                </a:solidFill>
+                <a:effectLst/>
+                <a:latin typeface="Roboto Mono"/>
+              </a:rPr>
+              <a:t>    </a:t>
+            </a:r>
+            <a:r>
+              <a:rPr kumimoji="0" lang="en-US" altLang="en-US" sz="1100" b="0" i="0" u="none" strike="noStrike" cap="none" normalizeH="0" baseline="0" dirty="0" smtClean="0">
+                <a:ln>
+                  <a:noFill/>
+                </a:ln>
+                <a:solidFill>
+                  <a:srgbClr val="C53929"/>
+                </a:solidFill>
+                <a:effectLst/>
+                <a:latin typeface="Roboto Mono"/>
+              </a:rPr>
+              <a:t>@Override</a:t>
+            </a:r>
+            <a:r>
+              <a:rPr kumimoji="0" lang="en-US" altLang="en-US" sz="1100" b="0" i="0" u="none" strike="noStrike" cap="none" normalizeH="0" baseline="0" dirty="0" smtClean="0">
+                <a:ln>
+                  <a:noFill/>
+                </a:ln>
+                <a:solidFill>
+                  <a:srgbClr val="37474F"/>
+                </a:solidFill>
+                <a:effectLst/>
+                <a:latin typeface="Roboto Mono"/>
+              </a:rPr>
+              <a:t/>
+            </a:r>
+            <a:br>
+              <a:rPr kumimoji="0" lang="en-US" altLang="en-US" sz="1100" b="0" i="0" u="none" strike="noStrike" cap="none" normalizeH="0" baseline="0" dirty="0" smtClean="0">
+                <a:ln>
+                  <a:noFill/>
+                </a:ln>
+                <a:solidFill>
+                  <a:srgbClr val="37474F"/>
+                </a:solidFill>
+                <a:effectLst/>
+                <a:latin typeface="Roboto Mono"/>
+              </a:rPr>
+            </a:br>
+            <a:r>
+              <a:rPr kumimoji="0" lang="en-US" altLang="en-US" sz="1100" b="0" i="0" u="none" strike="noStrike" cap="none" normalizeH="0" baseline="0" dirty="0" smtClean="0">
+                <a:ln>
+                  <a:noFill/>
+                </a:ln>
+                <a:solidFill>
+                  <a:srgbClr val="37474F"/>
+                </a:solidFill>
+                <a:effectLst/>
+                <a:latin typeface="Roboto Mono"/>
+              </a:rPr>
+              <a:t>    </a:t>
+            </a:r>
+            <a:r>
+              <a:rPr kumimoji="0" lang="en-US" altLang="en-US" sz="1100" b="0" i="0" u="none" strike="noStrike" cap="none" normalizeH="0" baseline="0" dirty="0" smtClean="0">
+                <a:ln>
+                  <a:noFill/>
+                </a:ln>
+                <a:solidFill>
+                  <a:srgbClr val="3B78E7"/>
+                </a:solidFill>
+                <a:effectLst/>
+                <a:latin typeface="Roboto Mono"/>
+              </a:rPr>
+              <a:t>public</a:t>
+            </a:r>
+            <a:r>
+              <a:rPr kumimoji="0" lang="en-US" altLang="en-US" sz="1100" b="0" i="0" u="none" strike="noStrike" cap="none" normalizeH="0" baseline="0" dirty="0" smtClean="0">
+                <a:ln>
+                  <a:noFill/>
+                </a:ln>
+                <a:solidFill>
+                  <a:srgbClr val="37474F"/>
+                </a:solidFill>
+                <a:effectLst/>
+                <a:latin typeface="Roboto Mono"/>
+              </a:rPr>
+              <a:t> </a:t>
+            </a:r>
+            <a:r>
+              <a:rPr kumimoji="0" lang="en-US" altLang="en-US" sz="1100" b="0" i="0" u="none" strike="noStrike" cap="none" normalizeH="0" baseline="0" dirty="0" err="1" smtClean="0">
+                <a:ln>
+                  <a:noFill/>
+                </a:ln>
+                <a:solidFill>
+                  <a:srgbClr val="3B78E7"/>
+                </a:solidFill>
+                <a:effectLst/>
+                <a:latin typeface="Roboto Mono"/>
+              </a:rPr>
+              <a:t>int</a:t>
+            </a:r>
+            <a:r>
+              <a:rPr kumimoji="0" lang="en-US" altLang="en-US" sz="1100" b="0" i="0" u="none" strike="noStrike" cap="none" normalizeH="0" baseline="0" dirty="0" smtClean="0">
+                <a:ln>
+                  <a:noFill/>
+                </a:ln>
+                <a:solidFill>
+                  <a:srgbClr val="37474F"/>
+                </a:solidFill>
+                <a:effectLst/>
+                <a:latin typeface="Roboto Mono"/>
+              </a:rPr>
+              <a:t> </a:t>
+            </a:r>
+            <a:r>
+              <a:rPr kumimoji="0" lang="en-US" altLang="en-US" sz="1100" b="0" i="0" u="none" strike="noStrike" cap="none" normalizeH="0" baseline="0" dirty="0" err="1" smtClean="0">
+                <a:ln>
+                  <a:noFill/>
+                </a:ln>
+                <a:solidFill>
+                  <a:srgbClr val="37474F"/>
+                </a:solidFill>
+                <a:effectLst/>
+                <a:latin typeface="Roboto Mono"/>
+              </a:rPr>
+              <a:t>getItemCount</a:t>
+            </a:r>
+            <a:r>
+              <a:rPr kumimoji="0" lang="en-US" altLang="en-US" sz="1100" b="0" i="0" u="none" strike="noStrike" cap="none" normalizeH="0" baseline="0" dirty="0" smtClean="0">
+                <a:ln>
+                  <a:noFill/>
+                </a:ln>
+                <a:solidFill>
+                  <a:srgbClr val="37474F"/>
+                </a:solidFill>
+                <a:effectLst/>
+                <a:latin typeface="Roboto Mono"/>
+              </a:rPr>
+              <a:t>() {</a:t>
+            </a:r>
+            <a:r>
+              <a:rPr kumimoji="0" lang="en-US" altLang="en-US" sz="1100" b="0" i="0" u="none" strike="noStrike" cap="none" normalizeH="0" baseline="0" dirty="0" smtClean="0">
+                <a:ln>
+                  <a:noFill/>
+                </a:ln>
+                <a:solidFill>
+                  <a:srgbClr val="3B78E7"/>
+                </a:solidFill>
+                <a:effectLst/>
+                <a:latin typeface="Roboto Mono"/>
+              </a:rPr>
+              <a:t>return</a:t>
+            </a:r>
+            <a:r>
+              <a:rPr kumimoji="0" lang="en-US" altLang="en-US" sz="1100" b="0" i="0" u="none" strike="noStrike" cap="none" normalizeH="0" baseline="0" dirty="0" smtClean="0">
+                <a:ln>
+                  <a:noFill/>
+                </a:ln>
+                <a:solidFill>
+                  <a:srgbClr val="37474F"/>
+                </a:solidFill>
+                <a:effectLst/>
+                <a:latin typeface="Roboto Mono"/>
+              </a:rPr>
+              <a:t> </a:t>
+            </a:r>
+            <a:r>
+              <a:rPr kumimoji="0" lang="en-US" altLang="en-US" sz="1100" b="0" i="0" u="none" strike="noStrike" cap="none" normalizeH="0" baseline="0" dirty="0" err="1" smtClean="0">
+                <a:ln>
+                  <a:noFill/>
+                </a:ln>
+                <a:solidFill>
+                  <a:srgbClr val="37474F"/>
+                </a:solidFill>
+                <a:effectLst/>
+                <a:latin typeface="Roboto Mono"/>
+              </a:rPr>
+              <a:t>mDataset.length</a:t>
+            </a:r>
+            <a:r>
+              <a:rPr kumimoji="0" lang="en-US" altLang="en-US" sz="1100" b="0" i="0" u="none" strike="noStrike" cap="none" normalizeH="0" baseline="0" dirty="0" smtClean="0">
+                <a:ln>
+                  <a:noFill/>
+                </a:ln>
+                <a:solidFill>
+                  <a:srgbClr val="37474F"/>
+                </a:solidFill>
+                <a:effectLst/>
+                <a:latin typeface="Roboto Mono"/>
+              </a:rPr>
+              <a:t>;}</a:t>
+            </a:r>
+            <a:br>
+              <a:rPr kumimoji="0" lang="en-US" altLang="en-US" sz="1100" b="0" i="0" u="none" strike="noStrike" cap="none" normalizeH="0" baseline="0" dirty="0" smtClean="0">
+                <a:ln>
+                  <a:noFill/>
+                </a:ln>
+                <a:solidFill>
+                  <a:srgbClr val="37474F"/>
+                </a:solidFill>
+                <a:effectLst/>
+                <a:latin typeface="Roboto Mono"/>
+              </a:rPr>
+            </a:br>
+            <a:r>
+              <a:rPr kumimoji="0" lang="en-US" altLang="en-US" sz="1100" b="0" i="0" u="none" strike="noStrike" cap="none" normalizeH="0" baseline="0" dirty="0" smtClean="0">
+                <a:ln>
+                  <a:noFill/>
+                </a:ln>
+                <a:solidFill>
+                  <a:srgbClr val="37474F"/>
+                </a:solidFill>
+                <a:effectLst/>
+                <a:latin typeface="Roboto Mono"/>
+              </a:rPr>
+              <a:t>}</a:t>
+            </a:r>
+            <a:r>
+              <a:rPr kumimoji="0" lang="en-US" altLang="en-US" sz="1100" b="0" i="0" u="none" strike="noStrike" cap="none" normalizeH="0" baseline="0" dirty="0" smtClean="0">
+                <a:ln>
+                  <a:noFill/>
+                </a:ln>
+                <a:solidFill>
+                  <a:schemeClr val="tx1"/>
+                </a:solidFill>
+                <a:effectLst/>
+              </a:rPr>
+              <a:t> </a:t>
+            </a:r>
+            <a:endParaRPr kumimoji="0" lang="en-US" altLang="en-US" sz="1100" b="0" i="0" u="none" strike="noStrike" cap="none" normalizeH="0" baseline="0" dirty="0" smtClean="0">
+              <a:ln>
+                <a:noFill/>
+              </a:ln>
+              <a:solidFill>
+                <a:schemeClr val="tx1"/>
+              </a:solidFill>
+              <a:effectLst/>
+              <a:latin typeface="Arial" panose="020B0604020202020204" pitchFamily="34" charset="0"/>
+            </a:endParaRPr>
+          </a:p>
+        </p:txBody>
+      </p:sp>
+    </p:spTree>
+    <p:extLst>
+      <p:ext uri="{BB962C8B-B14F-4D97-AF65-F5344CB8AC3E}">
+        <p14:creationId xmlns:p14="http://schemas.microsoft.com/office/powerpoint/2010/main" val="3714815233"/>
+      </p:ext>
+    </p:extLst>
+  </p:cSld>
+  <p:clrMapOvr>
+    <a:masterClrMapping/>
+  </p:clrMapOvr>
+  <p:timing>
+    <p:tnLst>
+      <p:par>
+        <p:cTn id="1" dur="indefinite" restart="never" nodeType="tmRoot"/>
+      </p:par>
+    </p:tnLst>
+  </p:timing>
+</p:sld>
+</file>
+
+<file path=ppt/slides/slide7.xml><?xml version="1.0" encoding="utf-8"?>
+<p:sld xmlns:a="http://schemas.openxmlformats.org/drawingml/2006/main" xmlns:r="http://schemas.openxmlformats.org/officeDocument/2006/relationships" xmlns:p="http://schemas.openxmlformats.org/presentationml/2006/main">
+  <p:cSld>
+    <p:spTree>
+      <p:nvGrpSpPr>
+        <p:cNvPr id="1" name=""/>
+        <p:cNvGrpSpPr/>
+        <p:nvPr/>
+      </p:nvGrpSpPr>
+      <p:grpSpPr>
+        <a:xfrm>
+          <a:off x="0" y="0"/>
+          <a:ext cx="0" cy="0"/>
+          <a:chOff x="0" y="0"/>
+          <a:chExt cx="0" cy="0"/>
+        </a:xfrm>
+      </p:grpSpPr>
+      <p:sp>
+        <p:nvSpPr>
+          <p:cNvPr id="2" name="Title 1"/>
+          <p:cNvSpPr>
+            <a:spLocks noGrp="1"/>
+          </p:cNvSpPr>
+          <p:nvPr>
+            <p:ph type="title"/>
+          </p:nvPr>
+        </p:nvSpPr>
+        <p:spPr>
+          <a:xfrm>
+            <a:off x="838200" y="365125"/>
+            <a:ext cx="11256818" cy="1325563"/>
+          </a:xfrm>
+        </p:spPr>
+        <p:txBody>
+          <a:bodyPr/>
+          <a:lstStyle/>
+          <a:p>
+            <a:r>
+              <a:rPr lang="en-CA" dirty="0" smtClean="0"/>
+              <a:t>Lab 3: sending data between apps using Intent</a:t>
+            </a:r>
+            <a:endParaRPr lang="en-CA" dirty="0"/>
+          </a:p>
+        </p:txBody>
+      </p:sp>
+      <p:sp>
+        <p:nvSpPr>
+          <p:cNvPr id="3" name="Content Placeholder 2"/>
+          <p:cNvSpPr>
+            <a:spLocks noGrp="1"/>
+          </p:cNvSpPr>
+          <p:nvPr>
+            <p:ph idx="1"/>
+          </p:nvPr>
+        </p:nvSpPr>
+        <p:spPr/>
+        <p:txBody>
+          <a:bodyPr/>
+          <a:lstStyle/>
+          <a:p>
+            <a:endParaRPr lang="en-CA"/>
+          </a:p>
+        </p:txBody>
+      </p:sp>
+    </p:spTree>
+    <p:extLst>
+      <p:ext uri="{BB962C8B-B14F-4D97-AF65-F5344CB8AC3E}">
+        <p14:creationId xmlns:p14="http://schemas.microsoft.com/office/powerpoint/2010/main" val="2043434362"/>
       </p:ext>
     </p:extLst>
   </p:cSld>

--- a/Lecture_05.pptx
+++ b/Lecture_05.pptx
@@ -8,10 +8,13 @@
     <p:sldId id="256" r:id="rId2"/>
     <p:sldId id="257" r:id="rId3"/>
     <p:sldId id="258" r:id="rId4"/>
-    <p:sldId id="261" r:id="rId5"/>
-    <p:sldId id="259" r:id="rId6"/>
-    <p:sldId id="260" r:id="rId7"/>
-    <p:sldId id="262" r:id="rId8"/>
+    <p:sldId id="259" r:id="rId5"/>
+    <p:sldId id="260" r:id="rId6"/>
+    <p:sldId id="263" r:id="rId7"/>
+    <p:sldId id="264" r:id="rId8"/>
+    <p:sldId id="265" r:id="rId9"/>
+    <p:sldId id="266" r:id="rId10"/>
+    <p:sldId id="262" r:id="rId11"/>
   </p:sldIdLst>
   <p:sldSz cx="12192000" cy="6858000"/>
   <p:notesSz cx="6858000" cy="9144000"/>
@@ -249,7 +252,7 @@
           <a:p>
             <a:fld id="{BD7A958E-9919-40C6-BE16-A207004C291E}" type="datetimeFigureOut">
               <a:rPr lang="en-CA" smtClean="0"/>
-              <a:t>2019-09-21</a:t>
+              <a:t>2019-09-23</a:t>
             </a:fld>
             <a:endParaRPr lang="en-CA"/>
           </a:p>
@@ -419,7 +422,7 @@
           <a:p>
             <a:fld id="{BD7A958E-9919-40C6-BE16-A207004C291E}" type="datetimeFigureOut">
               <a:rPr lang="en-CA" smtClean="0"/>
-              <a:t>2019-09-21</a:t>
+              <a:t>2019-09-23</a:t>
             </a:fld>
             <a:endParaRPr lang="en-CA"/>
           </a:p>
@@ -599,7 +602,7 @@
           <a:p>
             <a:fld id="{BD7A958E-9919-40C6-BE16-A207004C291E}" type="datetimeFigureOut">
               <a:rPr lang="en-CA" smtClean="0"/>
-              <a:t>2019-09-21</a:t>
+              <a:t>2019-09-23</a:t>
             </a:fld>
             <a:endParaRPr lang="en-CA"/>
           </a:p>
@@ -769,7 +772,7 @@
           <a:p>
             <a:fld id="{BD7A958E-9919-40C6-BE16-A207004C291E}" type="datetimeFigureOut">
               <a:rPr lang="en-CA" smtClean="0"/>
-              <a:t>2019-09-21</a:t>
+              <a:t>2019-09-23</a:t>
             </a:fld>
             <a:endParaRPr lang="en-CA"/>
           </a:p>
@@ -1015,7 +1018,7 @@
           <a:p>
             <a:fld id="{BD7A958E-9919-40C6-BE16-A207004C291E}" type="datetimeFigureOut">
               <a:rPr lang="en-CA" smtClean="0"/>
-              <a:t>2019-09-21</a:t>
+              <a:t>2019-09-23</a:t>
             </a:fld>
             <a:endParaRPr lang="en-CA"/>
           </a:p>
@@ -1247,7 +1250,7 @@
           <a:p>
             <a:fld id="{BD7A958E-9919-40C6-BE16-A207004C291E}" type="datetimeFigureOut">
               <a:rPr lang="en-CA" smtClean="0"/>
-              <a:t>2019-09-21</a:t>
+              <a:t>2019-09-23</a:t>
             </a:fld>
             <a:endParaRPr lang="en-CA"/>
           </a:p>
@@ -1614,7 +1617,7 @@
           <a:p>
             <a:fld id="{BD7A958E-9919-40C6-BE16-A207004C291E}" type="datetimeFigureOut">
               <a:rPr lang="en-CA" smtClean="0"/>
-              <a:t>2019-09-21</a:t>
+              <a:t>2019-09-23</a:t>
             </a:fld>
             <a:endParaRPr lang="en-CA"/>
           </a:p>
@@ -1732,7 +1735,7 @@
           <a:p>
             <a:fld id="{BD7A958E-9919-40C6-BE16-A207004C291E}" type="datetimeFigureOut">
               <a:rPr lang="en-CA" smtClean="0"/>
-              <a:t>2019-09-21</a:t>
+              <a:t>2019-09-23</a:t>
             </a:fld>
             <a:endParaRPr lang="en-CA"/>
           </a:p>
@@ -1827,7 +1830,7 @@
           <a:p>
             <a:fld id="{BD7A958E-9919-40C6-BE16-A207004C291E}" type="datetimeFigureOut">
               <a:rPr lang="en-CA" smtClean="0"/>
-              <a:t>2019-09-21</a:t>
+              <a:t>2019-09-23</a:t>
             </a:fld>
             <a:endParaRPr lang="en-CA"/>
           </a:p>
@@ -2104,7 +2107,7 @@
           <a:p>
             <a:fld id="{BD7A958E-9919-40C6-BE16-A207004C291E}" type="datetimeFigureOut">
               <a:rPr lang="en-CA" smtClean="0"/>
-              <a:t>2019-09-21</a:t>
+              <a:t>2019-09-23</a:t>
             </a:fld>
             <a:endParaRPr lang="en-CA"/>
           </a:p>
@@ -2357,7 +2360,7 @@
           <a:p>
             <a:fld id="{BD7A958E-9919-40C6-BE16-A207004C291E}" type="datetimeFigureOut">
               <a:rPr lang="en-CA" smtClean="0"/>
-              <a:t>2019-09-21</a:t>
+              <a:t>2019-09-23</a:t>
             </a:fld>
             <a:endParaRPr lang="en-CA"/>
           </a:p>
@@ -2570,7 +2573,7 @@
           <a:p>
             <a:fld id="{BD7A958E-9919-40C6-BE16-A207004C291E}" type="datetimeFigureOut">
               <a:rPr lang="en-CA" smtClean="0"/>
-              <a:t>2019-09-21</a:t>
+              <a:t>2019-09-23</a:t>
             </a:fld>
             <a:endParaRPr lang="en-CA"/>
           </a:p>
@@ -3044,6 +3047,617 @@
         <p:cTn id="1" dur="indefinite" restart="never" nodeType="tmRoot"/>
       </p:par>
     </p:tnLst>
+  </p:timing>
+</p:sld>
+</file>
+
+<file path=ppt/slides/slide10.xml><?xml version="1.0" encoding="utf-8"?>
+<p:sld xmlns:a="http://schemas.openxmlformats.org/drawingml/2006/main" xmlns:r="http://schemas.openxmlformats.org/officeDocument/2006/relationships" xmlns:p="http://schemas.openxmlformats.org/presentationml/2006/main">
+  <p:cSld>
+    <p:spTree>
+      <p:nvGrpSpPr>
+        <p:cNvPr id="1" name=""/>
+        <p:cNvGrpSpPr/>
+        <p:nvPr/>
+      </p:nvGrpSpPr>
+      <p:grpSpPr>
+        <a:xfrm>
+          <a:off x="0" y="0"/>
+          <a:ext cx="0" cy="0"/>
+          <a:chOff x="0" y="0"/>
+          <a:chExt cx="0" cy="0"/>
+        </a:xfrm>
+      </p:grpSpPr>
+      <p:sp>
+        <p:nvSpPr>
+          <p:cNvPr id="2" name="Title 1"/>
+          <p:cNvSpPr>
+            <a:spLocks noGrp="1"/>
+          </p:cNvSpPr>
+          <p:nvPr>
+            <p:ph type="title"/>
+          </p:nvPr>
+        </p:nvSpPr>
+        <p:spPr>
+          <a:xfrm>
+            <a:off x="0" y="0"/>
+            <a:ext cx="12095018" cy="757093"/>
+          </a:xfrm>
+        </p:spPr>
+        <p:txBody>
+          <a:bodyPr/>
+          <a:lstStyle/>
+          <a:p>
+            <a:r>
+              <a:rPr lang="en-CA" dirty="0" smtClean="0"/>
+              <a:t>Lab 3: sending data between apps using Intents</a:t>
+            </a:r>
+            <a:endParaRPr lang="en-CA" dirty="0"/>
+          </a:p>
+        </p:txBody>
+      </p:sp>
+      <p:sp>
+        <p:nvSpPr>
+          <p:cNvPr id="3" name="Content Placeholder 2"/>
+          <p:cNvSpPr>
+            <a:spLocks noGrp="1"/>
+          </p:cNvSpPr>
+          <p:nvPr>
+            <p:ph idx="1"/>
+          </p:nvPr>
+        </p:nvSpPr>
+        <p:spPr>
+          <a:xfrm>
+            <a:off x="0" y="757094"/>
+            <a:ext cx="12192000" cy="4909416"/>
+          </a:xfrm>
+        </p:spPr>
+        <p:txBody>
+          <a:bodyPr>
+            <a:normAutofit lnSpcReduction="10000"/>
+          </a:bodyPr>
+          <a:lstStyle/>
+          <a:p>
+            <a:r>
+              <a:rPr lang="en-CA" dirty="0" smtClean="0"/>
+              <a:t>Create 2 separate projects: </a:t>
+            </a:r>
+          </a:p>
+          <a:p>
+            <a:pPr lvl="1"/>
+            <a:r>
+              <a:rPr lang="en-CA" dirty="0" smtClean="0"/>
+              <a:t>Project 1: </a:t>
+            </a:r>
+            <a:r>
+              <a:rPr lang="en-CA" b="1" dirty="0" err="1" smtClean="0"/>
+              <a:t>ImplicitIntent</a:t>
+            </a:r>
+            <a:endParaRPr lang="en-CA" b="1" dirty="0" smtClean="0"/>
+          </a:p>
+          <a:p>
+            <a:pPr lvl="1"/>
+            <a:r>
+              <a:rPr lang="en-CA" dirty="0" smtClean="0"/>
+              <a:t>Project 2: </a:t>
+            </a:r>
+            <a:r>
+              <a:rPr lang="en-CA" b="1" dirty="0" err="1" smtClean="0"/>
+              <a:t>ReceiveIntent</a:t>
+            </a:r>
+            <a:r>
+              <a:rPr lang="en-CA" dirty="0" smtClean="0"/>
+              <a:t> </a:t>
+            </a:r>
+          </a:p>
+          <a:p>
+            <a:r>
+              <a:rPr lang="en-CA" dirty="0" smtClean="0"/>
+              <a:t>Project 1 will have a Plain Text widget to write message via keypad</a:t>
+            </a:r>
+          </a:p>
+          <a:p>
+            <a:r>
+              <a:rPr lang="en-CA" dirty="0" smtClean="0"/>
+              <a:t>Project 2 will have a </a:t>
+            </a:r>
+            <a:r>
+              <a:rPr lang="en-CA" dirty="0" err="1" smtClean="0"/>
+              <a:t>TextView</a:t>
+            </a:r>
+            <a:r>
+              <a:rPr lang="en-CA" dirty="0" smtClean="0"/>
+              <a:t> to display message from Project 1</a:t>
+            </a:r>
+          </a:p>
+          <a:p>
+            <a:r>
+              <a:rPr lang="en-CA" b="1" dirty="0" smtClean="0"/>
+              <a:t>Outline: </a:t>
+            </a:r>
+            <a:r>
+              <a:rPr lang="en-CA" dirty="0" smtClean="0"/>
+              <a:t>The user will write a message in the Plain Text widget in Project 1 and press ‘Enter’. Project 1 will then create an Implicit Intent containing the message, which will open the app chooser.  Project 2 will be visible in the app chooser because it will define the appropriate &lt;intent-filter&gt; component in its manifest. Project 2 will handle the incoming message, displaying it in a </a:t>
+            </a:r>
+            <a:r>
+              <a:rPr lang="en-CA" dirty="0" err="1" smtClean="0"/>
+              <a:t>TextView</a:t>
+            </a:r>
+            <a:endParaRPr lang="en-CA" dirty="0" smtClean="0"/>
+          </a:p>
+          <a:p>
+            <a:r>
+              <a:rPr lang="en-CA" dirty="0" smtClean="0"/>
+              <a:t>Bonus: use </a:t>
+            </a:r>
+            <a:r>
+              <a:rPr lang="en-CA" dirty="0" err="1" smtClean="0"/>
+              <a:t>startActivityForResult</a:t>
+            </a:r>
+            <a:r>
+              <a:rPr lang="en-CA" dirty="0" smtClean="0"/>
+              <a:t>() instead of </a:t>
+            </a:r>
+            <a:r>
+              <a:rPr lang="en-CA" dirty="0" err="1" smtClean="0"/>
+              <a:t>startActivity</a:t>
+            </a:r>
+            <a:r>
+              <a:rPr lang="en-CA" dirty="0" smtClean="0"/>
+              <a:t>() in Project 1 to receive back an edited version of the original message from Project 2. </a:t>
+            </a:r>
+            <a:endParaRPr lang="en-CA" dirty="0"/>
+          </a:p>
+          <a:p>
+            <a:endParaRPr lang="en-CA" dirty="0" smtClean="0"/>
+          </a:p>
+        </p:txBody>
+      </p:sp>
+      <p:sp>
+        <p:nvSpPr>
+          <p:cNvPr id="4" name="TextBox 3"/>
+          <p:cNvSpPr txBox="1"/>
+          <p:nvPr/>
+        </p:nvSpPr>
+        <p:spPr>
+          <a:xfrm>
+            <a:off x="0" y="6026728"/>
+            <a:ext cx="6774873" cy="369332"/>
+          </a:xfrm>
+          <a:prstGeom prst="rect">
+            <a:avLst/>
+          </a:prstGeom>
+          <a:noFill/>
+        </p:spPr>
+        <p:txBody>
+          <a:bodyPr wrap="square" rtlCol="0">
+            <a:spAutoFit/>
+          </a:bodyPr>
+          <a:lstStyle/>
+          <a:p>
+            <a:r>
+              <a:rPr lang="en-CA" dirty="0">
+                <a:hlinkClick r:id="rId2"/>
+              </a:rPr>
+              <a:t>https://developer.android.com/guide/components/intents-filters</a:t>
+            </a:r>
+            <a:endParaRPr lang="en-CA" dirty="0"/>
+          </a:p>
+        </p:txBody>
+      </p:sp>
+      <p:sp>
+        <p:nvSpPr>
+          <p:cNvPr id="5" name="TextBox 4"/>
+          <p:cNvSpPr txBox="1"/>
+          <p:nvPr/>
+        </p:nvSpPr>
+        <p:spPr>
+          <a:xfrm>
+            <a:off x="0" y="6386947"/>
+            <a:ext cx="5846618" cy="369332"/>
+          </a:xfrm>
+          <a:prstGeom prst="rect">
+            <a:avLst/>
+          </a:prstGeom>
+          <a:noFill/>
+        </p:spPr>
+        <p:txBody>
+          <a:bodyPr wrap="square" rtlCol="0">
+            <a:spAutoFit/>
+          </a:bodyPr>
+          <a:lstStyle/>
+          <a:p>
+            <a:r>
+              <a:rPr lang="en-CA" dirty="0">
+                <a:hlinkClick r:id="rId3"/>
+              </a:rPr>
+              <a:t>https://developer.android.com/training/sharing/receive</a:t>
+            </a:r>
+            <a:endParaRPr lang="en-CA" dirty="0"/>
+          </a:p>
+        </p:txBody>
+      </p:sp>
+      <p:sp>
+        <p:nvSpPr>
+          <p:cNvPr id="6" name="TextBox 5"/>
+          <p:cNvSpPr txBox="1"/>
+          <p:nvPr/>
+        </p:nvSpPr>
+        <p:spPr>
+          <a:xfrm>
+            <a:off x="0" y="5652840"/>
+            <a:ext cx="6248400" cy="369332"/>
+          </a:xfrm>
+          <a:prstGeom prst="rect">
+            <a:avLst/>
+          </a:prstGeom>
+          <a:noFill/>
+        </p:spPr>
+        <p:txBody>
+          <a:bodyPr wrap="square" rtlCol="0">
+            <a:spAutoFit/>
+          </a:bodyPr>
+          <a:lstStyle/>
+          <a:p>
+            <a:r>
+              <a:rPr lang="en-CA">
+                <a:hlinkClick r:id="rId4"/>
+              </a:rPr>
+              <a:t>https://developer.android.com/training/basics/intents/sending</a:t>
+            </a:r>
+            <a:endParaRPr lang="en-CA"/>
+          </a:p>
+        </p:txBody>
+      </p:sp>
+    </p:spTree>
+    <p:extLst>
+      <p:ext uri="{BB962C8B-B14F-4D97-AF65-F5344CB8AC3E}">
+        <p14:creationId xmlns:p14="http://schemas.microsoft.com/office/powerpoint/2010/main" val="2043434362"/>
+      </p:ext>
+    </p:extLst>
+  </p:cSld>
+  <p:clrMapOvr>
+    <a:masterClrMapping/>
+  </p:clrMapOvr>
+  <p:timing>
+    <p:tnLst>
+      <p:par>
+        <p:cTn id="1" dur="indefinite" restart="never" nodeType="tmRoot">
+          <p:childTnLst>
+            <p:seq concurrent="1" nextAc="seek">
+              <p:cTn id="2" dur="indefinite" nodeType="mainSeq">
+                <p:childTnLst>
+                  <p:par>
+                    <p:cTn id="3" fill="hold">
+                      <p:stCondLst>
+                        <p:cond delay="indefinite"/>
+                      </p:stCondLst>
+                      <p:childTnLst>
+                        <p:par>
+                          <p:cTn id="4" fill="hold">
+                            <p:stCondLst>
+                              <p:cond delay="0"/>
+                            </p:stCondLst>
+                            <p:childTnLst>
+                              <p:par>
+                                <p:cTn id="5" presetID="1" presetClass="entr" presetSubtype="0" fill="hold" grpId="0" nodeType="clickEffect">
+                                  <p:stCondLst>
+                                    <p:cond delay="0"/>
+                                  </p:stCondLst>
+                                  <p:childTnLst>
+                                    <p:set>
+                                      <p:cBhvr>
+                                        <p:cTn id="6" dur="1" fill="hold">
+                                          <p:stCondLst>
+                                            <p:cond delay="0"/>
+                                          </p:stCondLst>
+                                        </p:cTn>
+                                        <p:tgtEl>
+                                          <p:spTgt spid="3">
+                                            <p:txEl>
+                                              <p:pRg st="0" end="0"/>
+                                            </p:txEl>
+                                          </p:spTgt>
+                                        </p:tgtEl>
+                                        <p:attrNameLst>
+                                          <p:attrName>style.visibility</p:attrName>
+                                        </p:attrNameLst>
+                                      </p:cBhvr>
+                                      <p:to>
+                                        <p:strVal val="visible"/>
+                                      </p:to>
+                                    </p:set>
+                                  </p:childTnLst>
+                                </p:cTn>
+                              </p:par>
+                              <p:par>
+                                <p:cTn id="7" presetID="1" presetClass="entr" presetSubtype="0" fill="hold" grpId="0" nodeType="withEffect">
+                                  <p:stCondLst>
+                                    <p:cond delay="0"/>
+                                  </p:stCondLst>
+                                  <p:childTnLst>
+                                    <p:set>
+                                      <p:cBhvr>
+                                        <p:cTn id="8" dur="1" fill="hold">
+                                          <p:stCondLst>
+                                            <p:cond delay="0"/>
+                                          </p:stCondLst>
+                                        </p:cTn>
+                                        <p:tgtEl>
+                                          <p:spTgt spid="3">
+                                            <p:txEl>
+                                              <p:pRg st="1" end="1"/>
+                                            </p:txEl>
+                                          </p:spTgt>
+                                        </p:tgtEl>
+                                        <p:attrNameLst>
+                                          <p:attrName>style.visibility</p:attrName>
+                                        </p:attrNameLst>
+                                      </p:cBhvr>
+                                      <p:to>
+                                        <p:strVal val="visible"/>
+                                      </p:to>
+                                    </p:set>
+                                  </p:childTnLst>
+                                </p:cTn>
+                              </p:par>
+                              <p:par>
+                                <p:cTn id="9" presetID="1" presetClass="entr" presetSubtype="0" fill="hold" grpId="0" nodeType="withEffect">
+                                  <p:stCondLst>
+                                    <p:cond delay="0"/>
+                                  </p:stCondLst>
+                                  <p:childTnLst>
+                                    <p:set>
+                                      <p:cBhvr>
+                                        <p:cTn id="10" dur="1" fill="hold">
+                                          <p:stCondLst>
+                                            <p:cond delay="0"/>
+                                          </p:stCondLst>
+                                        </p:cTn>
+                                        <p:tgtEl>
+                                          <p:spTgt spid="3">
+                                            <p:txEl>
+                                              <p:pRg st="2" end="2"/>
+                                            </p:txEl>
+                                          </p:spTgt>
+                                        </p:tgtEl>
+                                        <p:attrNameLst>
+                                          <p:attrName>style.visibility</p:attrName>
+                                        </p:attrNameLst>
+                                      </p:cBhvr>
+                                      <p:to>
+                                        <p:strVal val="visible"/>
+                                      </p:to>
+                                    </p:set>
+                                  </p:childTnLst>
+                                </p:cTn>
+                              </p:par>
+                            </p:childTnLst>
+                          </p:cTn>
+                        </p:par>
+                      </p:childTnLst>
+                    </p:cTn>
+                  </p:par>
+                  <p:par>
+                    <p:cTn id="11" fill="hold">
+                      <p:stCondLst>
+                        <p:cond delay="indefinite"/>
+                      </p:stCondLst>
+                      <p:childTnLst>
+                        <p:par>
+                          <p:cTn id="12" fill="hold">
+                            <p:stCondLst>
+                              <p:cond delay="0"/>
+                            </p:stCondLst>
+                            <p:childTnLst>
+                              <p:par>
+                                <p:cTn id="13" presetID="1" presetClass="entr" presetSubtype="0" fill="hold" grpId="0" nodeType="clickEffect">
+                                  <p:stCondLst>
+                                    <p:cond delay="0"/>
+                                  </p:stCondLst>
+                                  <p:childTnLst>
+                                    <p:set>
+                                      <p:cBhvr>
+                                        <p:cTn id="14" dur="1" fill="hold">
+                                          <p:stCondLst>
+                                            <p:cond delay="0"/>
+                                          </p:stCondLst>
+                                        </p:cTn>
+                                        <p:tgtEl>
+                                          <p:spTgt spid="3">
+                                            <p:txEl>
+                                              <p:pRg st="3" end="3"/>
+                                            </p:txEl>
+                                          </p:spTgt>
+                                        </p:tgtEl>
+                                        <p:attrNameLst>
+                                          <p:attrName>style.visibility</p:attrName>
+                                        </p:attrNameLst>
+                                      </p:cBhvr>
+                                      <p:to>
+                                        <p:strVal val="visible"/>
+                                      </p:to>
+                                    </p:set>
+                                  </p:childTnLst>
+                                </p:cTn>
+                              </p:par>
+                            </p:childTnLst>
+                          </p:cTn>
+                        </p:par>
+                      </p:childTnLst>
+                    </p:cTn>
+                  </p:par>
+                  <p:par>
+                    <p:cTn id="15" fill="hold">
+                      <p:stCondLst>
+                        <p:cond delay="indefinite"/>
+                      </p:stCondLst>
+                      <p:childTnLst>
+                        <p:par>
+                          <p:cTn id="16" fill="hold">
+                            <p:stCondLst>
+                              <p:cond delay="0"/>
+                            </p:stCondLst>
+                            <p:childTnLst>
+                              <p:par>
+                                <p:cTn id="17" presetID="1" presetClass="entr" presetSubtype="0" fill="hold" grpId="0" nodeType="clickEffect">
+                                  <p:stCondLst>
+                                    <p:cond delay="0"/>
+                                  </p:stCondLst>
+                                  <p:childTnLst>
+                                    <p:set>
+                                      <p:cBhvr>
+                                        <p:cTn id="18" dur="1" fill="hold">
+                                          <p:stCondLst>
+                                            <p:cond delay="0"/>
+                                          </p:stCondLst>
+                                        </p:cTn>
+                                        <p:tgtEl>
+                                          <p:spTgt spid="3">
+                                            <p:txEl>
+                                              <p:pRg st="4" end="4"/>
+                                            </p:txEl>
+                                          </p:spTgt>
+                                        </p:tgtEl>
+                                        <p:attrNameLst>
+                                          <p:attrName>style.visibility</p:attrName>
+                                        </p:attrNameLst>
+                                      </p:cBhvr>
+                                      <p:to>
+                                        <p:strVal val="visible"/>
+                                      </p:to>
+                                    </p:set>
+                                  </p:childTnLst>
+                                </p:cTn>
+                              </p:par>
+                            </p:childTnLst>
+                          </p:cTn>
+                        </p:par>
+                      </p:childTnLst>
+                    </p:cTn>
+                  </p:par>
+                  <p:par>
+                    <p:cTn id="19" fill="hold">
+                      <p:stCondLst>
+                        <p:cond delay="indefinite"/>
+                      </p:stCondLst>
+                      <p:childTnLst>
+                        <p:par>
+                          <p:cTn id="20" fill="hold">
+                            <p:stCondLst>
+                              <p:cond delay="0"/>
+                            </p:stCondLst>
+                            <p:childTnLst>
+                              <p:par>
+                                <p:cTn id="21" presetID="1" presetClass="entr" presetSubtype="0" fill="hold" grpId="0" nodeType="clickEffect">
+                                  <p:stCondLst>
+                                    <p:cond delay="0"/>
+                                  </p:stCondLst>
+                                  <p:childTnLst>
+                                    <p:set>
+                                      <p:cBhvr>
+                                        <p:cTn id="22" dur="1" fill="hold">
+                                          <p:stCondLst>
+                                            <p:cond delay="0"/>
+                                          </p:stCondLst>
+                                        </p:cTn>
+                                        <p:tgtEl>
+                                          <p:spTgt spid="3">
+                                            <p:txEl>
+                                              <p:pRg st="5" end="5"/>
+                                            </p:txEl>
+                                          </p:spTgt>
+                                        </p:tgtEl>
+                                        <p:attrNameLst>
+                                          <p:attrName>style.visibility</p:attrName>
+                                        </p:attrNameLst>
+                                      </p:cBhvr>
+                                      <p:to>
+                                        <p:strVal val="visible"/>
+                                      </p:to>
+                                    </p:set>
+                                  </p:childTnLst>
+                                </p:cTn>
+                              </p:par>
+                            </p:childTnLst>
+                          </p:cTn>
+                        </p:par>
+                      </p:childTnLst>
+                    </p:cTn>
+                  </p:par>
+                  <p:par>
+                    <p:cTn id="23" fill="hold">
+                      <p:stCondLst>
+                        <p:cond delay="indefinite"/>
+                      </p:stCondLst>
+                      <p:childTnLst>
+                        <p:par>
+                          <p:cTn id="24" fill="hold">
+                            <p:stCondLst>
+                              <p:cond delay="0"/>
+                            </p:stCondLst>
+                            <p:childTnLst>
+                              <p:par>
+                                <p:cTn id="25" presetID="1" presetClass="entr" presetSubtype="0" fill="hold" grpId="0" nodeType="clickEffect">
+                                  <p:stCondLst>
+                                    <p:cond delay="0"/>
+                                  </p:stCondLst>
+                                  <p:childTnLst>
+                                    <p:set>
+                                      <p:cBhvr>
+                                        <p:cTn id="26" dur="1" fill="hold">
+                                          <p:stCondLst>
+                                            <p:cond delay="0"/>
+                                          </p:stCondLst>
+                                        </p:cTn>
+                                        <p:tgtEl>
+                                          <p:spTgt spid="3">
+                                            <p:txEl>
+                                              <p:pRg st="6" end="6"/>
+                                            </p:txEl>
+                                          </p:spTgt>
+                                        </p:tgtEl>
+                                        <p:attrNameLst>
+                                          <p:attrName>style.visibility</p:attrName>
+                                        </p:attrNameLst>
+                                      </p:cBhvr>
+                                      <p:to>
+                                        <p:strVal val="visible"/>
+                                      </p:to>
+                                    </p:set>
+                                  </p:childTnLst>
+                                </p:cTn>
+                              </p:par>
+                            </p:childTnLst>
+                          </p:cTn>
+                        </p:par>
+                      </p:childTnLst>
+                    </p:cTn>
+                  </p:par>
+                </p:childTnLst>
+              </p:cTn>
+              <p:prevCondLst>
+                <p:cond evt="onPrev" delay="0">
+                  <p:tgtEl>
+                    <p:sldTgt/>
+                  </p:tgtEl>
+                </p:cond>
+              </p:prevCondLst>
+              <p:nextCondLst>
+                <p:cond evt="onNext" delay="0">
+                  <p:tgtEl>
+                    <p:sldTgt/>
+                  </p:tgtEl>
+                </p:cond>
+              </p:nextCondLst>
+            </p:seq>
+          </p:childTnLst>
+        </p:cTn>
+      </p:par>
+    </p:tnLst>
+    <p:bldLst>
+      <p:bldP spid="3" grpId="0" build="p"/>
+    </p:bldLst>
   </p:timing>
 </p:sld>
 </file>
@@ -4060,7 +4674,12 @@
             <p:ph type="title"/>
           </p:nvPr>
         </p:nvSpPr>
-        <p:spPr/>
+        <p:spPr>
+          <a:xfrm>
+            <a:off x="339437" y="53420"/>
+            <a:ext cx="10515600" cy="978766"/>
+          </a:xfrm>
+        </p:spPr>
         <p:txBody>
           <a:bodyPr/>
           <a:lstStyle/>
@@ -4089,12 +4708,14 @@
         </p:nvSpPr>
         <p:spPr>
           <a:xfrm>
-            <a:off x="0" y="1825625"/>
-            <a:ext cx="12192000" cy="4351338"/>
+            <a:off x="0" y="1032186"/>
+            <a:ext cx="12192000" cy="5144777"/>
           </a:xfrm>
         </p:spPr>
         <p:txBody>
-          <a:bodyPr/>
+          <a:bodyPr>
+            <a:normAutofit fontScale="92500" lnSpcReduction="10000"/>
+          </a:bodyPr>
           <a:lstStyle/>
           <a:p>
             <a:r>
@@ -4141,33 +4762,161 @@
           </a:p>
           <a:p>
             <a:r>
+              <a:rPr lang="en-CA" b="1" dirty="0" err="1" smtClean="0"/>
+              <a:t>RecyclerView</a:t>
+            </a:r>
+            <a:r>
+              <a:rPr lang="en-CA" b="1" dirty="0" smtClean="0"/>
+              <a:t> requires you to define a </a:t>
+            </a:r>
+            <a:r>
+              <a:rPr lang="en-CA" b="1" dirty="0" err="1" smtClean="0"/>
+              <a:t>ViewHolder</a:t>
+            </a:r>
+            <a:r>
+              <a:rPr lang="en-CA" b="1" dirty="0" smtClean="0"/>
+              <a:t> (static) </a:t>
+            </a:r>
+            <a:r>
+              <a:rPr lang="en-CA" b="1" dirty="0" smtClean="0"/>
+              <a:t>class, enforcing the </a:t>
+            </a:r>
+            <a:r>
+              <a:rPr lang="en-CA" b="1" dirty="0" err="1" smtClean="0"/>
+              <a:t>ViewHolder</a:t>
+            </a:r>
+            <a:r>
+              <a:rPr lang="en-CA" b="1" dirty="0" smtClean="0"/>
+              <a:t> pattern</a:t>
+            </a:r>
+            <a:r>
+              <a:rPr lang="en-CA" dirty="0" smtClean="0"/>
+              <a:t>. </a:t>
+            </a:r>
+            <a:r>
+              <a:rPr lang="en-CA" dirty="0" smtClean="0"/>
+              <a:t>(means you don’t have to instantiate a view for every item in your adapter, an expensive process)</a:t>
+            </a:r>
+            <a:r>
+              <a:rPr lang="fr-CA" dirty="0" smtClean="0"/>
+              <a:t>. </a:t>
+            </a:r>
+            <a:r>
+              <a:rPr lang="fr-CA" dirty="0" err="1" smtClean="0"/>
+              <a:t>Reduces</a:t>
+            </a:r>
+            <a:r>
+              <a:rPr lang="fr-CA" dirty="0" smtClean="0"/>
+              <a:t> </a:t>
+            </a:r>
+            <a:r>
+              <a:rPr lang="fr-CA" dirty="0" err="1" smtClean="0"/>
+              <a:t>number</a:t>
+            </a:r>
+            <a:r>
+              <a:rPr lang="fr-CA" dirty="0" smtClean="0"/>
+              <a:t> of </a:t>
+            </a:r>
+            <a:r>
+              <a:rPr lang="fr-CA" dirty="0" err="1" smtClean="0"/>
+              <a:t>findViewById</a:t>
+            </a:r>
+            <a:r>
+              <a:rPr lang="fr-CA" dirty="0" smtClean="0"/>
+              <a:t>() calls.</a:t>
+            </a:r>
+          </a:p>
+          <a:p>
+            <a:pPr lvl="1"/>
+            <a:r>
+              <a:rPr lang="fr-CA" dirty="0" err="1" smtClean="0"/>
+              <a:t>findViewById</a:t>
+            </a:r>
+            <a:r>
+              <a:rPr lang="fr-CA" dirty="0" smtClean="0"/>
+              <a:t>() </a:t>
+            </a:r>
+            <a:r>
+              <a:rPr lang="fr-CA" dirty="0" err="1" smtClean="0"/>
+              <a:t>expensive</a:t>
+            </a:r>
+            <a:r>
+              <a:rPr lang="fr-CA" dirty="0" smtClean="0"/>
+              <a:t> </a:t>
+            </a:r>
+            <a:r>
+              <a:rPr lang="fr-CA" dirty="0" err="1" smtClean="0"/>
+              <a:t>because</a:t>
+            </a:r>
+            <a:r>
+              <a:rPr lang="fr-CA" dirty="0" smtClean="0"/>
+              <a:t> </a:t>
+            </a:r>
+            <a:r>
+              <a:rPr lang="fr-CA" dirty="0" err="1" smtClean="0"/>
+              <a:t>it</a:t>
+            </a:r>
+            <a:r>
+              <a:rPr lang="fr-CA" dirty="0" smtClean="0"/>
+              <a:t> </a:t>
+            </a:r>
+            <a:r>
+              <a:rPr lang="fr-CA" dirty="0" err="1" smtClean="0"/>
+              <a:t>does</a:t>
+            </a:r>
+            <a:r>
+              <a:rPr lang="fr-CA" dirty="0" smtClean="0"/>
+              <a:t> </a:t>
+            </a:r>
+            <a:r>
+              <a:rPr lang="fr-CA" dirty="0" err="1" smtClean="0"/>
+              <a:t>does</a:t>
+            </a:r>
+            <a:r>
+              <a:rPr lang="fr-CA" dirty="0" smtClean="0"/>
+              <a:t> DOM </a:t>
+            </a:r>
+            <a:r>
+              <a:rPr lang="fr-CA" dirty="0" err="1" smtClean="0"/>
+              <a:t>parsing</a:t>
+            </a:r>
+            <a:r>
+              <a:rPr lang="fr-CA" dirty="0" smtClean="0"/>
+              <a:t> (</a:t>
+            </a:r>
+            <a:r>
+              <a:rPr lang="fr-CA" dirty="0" err="1" smtClean="0"/>
+              <a:t>parses</a:t>
+            </a:r>
+            <a:r>
+              <a:rPr lang="fr-CA" dirty="0" smtClean="0"/>
+              <a:t> XML </a:t>
+            </a:r>
+            <a:r>
+              <a:rPr lang="fr-CA" dirty="0" err="1" smtClean="0"/>
+              <a:t>from</a:t>
+            </a:r>
+            <a:r>
+              <a:rPr lang="fr-CA" dirty="0" smtClean="0"/>
+              <a:t> string to DOM Document) DOM=Document </a:t>
+            </a:r>
+            <a:r>
+              <a:rPr lang="fr-CA" smtClean="0"/>
+              <a:t>Object Model</a:t>
+            </a:r>
+            <a:endParaRPr lang="en-CA" dirty="0" smtClean="0"/>
+          </a:p>
+          <a:p>
+            <a:r>
               <a:rPr lang="en-CA" dirty="0" err="1" smtClean="0"/>
               <a:t>RecyclerView</a:t>
             </a:r>
             <a:r>
               <a:rPr lang="en-CA" dirty="0" smtClean="0"/>
-              <a:t> requires you to define a </a:t>
-            </a:r>
-            <a:r>
-              <a:rPr lang="en-CA" dirty="0" err="1" smtClean="0"/>
-              <a:t>ViewHolder</a:t>
-            </a:r>
-            <a:r>
-              <a:rPr lang="en-CA" dirty="0" smtClean="0"/>
-              <a:t> (static) class</a:t>
-            </a:r>
-          </a:p>
-          <a:p>
-            <a:r>
-              <a:rPr lang="en-CA" dirty="0" err="1" smtClean="0"/>
-              <a:t>RecyclerView</a:t>
-            </a:r>
-            <a:r>
-              <a:rPr lang="en-CA" dirty="0" smtClean="0"/>
               <a:t> supports 3 types of predefined layout managers: </a:t>
             </a:r>
             <a:r>
-              <a:rPr lang="en-CA" dirty="0" err="1" smtClean="0"/>
+              <a:rPr lang="en-CA" b="1" dirty="0" err="1" smtClean="0"/>
               <a:t>LinearLayoutManager</a:t>
             </a:r>
             <a:r>
@@ -4191,8 +4940,14 @@
           <a:p>
             <a:r>
               <a:rPr lang="en-CA" dirty="0" smtClean="0"/>
-              <a:t>Handles item animations (item addition, deletion, etc.)</a:t>
-            </a:r>
+              <a:t>Handles item animations (item addition, deletion, etc</a:t>
+            </a:r>
+            <a:r>
+              <a:rPr lang="en-CA" dirty="0" smtClean="0"/>
+              <a:t>.)</a:t>
+            </a:r>
+          </a:p>
+          <a:p>
             <a:endParaRPr lang="en-CA" dirty="0"/>
           </a:p>
         </p:txBody>
@@ -4274,89 +5029,365 @@
   <p:timing>
     <p:tnLst>
       <p:par>
-        <p:cTn id="1" dur="indefinite" restart="never" nodeType="tmRoot"/>
+        <p:cTn id="1" dur="indefinite" restart="never" nodeType="tmRoot">
+          <p:childTnLst>
+            <p:seq concurrent="1" nextAc="seek">
+              <p:cTn id="2" dur="indefinite" nodeType="mainSeq">
+                <p:childTnLst>
+                  <p:par>
+                    <p:cTn id="3" fill="hold">
+                      <p:stCondLst>
+                        <p:cond delay="indefinite"/>
+                      </p:stCondLst>
+                      <p:childTnLst>
+                        <p:par>
+                          <p:cTn id="4" fill="hold">
+                            <p:stCondLst>
+                              <p:cond delay="0"/>
+                            </p:stCondLst>
+                            <p:childTnLst>
+                              <p:par>
+                                <p:cTn id="5" presetID="1" presetClass="entr" presetSubtype="0" fill="hold" grpId="0" nodeType="clickEffect">
+                                  <p:stCondLst>
+                                    <p:cond delay="0"/>
+                                  </p:stCondLst>
+                                  <p:childTnLst>
+                                    <p:set>
+                                      <p:cBhvr>
+                                        <p:cTn id="6" dur="1" fill="hold">
+                                          <p:stCondLst>
+                                            <p:cond delay="0"/>
+                                          </p:stCondLst>
+                                        </p:cTn>
+                                        <p:tgtEl>
+                                          <p:spTgt spid="3">
+                                            <p:txEl>
+                                              <p:pRg st="0" end="0"/>
+                                            </p:txEl>
+                                          </p:spTgt>
+                                        </p:tgtEl>
+                                        <p:attrNameLst>
+                                          <p:attrName>style.visibility</p:attrName>
+                                        </p:attrNameLst>
+                                      </p:cBhvr>
+                                      <p:to>
+                                        <p:strVal val="visible"/>
+                                      </p:to>
+                                    </p:set>
+                                  </p:childTnLst>
+                                </p:cTn>
+                              </p:par>
+                            </p:childTnLst>
+                          </p:cTn>
+                        </p:par>
+                      </p:childTnLst>
+                    </p:cTn>
+                  </p:par>
+                  <p:par>
+                    <p:cTn id="7" fill="hold">
+                      <p:stCondLst>
+                        <p:cond delay="indefinite"/>
+                      </p:stCondLst>
+                      <p:childTnLst>
+                        <p:par>
+                          <p:cTn id="8" fill="hold">
+                            <p:stCondLst>
+                              <p:cond delay="0"/>
+                            </p:stCondLst>
+                            <p:childTnLst>
+                              <p:par>
+                                <p:cTn id="9" presetID="1" presetClass="entr" presetSubtype="0" fill="hold" grpId="0" nodeType="clickEffect">
+                                  <p:stCondLst>
+                                    <p:cond delay="0"/>
+                                  </p:stCondLst>
+                                  <p:childTnLst>
+                                    <p:set>
+                                      <p:cBhvr>
+                                        <p:cTn id="10" dur="1" fill="hold">
+                                          <p:stCondLst>
+                                            <p:cond delay="0"/>
+                                          </p:stCondLst>
+                                        </p:cTn>
+                                        <p:tgtEl>
+                                          <p:spTgt spid="3">
+                                            <p:txEl>
+                                              <p:pRg st="1" end="1"/>
+                                            </p:txEl>
+                                          </p:spTgt>
+                                        </p:tgtEl>
+                                        <p:attrNameLst>
+                                          <p:attrName>style.visibility</p:attrName>
+                                        </p:attrNameLst>
+                                      </p:cBhvr>
+                                      <p:to>
+                                        <p:strVal val="visible"/>
+                                      </p:to>
+                                    </p:set>
+                                  </p:childTnLst>
+                                </p:cTn>
+                              </p:par>
+                            </p:childTnLst>
+                          </p:cTn>
+                        </p:par>
+                      </p:childTnLst>
+                    </p:cTn>
+                  </p:par>
+                  <p:par>
+                    <p:cTn id="11" fill="hold">
+                      <p:stCondLst>
+                        <p:cond delay="indefinite"/>
+                      </p:stCondLst>
+                      <p:childTnLst>
+                        <p:par>
+                          <p:cTn id="12" fill="hold">
+                            <p:stCondLst>
+                              <p:cond delay="0"/>
+                            </p:stCondLst>
+                            <p:childTnLst>
+                              <p:par>
+                                <p:cTn id="13" presetID="1" presetClass="entr" presetSubtype="0" fill="hold" grpId="0" nodeType="clickEffect">
+                                  <p:stCondLst>
+                                    <p:cond delay="0"/>
+                                  </p:stCondLst>
+                                  <p:childTnLst>
+                                    <p:set>
+                                      <p:cBhvr>
+                                        <p:cTn id="14" dur="1" fill="hold">
+                                          <p:stCondLst>
+                                            <p:cond delay="0"/>
+                                          </p:stCondLst>
+                                        </p:cTn>
+                                        <p:tgtEl>
+                                          <p:spTgt spid="3">
+                                            <p:txEl>
+                                              <p:pRg st="2" end="2"/>
+                                            </p:txEl>
+                                          </p:spTgt>
+                                        </p:tgtEl>
+                                        <p:attrNameLst>
+                                          <p:attrName>style.visibility</p:attrName>
+                                        </p:attrNameLst>
+                                      </p:cBhvr>
+                                      <p:to>
+                                        <p:strVal val="visible"/>
+                                      </p:to>
+                                    </p:set>
+                                  </p:childTnLst>
+                                </p:cTn>
+                              </p:par>
+                            </p:childTnLst>
+                          </p:cTn>
+                        </p:par>
+                      </p:childTnLst>
+                    </p:cTn>
+                  </p:par>
+                  <p:par>
+                    <p:cTn id="15" fill="hold">
+                      <p:stCondLst>
+                        <p:cond delay="indefinite"/>
+                      </p:stCondLst>
+                      <p:childTnLst>
+                        <p:par>
+                          <p:cTn id="16" fill="hold">
+                            <p:stCondLst>
+                              <p:cond delay="0"/>
+                            </p:stCondLst>
+                            <p:childTnLst>
+                              <p:par>
+                                <p:cTn id="17" presetID="1" presetClass="entr" presetSubtype="0" fill="hold" grpId="0" nodeType="clickEffect">
+                                  <p:stCondLst>
+                                    <p:cond delay="0"/>
+                                  </p:stCondLst>
+                                  <p:childTnLst>
+                                    <p:set>
+                                      <p:cBhvr>
+                                        <p:cTn id="18" dur="1" fill="hold">
+                                          <p:stCondLst>
+                                            <p:cond delay="0"/>
+                                          </p:stCondLst>
+                                        </p:cTn>
+                                        <p:tgtEl>
+                                          <p:spTgt spid="3">
+                                            <p:txEl>
+                                              <p:pRg st="3" end="3"/>
+                                            </p:txEl>
+                                          </p:spTgt>
+                                        </p:tgtEl>
+                                        <p:attrNameLst>
+                                          <p:attrName>style.visibility</p:attrName>
+                                        </p:attrNameLst>
+                                      </p:cBhvr>
+                                      <p:to>
+                                        <p:strVal val="visible"/>
+                                      </p:to>
+                                    </p:set>
+                                  </p:childTnLst>
+                                </p:cTn>
+                              </p:par>
+                              <p:par>
+                                <p:cTn id="19" presetID="1" presetClass="entr" presetSubtype="0" fill="hold" grpId="0" nodeType="withEffect">
+                                  <p:stCondLst>
+                                    <p:cond delay="0"/>
+                                  </p:stCondLst>
+                                  <p:childTnLst>
+                                    <p:set>
+                                      <p:cBhvr>
+                                        <p:cTn id="20" dur="1" fill="hold">
+                                          <p:stCondLst>
+                                            <p:cond delay="0"/>
+                                          </p:stCondLst>
+                                        </p:cTn>
+                                        <p:tgtEl>
+                                          <p:spTgt spid="3">
+                                            <p:txEl>
+                                              <p:pRg st="4" end="4"/>
+                                            </p:txEl>
+                                          </p:spTgt>
+                                        </p:tgtEl>
+                                        <p:attrNameLst>
+                                          <p:attrName>style.visibility</p:attrName>
+                                        </p:attrNameLst>
+                                      </p:cBhvr>
+                                      <p:to>
+                                        <p:strVal val="visible"/>
+                                      </p:to>
+                                    </p:set>
+                                  </p:childTnLst>
+                                </p:cTn>
+                              </p:par>
+                            </p:childTnLst>
+                          </p:cTn>
+                        </p:par>
+                      </p:childTnLst>
+                    </p:cTn>
+                  </p:par>
+                  <p:par>
+                    <p:cTn id="21" fill="hold">
+                      <p:stCondLst>
+                        <p:cond delay="indefinite"/>
+                      </p:stCondLst>
+                      <p:childTnLst>
+                        <p:par>
+                          <p:cTn id="22" fill="hold">
+                            <p:stCondLst>
+                              <p:cond delay="0"/>
+                            </p:stCondLst>
+                            <p:childTnLst>
+                              <p:par>
+                                <p:cTn id="23" presetID="1" presetClass="entr" presetSubtype="0" fill="hold" grpId="0" nodeType="clickEffect">
+                                  <p:stCondLst>
+                                    <p:cond delay="0"/>
+                                  </p:stCondLst>
+                                  <p:childTnLst>
+                                    <p:set>
+                                      <p:cBhvr>
+                                        <p:cTn id="24" dur="1" fill="hold">
+                                          <p:stCondLst>
+                                            <p:cond delay="0"/>
+                                          </p:stCondLst>
+                                        </p:cTn>
+                                        <p:tgtEl>
+                                          <p:spTgt spid="3">
+                                            <p:txEl>
+                                              <p:pRg st="5" end="5"/>
+                                            </p:txEl>
+                                          </p:spTgt>
+                                        </p:tgtEl>
+                                        <p:attrNameLst>
+                                          <p:attrName>style.visibility</p:attrName>
+                                        </p:attrNameLst>
+                                      </p:cBhvr>
+                                      <p:to>
+                                        <p:strVal val="visible"/>
+                                      </p:to>
+                                    </p:set>
+                                  </p:childTnLst>
+                                </p:cTn>
+                              </p:par>
+                            </p:childTnLst>
+                          </p:cTn>
+                        </p:par>
+                      </p:childTnLst>
+                    </p:cTn>
+                  </p:par>
+                  <p:par>
+                    <p:cTn id="25" fill="hold">
+                      <p:stCondLst>
+                        <p:cond delay="indefinite"/>
+                      </p:stCondLst>
+                      <p:childTnLst>
+                        <p:par>
+                          <p:cTn id="26" fill="hold">
+                            <p:stCondLst>
+                              <p:cond delay="0"/>
+                            </p:stCondLst>
+                            <p:childTnLst>
+                              <p:par>
+                                <p:cTn id="27" presetID="1" presetClass="entr" presetSubtype="0" fill="hold" grpId="0" nodeType="clickEffect">
+                                  <p:stCondLst>
+                                    <p:cond delay="0"/>
+                                  </p:stCondLst>
+                                  <p:childTnLst>
+                                    <p:set>
+                                      <p:cBhvr>
+                                        <p:cTn id="28" dur="1" fill="hold">
+                                          <p:stCondLst>
+                                            <p:cond delay="0"/>
+                                          </p:stCondLst>
+                                        </p:cTn>
+                                        <p:tgtEl>
+                                          <p:spTgt spid="3">
+                                            <p:txEl>
+                                              <p:pRg st="6" end="6"/>
+                                            </p:txEl>
+                                          </p:spTgt>
+                                        </p:tgtEl>
+                                        <p:attrNameLst>
+                                          <p:attrName>style.visibility</p:attrName>
+                                        </p:attrNameLst>
+                                      </p:cBhvr>
+                                      <p:to>
+                                        <p:strVal val="visible"/>
+                                      </p:to>
+                                    </p:set>
+                                  </p:childTnLst>
+                                </p:cTn>
+                              </p:par>
+                            </p:childTnLst>
+                          </p:cTn>
+                        </p:par>
+                      </p:childTnLst>
+                    </p:cTn>
+                  </p:par>
+                </p:childTnLst>
+              </p:cTn>
+              <p:prevCondLst>
+                <p:cond evt="onPrev" delay="0">
+                  <p:tgtEl>
+                    <p:sldTgt/>
+                  </p:tgtEl>
+                </p:cond>
+              </p:prevCondLst>
+              <p:nextCondLst>
+                <p:cond evt="onNext" delay="0">
+                  <p:tgtEl>
+                    <p:sldTgt/>
+                  </p:tgtEl>
+                </p:cond>
+              </p:nextCondLst>
+            </p:seq>
+          </p:childTnLst>
+        </p:cTn>
       </p:par>
     </p:tnLst>
+    <p:bldLst>
+      <p:bldP spid="3" grpId="0" build="p"/>
+    </p:bldLst>
   </p:timing>
 </p:sld>
 </file>
 
 <file path=ppt/slides/slide4.xml><?xml version="1.0" encoding="utf-8"?>
-<p:sld xmlns:a="http://schemas.openxmlformats.org/drawingml/2006/main" xmlns:r="http://schemas.openxmlformats.org/officeDocument/2006/relationships" xmlns:p="http://schemas.openxmlformats.org/presentationml/2006/main">
-  <p:cSld>
-    <p:spTree>
-      <p:nvGrpSpPr>
-        <p:cNvPr id="1" name=""/>
-        <p:cNvGrpSpPr/>
-        <p:nvPr/>
-      </p:nvGrpSpPr>
-      <p:grpSpPr>
-        <a:xfrm>
-          <a:off x="0" y="0"/>
-          <a:ext cx="0" cy="0"/>
-          <a:chOff x="0" y="0"/>
-          <a:chExt cx="0" cy="0"/>
-        </a:xfrm>
-      </p:grpSpPr>
-      <p:sp>
-        <p:nvSpPr>
-          <p:cNvPr id="2" name="Title 1"/>
-          <p:cNvSpPr>
-            <a:spLocks noGrp="1"/>
-          </p:cNvSpPr>
-          <p:nvPr>
-            <p:ph type="title"/>
-          </p:nvPr>
-        </p:nvSpPr>
-        <p:spPr/>
-        <p:txBody>
-          <a:bodyPr/>
-          <a:lstStyle/>
-          <a:p>
-            <a:endParaRPr lang="en-CA"/>
-          </a:p>
-        </p:txBody>
-      </p:sp>
-      <p:sp>
-        <p:nvSpPr>
-          <p:cNvPr id="3" name="Content Placeholder 2"/>
-          <p:cNvSpPr>
-            <a:spLocks noGrp="1"/>
-          </p:cNvSpPr>
-          <p:nvPr>
-            <p:ph idx="1"/>
-          </p:nvPr>
-        </p:nvSpPr>
-        <p:spPr/>
-        <p:txBody>
-          <a:bodyPr/>
-          <a:lstStyle/>
-          <a:p>
-            <a:endParaRPr lang="en-CA"/>
-          </a:p>
-        </p:txBody>
-      </p:sp>
-    </p:spTree>
-    <p:extLst>
-      <p:ext uri="{BB962C8B-B14F-4D97-AF65-F5344CB8AC3E}">
-        <p14:creationId xmlns:p14="http://schemas.microsoft.com/office/powerpoint/2010/main" val="1685182206"/>
-      </p:ext>
-    </p:extLst>
-  </p:cSld>
-  <p:clrMapOvr>
-    <a:masterClrMapping/>
-  </p:clrMapOvr>
-  <p:timing>
-    <p:tnLst>
-      <p:par>
-        <p:cTn id="1" dur="indefinite" restart="never" nodeType="tmRoot"/>
-      </p:par>
-    </p:tnLst>
-  </p:timing>
-</p:sld>
-</file>
-
-<file path=ppt/slides/slide5.xml><?xml version="1.0" encoding="utf-8"?>
 <p:sld xmlns:a="http://schemas.openxmlformats.org/drawingml/2006/main" xmlns:r="http://schemas.openxmlformats.org/officeDocument/2006/relationships" xmlns:p="http://schemas.openxmlformats.org/presentationml/2006/main">
   <p:cSld>
     <p:spTree>
@@ -4430,12 +5461,44 @@
         <p:spPr>
           <a:xfrm>
             <a:off x="360217" y="1087188"/>
-            <a:ext cx="4583257" cy="5542211"/>
+            <a:ext cx="4904510" cy="5542211"/>
           </a:xfrm>
         </p:spPr>
         <p:txBody>
           <a:bodyPr/>
           <a:lstStyle/>
+          <a:p>
+            <a:r>
+              <a:rPr lang="en-CA" dirty="0" smtClean="0"/>
+              <a:t>Get the </a:t>
+            </a:r>
+            <a:r>
+              <a:rPr lang="en-CA" dirty="0" err="1" smtClean="0"/>
+              <a:t>recyclerView</a:t>
+            </a:r>
+            <a:r>
+              <a:rPr lang="en-CA" dirty="0" smtClean="0"/>
+              <a:t> xml layout</a:t>
+            </a:r>
+          </a:p>
+          <a:p>
+            <a:r>
+              <a:rPr lang="en-CA" dirty="0" smtClean="0"/>
+              <a:t>Set layout manager – defines how items are presented in the </a:t>
+            </a:r>
+            <a:r>
+              <a:rPr lang="en-CA" dirty="0" err="1" smtClean="0"/>
+              <a:t>recyclerView</a:t>
+            </a:r>
+            <a:endParaRPr lang="en-CA" dirty="0" smtClean="0"/>
+          </a:p>
+          <a:p>
+            <a:r>
+              <a:rPr lang="en-CA" dirty="0" smtClean="0"/>
+              <a:t>Initialize and set the adapter	</a:t>
+            </a:r>
+            <a:endParaRPr lang="en-CA" dirty="0" smtClean="0"/>
+          </a:p>
           <a:p>
             <a:endParaRPr lang="en-CA" dirty="0"/>
           </a:p>
@@ -6449,14 +7512,187 @@
   <p:timing>
     <p:tnLst>
       <p:par>
-        <p:cTn id="1" dur="indefinite" restart="never" nodeType="tmRoot"/>
+        <p:cTn id="1" dur="indefinite" restart="never" nodeType="tmRoot">
+          <p:childTnLst>
+            <p:seq concurrent="1" nextAc="seek">
+              <p:cTn id="2" dur="indefinite" nodeType="mainSeq">
+                <p:childTnLst>
+                  <p:par>
+                    <p:cTn id="3" fill="hold">
+                      <p:stCondLst>
+                        <p:cond delay="indefinite"/>
+                      </p:stCondLst>
+                      <p:childTnLst>
+                        <p:par>
+                          <p:cTn id="4" fill="hold">
+                            <p:stCondLst>
+                              <p:cond delay="0"/>
+                            </p:stCondLst>
+                            <p:childTnLst>
+                              <p:par>
+                                <p:cTn id="5" presetID="1" presetClass="entr" presetSubtype="0" fill="hold" grpId="0" nodeType="clickEffect">
+                                  <p:stCondLst>
+                                    <p:cond delay="0"/>
+                                  </p:stCondLst>
+                                  <p:childTnLst>
+                                    <p:set>
+                                      <p:cBhvr>
+                                        <p:cTn id="6" dur="1" fill="hold">
+                                          <p:stCondLst>
+                                            <p:cond delay="0"/>
+                                          </p:stCondLst>
+                                        </p:cTn>
+                                        <p:tgtEl>
+                                          <p:spTgt spid="3">
+                                            <p:txEl>
+                                              <p:pRg st="0" end="0"/>
+                                            </p:txEl>
+                                          </p:spTgt>
+                                        </p:tgtEl>
+                                        <p:attrNameLst>
+                                          <p:attrName>style.visibility</p:attrName>
+                                        </p:attrNameLst>
+                                      </p:cBhvr>
+                                      <p:to>
+                                        <p:strVal val="visible"/>
+                                      </p:to>
+                                    </p:set>
+                                  </p:childTnLst>
+                                </p:cTn>
+                              </p:par>
+                            </p:childTnLst>
+                          </p:cTn>
+                        </p:par>
+                      </p:childTnLst>
+                    </p:cTn>
+                  </p:par>
+                  <p:par>
+                    <p:cTn id="7" fill="hold">
+                      <p:stCondLst>
+                        <p:cond delay="indefinite"/>
+                      </p:stCondLst>
+                      <p:childTnLst>
+                        <p:par>
+                          <p:cTn id="8" fill="hold">
+                            <p:stCondLst>
+                              <p:cond delay="0"/>
+                            </p:stCondLst>
+                            <p:childTnLst>
+                              <p:par>
+                                <p:cTn id="9" presetID="1" presetClass="entr" presetSubtype="0" fill="hold" grpId="0" nodeType="clickEffect">
+                                  <p:stCondLst>
+                                    <p:cond delay="0"/>
+                                  </p:stCondLst>
+                                  <p:childTnLst>
+                                    <p:set>
+                                      <p:cBhvr>
+                                        <p:cTn id="10" dur="1" fill="hold">
+                                          <p:stCondLst>
+                                            <p:cond delay="0"/>
+                                          </p:stCondLst>
+                                        </p:cTn>
+                                        <p:tgtEl>
+                                          <p:spTgt spid="3">
+                                            <p:txEl>
+                                              <p:pRg st="1" end="1"/>
+                                            </p:txEl>
+                                          </p:spTgt>
+                                        </p:tgtEl>
+                                        <p:attrNameLst>
+                                          <p:attrName>style.visibility</p:attrName>
+                                        </p:attrNameLst>
+                                      </p:cBhvr>
+                                      <p:to>
+                                        <p:strVal val="visible"/>
+                                      </p:to>
+                                    </p:set>
+                                  </p:childTnLst>
+                                </p:cTn>
+                              </p:par>
+                            </p:childTnLst>
+                          </p:cTn>
+                        </p:par>
+                      </p:childTnLst>
+                    </p:cTn>
+                  </p:par>
+                  <p:par>
+                    <p:cTn id="11" fill="hold">
+                      <p:stCondLst>
+                        <p:cond delay="indefinite"/>
+                      </p:stCondLst>
+                      <p:childTnLst>
+                        <p:par>
+                          <p:cTn id="12" fill="hold">
+                            <p:stCondLst>
+                              <p:cond delay="0"/>
+                            </p:stCondLst>
+                            <p:childTnLst>
+                              <p:par>
+                                <p:cTn id="13" presetID="1" presetClass="entr" presetSubtype="0" fill="hold" grpId="0" nodeType="clickEffect">
+                                  <p:stCondLst>
+                                    <p:cond delay="0"/>
+                                  </p:stCondLst>
+                                  <p:childTnLst>
+                                    <p:set>
+                                      <p:cBhvr>
+                                        <p:cTn id="14" dur="1" fill="hold">
+                                          <p:stCondLst>
+                                            <p:cond delay="0"/>
+                                          </p:stCondLst>
+                                        </p:cTn>
+                                        <p:tgtEl>
+                                          <p:spTgt spid="3">
+                                            <p:txEl>
+                                              <p:pRg st="2" end="2"/>
+                                            </p:txEl>
+                                          </p:spTgt>
+                                        </p:tgtEl>
+                                        <p:attrNameLst>
+                                          <p:attrName>style.visibility</p:attrName>
+                                        </p:attrNameLst>
+                                      </p:cBhvr>
+                                      <p:to>
+                                        <p:strVal val="visible"/>
+                                      </p:to>
+                                    </p:set>
+                                  </p:childTnLst>
+                                </p:cTn>
+                              </p:par>
+                            </p:childTnLst>
+                          </p:cTn>
+                        </p:par>
+                      </p:childTnLst>
+                    </p:cTn>
+                  </p:par>
+                </p:childTnLst>
+              </p:cTn>
+              <p:prevCondLst>
+                <p:cond evt="onPrev" delay="0">
+                  <p:tgtEl>
+                    <p:sldTgt/>
+                  </p:tgtEl>
+                </p:cond>
+              </p:prevCondLst>
+              <p:nextCondLst>
+                <p:cond evt="onNext" delay="0">
+                  <p:tgtEl>
+                    <p:sldTgt/>
+                  </p:tgtEl>
+                </p:cond>
+              </p:nextCondLst>
+            </p:seq>
+          </p:childTnLst>
+        </p:cTn>
       </p:par>
     </p:tnLst>
+    <p:bldLst>
+      <p:bldP spid="3" grpId="0" build="p"/>
+    </p:bldLst>
   </p:timing>
 </p:sld>
 </file>
 
-<file path=ppt/slides/slide6.xml><?xml version="1.0" encoding="utf-8"?>
+<file path=ppt/slides/slide5.xml><?xml version="1.0" encoding="utf-8"?>
 <p:sld xmlns:a="http://schemas.openxmlformats.org/drawingml/2006/main" xmlns:r="http://schemas.openxmlformats.org/officeDocument/2006/relationships" xmlns:p="http://schemas.openxmlformats.org/presentationml/2006/main">
   <p:cSld>
     <p:spTree>
@@ -6517,13 +7753,64 @@
         </p:nvSpPr>
         <p:spPr>
           <a:xfrm>
-            <a:off x="408709" y="1314450"/>
-            <a:ext cx="4551218" cy="4728009"/>
+            <a:off x="408708" y="1314450"/>
+            <a:ext cx="5119255" cy="5415945"/>
           </a:xfrm>
         </p:spPr>
         <p:txBody>
-          <a:bodyPr/>
+          <a:bodyPr>
+            <a:normAutofit fontScale="92500"/>
+          </a:bodyPr>
           <a:lstStyle/>
+          <a:p>
+            <a:r>
+              <a:rPr lang="en-CA" dirty="0" smtClean="0"/>
+              <a:t>The adapter object creates views for items, and replaces the content of some of the views with new data items when the original item is no longer </a:t>
+            </a:r>
+            <a:r>
+              <a:rPr lang="en-CA" dirty="0" smtClean="0"/>
+              <a:t>visible</a:t>
+            </a:r>
+          </a:p>
+          <a:p>
+            <a:r>
+              <a:rPr lang="en-CA" dirty="0" smtClean="0"/>
+              <a:t>The </a:t>
+            </a:r>
+            <a:r>
+              <a:rPr lang="en-CA" dirty="0" err="1" smtClean="0"/>
+              <a:t>ViewHolder</a:t>
+            </a:r>
+            <a:r>
+              <a:rPr lang="en-CA" dirty="0" smtClean="0"/>
+              <a:t> describes an item and metadata about its place in </a:t>
+            </a:r>
+            <a:r>
+              <a:rPr lang="en-CA" dirty="0" err="1" smtClean="0"/>
+              <a:t>recyclerView</a:t>
+            </a:r>
+            <a:endParaRPr lang="en-CA" dirty="0" smtClean="0"/>
+          </a:p>
+          <a:p>
+            <a:r>
+              <a:rPr lang="en-CA" dirty="0" err="1" smtClean="0"/>
+              <a:t>onCreateViewHolder</a:t>
+            </a:r>
+            <a:r>
+              <a:rPr lang="en-CA" dirty="0" smtClean="0"/>
+              <a:t>() is called by the layout manager, sets up the view to display an items contents</a:t>
+            </a:r>
+          </a:p>
+          <a:p>
+            <a:r>
+              <a:rPr lang="en-CA" dirty="0" err="1" smtClean="0"/>
+              <a:t>onBindViewHolder</a:t>
+            </a:r>
+            <a:r>
+              <a:rPr lang="en-CA" dirty="0" smtClean="0"/>
+              <a:t> binds data to the view</a:t>
+            </a:r>
+          </a:p>
           <a:p>
             <a:endParaRPr lang="en-CA" dirty="0"/>
           </a:p>
@@ -9615,7 +10902,778 @@
   <p:timing>
     <p:tnLst>
       <p:par>
-        <p:cTn id="1" dur="indefinite" restart="never" nodeType="tmRoot"/>
+        <p:cTn id="1" dur="indefinite" restart="never" nodeType="tmRoot">
+          <p:childTnLst>
+            <p:seq concurrent="1" nextAc="seek">
+              <p:cTn id="2" dur="indefinite" nodeType="mainSeq">
+                <p:childTnLst>
+                  <p:par>
+                    <p:cTn id="3" fill="hold">
+                      <p:stCondLst>
+                        <p:cond delay="indefinite"/>
+                      </p:stCondLst>
+                      <p:childTnLst>
+                        <p:par>
+                          <p:cTn id="4" fill="hold">
+                            <p:stCondLst>
+                              <p:cond delay="0"/>
+                            </p:stCondLst>
+                            <p:childTnLst>
+                              <p:par>
+                                <p:cTn id="5" presetID="1" presetClass="entr" presetSubtype="0" fill="hold" grpId="0" nodeType="clickEffect">
+                                  <p:stCondLst>
+                                    <p:cond delay="0"/>
+                                  </p:stCondLst>
+                                  <p:childTnLst>
+                                    <p:set>
+                                      <p:cBhvr>
+                                        <p:cTn id="6" dur="1" fill="hold">
+                                          <p:stCondLst>
+                                            <p:cond delay="0"/>
+                                          </p:stCondLst>
+                                        </p:cTn>
+                                        <p:tgtEl>
+                                          <p:spTgt spid="3">
+                                            <p:txEl>
+                                              <p:pRg st="0" end="0"/>
+                                            </p:txEl>
+                                          </p:spTgt>
+                                        </p:tgtEl>
+                                        <p:attrNameLst>
+                                          <p:attrName>style.visibility</p:attrName>
+                                        </p:attrNameLst>
+                                      </p:cBhvr>
+                                      <p:to>
+                                        <p:strVal val="visible"/>
+                                      </p:to>
+                                    </p:set>
+                                  </p:childTnLst>
+                                </p:cTn>
+                              </p:par>
+                            </p:childTnLst>
+                          </p:cTn>
+                        </p:par>
+                      </p:childTnLst>
+                    </p:cTn>
+                  </p:par>
+                  <p:par>
+                    <p:cTn id="7" fill="hold">
+                      <p:stCondLst>
+                        <p:cond delay="indefinite"/>
+                      </p:stCondLst>
+                      <p:childTnLst>
+                        <p:par>
+                          <p:cTn id="8" fill="hold">
+                            <p:stCondLst>
+                              <p:cond delay="0"/>
+                            </p:stCondLst>
+                            <p:childTnLst>
+                              <p:par>
+                                <p:cTn id="9" presetID="1" presetClass="entr" presetSubtype="0" fill="hold" grpId="0" nodeType="clickEffect">
+                                  <p:stCondLst>
+                                    <p:cond delay="0"/>
+                                  </p:stCondLst>
+                                  <p:childTnLst>
+                                    <p:set>
+                                      <p:cBhvr>
+                                        <p:cTn id="10" dur="1" fill="hold">
+                                          <p:stCondLst>
+                                            <p:cond delay="0"/>
+                                          </p:stCondLst>
+                                        </p:cTn>
+                                        <p:tgtEl>
+                                          <p:spTgt spid="3">
+                                            <p:txEl>
+                                              <p:pRg st="1" end="1"/>
+                                            </p:txEl>
+                                          </p:spTgt>
+                                        </p:tgtEl>
+                                        <p:attrNameLst>
+                                          <p:attrName>style.visibility</p:attrName>
+                                        </p:attrNameLst>
+                                      </p:cBhvr>
+                                      <p:to>
+                                        <p:strVal val="visible"/>
+                                      </p:to>
+                                    </p:set>
+                                  </p:childTnLst>
+                                </p:cTn>
+                              </p:par>
+                            </p:childTnLst>
+                          </p:cTn>
+                        </p:par>
+                      </p:childTnLst>
+                    </p:cTn>
+                  </p:par>
+                  <p:par>
+                    <p:cTn id="11" fill="hold">
+                      <p:stCondLst>
+                        <p:cond delay="indefinite"/>
+                      </p:stCondLst>
+                      <p:childTnLst>
+                        <p:par>
+                          <p:cTn id="12" fill="hold">
+                            <p:stCondLst>
+                              <p:cond delay="0"/>
+                            </p:stCondLst>
+                            <p:childTnLst>
+                              <p:par>
+                                <p:cTn id="13" presetID="1" presetClass="entr" presetSubtype="0" fill="hold" grpId="0" nodeType="clickEffect">
+                                  <p:stCondLst>
+                                    <p:cond delay="0"/>
+                                  </p:stCondLst>
+                                  <p:childTnLst>
+                                    <p:set>
+                                      <p:cBhvr>
+                                        <p:cTn id="14" dur="1" fill="hold">
+                                          <p:stCondLst>
+                                            <p:cond delay="0"/>
+                                          </p:stCondLst>
+                                        </p:cTn>
+                                        <p:tgtEl>
+                                          <p:spTgt spid="3">
+                                            <p:txEl>
+                                              <p:pRg st="2" end="2"/>
+                                            </p:txEl>
+                                          </p:spTgt>
+                                        </p:tgtEl>
+                                        <p:attrNameLst>
+                                          <p:attrName>style.visibility</p:attrName>
+                                        </p:attrNameLst>
+                                      </p:cBhvr>
+                                      <p:to>
+                                        <p:strVal val="visible"/>
+                                      </p:to>
+                                    </p:set>
+                                  </p:childTnLst>
+                                </p:cTn>
+                              </p:par>
+                            </p:childTnLst>
+                          </p:cTn>
+                        </p:par>
+                      </p:childTnLst>
+                    </p:cTn>
+                  </p:par>
+                  <p:par>
+                    <p:cTn id="15" fill="hold">
+                      <p:stCondLst>
+                        <p:cond delay="indefinite"/>
+                      </p:stCondLst>
+                      <p:childTnLst>
+                        <p:par>
+                          <p:cTn id="16" fill="hold">
+                            <p:stCondLst>
+                              <p:cond delay="0"/>
+                            </p:stCondLst>
+                            <p:childTnLst>
+                              <p:par>
+                                <p:cTn id="17" presetID="1" presetClass="entr" presetSubtype="0" fill="hold" grpId="0" nodeType="clickEffect">
+                                  <p:stCondLst>
+                                    <p:cond delay="0"/>
+                                  </p:stCondLst>
+                                  <p:childTnLst>
+                                    <p:set>
+                                      <p:cBhvr>
+                                        <p:cTn id="18" dur="1" fill="hold">
+                                          <p:stCondLst>
+                                            <p:cond delay="0"/>
+                                          </p:stCondLst>
+                                        </p:cTn>
+                                        <p:tgtEl>
+                                          <p:spTgt spid="3">
+                                            <p:txEl>
+                                              <p:pRg st="3" end="3"/>
+                                            </p:txEl>
+                                          </p:spTgt>
+                                        </p:tgtEl>
+                                        <p:attrNameLst>
+                                          <p:attrName>style.visibility</p:attrName>
+                                        </p:attrNameLst>
+                                      </p:cBhvr>
+                                      <p:to>
+                                        <p:strVal val="visible"/>
+                                      </p:to>
+                                    </p:set>
+                                  </p:childTnLst>
+                                </p:cTn>
+                              </p:par>
+                            </p:childTnLst>
+                          </p:cTn>
+                        </p:par>
+                      </p:childTnLst>
+                    </p:cTn>
+                  </p:par>
+                </p:childTnLst>
+              </p:cTn>
+              <p:prevCondLst>
+                <p:cond evt="onPrev" delay="0">
+                  <p:tgtEl>
+                    <p:sldTgt/>
+                  </p:tgtEl>
+                </p:cond>
+              </p:prevCondLst>
+              <p:nextCondLst>
+                <p:cond evt="onNext" delay="0">
+                  <p:tgtEl>
+                    <p:sldTgt/>
+                  </p:tgtEl>
+                </p:cond>
+              </p:nextCondLst>
+            </p:seq>
+          </p:childTnLst>
+        </p:cTn>
+      </p:par>
+    </p:tnLst>
+    <p:bldLst>
+      <p:bldP spid="3" grpId="0" build="p"/>
+    </p:bldLst>
+  </p:timing>
+</p:sld>
+</file>
+
+<file path=ppt/slides/slide6.xml><?xml version="1.0" encoding="utf-8"?>
+<p:sld xmlns:a="http://schemas.openxmlformats.org/drawingml/2006/main" xmlns:r="http://schemas.openxmlformats.org/officeDocument/2006/relationships" xmlns:p="http://schemas.openxmlformats.org/presentationml/2006/main">
+  <p:cSld>
+    <p:spTree>
+      <p:nvGrpSpPr>
+        <p:cNvPr id="1" name=""/>
+        <p:cNvGrpSpPr/>
+        <p:nvPr/>
+      </p:nvGrpSpPr>
+      <p:grpSpPr>
+        <a:xfrm>
+          <a:off x="0" y="0"/>
+          <a:ext cx="0" cy="0"/>
+          <a:chOff x="0" y="0"/>
+          <a:chExt cx="0" cy="0"/>
+        </a:xfrm>
+      </p:grpSpPr>
+      <p:sp>
+        <p:nvSpPr>
+          <p:cNvPr id="2" name="Title 1"/>
+          <p:cNvSpPr>
+            <a:spLocks noGrp="1"/>
+          </p:cNvSpPr>
+          <p:nvPr>
+            <p:ph type="title"/>
+          </p:nvPr>
+        </p:nvSpPr>
+        <p:spPr>
+          <a:xfrm>
+            <a:off x="0" y="1"/>
+            <a:ext cx="10515600" cy="955964"/>
+          </a:xfrm>
+        </p:spPr>
+        <p:txBody>
+          <a:bodyPr/>
+          <a:lstStyle/>
+          <a:p>
+            <a:r>
+              <a:rPr lang="en-CA" dirty="0" smtClean="0"/>
+              <a:t>Intents</a:t>
+            </a:r>
+            <a:endParaRPr lang="en-CA" dirty="0"/>
+          </a:p>
+        </p:txBody>
+      </p:sp>
+      <p:sp>
+        <p:nvSpPr>
+          <p:cNvPr id="3" name="Content Placeholder 2"/>
+          <p:cNvSpPr>
+            <a:spLocks noGrp="1"/>
+          </p:cNvSpPr>
+          <p:nvPr>
+            <p:ph idx="1"/>
+          </p:nvPr>
+        </p:nvSpPr>
+        <p:spPr>
+          <a:xfrm>
+            <a:off x="0" y="955965"/>
+            <a:ext cx="12192000" cy="5721926"/>
+          </a:xfrm>
+        </p:spPr>
+        <p:txBody>
+          <a:bodyPr/>
+          <a:lstStyle/>
+          <a:p>
+            <a:r>
+              <a:rPr lang="en-CA" dirty="0" smtClean="0"/>
+              <a:t>An Intent is a messaging object you can use to request an action from another app component. There are 3 fundamental use cases:</a:t>
+            </a:r>
+          </a:p>
+          <a:p>
+            <a:pPr lvl="1"/>
+            <a:r>
+              <a:rPr lang="en-CA" b="1" dirty="0" smtClean="0"/>
+              <a:t>Starting an Activity </a:t>
+            </a:r>
+            <a:r>
+              <a:rPr lang="en-CA" dirty="0" smtClean="0"/>
+              <a:t>– pass an Intent to </a:t>
+            </a:r>
+            <a:r>
+              <a:rPr lang="en-CA" dirty="0" err="1" smtClean="0"/>
+              <a:t>startActivity</a:t>
+            </a:r>
+            <a:r>
+              <a:rPr lang="en-CA" dirty="0" smtClean="0"/>
+              <a:t>(), the Intent describes the activity to start and carries any necessary data, example: opening a settings screen.</a:t>
+            </a:r>
+          </a:p>
+          <a:p>
+            <a:pPr lvl="1"/>
+            <a:r>
+              <a:rPr lang="en-CA" b="1" dirty="0" smtClean="0"/>
+              <a:t>Starting a Service </a:t>
+            </a:r>
+            <a:r>
+              <a:rPr lang="en-CA" dirty="0" smtClean="0"/>
+              <a:t>– a Service is a component that performs background operations without any UI, example: </a:t>
+            </a:r>
+            <a:r>
+              <a:rPr lang="en-CA" dirty="0"/>
+              <a:t> </a:t>
+            </a:r>
+            <a:r>
+              <a:rPr lang="en-CA" dirty="0" smtClean="0"/>
+              <a:t>downloading data, querying location, music player, </a:t>
+            </a:r>
+            <a:r>
+              <a:rPr lang="en-CA" dirty="0"/>
+              <a:t>etc. </a:t>
+            </a:r>
+            <a:endParaRPr lang="en-CA" dirty="0" smtClean="0"/>
+          </a:p>
+          <a:p>
+            <a:pPr lvl="1"/>
+            <a:r>
+              <a:rPr lang="en-CA" b="1" dirty="0" smtClean="0"/>
+              <a:t>Delivering a Broadcast </a:t>
+            </a:r>
+            <a:r>
+              <a:rPr lang="en-CA" dirty="0" smtClean="0"/>
+              <a:t>– a Broadcast is a message any app can receive. The system delivers various broadcasts for system events, example: boot up, airplane mode, low battery, etc.</a:t>
+            </a:r>
+          </a:p>
+          <a:p>
+            <a:r>
+              <a:rPr lang="en-CA" dirty="0" smtClean="0"/>
+              <a:t>There are two types of Intent:</a:t>
+            </a:r>
+          </a:p>
+          <a:p>
+            <a:pPr lvl="1"/>
+            <a:r>
+              <a:rPr lang="en-CA" dirty="0" smtClean="0"/>
+              <a:t>1) </a:t>
+            </a:r>
+            <a:r>
+              <a:rPr lang="en-CA" b="1" dirty="0" smtClean="0"/>
+              <a:t>Explicit intents </a:t>
+            </a:r>
+            <a:r>
+              <a:rPr lang="en-CA" dirty="0" smtClean="0"/>
+              <a:t>– specify which application/component will satisfy the intent by supplying either the target app’s package name, or a fully-qualified component class name. Typically used to start a component in your own app.</a:t>
+            </a:r>
+          </a:p>
+          <a:p>
+            <a:pPr lvl="1"/>
+            <a:r>
+              <a:rPr lang="en-CA" dirty="0" smtClean="0"/>
+              <a:t>2) </a:t>
+            </a:r>
+            <a:r>
+              <a:rPr lang="en-CA" b="1" dirty="0" smtClean="0"/>
+              <a:t>Implicit intents </a:t>
+            </a:r>
+            <a:r>
+              <a:rPr lang="en-CA" dirty="0" smtClean="0"/>
+              <a:t>– do not name specific component, but instead declare a general action to perform, which allows a component from another app to handle it. Often results in app chooser popping up. </a:t>
+            </a:r>
+            <a:endParaRPr lang="en-CA" dirty="0"/>
+          </a:p>
+        </p:txBody>
+      </p:sp>
+    </p:spTree>
+    <p:extLst>
+      <p:ext uri="{BB962C8B-B14F-4D97-AF65-F5344CB8AC3E}">
+        <p14:creationId xmlns:p14="http://schemas.microsoft.com/office/powerpoint/2010/main" val="2979746988"/>
+      </p:ext>
+    </p:extLst>
+  </p:cSld>
+  <p:clrMapOvr>
+    <a:masterClrMapping/>
+  </p:clrMapOvr>
+  <p:timing>
+    <p:tnLst>
+      <p:par>
+        <p:cTn id="1" dur="indefinite" restart="never" nodeType="tmRoot">
+          <p:childTnLst>
+            <p:seq concurrent="1" nextAc="seek">
+              <p:cTn id="2" dur="indefinite" nodeType="mainSeq">
+                <p:childTnLst>
+                  <p:par>
+                    <p:cTn id="3" fill="hold">
+                      <p:stCondLst>
+                        <p:cond delay="indefinite"/>
+                      </p:stCondLst>
+                      <p:childTnLst>
+                        <p:par>
+                          <p:cTn id="4" fill="hold">
+                            <p:stCondLst>
+                              <p:cond delay="0"/>
+                            </p:stCondLst>
+                            <p:childTnLst>
+                              <p:par>
+                                <p:cTn id="5" presetID="1" presetClass="entr" presetSubtype="0" fill="hold" nodeType="clickEffect">
+                                  <p:stCondLst>
+                                    <p:cond delay="0"/>
+                                  </p:stCondLst>
+                                  <p:childTnLst>
+                                    <p:set>
+                                      <p:cBhvr>
+                                        <p:cTn id="6" dur="1" fill="hold">
+                                          <p:stCondLst>
+                                            <p:cond delay="0"/>
+                                          </p:stCondLst>
+                                        </p:cTn>
+                                        <p:tgtEl>
+                                          <p:spTgt spid="3">
+                                            <p:txEl>
+                                              <p:pRg st="0" end="0"/>
+                                            </p:txEl>
+                                          </p:spTgt>
+                                        </p:tgtEl>
+                                        <p:attrNameLst>
+                                          <p:attrName>style.visibility</p:attrName>
+                                        </p:attrNameLst>
+                                      </p:cBhvr>
+                                      <p:to>
+                                        <p:strVal val="visible"/>
+                                      </p:to>
+                                    </p:set>
+                                  </p:childTnLst>
+                                </p:cTn>
+                              </p:par>
+                            </p:childTnLst>
+                          </p:cTn>
+                        </p:par>
+                      </p:childTnLst>
+                    </p:cTn>
+                  </p:par>
+                  <p:par>
+                    <p:cTn id="7" fill="hold">
+                      <p:stCondLst>
+                        <p:cond delay="indefinite"/>
+                      </p:stCondLst>
+                      <p:childTnLst>
+                        <p:par>
+                          <p:cTn id="8" fill="hold">
+                            <p:stCondLst>
+                              <p:cond delay="0"/>
+                            </p:stCondLst>
+                            <p:childTnLst>
+                              <p:par>
+                                <p:cTn id="9" presetID="1" presetClass="entr" presetSubtype="0" fill="hold" nodeType="clickEffect">
+                                  <p:stCondLst>
+                                    <p:cond delay="0"/>
+                                  </p:stCondLst>
+                                  <p:childTnLst>
+                                    <p:set>
+                                      <p:cBhvr>
+                                        <p:cTn id="10" dur="1" fill="hold">
+                                          <p:stCondLst>
+                                            <p:cond delay="0"/>
+                                          </p:stCondLst>
+                                        </p:cTn>
+                                        <p:tgtEl>
+                                          <p:spTgt spid="3">
+                                            <p:txEl>
+                                              <p:pRg st="1" end="1"/>
+                                            </p:txEl>
+                                          </p:spTgt>
+                                        </p:tgtEl>
+                                        <p:attrNameLst>
+                                          <p:attrName>style.visibility</p:attrName>
+                                        </p:attrNameLst>
+                                      </p:cBhvr>
+                                      <p:to>
+                                        <p:strVal val="visible"/>
+                                      </p:to>
+                                    </p:set>
+                                  </p:childTnLst>
+                                </p:cTn>
+                              </p:par>
+                            </p:childTnLst>
+                          </p:cTn>
+                        </p:par>
+                      </p:childTnLst>
+                    </p:cTn>
+                  </p:par>
+                  <p:par>
+                    <p:cTn id="11" fill="hold">
+                      <p:stCondLst>
+                        <p:cond delay="indefinite"/>
+                      </p:stCondLst>
+                      <p:childTnLst>
+                        <p:par>
+                          <p:cTn id="12" fill="hold">
+                            <p:stCondLst>
+                              <p:cond delay="0"/>
+                            </p:stCondLst>
+                            <p:childTnLst>
+                              <p:par>
+                                <p:cTn id="13" presetID="1" presetClass="entr" presetSubtype="0" fill="hold" nodeType="clickEffect">
+                                  <p:stCondLst>
+                                    <p:cond delay="0"/>
+                                  </p:stCondLst>
+                                  <p:childTnLst>
+                                    <p:set>
+                                      <p:cBhvr>
+                                        <p:cTn id="14" dur="1" fill="hold">
+                                          <p:stCondLst>
+                                            <p:cond delay="0"/>
+                                          </p:stCondLst>
+                                        </p:cTn>
+                                        <p:tgtEl>
+                                          <p:spTgt spid="3">
+                                            <p:txEl>
+                                              <p:pRg st="2" end="2"/>
+                                            </p:txEl>
+                                          </p:spTgt>
+                                        </p:tgtEl>
+                                        <p:attrNameLst>
+                                          <p:attrName>style.visibility</p:attrName>
+                                        </p:attrNameLst>
+                                      </p:cBhvr>
+                                      <p:to>
+                                        <p:strVal val="visible"/>
+                                      </p:to>
+                                    </p:set>
+                                  </p:childTnLst>
+                                </p:cTn>
+                              </p:par>
+                            </p:childTnLst>
+                          </p:cTn>
+                        </p:par>
+                      </p:childTnLst>
+                    </p:cTn>
+                  </p:par>
+                  <p:par>
+                    <p:cTn id="15" fill="hold">
+                      <p:stCondLst>
+                        <p:cond delay="indefinite"/>
+                      </p:stCondLst>
+                      <p:childTnLst>
+                        <p:par>
+                          <p:cTn id="16" fill="hold">
+                            <p:stCondLst>
+                              <p:cond delay="0"/>
+                            </p:stCondLst>
+                            <p:childTnLst>
+                              <p:par>
+                                <p:cTn id="17" presetID="1" presetClass="entr" presetSubtype="0" fill="hold" nodeType="clickEffect">
+                                  <p:stCondLst>
+                                    <p:cond delay="0"/>
+                                  </p:stCondLst>
+                                  <p:childTnLst>
+                                    <p:set>
+                                      <p:cBhvr>
+                                        <p:cTn id="18" dur="1" fill="hold">
+                                          <p:stCondLst>
+                                            <p:cond delay="0"/>
+                                          </p:stCondLst>
+                                        </p:cTn>
+                                        <p:tgtEl>
+                                          <p:spTgt spid="3">
+                                            <p:txEl>
+                                              <p:pRg st="3" end="3"/>
+                                            </p:txEl>
+                                          </p:spTgt>
+                                        </p:tgtEl>
+                                        <p:attrNameLst>
+                                          <p:attrName>style.visibility</p:attrName>
+                                        </p:attrNameLst>
+                                      </p:cBhvr>
+                                      <p:to>
+                                        <p:strVal val="visible"/>
+                                      </p:to>
+                                    </p:set>
+                                  </p:childTnLst>
+                                </p:cTn>
+                              </p:par>
+                            </p:childTnLst>
+                          </p:cTn>
+                        </p:par>
+                      </p:childTnLst>
+                    </p:cTn>
+                  </p:par>
+                  <p:par>
+                    <p:cTn id="19" fill="hold">
+                      <p:stCondLst>
+                        <p:cond delay="indefinite"/>
+                      </p:stCondLst>
+                      <p:childTnLst>
+                        <p:par>
+                          <p:cTn id="20" fill="hold">
+                            <p:stCondLst>
+                              <p:cond delay="0"/>
+                            </p:stCondLst>
+                            <p:childTnLst>
+                              <p:par>
+                                <p:cTn id="21" presetID="1" presetClass="entr" presetSubtype="0" fill="hold" nodeType="clickEffect">
+                                  <p:stCondLst>
+                                    <p:cond delay="0"/>
+                                  </p:stCondLst>
+                                  <p:childTnLst>
+                                    <p:set>
+                                      <p:cBhvr>
+                                        <p:cTn id="22" dur="1" fill="hold">
+                                          <p:stCondLst>
+                                            <p:cond delay="0"/>
+                                          </p:stCondLst>
+                                        </p:cTn>
+                                        <p:tgtEl>
+                                          <p:spTgt spid="3">
+                                            <p:txEl>
+                                              <p:pRg st="4" end="4"/>
+                                            </p:txEl>
+                                          </p:spTgt>
+                                        </p:tgtEl>
+                                        <p:attrNameLst>
+                                          <p:attrName>style.visibility</p:attrName>
+                                        </p:attrNameLst>
+                                      </p:cBhvr>
+                                      <p:to>
+                                        <p:strVal val="visible"/>
+                                      </p:to>
+                                    </p:set>
+                                  </p:childTnLst>
+                                </p:cTn>
+                              </p:par>
+                            </p:childTnLst>
+                          </p:cTn>
+                        </p:par>
+                      </p:childTnLst>
+                    </p:cTn>
+                  </p:par>
+                  <p:par>
+                    <p:cTn id="23" fill="hold">
+                      <p:stCondLst>
+                        <p:cond delay="indefinite"/>
+                      </p:stCondLst>
+                      <p:childTnLst>
+                        <p:par>
+                          <p:cTn id="24" fill="hold">
+                            <p:stCondLst>
+                              <p:cond delay="0"/>
+                            </p:stCondLst>
+                            <p:childTnLst>
+                              <p:par>
+                                <p:cTn id="25" presetID="1" presetClass="entr" presetSubtype="0" fill="hold" nodeType="clickEffect">
+                                  <p:stCondLst>
+                                    <p:cond delay="0"/>
+                                  </p:stCondLst>
+                                  <p:childTnLst>
+                                    <p:set>
+                                      <p:cBhvr>
+                                        <p:cTn id="26" dur="1" fill="hold">
+                                          <p:stCondLst>
+                                            <p:cond delay="0"/>
+                                          </p:stCondLst>
+                                        </p:cTn>
+                                        <p:tgtEl>
+                                          <p:spTgt spid="3">
+                                            <p:txEl>
+                                              <p:pRg st="5" end="5"/>
+                                            </p:txEl>
+                                          </p:spTgt>
+                                        </p:tgtEl>
+                                        <p:attrNameLst>
+                                          <p:attrName>style.visibility</p:attrName>
+                                        </p:attrNameLst>
+                                      </p:cBhvr>
+                                      <p:to>
+                                        <p:strVal val="visible"/>
+                                      </p:to>
+                                    </p:set>
+                                  </p:childTnLst>
+                                </p:cTn>
+                              </p:par>
+                            </p:childTnLst>
+                          </p:cTn>
+                        </p:par>
+                      </p:childTnLst>
+                    </p:cTn>
+                  </p:par>
+                  <p:par>
+                    <p:cTn id="27" fill="hold">
+                      <p:stCondLst>
+                        <p:cond delay="indefinite"/>
+                      </p:stCondLst>
+                      <p:childTnLst>
+                        <p:par>
+                          <p:cTn id="28" fill="hold">
+                            <p:stCondLst>
+                              <p:cond delay="0"/>
+                            </p:stCondLst>
+                            <p:childTnLst>
+                              <p:par>
+                                <p:cTn id="29" presetID="1" presetClass="entr" presetSubtype="0" fill="hold" nodeType="clickEffect">
+                                  <p:stCondLst>
+                                    <p:cond delay="0"/>
+                                  </p:stCondLst>
+                                  <p:childTnLst>
+                                    <p:set>
+                                      <p:cBhvr>
+                                        <p:cTn id="30" dur="1" fill="hold">
+                                          <p:stCondLst>
+                                            <p:cond delay="0"/>
+                                          </p:stCondLst>
+                                        </p:cTn>
+                                        <p:tgtEl>
+                                          <p:spTgt spid="3">
+                                            <p:txEl>
+                                              <p:pRg st="6" end="6"/>
+                                            </p:txEl>
+                                          </p:spTgt>
+                                        </p:tgtEl>
+                                        <p:attrNameLst>
+                                          <p:attrName>style.visibility</p:attrName>
+                                        </p:attrNameLst>
+                                      </p:cBhvr>
+                                      <p:to>
+                                        <p:strVal val="visible"/>
+                                      </p:to>
+                                    </p:set>
+                                  </p:childTnLst>
+                                </p:cTn>
+                              </p:par>
+                            </p:childTnLst>
+                          </p:cTn>
+                        </p:par>
+                      </p:childTnLst>
+                    </p:cTn>
+                  </p:par>
+                </p:childTnLst>
+              </p:cTn>
+              <p:prevCondLst>
+                <p:cond evt="onPrev" delay="0">
+                  <p:tgtEl>
+                    <p:sldTgt/>
+                  </p:tgtEl>
+                </p:cond>
+              </p:prevCondLst>
+              <p:nextCondLst>
+                <p:cond evt="onNext" delay="0">
+                  <p:tgtEl>
+                    <p:sldTgt/>
+                  </p:tgtEl>
+                </p:cond>
+              </p:nextCondLst>
+            </p:seq>
+          </p:childTnLst>
+        </p:cTn>
       </p:par>
     </p:tnLst>
   </p:timing>
@@ -9649,19 +11707,14 @@
             <p:ph type="title"/>
           </p:nvPr>
         </p:nvSpPr>
-        <p:spPr>
-          <a:xfrm>
-            <a:off x="838200" y="365125"/>
-            <a:ext cx="11256818" cy="1325563"/>
-          </a:xfrm>
-        </p:spPr>
+        <p:spPr/>
         <p:txBody>
           <a:bodyPr/>
           <a:lstStyle/>
           <a:p>
             <a:r>
               <a:rPr lang="en-CA" dirty="0" smtClean="0"/>
-              <a:t>Lab 3: sending data between apps using Intent</a:t>
+              <a:t>App chooser:</a:t>
             </a:r>
             <a:endParaRPr lang="en-CA" dirty="0"/>
           </a:p>
@@ -9677,19 +11730,69 @@
             <p:ph idx="1"/>
           </p:nvPr>
         </p:nvSpPr>
-        <p:spPr/>
+        <p:spPr>
+          <a:xfrm>
+            <a:off x="838200" y="1825625"/>
+            <a:ext cx="4856018" cy="4351338"/>
+          </a:xfrm>
+        </p:spPr>
         <p:txBody>
           <a:bodyPr/>
           <a:lstStyle/>
           <a:p>
-            <a:endParaRPr lang="en-CA"/>
+            <a:r>
+              <a:rPr lang="en-CA" dirty="0" smtClean="0"/>
+              <a:t>Started with implicit intent to send some text data</a:t>
+            </a:r>
+            <a:endParaRPr lang="en-CA" dirty="0"/>
           </a:p>
         </p:txBody>
       </p:sp>
+      <p:pic>
+        <p:nvPicPr>
+          <p:cNvPr id="1026" name="Picture 2" descr="Image result for app chooser"/>
+          <p:cNvPicPr>
+            <a:picLocks noChangeAspect="1" noChangeArrowheads="1"/>
+          </p:cNvPicPr>
+          <p:nvPr/>
+        </p:nvPicPr>
+        <p:blipFill>
+          <a:blip r:embed="rId2">
+            <a:extLst>
+              <a:ext uri="{28A0092B-C50C-407E-A947-70E740481C1C}">
+                <a14:useLocalDpi xmlns:a14="http://schemas.microsoft.com/office/drawing/2010/main" val="0"/>
+              </a:ext>
+            </a:extLst>
+          </a:blip>
+          <a:srcRect/>
+          <a:stretch>
+            <a:fillRect/>
+          </a:stretch>
+        </p:blipFill>
+        <p:spPr bwMode="auto">
+          <a:xfrm>
+            <a:off x="7259782" y="0"/>
+            <a:ext cx="3338945" cy="6677890"/>
+          </a:xfrm>
+          <a:prstGeom prst="rect">
+            <a:avLst/>
+          </a:prstGeom>
+          <a:noFill/>
+          <a:extLst>
+            <a:ext uri="{909E8E84-426E-40DD-AFC4-6F175D3DCCD1}">
+              <a14:hiddenFill xmlns:a14="http://schemas.microsoft.com/office/drawing/2010/main">
+                <a:solidFill>
+                  <a:srgbClr val="FFFFFF"/>
+                </a:solidFill>
+              </a14:hiddenFill>
+            </a:ext>
+          </a:extLst>
+        </p:spPr>
+      </p:pic>
     </p:spTree>
     <p:extLst>
       <p:ext uri="{BB962C8B-B14F-4D97-AF65-F5344CB8AC3E}">
-        <p14:creationId xmlns:p14="http://schemas.microsoft.com/office/powerpoint/2010/main" val="2043434362"/>
+        <p14:creationId xmlns:p14="http://schemas.microsoft.com/office/powerpoint/2010/main" val="1538467981"/>
       </p:ext>
     </p:extLst>
   </p:cSld>
@@ -9702,6 +11805,1624 @@
         <p:cTn id="1" dur="indefinite" restart="never" nodeType="tmRoot"/>
       </p:par>
     </p:tnLst>
+  </p:timing>
+</p:sld>
+</file>
+
+<file path=ppt/slides/slide8.xml><?xml version="1.0" encoding="utf-8"?>
+<p:sld xmlns:a="http://schemas.openxmlformats.org/drawingml/2006/main" xmlns:r="http://schemas.openxmlformats.org/officeDocument/2006/relationships" xmlns:p="http://schemas.openxmlformats.org/presentationml/2006/main">
+  <p:cSld>
+    <p:spTree>
+      <p:nvGrpSpPr>
+        <p:cNvPr id="1" name=""/>
+        <p:cNvGrpSpPr/>
+        <p:nvPr/>
+      </p:nvGrpSpPr>
+      <p:grpSpPr>
+        <a:xfrm>
+          <a:off x="0" y="0"/>
+          <a:ext cx="0" cy="0"/>
+          <a:chOff x="0" y="0"/>
+          <a:chExt cx="0" cy="0"/>
+        </a:xfrm>
+      </p:grpSpPr>
+      <p:sp>
+        <p:nvSpPr>
+          <p:cNvPr id="2" name="Title 1"/>
+          <p:cNvSpPr>
+            <a:spLocks noGrp="1"/>
+          </p:cNvSpPr>
+          <p:nvPr>
+            <p:ph type="title"/>
+          </p:nvPr>
+        </p:nvSpPr>
+        <p:spPr/>
+        <p:txBody>
+          <a:bodyPr/>
+          <a:lstStyle/>
+          <a:p>
+            <a:r>
+              <a:rPr lang="en-CA" dirty="0" smtClean="0"/>
+              <a:t>Launcher Intent filter</a:t>
+            </a:r>
+            <a:endParaRPr lang="en-CA" dirty="0"/>
+          </a:p>
+        </p:txBody>
+      </p:sp>
+      <p:sp>
+        <p:nvSpPr>
+          <p:cNvPr id="4" name="Rectangle 1"/>
+          <p:cNvSpPr>
+            <a:spLocks noChangeArrowheads="1"/>
+          </p:cNvSpPr>
+          <p:nvPr/>
+        </p:nvSpPr>
+        <p:spPr bwMode="auto">
+          <a:xfrm>
+            <a:off x="332509" y="2531503"/>
+            <a:ext cx="8298873" cy="1708160"/>
+          </a:xfrm>
+          <a:prstGeom prst="rect">
+            <a:avLst/>
+          </a:prstGeom>
+          <a:solidFill>
+            <a:srgbClr val="FFFFFF"/>
+          </a:solidFill>
+          <a:ln>
+            <a:noFill/>
+          </a:ln>
+          <a:effectLst/>
+          <a:extLst>
+            <a:ext uri="{91240B29-F687-4F45-9708-019B960494DF}">
+              <a14:hiddenLine xmlns:a14="http://schemas.microsoft.com/office/drawing/2010/main" w="9525">
+                <a:solidFill>
+                  <a:schemeClr val="tx1"/>
+                </a:solidFill>
+                <a:miter lim="800000"/>
+                <a:headEnd/>
+                <a:tailEnd/>
+              </a14:hiddenLine>
+            </a:ext>
+            <a:ext uri="{AF507438-7753-43E0-B8FC-AC1667EBCBE1}">
+              <a14:hiddenEffects xmlns:a14="http://schemas.microsoft.com/office/drawing/2010/main">
+                <a:effectLst>
+                  <a:outerShdw dist="35921" dir="2700000" algn="ctr" rotWithShape="0">
+                    <a:schemeClr val="bg2"/>
+                  </a:outerShdw>
+                </a:effectLst>
+              </a14:hiddenEffects>
+            </a:ext>
+          </a:extLst>
+        </p:spPr>
+        <p:txBody>
+          <a:bodyPr vert="horz" wrap="square" lIns="91440" tIns="45720" rIns="91440" bIns="45720" numCol="1" anchor="ctr" anchorCtr="0" compatLnSpc="1">
+            <a:prstTxWarp prst="textNoShape">
+              <a:avLst/>
+            </a:prstTxWarp>
+            <a:spAutoFit/>
+          </a:bodyPr>
+          <a:lstStyle/>
+          <a:p>
+            <a:pPr marL="0" marR="0" lvl="0" indent="0" algn="l" defTabSz="914400" rtl="0" eaLnBrk="0" fontAlgn="base" latinLnBrk="0" hangingPunct="0">
+              <a:lnSpc>
+                <a:spcPct val="100000"/>
+              </a:lnSpc>
+              <a:spcBef>
+                <a:spcPct val="0"/>
+              </a:spcBef>
+              <a:spcAft>
+                <a:spcPct val="0"/>
+              </a:spcAft>
+              <a:buClrTx/>
+              <a:buSzTx/>
+              <a:buFontTx/>
+              <a:buNone/>
+              <a:tabLst/>
+            </a:pPr>
+            <a:r>
+              <a:rPr kumimoji="0" lang="en-US" altLang="en-US" sz="1500" b="0" i="0" u="none" strike="noStrike" cap="none" normalizeH="0" baseline="0" dirty="0" smtClean="0">
+                <a:ln>
+                  <a:noFill/>
+                </a:ln>
+                <a:solidFill>
+                  <a:srgbClr val="000000"/>
+                </a:solidFill>
+                <a:effectLst/>
+                <a:latin typeface="Courier New" panose="02070309020205020404" pitchFamily="49" charset="0"/>
+                <a:cs typeface="Courier New" panose="02070309020205020404" pitchFamily="49" charset="0"/>
+              </a:rPr>
+              <a:t>&lt;</a:t>
+            </a:r>
+            <a:r>
+              <a:rPr kumimoji="0" lang="en-US" altLang="en-US" sz="1500" b="1" i="0" u="none" strike="noStrike" cap="none" normalizeH="0" baseline="0" dirty="0" smtClean="0">
+                <a:ln>
+                  <a:noFill/>
+                </a:ln>
+                <a:solidFill>
+                  <a:srgbClr val="000080"/>
+                </a:solidFill>
+                <a:effectLst/>
+                <a:latin typeface="Courier New" panose="02070309020205020404" pitchFamily="49" charset="0"/>
+                <a:cs typeface="Courier New" panose="02070309020205020404" pitchFamily="49" charset="0"/>
+              </a:rPr>
+              <a:t>activity </a:t>
+            </a:r>
+            <a:r>
+              <a:rPr kumimoji="0" lang="en-US" altLang="en-US" sz="1500" b="1" i="0" u="none" strike="noStrike" cap="none" normalizeH="0" baseline="0" dirty="0" err="1" smtClean="0">
+                <a:ln>
+                  <a:noFill/>
+                </a:ln>
+                <a:solidFill>
+                  <a:srgbClr val="660E7A"/>
+                </a:solidFill>
+                <a:effectLst/>
+                <a:latin typeface="Courier New" panose="02070309020205020404" pitchFamily="49" charset="0"/>
+                <a:cs typeface="Courier New" panose="02070309020205020404" pitchFamily="49" charset="0"/>
+              </a:rPr>
+              <a:t>android</a:t>
+            </a:r>
+            <a:r>
+              <a:rPr kumimoji="0" lang="en-US" altLang="en-US" sz="1500" b="1" i="0" u="none" strike="noStrike" cap="none" normalizeH="0" baseline="0" dirty="0" err="1" smtClean="0">
+                <a:ln>
+                  <a:noFill/>
+                </a:ln>
+                <a:solidFill>
+                  <a:srgbClr val="0000FF"/>
+                </a:solidFill>
+                <a:effectLst/>
+                <a:latin typeface="Courier New" panose="02070309020205020404" pitchFamily="49" charset="0"/>
+                <a:cs typeface="Courier New" panose="02070309020205020404" pitchFamily="49" charset="0"/>
+              </a:rPr>
+              <a:t>:name</a:t>
+            </a:r>
+            <a:r>
+              <a:rPr kumimoji="0" lang="en-US" altLang="en-US" sz="1500" b="1" i="0" u="none" strike="noStrike" cap="none" normalizeH="0" baseline="0" dirty="0" smtClean="0">
+                <a:ln>
+                  <a:noFill/>
+                </a:ln>
+                <a:solidFill>
+                  <a:srgbClr val="008000"/>
+                </a:solidFill>
+                <a:effectLst/>
+                <a:latin typeface="Courier New" panose="02070309020205020404" pitchFamily="49" charset="0"/>
+                <a:cs typeface="Courier New" panose="02070309020205020404" pitchFamily="49" charset="0"/>
+              </a:rPr>
+              <a:t>=".</a:t>
+            </a:r>
+            <a:r>
+              <a:rPr kumimoji="0" lang="en-US" altLang="en-US" sz="1500" b="1" i="0" u="none" strike="noStrike" cap="none" normalizeH="0" baseline="0" dirty="0" err="1" smtClean="0">
+                <a:ln>
+                  <a:noFill/>
+                </a:ln>
+                <a:solidFill>
+                  <a:srgbClr val="008000"/>
+                </a:solidFill>
+                <a:effectLst/>
+                <a:latin typeface="Courier New" panose="02070309020205020404" pitchFamily="49" charset="0"/>
+                <a:cs typeface="Courier New" panose="02070309020205020404" pitchFamily="49" charset="0"/>
+              </a:rPr>
+              <a:t>MainActivity</a:t>
+            </a:r>
+            <a:r>
+              <a:rPr kumimoji="0" lang="en-US" altLang="en-US" sz="1500" b="1" i="0" u="none" strike="noStrike" cap="none" normalizeH="0" baseline="0" dirty="0" smtClean="0">
+                <a:ln>
+                  <a:noFill/>
+                </a:ln>
+                <a:solidFill>
+                  <a:srgbClr val="008000"/>
+                </a:solidFill>
+                <a:effectLst/>
+                <a:latin typeface="Courier New" panose="02070309020205020404" pitchFamily="49" charset="0"/>
+                <a:cs typeface="Courier New" panose="02070309020205020404" pitchFamily="49" charset="0"/>
+              </a:rPr>
+              <a:t>"</a:t>
+            </a:r>
+            <a:r>
+              <a:rPr kumimoji="0" lang="en-US" altLang="en-US" sz="1500" b="0" i="0" u="none" strike="noStrike" cap="none" normalizeH="0" baseline="0" dirty="0" smtClean="0">
+                <a:ln>
+                  <a:noFill/>
+                </a:ln>
+                <a:solidFill>
+                  <a:srgbClr val="000000"/>
+                </a:solidFill>
+                <a:effectLst/>
+                <a:latin typeface="Courier New" panose="02070309020205020404" pitchFamily="49" charset="0"/>
+                <a:cs typeface="Courier New" panose="02070309020205020404" pitchFamily="49" charset="0"/>
+              </a:rPr>
+              <a:t>&gt;</a:t>
+            </a:r>
+            <a:br>
+              <a:rPr kumimoji="0" lang="en-US" altLang="en-US" sz="1500" b="0" i="0" u="none" strike="noStrike" cap="none" normalizeH="0" baseline="0" dirty="0" smtClean="0">
+                <a:ln>
+                  <a:noFill/>
+                </a:ln>
+                <a:solidFill>
+                  <a:srgbClr val="000000"/>
+                </a:solidFill>
+                <a:effectLst/>
+                <a:latin typeface="Courier New" panose="02070309020205020404" pitchFamily="49" charset="0"/>
+                <a:cs typeface="Courier New" panose="02070309020205020404" pitchFamily="49" charset="0"/>
+              </a:rPr>
+            </a:br>
+            <a:r>
+              <a:rPr kumimoji="0" lang="en-US" altLang="en-US" sz="1500" b="0" i="0" u="none" strike="noStrike" cap="none" normalizeH="0" baseline="0" dirty="0" smtClean="0">
+                <a:ln>
+                  <a:noFill/>
+                </a:ln>
+                <a:solidFill>
+                  <a:srgbClr val="000000"/>
+                </a:solidFill>
+                <a:effectLst/>
+                <a:latin typeface="Courier New" panose="02070309020205020404" pitchFamily="49" charset="0"/>
+                <a:cs typeface="Courier New" panose="02070309020205020404" pitchFamily="49" charset="0"/>
+              </a:rPr>
+              <a:t>    &lt;</a:t>
+            </a:r>
+            <a:r>
+              <a:rPr kumimoji="0" lang="en-US" altLang="en-US" sz="1500" b="1" i="0" u="none" strike="noStrike" cap="none" normalizeH="0" baseline="0" dirty="0" smtClean="0">
+                <a:ln>
+                  <a:noFill/>
+                </a:ln>
+                <a:solidFill>
+                  <a:srgbClr val="000080"/>
+                </a:solidFill>
+                <a:effectLst/>
+                <a:latin typeface="Courier New" panose="02070309020205020404" pitchFamily="49" charset="0"/>
+                <a:cs typeface="Courier New" panose="02070309020205020404" pitchFamily="49" charset="0"/>
+              </a:rPr>
+              <a:t>intent-filter</a:t>
+            </a:r>
+            <a:r>
+              <a:rPr kumimoji="0" lang="en-US" altLang="en-US" sz="1500" b="0" i="0" u="none" strike="noStrike" cap="none" normalizeH="0" baseline="0" dirty="0" smtClean="0">
+                <a:ln>
+                  <a:noFill/>
+                </a:ln>
+                <a:solidFill>
+                  <a:srgbClr val="000000"/>
+                </a:solidFill>
+                <a:effectLst/>
+                <a:latin typeface="Courier New" panose="02070309020205020404" pitchFamily="49" charset="0"/>
+                <a:cs typeface="Courier New" panose="02070309020205020404" pitchFamily="49" charset="0"/>
+              </a:rPr>
+              <a:t>&gt;</a:t>
+            </a:r>
+            <a:br>
+              <a:rPr kumimoji="0" lang="en-US" altLang="en-US" sz="1500" b="0" i="0" u="none" strike="noStrike" cap="none" normalizeH="0" baseline="0" dirty="0" smtClean="0">
+                <a:ln>
+                  <a:noFill/>
+                </a:ln>
+                <a:solidFill>
+                  <a:srgbClr val="000000"/>
+                </a:solidFill>
+                <a:effectLst/>
+                <a:latin typeface="Courier New" panose="02070309020205020404" pitchFamily="49" charset="0"/>
+                <a:cs typeface="Courier New" panose="02070309020205020404" pitchFamily="49" charset="0"/>
+              </a:rPr>
+            </a:br>
+            <a:r>
+              <a:rPr kumimoji="0" lang="en-US" altLang="en-US" sz="1500" b="0" i="0" u="none" strike="noStrike" cap="none" normalizeH="0" baseline="0" dirty="0" smtClean="0">
+                <a:ln>
+                  <a:noFill/>
+                </a:ln>
+                <a:solidFill>
+                  <a:srgbClr val="000000"/>
+                </a:solidFill>
+                <a:effectLst/>
+                <a:latin typeface="Courier New" panose="02070309020205020404" pitchFamily="49" charset="0"/>
+                <a:cs typeface="Courier New" panose="02070309020205020404" pitchFamily="49" charset="0"/>
+              </a:rPr>
+              <a:t>        &lt;</a:t>
+            </a:r>
+            <a:r>
+              <a:rPr kumimoji="0" lang="en-US" altLang="en-US" sz="1500" b="1" i="0" u="none" strike="noStrike" cap="none" normalizeH="0" baseline="0" dirty="0" smtClean="0">
+                <a:ln>
+                  <a:noFill/>
+                </a:ln>
+                <a:solidFill>
+                  <a:srgbClr val="000080"/>
+                </a:solidFill>
+                <a:effectLst/>
+                <a:latin typeface="Courier New" panose="02070309020205020404" pitchFamily="49" charset="0"/>
+                <a:cs typeface="Courier New" panose="02070309020205020404" pitchFamily="49" charset="0"/>
+              </a:rPr>
+              <a:t>action </a:t>
+            </a:r>
+            <a:r>
+              <a:rPr kumimoji="0" lang="en-US" altLang="en-US" sz="1500" b="1" i="0" u="none" strike="noStrike" cap="none" normalizeH="0" baseline="0" dirty="0" err="1" smtClean="0">
+                <a:ln>
+                  <a:noFill/>
+                </a:ln>
+                <a:solidFill>
+                  <a:srgbClr val="660E7A"/>
+                </a:solidFill>
+                <a:effectLst/>
+                <a:latin typeface="Courier New" panose="02070309020205020404" pitchFamily="49" charset="0"/>
+                <a:cs typeface="Courier New" panose="02070309020205020404" pitchFamily="49" charset="0"/>
+              </a:rPr>
+              <a:t>android</a:t>
+            </a:r>
+            <a:r>
+              <a:rPr kumimoji="0" lang="en-US" altLang="en-US" sz="1500" b="1" i="0" u="none" strike="noStrike" cap="none" normalizeH="0" baseline="0" dirty="0" err="1" smtClean="0">
+                <a:ln>
+                  <a:noFill/>
+                </a:ln>
+                <a:solidFill>
+                  <a:srgbClr val="0000FF"/>
+                </a:solidFill>
+                <a:effectLst/>
+                <a:latin typeface="Courier New" panose="02070309020205020404" pitchFamily="49" charset="0"/>
+                <a:cs typeface="Courier New" panose="02070309020205020404" pitchFamily="49" charset="0"/>
+              </a:rPr>
+              <a:t>:name</a:t>
+            </a:r>
+            <a:r>
+              <a:rPr kumimoji="0" lang="en-US" altLang="en-US" sz="1500" b="1" i="0" u="none" strike="noStrike" cap="none" normalizeH="0" baseline="0" dirty="0" smtClean="0">
+                <a:ln>
+                  <a:noFill/>
+                </a:ln>
+                <a:solidFill>
+                  <a:srgbClr val="008000"/>
+                </a:solidFill>
+                <a:effectLst/>
+                <a:latin typeface="Courier New" panose="02070309020205020404" pitchFamily="49" charset="0"/>
+                <a:cs typeface="Courier New" panose="02070309020205020404" pitchFamily="49" charset="0"/>
+              </a:rPr>
+              <a:t>="</a:t>
+            </a:r>
+            <a:r>
+              <a:rPr kumimoji="0" lang="en-US" altLang="en-US" sz="1500" b="1" i="0" u="none" strike="noStrike" cap="none" normalizeH="0" baseline="0" dirty="0" err="1" smtClean="0">
+                <a:ln>
+                  <a:noFill/>
+                </a:ln>
+                <a:solidFill>
+                  <a:srgbClr val="008000"/>
+                </a:solidFill>
+                <a:effectLst/>
+                <a:latin typeface="Courier New" panose="02070309020205020404" pitchFamily="49" charset="0"/>
+                <a:cs typeface="Courier New" panose="02070309020205020404" pitchFamily="49" charset="0"/>
+              </a:rPr>
+              <a:t>android.intent.action.MAIN</a:t>
+            </a:r>
+            <a:r>
+              <a:rPr kumimoji="0" lang="en-US" altLang="en-US" sz="1500" b="1" i="0" u="none" strike="noStrike" cap="none" normalizeH="0" baseline="0" dirty="0" smtClean="0">
+                <a:ln>
+                  <a:noFill/>
+                </a:ln>
+                <a:solidFill>
+                  <a:srgbClr val="008000"/>
+                </a:solidFill>
+                <a:effectLst/>
+                <a:latin typeface="Courier New" panose="02070309020205020404" pitchFamily="49" charset="0"/>
+                <a:cs typeface="Courier New" panose="02070309020205020404" pitchFamily="49" charset="0"/>
+              </a:rPr>
+              <a:t>" </a:t>
+            </a:r>
+            <a:r>
+              <a:rPr kumimoji="0" lang="en-US" altLang="en-US" sz="1500" b="0" i="0" u="none" strike="noStrike" cap="none" normalizeH="0" baseline="0" dirty="0" smtClean="0">
+                <a:ln>
+                  <a:noFill/>
+                </a:ln>
+                <a:solidFill>
+                  <a:srgbClr val="000000"/>
+                </a:solidFill>
+                <a:effectLst/>
+                <a:latin typeface="Courier New" panose="02070309020205020404" pitchFamily="49" charset="0"/>
+                <a:cs typeface="Courier New" panose="02070309020205020404" pitchFamily="49" charset="0"/>
+              </a:rPr>
+              <a:t>/&gt;</a:t>
+            </a:r>
+            <a:br>
+              <a:rPr kumimoji="0" lang="en-US" altLang="en-US" sz="1500" b="0" i="0" u="none" strike="noStrike" cap="none" normalizeH="0" baseline="0" dirty="0" smtClean="0">
+                <a:ln>
+                  <a:noFill/>
+                </a:ln>
+                <a:solidFill>
+                  <a:srgbClr val="000000"/>
+                </a:solidFill>
+                <a:effectLst/>
+                <a:latin typeface="Courier New" panose="02070309020205020404" pitchFamily="49" charset="0"/>
+                <a:cs typeface="Courier New" panose="02070309020205020404" pitchFamily="49" charset="0"/>
+              </a:rPr>
+            </a:br>
+            <a:r>
+              <a:rPr kumimoji="0" lang="en-US" altLang="en-US" sz="1500" b="0" i="0" u="none" strike="noStrike" cap="none" normalizeH="0" baseline="0" dirty="0" smtClean="0">
+                <a:ln>
+                  <a:noFill/>
+                </a:ln>
+                <a:solidFill>
+                  <a:srgbClr val="000000"/>
+                </a:solidFill>
+                <a:effectLst/>
+                <a:latin typeface="Courier New" panose="02070309020205020404" pitchFamily="49" charset="0"/>
+                <a:cs typeface="Courier New" panose="02070309020205020404" pitchFamily="49" charset="0"/>
+              </a:rPr>
+              <a:t/>
+            </a:r>
+            <a:br>
+              <a:rPr kumimoji="0" lang="en-US" altLang="en-US" sz="1500" b="0" i="0" u="none" strike="noStrike" cap="none" normalizeH="0" baseline="0" dirty="0" smtClean="0">
+                <a:ln>
+                  <a:noFill/>
+                </a:ln>
+                <a:solidFill>
+                  <a:srgbClr val="000000"/>
+                </a:solidFill>
+                <a:effectLst/>
+                <a:latin typeface="Courier New" panose="02070309020205020404" pitchFamily="49" charset="0"/>
+                <a:cs typeface="Courier New" panose="02070309020205020404" pitchFamily="49" charset="0"/>
+              </a:rPr>
+            </a:br>
+            <a:r>
+              <a:rPr kumimoji="0" lang="en-US" altLang="en-US" sz="1500" b="0" i="0" u="none" strike="noStrike" cap="none" normalizeH="0" baseline="0" dirty="0" smtClean="0">
+                <a:ln>
+                  <a:noFill/>
+                </a:ln>
+                <a:solidFill>
+                  <a:srgbClr val="000000"/>
+                </a:solidFill>
+                <a:effectLst/>
+                <a:latin typeface="Courier New" panose="02070309020205020404" pitchFamily="49" charset="0"/>
+                <a:cs typeface="Courier New" panose="02070309020205020404" pitchFamily="49" charset="0"/>
+              </a:rPr>
+              <a:t>        &lt;</a:t>
+            </a:r>
+            <a:r>
+              <a:rPr kumimoji="0" lang="en-US" altLang="en-US" sz="1500" b="1" i="0" u="none" strike="noStrike" cap="none" normalizeH="0" baseline="0" dirty="0" smtClean="0">
+                <a:ln>
+                  <a:noFill/>
+                </a:ln>
+                <a:solidFill>
+                  <a:srgbClr val="000080"/>
+                </a:solidFill>
+                <a:effectLst/>
+                <a:latin typeface="Courier New" panose="02070309020205020404" pitchFamily="49" charset="0"/>
+                <a:cs typeface="Courier New" panose="02070309020205020404" pitchFamily="49" charset="0"/>
+              </a:rPr>
+              <a:t>category </a:t>
+            </a:r>
+            <a:r>
+              <a:rPr kumimoji="0" lang="en-US" altLang="en-US" sz="1500" b="1" i="0" u="none" strike="noStrike" cap="none" normalizeH="0" baseline="0" dirty="0" err="1" smtClean="0">
+                <a:ln>
+                  <a:noFill/>
+                </a:ln>
+                <a:solidFill>
+                  <a:srgbClr val="660E7A"/>
+                </a:solidFill>
+                <a:effectLst/>
+                <a:latin typeface="Courier New" panose="02070309020205020404" pitchFamily="49" charset="0"/>
+                <a:cs typeface="Courier New" panose="02070309020205020404" pitchFamily="49" charset="0"/>
+              </a:rPr>
+              <a:t>android</a:t>
+            </a:r>
+            <a:r>
+              <a:rPr kumimoji="0" lang="en-US" altLang="en-US" sz="1500" b="1" i="0" u="none" strike="noStrike" cap="none" normalizeH="0" baseline="0" dirty="0" err="1" smtClean="0">
+                <a:ln>
+                  <a:noFill/>
+                </a:ln>
+                <a:solidFill>
+                  <a:srgbClr val="0000FF"/>
+                </a:solidFill>
+                <a:effectLst/>
+                <a:latin typeface="Courier New" panose="02070309020205020404" pitchFamily="49" charset="0"/>
+                <a:cs typeface="Courier New" panose="02070309020205020404" pitchFamily="49" charset="0"/>
+              </a:rPr>
+              <a:t>:name</a:t>
+            </a:r>
+            <a:r>
+              <a:rPr kumimoji="0" lang="en-US" altLang="en-US" sz="1500" b="1" i="0" u="none" strike="noStrike" cap="none" normalizeH="0" baseline="0" dirty="0" smtClean="0">
+                <a:ln>
+                  <a:noFill/>
+                </a:ln>
+                <a:solidFill>
+                  <a:srgbClr val="008000"/>
+                </a:solidFill>
+                <a:effectLst/>
+                <a:latin typeface="Courier New" panose="02070309020205020404" pitchFamily="49" charset="0"/>
+                <a:cs typeface="Courier New" panose="02070309020205020404" pitchFamily="49" charset="0"/>
+              </a:rPr>
+              <a:t>="</a:t>
+            </a:r>
+            <a:r>
+              <a:rPr kumimoji="0" lang="en-US" altLang="en-US" sz="1500" b="1" i="0" u="none" strike="noStrike" cap="none" normalizeH="0" baseline="0" dirty="0" err="1" smtClean="0">
+                <a:ln>
+                  <a:noFill/>
+                </a:ln>
+                <a:solidFill>
+                  <a:srgbClr val="008000"/>
+                </a:solidFill>
+                <a:effectLst/>
+                <a:latin typeface="Courier New" panose="02070309020205020404" pitchFamily="49" charset="0"/>
+                <a:cs typeface="Courier New" panose="02070309020205020404" pitchFamily="49" charset="0"/>
+              </a:rPr>
+              <a:t>android.intent.category.LAUNCHER</a:t>
+            </a:r>
+            <a:r>
+              <a:rPr kumimoji="0" lang="en-US" altLang="en-US" sz="1500" b="1" i="0" u="none" strike="noStrike" cap="none" normalizeH="0" baseline="0" dirty="0" smtClean="0">
+                <a:ln>
+                  <a:noFill/>
+                </a:ln>
+                <a:solidFill>
+                  <a:srgbClr val="008000"/>
+                </a:solidFill>
+                <a:effectLst/>
+                <a:latin typeface="Courier New" panose="02070309020205020404" pitchFamily="49" charset="0"/>
+                <a:cs typeface="Courier New" panose="02070309020205020404" pitchFamily="49" charset="0"/>
+              </a:rPr>
+              <a:t>" </a:t>
+            </a:r>
+            <a:r>
+              <a:rPr kumimoji="0" lang="en-US" altLang="en-US" sz="1500" b="0" i="0" u="none" strike="noStrike" cap="none" normalizeH="0" baseline="0" dirty="0" smtClean="0">
+                <a:ln>
+                  <a:noFill/>
+                </a:ln>
+                <a:solidFill>
+                  <a:srgbClr val="000000"/>
+                </a:solidFill>
+                <a:effectLst/>
+                <a:latin typeface="Courier New" panose="02070309020205020404" pitchFamily="49" charset="0"/>
+                <a:cs typeface="Courier New" panose="02070309020205020404" pitchFamily="49" charset="0"/>
+              </a:rPr>
+              <a:t>/&gt;</a:t>
+            </a:r>
+            <a:br>
+              <a:rPr kumimoji="0" lang="en-US" altLang="en-US" sz="1500" b="0" i="0" u="none" strike="noStrike" cap="none" normalizeH="0" baseline="0" dirty="0" smtClean="0">
+                <a:ln>
+                  <a:noFill/>
+                </a:ln>
+                <a:solidFill>
+                  <a:srgbClr val="000000"/>
+                </a:solidFill>
+                <a:effectLst/>
+                <a:latin typeface="Courier New" panose="02070309020205020404" pitchFamily="49" charset="0"/>
+                <a:cs typeface="Courier New" panose="02070309020205020404" pitchFamily="49" charset="0"/>
+              </a:rPr>
+            </a:br>
+            <a:r>
+              <a:rPr kumimoji="0" lang="en-US" altLang="en-US" sz="1500" b="0" i="0" u="none" strike="noStrike" cap="none" normalizeH="0" baseline="0" dirty="0" smtClean="0">
+                <a:ln>
+                  <a:noFill/>
+                </a:ln>
+                <a:solidFill>
+                  <a:srgbClr val="000000"/>
+                </a:solidFill>
+                <a:effectLst/>
+                <a:latin typeface="Courier New" panose="02070309020205020404" pitchFamily="49" charset="0"/>
+                <a:cs typeface="Courier New" panose="02070309020205020404" pitchFamily="49" charset="0"/>
+              </a:rPr>
+              <a:t>    &lt;/</a:t>
+            </a:r>
+            <a:r>
+              <a:rPr kumimoji="0" lang="en-US" altLang="en-US" sz="1500" b="1" i="0" u="none" strike="noStrike" cap="none" normalizeH="0" baseline="0" dirty="0" smtClean="0">
+                <a:ln>
+                  <a:noFill/>
+                </a:ln>
+                <a:solidFill>
+                  <a:srgbClr val="000080"/>
+                </a:solidFill>
+                <a:effectLst/>
+                <a:latin typeface="Courier New" panose="02070309020205020404" pitchFamily="49" charset="0"/>
+                <a:cs typeface="Courier New" panose="02070309020205020404" pitchFamily="49" charset="0"/>
+              </a:rPr>
+              <a:t>intent-filter</a:t>
+            </a:r>
+            <a:r>
+              <a:rPr kumimoji="0" lang="en-US" altLang="en-US" sz="1500" b="0" i="0" u="none" strike="noStrike" cap="none" normalizeH="0" baseline="0" dirty="0" smtClean="0">
+                <a:ln>
+                  <a:noFill/>
+                </a:ln>
+                <a:solidFill>
+                  <a:srgbClr val="000000"/>
+                </a:solidFill>
+                <a:effectLst/>
+                <a:latin typeface="Courier New" panose="02070309020205020404" pitchFamily="49" charset="0"/>
+                <a:cs typeface="Courier New" panose="02070309020205020404" pitchFamily="49" charset="0"/>
+              </a:rPr>
+              <a:t>&gt;</a:t>
+            </a:r>
+            <a:br>
+              <a:rPr kumimoji="0" lang="en-US" altLang="en-US" sz="1500" b="0" i="0" u="none" strike="noStrike" cap="none" normalizeH="0" baseline="0" dirty="0" smtClean="0">
+                <a:ln>
+                  <a:noFill/>
+                </a:ln>
+                <a:solidFill>
+                  <a:srgbClr val="000000"/>
+                </a:solidFill>
+                <a:effectLst/>
+                <a:latin typeface="Courier New" panose="02070309020205020404" pitchFamily="49" charset="0"/>
+                <a:cs typeface="Courier New" panose="02070309020205020404" pitchFamily="49" charset="0"/>
+              </a:rPr>
+            </a:br>
+            <a:r>
+              <a:rPr kumimoji="0" lang="en-US" altLang="en-US" sz="1500" b="0" i="0" u="none" strike="noStrike" cap="none" normalizeH="0" baseline="0" dirty="0" smtClean="0">
+                <a:ln>
+                  <a:noFill/>
+                </a:ln>
+                <a:solidFill>
+                  <a:srgbClr val="000000"/>
+                </a:solidFill>
+                <a:effectLst/>
+                <a:latin typeface="Courier New" panose="02070309020205020404" pitchFamily="49" charset="0"/>
+                <a:cs typeface="Courier New" panose="02070309020205020404" pitchFamily="49" charset="0"/>
+              </a:rPr>
+              <a:t>&lt;/</a:t>
+            </a:r>
+            <a:r>
+              <a:rPr kumimoji="0" lang="en-US" altLang="en-US" sz="1500" b="1" i="0" u="none" strike="noStrike" cap="none" normalizeH="0" baseline="0" dirty="0" smtClean="0">
+                <a:ln>
+                  <a:noFill/>
+                </a:ln>
+                <a:solidFill>
+                  <a:srgbClr val="000080"/>
+                </a:solidFill>
+                <a:effectLst/>
+                <a:latin typeface="Courier New" panose="02070309020205020404" pitchFamily="49" charset="0"/>
+                <a:cs typeface="Courier New" panose="02070309020205020404" pitchFamily="49" charset="0"/>
+              </a:rPr>
+              <a:t>activity</a:t>
+            </a:r>
+            <a:r>
+              <a:rPr kumimoji="0" lang="en-US" altLang="en-US" sz="1500" b="0" i="0" u="none" strike="noStrike" cap="none" normalizeH="0" baseline="0" dirty="0" smtClean="0">
+                <a:ln>
+                  <a:noFill/>
+                </a:ln>
+                <a:solidFill>
+                  <a:srgbClr val="000000"/>
+                </a:solidFill>
+                <a:effectLst/>
+                <a:latin typeface="Courier New" panose="02070309020205020404" pitchFamily="49" charset="0"/>
+                <a:cs typeface="Courier New" panose="02070309020205020404" pitchFamily="49" charset="0"/>
+              </a:rPr>
+              <a:t>&gt;</a:t>
+            </a:r>
+            <a:endParaRPr kumimoji="0" lang="en-US" altLang="en-US" sz="1500" b="0" i="0" u="none" strike="noStrike" cap="none" normalizeH="0" baseline="0" dirty="0" smtClean="0">
+              <a:ln>
+                <a:noFill/>
+              </a:ln>
+              <a:solidFill>
+                <a:schemeClr val="tx1"/>
+              </a:solidFill>
+              <a:effectLst/>
+              <a:latin typeface="Arial" panose="020B0604020202020204" pitchFamily="34" charset="0"/>
+            </a:endParaRPr>
+          </a:p>
+        </p:txBody>
+      </p:sp>
+      <p:sp>
+        <p:nvSpPr>
+          <p:cNvPr id="5" name="TextBox 4"/>
+          <p:cNvSpPr txBox="1"/>
+          <p:nvPr/>
+        </p:nvSpPr>
+        <p:spPr>
+          <a:xfrm>
+            <a:off x="332509" y="1817286"/>
+            <a:ext cx="5680364" cy="477054"/>
+          </a:xfrm>
+          <a:prstGeom prst="rect">
+            <a:avLst/>
+          </a:prstGeom>
+          <a:noFill/>
+        </p:spPr>
+        <p:txBody>
+          <a:bodyPr wrap="square" rtlCol="0">
+            <a:spAutoFit/>
+          </a:bodyPr>
+          <a:lstStyle/>
+          <a:p>
+            <a:r>
+              <a:rPr lang="en-CA" sz="2500" b="1" dirty="0" smtClean="0"/>
+              <a:t>In the manifest:</a:t>
+            </a:r>
+            <a:endParaRPr lang="en-CA" sz="2500" b="1" dirty="0"/>
+          </a:p>
+        </p:txBody>
+      </p:sp>
+      <p:pic>
+        <p:nvPicPr>
+          <p:cNvPr id="2051" name="Picture 3" descr="Image result for android home screen menu"/>
+          <p:cNvPicPr>
+            <a:picLocks noChangeAspect="1" noChangeArrowheads="1"/>
+          </p:cNvPicPr>
+          <p:nvPr/>
+        </p:nvPicPr>
+        <p:blipFill>
+          <a:blip r:embed="rId2" cstate="print">
+            <a:extLst>
+              <a:ext uri="{28A0092B-C50C-407E-A947-70E740481C1C}">
+                <a14:useLocalDpi xmlns:a14="http://schemas.microsoft.com/office/drawing/2010/main" val="0"/>
+              </a:ext>
+            </a:extLst>
+          </a:blip>
+          <a:srcRect/>
+          <a:stretch>
+            <a:fillRect/>
+          </a:stretch>
+        </p:blipFill>
+        <p:spPr bwMode="auto">
+          <a:xfrm>
+            <a:off x="8442776" y="197593"/>
+            <a:ext cx="3652241" cy="6492875"/>
+          </a:xfrm>
+          <a:prstGeom prst="rect">
+            <a:avLst/>
+          </a:prstGeom>
+          <a:noFill/>
+          <a:extLst>
+            <a:ext uri="{909E8E84-426E-40DD-AFC4-6F175D3DCCD1}">
+              <a14:hiddenFill xmlns:a14="http://schemas.microsoft.com/office/drawing/2010/main">
+                <a:solidFill>
+                  <a:srgbClr val="FFFFFF"/>
+                </a:solidFill>
+              </a14:hiddenFill>
+            </a:ext>
+          </a:extLst>
+        </p:spPr>
+      </p:pic>
+      <p:sp>
+        <p:nvSpPr>
+          <p:cNvPr id="7" name="TextBox 6"/>
+          <p:cNvSpPr txBox="1"/>
+          <p:nvPr/>
+        </p:nvSpPr>
+        <p:spPr>
+          <a:xfrm>
+            <a:off x="2654012" y="4105145"/>
+            <a:ext cx="5680364" cy="2585323"/>
+          </a:xfrm>
+          <a:prstGeom prst="rect">
+            <a:avLst/>
+          </a:prstGeom>
+          <a:noFill/>
+        </p:spPr>
+        <p:txBody>
+          <a:bodyPr wrap="square" rtlCol="0">
+            <a:spAutoFit/>
+          </a:bodyPr>
+          <a:lstStyle/>
+          <a:p>
+            <a:r>
+              <a:rPr lang="en-CA" dirty="0" smtClean="0"/>
+              <a:t>Home app populates the app launcher by finding all activities with intent filters that specify the ACTION_MAIN action and CATEGORY_LAUNCHER category. A match is only successful if the actions and categories in the intent match against the filter.</a:t>
+            </a:r>
+          </a:p>
+          <a:p>
+            <a:endParaRPr lang="en-CA" dirty="0"/>
+          </a:p>
+          <a:p>
+            <a:r>
+              <a:rPr lang="en-CA" dirty="0" smtClean="0"/>
+              <a:t>If your app does not define this intent filter in the manifest, it will not show up in launcher menu, and it will not be searchable from the Google Play Store.</a:t>
+            </a:r>
+          </a:p>
+        </p:txBody>
+      </p:sp>
+    </p:spTree>
+    <p:extLst>
+      <p:ext uri="{BB962C8B-B14F-4D97-AF65-F5344CB8AC3E}">
+        <p14:creationId xmlns:p14="http://schemas.microsoft.com/office/powerpoint/2010/main" val="1967823454"/>
+      </p:ext>
+    </p:extLst>
+  </p:cSld>
+  <p:clrMapOvr>
+    <a:masterClrMapping/>
+  </p:clrMapOvr>
+  <p:timing>
+    <p:tnLst>
+      <p:par>
+        <p:cTn id="1" dur="indefinite" restart="never" nodeType="tmRoot">
+          <p:childTnLst>
+            <p:seq concurrent="1" nextAc="seek">
+              <p:cTn id="2" dur="indefinite" nodeType="mainSeq">
+                <p:childTnLst>
+                  <p:par>
+                    <p:cTn id="3" fill="hold">
+                      <p:stCondLst>
+                        <p:cond delay="indefinite"/>
+                      </p:stCondLst>
+                      <p:childTnLst>
+                        <p:par>
+                          <p:cTn id="4" fill="hold">
+                            <p:stCondLst>
+                              <p:cond delay="0"/>
+                            </p:stCondLst>
+                            <p:childTnLst>
+                              <p:par>
+                                <p:cTn id="5" presetID="1" presetClass="entr" presetSubtype="0" fill="hold" grpId="0" nodeType="clickEffect">
+                                  <p:stCondLst>
+                                    <p:cond delay="0"/>
+                                  </p:stCondLst>
+                                  <p:childTnLst>
+                                    <p:set>
+                                      <p:cBhvr>
+                                        <p:cTn id="6" dur="1" fill="hold">
+                                          <p:stCondLst>
+                                            <p:cond delay="0"/>
+                                          </p:stCondLst>
+                                        </p:cTn>
+                                        <p:tgtEl>
+                                          <p:spTgt spid="5"/>
+                                        </p:tgtEl>
+                                        <p:attrNameLst>
+                                          <p:attrName>style.visibility</p:attrName>
+                                        </p:attrNameLst>
+                                      </p:cBhvr>
+                                      <p:to>
+                                        <p:strVal val="visible"/>
+                                      </p:to>
+                                    </p:set>
+                                  </p:childTnLst>
+                                </p:cTn>
+                              </p:par>
+                              <p:par>
+                                <p:cTn id="7" presetID="1" presetClass="entr" presetSubtype="0" fill="hold" grpId="0" nodeType="withEffect">
+                                  <p:stCondLst>
+                                    <p:cond delay="0"/>
+                                  </p:stCondLst>
+                                  <p:childTnLst>
+                                    <p:set>
+                                      <p:cBhvr>
+                                        <p:cTn id="8" dur="1" fill="hold">
+                                          <p:stCondLst>
+                                            <p:cond delay="0"/>
+                                          </p:stCondLst>
+                                        </p:cTn>
+                                        <p:tgtEl>
+                                          <p:spTgt spid="4"/>
+                                        </p:tgtEl>
+                                        <p:attrNameLst>
+                                          <p:attrName>style.visibility</p:attrName>
+                                        </p:attrNameLst>
+                                      </p:cBhvr>
+                                      <p:to>
+                                        <p:strVal val="visible"/>
+                                      </p:to>
+                                    </p:set>
+                                  </p:childTnLst>
+                                </p:cTn>
+                              </p:par>
+                            </p:childTnLst>
+                          </p:cTn>
+                        </p:par>
+                      </p:childTnLst>
+                    </p:cTn>
+                  </p:par>
+                  <p:par>
+                    <p:cTn id="9" fill="hold">
+                      <p:stCondLst>
+                        <p:cond delay="indefinite"/>
+                      </p:stCondLst>
+                      <p:childTnLst>
+                        <p:par>
+                          <p:cTn id="10" fill="hold">
+                            <p:stCondLst>
+                              <p:cond delay="0"/>
+                            </p:stCondLst>
+                            <p:childTnLst>
+                              <p:par>
+                                <p:cTn id="11" presetID="1" presetClass="entr" presetSubtype="0" fill="hold" grpId="0" nodeType="clickEffect">
+                                  <p:stCondLst>
+                                    <p:cond delay="0"/>
+                                  </p:stCondLst>
+                                  <p:childTnLst>
+                                    <p:set>
+                                      <p:cBhvr>
+                                        <p:cTn id="12" dur="1" fill="hold">
+                                          <p:stCondLst>
+                                            <p:cond delay="0"/>
+                                          </p:stCondLst>
+                                        </p:cTn>
+                                        <p:tgtEl>
+                                          <p:spTgt spid="7"/>
+                                        </p:tgtEl>
+                                        <p:attrNameLst>
+                                          <p:attrName>style.visibility</p:attrName>
+                                        </p:attrNameLst>
+                                      </p:cBhvr>
+                                      <p:to>
+                                        <p:strVal val="visible"/>
+                                      </p:to>
+                                    </p:set>
+                                  </p:childTnLst>
+                                </p:cTn>
+                              </p:par>
+                            </p:childTnLst>
+                          </p:cTn>
+                        </p:par>
+                      </p:childTnLst>
+                    </p:cTn>
+                  </p:par>
+                </p:childTnLst>
+              </p:cTn>
+              <p:prevCondLst>
+                <p:cond evt="onPrev" delay="0">
+                  <p:tgtEl>
+                    <p:sldTgt/>
+                  </p:tgtEl>
+                </p:cond>
+              </p:prevCondLst>
+              <p:nextCondLst>
+                <p:cond evt="onNext" delay="0">
+                  <p:tgtEl>
+                    <p:sldTgt/>
+                  </p:tgtEl>
+                </p:cond>
+              </p:nextCondLst>
+            </p:seq>
+          </p:childTnLst>
+        </p:cTn>
+      </p:par>
+    </p:tnLst>
+    <p:bldLst>
+      <p:bldP spid="4" grpId="0" animBg="1"/>
+      <p:bldP spid="5" grpId="0"/>
+      <p:bldP spid="7" grpId="0"/>
+    </p:bldLst>
+  </p:timing>
+</p:sld>
+</file>
+
+<file path=ppt/slides/slide9.xml><?xml version="1.0" encoding="utf-8"?>
+<p:sld xmlns:a="http://schemas.openxmlformats.org/drawingml/2006/main" xmlns:r="http://schemas.openxmlformats.org/officeDocument/2006/relationships" xmlns:p="http://schemas.openxmlformats.org/presentationml/2006/main">
+  <p:cSld>
+    <p:spTree>
+      <p:nvGrpSpPr>
+        <p:cNvPr id="1" name=""/>
+        <p:cNvGrpSpPr/>
+        <p:nvPr/>
+      </p:nvGrpSpPr>
+      <p:grpSpPr>
+        <a:xfrm>
+          <a:off x="0" y="0"/>
+          <a:ext cx="0" cy="0"/>
+          <a:chOff x="0" y="0"/>
+          <a:chExt cx="0" cy="0"/>
+        </a:xfrm>
+      </p:grpSpPr>
+      <p:sp>
+        <p:nvSpPr>
+          <p:cNvPr id="2" name="Title 1"/>
+          <p:cNvSpPr>
+            <a:spLocks noGrp="1"/>
+          </p:cNvSpPr>
+          <p:nvPr>
+            <p:ph type="title"/>
+          </p:nvPr>
+        </p:nvSpPr>
+        <p:spPr>
+          <a:xfrm>
+            <a:off x="0" y="0"/>
+            <a:ext cx="10515600" cy="701675"/>
+          </a:xfrm>
+        </p:spPr>
+        <p:txBody>
+          <a:bodyPr/>
+          <a:lstStyle/>
+          <a:p>
+            <a:r>
+              <a:rPr lang="en-CA" dirty="0" smtClean="0"/>
+              <a:t>What goes into an intent</a:t>
+            </a:r>
+            <a:endParaRPr lang="en-CA" dirty="0"/>
+          </a:p>
+        </p:txBody>
+      </p:sp>
+      <p:sp>
+        <p:nvSpPr>
+          <p:cNvPr id="3" name="Content Placeholder 2"/>
+          <p:cNvSpPr>
+            <a:spLocks noGrp="1"/>
+          </p:cNvSpPr>
+          <p:nvPr>
+            <p:ph idx="1"/>
+          </p:nvPr>
+        </p:nvSpPr>
+        <p:spPr>
+          <a:xfrm>
+            <a:off x="0" y="897370"/>
+            <a:ext cx="12192000" cy="5157066"/>
+          </a:xfrm>
+        </p:spPr>
+        <p:txBody>
+          <a:bodyPr>
+            <a:normAutofit fontScale="92500" lnSpcReduction="10000"/>
+          </a:bodyPr>
+          <a:lstStyle/>
+          <a:p>
+            <a:r>
+              <a:rPr lang="en-CA" dirty="0" smtClean="0"/>
+              <a:t>Component </a:t>
+            </a:r>
+            <a:r>
+              <a:rPr lang="en-CA" dirty="0" smtClean="0"/>
+              <a:t>name</a:t>
+            </a:r>
+          </a:p>
+          <a:p>
+            <a:pPr lvl="1"/>
+            <a:r>
+              <a:rPr lang="en-CA" dirty="0" smtClean="0"/>
+              <a:t>The name of the component to start (optional), makes intent explicit if used</a:t>
+            </a:r>
+            <a:endParaRPr lang="en-CA" dirty="0" smtClean="0"/>
+          </a:p>
+          <a:p>
+            <a:r>
+              <a:rPr lang="en-CA" dirty="0" smtClean="0"/>
+              <a:t>Action</a:t>
+            </a:r>
+          </a:p>
+          <a:p>
+            <a:pPr lvl="1"/>
+            <a:r>
+              <a:rPr lang="en-CA" dirty="0" smtClean="0"/>
+              <a:t>Specifies the generic action to perform (view, pick, etc.)</a:t>
+            </a:r>
+          </a:p>
+          <a:p>
+            <a:pPr lvl="1"/>
+            <a:r>
+              <a:rPr lang="en-CA" dirty="0" smtClean="0"/>
+              <a:t>Example: ACTION_VIEW with </a:t>
+            </a:r>
+            <a:r>
+              <a:rPr lang="en-CA" dirty="0" err="1" smtClean="0"/>
+              <a:t>startActivity</a:t>
+            </a:r>
+            <a:r>
+              <a:rPr lang="en-CA" dirty="0" smtClean="0"/>
+              <a:t>() if you want to launch a gallery app to display a photo</a:t>
+            </a:r>
+            <a:endParaRPr lang="en-CA" dirty="0" smtClean="0"/>
+          </a:p>
+          <a:p>
+            <a:r>
+              <a:rPr lang="en-CA" dirty="0" smtClean="0"/>
+              <a:t>Data </a:t>
+            </a:r>
+            <a:endParaRPr lang="en-CA" dirty="0" smtClean="0"/>
+          </a:p>
+          <a:p>
+            <a:pPr lvl="1"/>
+            <a:r>
+              <a:rPr lang="en-CA" dirty="0" smtClean="0"/>
+              <a:t>URI (uniform resources identifier) + MIME type (multipurpose internet mail extension) helps android system find the best component to serve your intent</a:t>
+            </a:r>
+            <a:endParaRPr lang="en-CA" dirty="0" smtClean="0"/>
+          </a:p>
+          <a:p>
+            <a:r>
+              <a:rPr lang="en-CA" dirty="0" smtClean="0"/>
+              <a:t>Category</a:t>
+            </a:r>
+          </a:p>
+          <a:p>
+            <a:pPr lvl="1"/>
+            <a:r>
+              <a:rPr lang="en-CA" dirty="0" smtClean="0"/>
+              <a:t>Most intents do not require this, but it is a string containing additional information about the kind of component that should handle the intent</a:t>
+            </a:r>
+            <a:endParaRPr lang="en-CA" dirty="0" smtClean="0"/>
+          </a:p>
+          <a:p>
+            <a:r>
+              <a:rPr lang="en-CA" dirty="0" smtClean="0"/>
+              <a:t>Extras</a:t>
+            </a:r>
+          </a:p>
+          <a:p>
+            <a:pPr lvl="1"/>
+            <a:r>
+              <a:rPr lang="en-CA" dirty="0" smtClean="0"/>
+              <a:t>Key-value pairs carrying additional information required to complete the requested action, example, the email address of a recipient if you are creating an intent to open an email app</a:t>
+            </a:r>
+            <a:endParaRPr lang="en-CA" dirty="0"/>
+          </a:p>
+        </p:txBody>
+      </p:sp>
+      <p:sp>
+        <p:nvSpPr>
+          <p:cNvPr id="4" name="TextBox 3"/>
+          <p:cNvSpPr txBox="1"/>
+          <p:nvPr/>
+        </p:nvSpPr>
+        <p:spPr>
+          <a:xfrm>
+            <a:off x="1219200" y="6303818"/>
+            <a:ext cx="8534400" cy="369332"/>
+          </a:xfrm>
+          <a:prstGeom prst="rect">
+            <a:avLst/>
+          </a:prstGeom>
+          <a:noFill/>
+        </p:spPr>
+        <p:txBody>
+          <a:bodyPr wrap="square" rtlCol="0">
+            <a:spAutoFit/>
+          </a:bodyPr>
+          <a:lstStyle/>
+          <a:p>
+            <a:r>
+              <a:rPr lang="en-CA" dirty="0">
+                <a:hlinkClick r:id="rId2"/>
+              </a:rPr>
+              <a:t>https://developer.android.com/guide/components/intents-filters</a:t>
+            </a:r>
+            <a:endParaRPr lang="en-CA" dirty="0"/>
+          </a:p>
+        </p:txBody>
+      </p:sp>
+    </p:spTree>
+    <p:extLst>
+      <p:ext uri="{BB962C8B-B14F-4D97-AF65-F5344CB8AC3E}">
+        <p14:creationId xmlns:p14="http://schemas.microsoft.com/office/powerpoint/2010/main" val="118504736"/>
+      </p:ext>
+    </p:extLst>
+  </p:cSld>
+  <p:clrMapOvr>
+    <a:masterClrMapping/>
+  </p:clrMapOvr>
+  <p:timing>
+    <p:tnLst>
+      <p:par>
+        <p:cTn id="1" dur="indefinite" restart="never" nodeType="tmRoot">
+          <p:childTnLst>
+            <p:seq concurrent="1" nextAc="seek">
+              <p:cTn id="2" dur="indefinite" nodeType="mainSeq">
+                <p:childTnLst>
+                  <p:par>
+                    <p:cTn id="3" fill="hold">
+                      <p:stCondLst>
+                        <p:cond delay="indefinite"/>
+                      </p:stCondLst>
+                      <p:childTnLst>
+                        <p:par>
+                          <p:cTn id="4" fill="hold">
+                            <p:stCondLst>
+                              <p:cond delay="0"/>
+                            </p:stCondLst>
+                            <p:childTnLst>
+                              <p:par>
+                                <p:cTn id="5" presetID="1" presetClass="entr" presetSubtype="0" fill="hold" grpId="0" nodeType="clickEffect">
+                                  <p:stCondLst>
+                                    <p:cond delay="0"/>
+                                  </p:stCondLst>
+                                  <p:childTnLst>
+                                    <p:set>
+                                      <p:cBhvr>
+                                        <p:cTn id="6" dur="1" fill="hold">
+                                          <p:stCondLst>
+                                            <p:cond delay="0"/>
+                                          </p:stCondLst>
+                                        </p:cTn>
+                                        <p:tgtEl>
+                                          <p:spTgt spid="3">
+                                            <p:txEl>
+                                              <p:pRg st="0" end="0"/>
+                                            </p:txEl>
+                                          </p:spTgt>
+                                        </p:tgtEl>
+                                        <p:attrNameLst>
+                                          <p:attrName>style.visibility</p:attrName>
+                                        </p:attrNameLst>
+                                      </p:cBhvr>
+                                      <p:to>
+                                        <p:strVal val="visible"/>
+                                      </p:to>
+                                    </p:set>
+                                  </p:childTnLst>
+                                </p:cTn>
+                              </p:par>
+                              <p:par>
+                                <p:cTn id="7" presetID="1" presetClass="entr" presetSubtype="0" fill="hold" grpId="0" nodeType="withEffect">
+                                  <p:stCondLst>
+                                    <p:cond delay="0"/>
+                                  </p:stCondLst>
+                                  <p:childTnLst>
+                                    <p:set>
+                                      <p:cBhvr>
+                                        <p:cTn id="8" dur="1" fill="hold">
+                                          <p:stCondLst>
+                                            <p:cond delay="0"/>
+                                          </p:stCondLst>
+                                        </p:cTn>
+                                        <p:tgtEl>
+                                          <p:spTgt spid="3">
+                                            <p:txEl>
+                                              <p:pRg st="1" end="1"/>
+                                            </p:txEl>
+                                          </p:spTgt>
+                                        </p:tgtEl>
+                                        <p:attrNameLst>
+                                          <p:attrName>style.visibility</p:attrName>
+                                        </p:attrNameLst>
+                                      </p:cBhvr>
+                                      <p:to>
+                                        <p:strVal val="visible"/>
+                                      </p:to>
+                                    </p:set>
+                                  </p:childTnLst>
+                                </p:cTn>
+                              </p:par>
+                            </p:childTnLst>
+                          </p:cTn>
+                        </p:par>
+                      </p:childTnLst>
+                    </p:cTn>
+                  </p:par>
+                  <p:par>
+                    <p:cTn id="9" fill="hold">
+                      <p:stCondLst>
+                        <p:cond delay="indefinite"/>
+                      </p:stCondLst>
+                      <p:childTnLst>
+                        <p:par>
+                          <p:cTn id="10" fill="hold">
+                            <p:stCondLst>
+                              <p:cond delay="0"/>
+                            </p:stCondLst>
+                            <p:childTnLst>
+                              <p:par>
+                                <p:cTn id="11" presetID="1" presetClass="entr" presetSubtype="0" fill="hold" grpId="0" nodeType="clickEffect">
+                                  <p:stCondLst>
+                                    <p:cond delay="0"/>
+                                  </p:stCondLst>
+                                  <p:childTnLst>
+                                    <p:set>
+                                      <p:cBhvr>
+                                        <p:cTn id="12" dur="1" fill="hold">
+                                          <p:stCondLst>
+                                            <p:cond delay="0"/>
+                                          </p:stCondLst>
+                                        </p:cTn>
+                                        <p:tgtEl>
+                                          <p:spTgt spid="3">
+                                            <p:txEl>
+                                              <p:pRg st="2" end="2"/>
+                                            </p:txEl>
+                                          </p:spTgt>
+                                        </p:tgtEl>
+                                        <p:attrNameLst>
+                                          <p:attrName>style.visibility</p:attrName>
+                                        </p:attrNameLst>
+                                      </p:cBhvr>
+                                      <p:to>
+                                        <p:strVal val="visible"/>
+                                      </p:to>
+                                    </p:set>
+                                  </p:childTnLst>
+                                </p:cTn>
+                              </p:par>
+                              <p:par>
+                                <p:cTn id="13" presetID="1" presetClass="entr" presetSubtype="0" fill="hold" grpId="0" nodeType="withEffect">
+                                  <p:stCondLst>
+                                    <p:cond delay="0"/>
+                                  </p:stCondLst>
+                                  <p:childTnLst>
+                                    <p:set>
+                                      <p:cBhvr>
+                                        <p:cTn id="14" dur="1" fill="hold">
+                                          <p:stCondLst>
+                                            <p:cond delay="0"/>
+                                          </p:stCondLst>
+                                        </p:cTn>
+                                        <p:tgtEl>
+                                          <p:spTgt spid="3">
+                                            <p:txEl>
+                                              <p:pRg st="3" end="3"/>
+                                            </p:txEl>
+                                          </p:spTgt>
+                                        </p:tgtEl>
+                                        <p:attrNameLst>
+                                          <p:attrName>style.visibility</p:attrName>
+                                        </p:attrNameLst>
+                                      </p:cBhvr>
+                                      <p:to>
+                                        <p:strVal val="visible"/>
+                                      </p:to>
+                                    </p:set>
+                                  </p:childTnLst>
+                                </p:cTn>
+                              </p:par>
+                              <p:par>
+                                <p:cTn id="15" presetID="1" presetClass="entr" presetSubtype="0" fill="hold" grpId="0" nodeType="withEffect">
+                                  <p:stCondLst>
+                                    <p:cond delay="0"/>
+                                  </p:stCondLst>
+                                  <p:childTnLst>
+                                    <p:set>
+                                      <p:cBhvr>
+                                        <p:cTn id="16" dur="1" fill="hold">
+                                          <p:stCondLst>
+                                            <p:cond delay="0"/>
+                                          </p:stCondLst>
+                                        </p:cTn>
+                                        <p:tgtEl>
+                                          <p:spTgt spid="3">
+                                            <p:txEl>
+                                              <p:pRg st="4" end="4"/>
+                                            </p:txEl>
+                                          </p:spTgt>
+                                        </p:tgtEl>
+                                        <p:attrNameLst>
+                                          <p:attrName>style.visibility</p:attrName>
+                                        </p:attrNameLst>
+                                      </p:cBhvr>
+                                      <p:to>
+                                        <p:strVal val="visible"/>
+                                      </p:to>
+                                    </p:set>
+                                  </p:childTnLst>
+                                </p:cTn>
+                              </p:par>
+                            </p:childTnLst>
+                          </p:cTn>
+                        </p:par>
+                      </p:childTnLst>
+                    </p:cTn>
+                  </p:par>
+                  <p:par>
+                    <p:cTn id="17" fill="hold">
+                      <p:stCondLst>
+                        <p:cond delay="indefinite"/>
+                      </p:stCondLst>
+                      <p:childTnLst>
+                        <p:par>
+                          <p:cTn id="18" fill="hold">
+                            <p:stCondLst>
+                              <p:cond delay="0"/>
+                            </p:stCondLst>
+                            <p:childTnLst>
+                              <p:par>
+                                <p:cTn id="19" presetID="1" presetClass="entr" presetSubtype="0" fill="hold" grpId="0" nodeType="clickEffect">
+                                  <p:stCondLst>
+                                    <p:cond delay="0"/>
+                                  </p:stCondLst>
+                                  <p:childTnLst>
+                                    <p:set>
+                                      <p:cBhvr>
+                                        <p:cTn id="20" dur="1" fill="hold">
+                                          <p:stCondLst>
+                                            <p:cond delay="0"/>
+                                          </p:stCondLst>
+                                        </p:cTn>
+                                        <p:tgtEl>
+                                          <p:spTgt spid="3">
+                                            <p:txEl>
+                                              <p:pRg st="5" end="5"/>
+                                            </p:txEl>
+                                          </p:spTgt>
+                                        </p:tgtEl>
+                                        <p:attrNameLst>
+                                          <p:attrName>style.visibility</p:attrName>
+                                        </p:attrNameLst>
+                                      </p:cBhvr>
+                                      <p:to>
+                                        <p:strVal val="visible"/>
+                                      </p:to>
+                                    </p:set>
+                                  </p:childTnLst>
+                                </p:cTn>
+                              </p:par>
+                              <p:par>
+                                <p:cTn id="21" presetID="1" presetClass="entr" presetSubtype="0" fill="hold" grpId="0" nodeType="withEffect">
+                                  <p:stCondLst>
+                                    <p:cond delay="0"/>
+                                  </p:stCondLst>
+                                  <p:childTnLst>
+                                    <p:set>
+                                      <p:cBhvr>
+                                        <p:cTn id="22" dur="1" fill="hold">
+                                          <p:stCondLst>
+                                            <p:cond delay="0"/>
+                                          </p:stCondLst>
+                                        </p:cTn>
+                                        <p:tgtEl>
+                                          <p:spTgt spid="3">
+                                            <p:txEl>
+                                              <p:pRg st="6" end="6"/>
+                                            </p:txEl>
+                                          </p:spTgt>
+                                        </p:tgtEl>
+                                        <p:attrNameLst>
+                                          <p:attrName>style.visibility</p:attrName>
+                                        </p:attrNameLst>
+                                      </p:cBhvr>
+                                      <p:to>
+                                        <p:strVal val="visible"/>
+                                      </p:to>
+                                    </p:set>
+                                  </p:childTnLst>
+                                </p:cTn>
+                              </p:par>
+                            </p:childTnLst>
+                          </p:cTn>
+                        </p:par>
+                      </p:childTnLst>
+                    </p:cTn>
+                  </p:par>
+                  <p:par>
+                    <p:cTn id="23" fill="hold">
+                      <p:stCondLst>
+                        <p:cond delay="indefinite"/>
+                      </p:stCondLst>
+                      <p:childTnLst>
+                        <p:par>
+                          <p:cTn id="24" fill="hold">
+                            <p:stCondLst>
+                              <p:cond delay="0"/>
+                            </p:stCondLst>
+                            <p:childTnLst>
+                              <p:par>
+                                <p:cTn id="25" presetID="1" presetClass="entr" presetSubtype="0" fill="hold" grpId="0" nodeType="clickEffect">
+                                  <p:stCondLst>
+                                    <p:cond delay="0"/>
+                                  </p:stCondLst>
+                                  <p:childTnLst>
+                                    <p:set>
+                                      <p:cBhvr>
+                                        <p:cTn id="26" dur="1" fill="hold">
+                                          <p:stCondLst>
+                                            <p:cond delay="0"/>
+                                          </p:stCondLst>
+                                        </p:cTn>
+                                        <p:tgtEl>
+                                          <p:spTgt spid="3">
+                                            <p:txEl>
+                                              <p:pRg st="7" end="7"/>
+                                            </p:txEl>
+                                          </p:spTgt>
+                                        </p:tgtEl>
+                                        <p:attrNameLst>
+                                          <p:attrName>style.visibility</p:attrName>
+                                        </p:attrNameLst>
+                                      </p:cBhvr>
+                                      <p:to>
+                                        <p:strVal val="visible"/>
+                                      </p:to>
+                                    </p:set>
+                                  </p:childTnLst>
+                                </p:cTn>
+                              </p:par>
+                              <p:par>
+                                <p:cTn id="27" presetID="1" presetClass="entr" presetSubtype="0" fill="hold" grpId="0" nodeType="withEffect">
+                                  <p:stCondLst>
+                                    <p:cond delay="0"/>
+                                  </p:stCondLst>
+                                  <p:childTnLst>
+                                    <p:set>
+                                      <p:cBhvr>
+                                        <p:cTn id="28" dur="1" fill="hold">
+                                          <p:stCondLst>
+                                            <p:cond delay="0"/>
+                                          </p:stCondLst>
+                                        </p:cTn>
+                                        <p:tgtEl>
+                                          <p:spTgt spid="3">
+                                            <p:txEl>
+                                              <p:pRg st="8" end="8"/>
+                                            </p:txEl>
+                                          </p:spTgt>
+                                        </p:tgtEl>
+                                        <p:attrNameLst>
+                                          <p:attrName>style.visibility</p:attrName>
+                                        </p:attrNameLst>
+                                      </p:cBhvr>
+                                      <p:to>
+                                        <p:strVal val="visible"/>
+                                      </p:to>
+                                    </p:set>
+                                  </p:childTnLst>
+                                </p:cTn>
+                              </p:par>
+                            </p:childTnLst>
+                          </p:cTn>
+                        </p:par>
+                      </p:childTnLst>
+                    </p:cTn>
+                  </p:par>
+                  <p:par>
+                    <p:cTn id="29" fill="hold">
+                      <p:stCondLst>
+                        <p:cond delay="indefinite"/>
+                      </p:stCondLst>
+                      <p:childTnLst>
+                        <p:par>
+                          <p:cTn id="30" fill="hold">
+                            <p:stCondLst>
+                              <p:cond delay="0"/>
+                            </p:stCondLst>
+                            <p:childTnLst>
+                              <p:par>
+                                <p:cTn id="31" presetID="1" presetClass="entr" presetSubtype="0" fill="hold" grpId="0" nodeType="clickEffect">
+                                  <p:stCondLst>
+                                    <p:cond delay="0"/>
+                                  </p:stCondLst>
+                                  <p:childTnLst>
+                                    <p:set>
+                                      <p:cBhvr>
+                                        <p:cTn id="32" dur="1" fill="hold">
+                                          <p:stCondLst>
+                                            <p:cond delay="0"/>
+                                          </p:stCondLst>
+                                        </p:cTn>
+                                        <p:tgtEl>
+                                          <p:spTgt spid="3">
+                                            <p:txEl>
+                                              <p:pRg st="9" end="9"/>
+                                            </p:txEl>
+                                          </p:spTgt>
+                                        </p:tgtEl>
+                                        <p:attrNameLst>
+                                          <p:attrName>style.visibility</p:attrName>
+                                        </p:attrNameLst>
+                                      </p:cBhvr>
+                                      <p:to>
+                                        <p:strVal val="visible"/>
+                                      </p:to>
+                                    </p:set>
+                                  </p:childTnLst>
+                                </p:cTn>
+                              </p:par>
+                              <p:par>
+                                <p:cTn id="33" presetID="1" presetClass="entr" presetSubtype="0" fill="hold" grpId="0" nodeType="withEffect">
+                                  <p:stCondLst>
+                                    <p:cond delay="0"/>
+                                  </p:stCondLst>
+                                  <p:childTnLst>
+                                    <p:set>
+                                      <p:cBhvr>
+                                        <p:cTn id="34" dur="1" fill="hold">
+                                          <p:stCondLst>
+                                            <p:cond delay="0"/>
+                                          </p:stCondLst>
+                                        </p:cTn>
+                                        <p:tgtEl>
+                                          <p:spTgt spid="3">
+                                            <p:txEl>
+                                              <p:pRg st="10" end="10"/>
+                                            </p:txEl>
+                                          </p:spTgt>
+                                        </p:tgtEl>
+                                        <p:attrNameLst>
+                                          <p:attrName>style.visibility</p:attrName>
+                                        </p:attrNameLst>
+                                      </p:cBhvr>
+                                      <p:to>
+                                        <p:strVal val="visible"/>
+                                      </p:to>
+                                    </p:set>
+                                  </p:childTnLst>
+                                </p:cTn>
+                              </p:par>
+                            </p:childTnLst>
+                          </p:cTn>
+                        </p:par>
+                      </p:childTnLst>
+                    </p:cTn>
+                  </p:par>
+                </p:childTnLst>
+              </p:cTn>
+              <p:prevCondLst>
+                <p:cond evt="onPrev" delay="0">
+                  <p:tgtEl>
+                    <p:sldTgt/>
+                  </p:tgtEl>
+                </p:cond>
+              </p:prevCondLst>
+              <p:nextCondLst>
+                <p:cond evt="onNext" delay="0">
+                  <p:tgtEl>
+                    <p:sldTgt/>
+                  </p:tgtEl>
+                </p:cond>
+              </p:nextCondLst>
+            </p:seq>
+          </p:childTnLst>
+        </p:cTn>
+      </p:par>
+    </p:tnLst>
+    <p:bldLst>
+      <p:bldP spid="3" grpId="0" build="p"/>
+    </p:bldLst>
   </p:timing>
 </p:sld>
 </file>
